--- a/materials/slides/ch07-message-queue.pptx
+++ b/materials/slides/ch07-message-queue.pptx
@@ -5,26 +5,33 @@
     <p:sldMasterId id="2147483648" r:id="rId1"/>
   </p:sldMasterIdLst>
   <p:notesMasterIdLst>
-    <p:notesMasterId r:id="rId16"/>
+    <p:notesMasterId r:id="rId23"/>
   </p:notesMasterIdLst>
   <p:handoutMasterIdLst>
-    <p:handoutMasterId r:id="rId17"/>
+    <p:handoutMasterId r:id="rId24"/>
   </p:handoutMasterIdLst>
   <p:sldIdLst>
     <p:sldId id="257" r:id="rId2"/>
     <p:sldId id="283" r:id="rId3"/>
     <p:sldId id="284" r:id="rId4"/>
-    <p:sldId id="285" r:id="rId5"/>
-    <p:sldId id="287" r:id="rId6"/>
-    <p:sldId id="288" r:id="rId7"/>
-    <p:sldId id="286" r:id="rId8"/>
-    <p:sldId id="261" r:id="rId9"/>
-    <p:sldId id="278" r:id="rId10"/>
-    <p:sldId id="279" r:id="rId11"/>
-    <p:sldId id="282" r:id="rId12"/>
-    <p:sldId id="262" r:id="rId13"/>
-    <p:sldId id="280" r:id="rId14"/>
-    <p:sldId id="281" r:id="rId15"/>
+    <p:sldId id="291" r:id="rId5"/>
+    <p:sldId id="292" r:id="rId6"/>
+    <p:sldId id="293" r:id="rId7"/>
+    <p:sldId id="285" r:id="rId8"/>
+    <p:sldId id="287" r:id="rId9"/>
+    <p:sldId id="288" r:id="rId10"/>
+    <p:sldId id="290" r:id="rId11"/>
+    <p:sldId id="289" r:id="rId12"/>
+    <p:sldId id="294" r:id="rId13"/>
+    <p:sldId id="286" r:id="rId14"/>
+    <p:sldId id="261" r:id="rId15"/>
+    <p:sldId id="278" r:id="rId16"/>
+    <p:sldId id="279" r:id="rId17"/>
+    <p:sldId id="282" r:id="rId18"/>
+    <p:sldId id="262" r:id="rId19"/>
+    <p:sldId id="280" r:id="rId20"/>
+    <p:sldId id="281" r:id="rId21"/>
+    <p:sldId id="295" r:id="rId22"/>
   </p:sldIdLst>
   <p:sldSz cx="12192000" cy="6858000"/>
   <p:notesSz cx="6858000" cy="9144000"/>
@@ -228,7 +235,7 @@
           <a:p>
             <a:fld id="{E923E828-953C-4D4A-9B10-11E7329F433D}" type="datetimeFigureOut">
               <a:rPr lang="zh-CN" altLang="en-US" smtClean="0"/>
-              <a:t>2018/2/22</a:t>
+              <a:t>2018/2/24</a:t>
             </a:fld>
             <a:endParaRPr lang="zh-CN" altLang="en-US"/>
           </a:p>
@@ -409,7 +416,7 @@
           <a:p>
             <a:fld id="{867C5346-22E5-4085-8130-851344A84DFF}" type="datetimeFigureOut">
               <a:rPr lang="zh-CN" altLang="en-US" smtClean="0"/>
-              <a:t>2018/2/22</a:t>
+              <a:t>2018/2/24</a:t>
             </a:fld>
             <a:endParaRPr lang="zh-CN" altLang="en-US"/>
           </a:p>
@@ -835,7 +842,7 @@
           <a:p>
             <a:fld id="{A5E21016-498F-4141-B0CA-D95A38CA7D62}" type="datetimeFigureOut">
               <a:rPr lang="zh-CN" altLang="en-US" smtClean="0"/>
-              <a:t>2018/2/22</a:t>
+              <a:t>2018/2/24</a:t>
             </a:fld>
             <a:endParaRPr lang="zh-CN" altLang="en-US"/>
           </a:p>
@@ -1065,7 +1072,7 @@
           <a:p>
             <a:fld id="{A5E21016-498F-4141-B0CA-D95A38CA7D62}" type="datetimeFigureOut">
               <a:rPr lang="zh-CN" altLang="en-US" smtClean="0"/>
-              <a:t>2018/2/22</a:t>
+              <a:t>2018/2/24</a:t>
             </a:fld>
             <a:endParaRPr lang="zh-CN" altLang="en-US"/>
           </a:p>
@@ -1300,7 +1307,7 @@
           <a:p>
             <a:fld id="{A5E21016-498F-4141-B0CA-D95A38CA7D62}" type="datetimeFigureOut">
               <a:rPr lang="zh-CN" altLang="en-US" smtClean="0"/>
-              <a:t>2018/2/22</a:t>
+              <a:t>2018/2/24</a:t>
             </a:fld>
             <a:endParaRPr lang="zh-CN" altLang="en-US"/>
           </a:p>
@@ -1862,7 +1869,7 @@
           <a:p>
             <a:fld id="{A5E21016-498F-4141-B0CA-D95A38CA7D62}" type="datetimeFigureOut">
               <a:rPr lang="zh-CN" altLang="en-US" smtClean="0"/>
-              <a:t>2018/2/22</a:t>
+              <a:t>2018/2/24</a:t>
             </a:fld>
             <a:endParaRPr lang="zh-CN" altLang="en-US"/>
           </a:p>
@@ -2159,7 +2166,7 @@
           <a:p>
             <a:fld id="{A5E21016-498F-4141-B0CA-D95A38CA7D62}" type="datetimeFigureOut">
               <a:rPr lang="zh-CN" altLang="en-US" smtClean="0"/>
-              <a:t>2018/2/22</a:t>
+              <a:t>2018/2/24</a:t>
             </a:fld>
             <a:endParaRPr lang="zh-CN" altLang="en-US"/>
           </a:p>
@@ -2598,7 +2605,7 @@
           <a:p>
             <a:fld id="{A5E21016-498F-4141-B0CA-D95A38CA7D62}" type="datetimeFigureOut">
               <a:rPr lang="zh-CN" altLang="en-US" smtClean="0"/>
-              <a:t>2018/2/22</a:t>
+              <a:t>2018/2/24</a:t>
             </a:fld>
             <a:endParaRPr lang="zh-CN" altLang="en-US"/>
           </a:p>
@@ -2771,7 +2778,7 @@
           <a:p>
             <a:fld id="{A5E21016-498F-4141-B0CA-D95A38CA7D62}" type="datetimeFigureOut">
               <a:rPr lang="zh-CN" altLang="en-US" smtClean="0"/>
-              <a:t>2018/2/22</a:t>
+              <a:t>2018/2/24</a:t>
             </a:fld>
             <a:endParaRPr lang="zh-CN" altLang="en-US"/>
           </a:p>
@@ -2908,7 +2915,7 @@
           <a:p>
             <a:fld id="{A5E21016-498F-4141-B0CA-D95A38CA7D62}" type="datetimeFigureOut">
               <a:rPr lang="zh-CN" altLang="en-US" smtClean="0"/>
-              <a:t>2018/2/22</a:t>
+              <a:t>2018/2/24</a:t>
             </a:fld>
             <a:endParaRPr lang="zh-CN" altLang="en-US"/>
           </a:p>
@@ -3246,7 +3253,7 @@
           <a:p>
             <a:fld id="{A5E21016-498F-4141-B0CA-D95A38CA7D62}" type="datetimeFigureOut">
               <a:rPr lang="zh-CN" altLang="en-US" smtClean="0"/>
-              <a:t>2018/2/22</a:t>
+              <a:t>2018/2/24</a:t>
             </a:fld>
             <a:endParaRPr lang="zh-CN" altLang="en-US"/>
           </a:p>
@@ -3561,7 +3568,7 @@
           <a:p>
             <a:fld id="{A5E21016-498F-4141-B0CA-D95A38CA7D62}" type="datetimeFigureOut">
               <a:rPr lang="zh-CN" altLang="en-US" smtClean="0"/>
-              <a:t>2018/2/22</a:t>
+              <a:t>2018/2/24</a:t>
             </a:fld>
             <a:endParaRPr lang="zh-CN" altLang="en-US"/>
           </a:p>
@@ -4413,12 +4420,12 @@
           <a:lstStyle/>
           <a:p>
             <a:r>
-              <a:rPr lang="en-US" altLang="zh-CN" dirty="0" err="1"/>
-              <a:t>Redis</a:t>
+              <a:rPr lang="en-US" altLang="zh-CN" dirty="0"/>
+              <a:t>Semaphore</a:t>
             </a:r>
             <a:r>
               <a:rPr lang="zh-CN" altLang="en-US" dirty="0"/>
-              <a:t>客户端工具</a:t>
+              <a:t>消息队列示例</a:t>
             </a:r>
           </a:p>
         </p:txBody>
@@ -4446,236 +4453,127 @@
           </a:xfrm>
         </p:spPr>
         <p:txBody>
-          <a:bodyPr/>
+          <a:bodyPr>
+            <a:normAutofit/>
+          </a:bodyPr>
           <a:lstStyle/>
           <a:p>
             <a:r>
               <a:rPr lang="zh-CN" altLang="en-US" sz="2000" dirty="0"/>
-              <a:t>运行</a:t>
+              <a:t>发送方代码：</a:t>
+            </a:r>
+            <a:endParaRPr lang="en-US" altLang="zh-CN" sz="2000" dirty="0"/>
+          </a:p>
+          <a:p>
+            <a:r>
+              <a:rPr lang="en-US" altLang="zh-CN" sz="2000" dirty="0"/>
+              <a:t>$</a:t>
             </a:r>
             <a:r>
               <a:rPr lang="en-US" altLang="zh-CN" sz="2000" dirty="0" err="1"/>
-              <a:t>redis</a:t>
+              <a:t>mq</a:t>
             </a:r>
             <a:r>
               <a:rPr lang="en-US" altLang="zh-CN" sz="2000" dirty="0"/>
-              <a:t>-cli</a:t>
-            </a:r>
-            <a:r>
-              <a:rPr lang="zh-CN" altLang="en-US" sz="2000" dirty="0"/>
-              <a:t>直接就会连接</a:t>
+              <a:t> = </a:t>
             </a:r>
             <a:r>
               <a:rPr lang="en-US" altLang="zh-CN" sz="2000" dirty="0" err="1"/>
-              <a:t>redis</a:t>
+              <a:t>msg_get_queue</a:t>
             </a:r>
             <a:r>
               <a:rPr lang="en-US" altLang="zh-CN" sz="2000" dirty="0"/>
-              <a:t>-server</a:t>
-            </a:r>
-            <a:r>
-              <a:rPr lang="zh-CN" altLang="en-US" sz="2000" dirty="0"/>
-              <a:t>，不需要参数。</a:t>
-            </a:r>
-            <a:endParaRPr lang="en-US" altLang="zh-CN" sz="2000" dirty="0"/>
-          </a:p>
-          <a:p>
-            <a:endParaRPr lang="en-US" altLang="zh-CN" sz="2000" dirty="0"/>
-          </a:p>
-          <a:p>
-            <a:endParaRPr lang="en-US" altLang="zh-CN" sz="2000" dirty="0"/>
-          </a:p>
-          <a:p>
-            <a:endParaRPr lang="en-US" altLang="zh-CN" sz="2000" dirty="0"/>
-          </a:p>
-          <a:p>
-            <a:endParaRPr lang="en-US" altLang="zh-CN" sz="2000" dirty="0"/>
-          </a:p>
-          <a:p>
-            <a:endParaRPr lang="en-US" altLang="zh-CN" sz="2000" dirty="0"/>
-          </a:p>
-          <a:p>
-            <a:r>
-              <a:rPr lang="zh-CN" altLang="en-US" sz="2000" dirty="0"/>
-              <a:t>命令示例：</a:t>
-            </a:r>
-            <a:endParaRPr lang="en-US" altLang="zh-CN" sz="2000" dirty="0"/>
-          </a:p>
-          <a:p>
-            <a:pPr lvl="1"/>
-            <a:r>
-              <a:rPr lang="zh-CN" altLang="en-US" sz="1800" dirty="0"/>
-              <a:t>添加： </a:t>
-            </a:r>
-            <a:r>
-              <a:rPr lang="en-US" altLang="zh-CN" sz="1800" dirty="0"/>
-              <a:t>append  brave  master  //</a:t>
-            </a:r>
-            <a:r>
-              <a:rPr lang="zh-CN" altLang="en-US" sz="1800" dirty="0"/>
-              <a:t>如果重复此操作，则会在</a:t>
-            </a:r>
-            <a:r>
-              <a:rPr lang="en-US" altLang="zh-CN" sz="1800" dirty="0"/>
-              <a:t>key</a:t>
-            </a:r>
-            <a:r>
-              <a:rPr lang="zh-CN" altLang="en-US" sz="1800" dirty="0"/>
-              <a:t>索引的值后面添加数据</a:t>
-            </a:r>
-            <a:endParaRPr lang="en-US" altLang="zh-CN" sz="1800" dirty="0"/>
-          </a:p>
-          <a:p>
-            <a:pPr lvl="1"/>
-            <a:r>
-              <a:rPr lang="zh-CN" altLang="en-US" sz="1800" dirty="0"/>
-              <a:t>获取： </a:t>
-            </a:r>
-            <a:r>
-              <a:rPr lang="en-US" altLang="zh-CN" sz="1800" dirty="0"/>
-              <a:t>get  brave</a:t>
-            </a:r>
-          </a:p>
-          <a:p>
-            <a:pPr lvl="1"/>
-            <a:r>
-              <a:rPr lang="zh-CN" altLang="en-US" sz="1800" dirty="0"/>
-              <a:t>重置： </a:t>
-            </a:r>
-            <a:r>
-              <a:rPr lang="en-US" altLang="zh-CN" sz="1800" dirty="0"/>
-              <a:t>set  brave  programmer  //</a:t>
-            </a:r>
-            <a:r>
-              <a:rPr lang="zh-CN" altLang="en-US" sz="1800" dirty="0"/>
-              <a:t>如果没有此索引，则会创建</a:t>
-            </a:r>
-            <a:endParaRPr lang="en-US" altLang="zh-CN" sz="1800" dirty="0"/>
-          </a:p>
-          <a:p>
-            <a:pPr lvl="1"/>
-            <a:r>
-              <a:rPr lang="zh-CN" altLang="en-US" sz="1800" dirty="0"/>
-              <a:t>删除： </a:t>
-            </a:r>
-            <a:r>
-              <a:rPr lang="en-US" altLang="zh-CN" sz="1800" dirty="0"/>
-              <a:t>del  brave</a:t>
-            </a:r>
-          </a:p>
-          <a:p>
-            <a:pPr lvl="1"/>
-            <a:r>
-              <a:rPr lang="zh-CN" altLang="en-US" sz="1800" dirty="0"/>
-              <a:t>列表：</a:t>
-            </a:r>
-            <a:r>
-              <a:rPr lang="en-US" altLang="zh-CN" sz="1800" dirty="0" err="1"/>
-              <a:t>lpush</a:t>
-            </a:r>
-            <a:r>
-              <a:rPr lang="en-US" altLang="zh-CN" sz="1800" dirty="0"/>
-              <a:t> [ LIST KEY ] [ VALUE ]</a:t>
-            </a:r>
-            <a:r>
-              <a:rPr lang="zh-CN" altLang="en-US" sz="1800" dirty="0"/>
-              <a:t>把</a:t>
-            </a:r>
-            <a:r>
-              <a:rPr lang="en-US" altLang="zh-CN" sz="1800" dirty="0"/>
-              <a:t>VALUE</a:t>
-            </a:r>
-            <a:r>
-              <a:rPr lang="zh-CN" altLang="en-US" sz="1800" dirty="0"/>
-              <a:t>值压入</a:t>
-            </a:r>
-            <a:r>
-              <a:rPr lang="en-US" altLang="zh-CN" sz="1800" dirty="0"/>
-              <a:t>LIST KEY</a:t>
-            </a:r>
-            <a:r>
-              <a:rPr lang="zh-CN" altLang="en-US" sz="1800" dirty="0"/>
-              <a:t>，重复操作元素会不断加入</a:t>
-            </a:r>
-            <a:r>
-              <a:rPr lang="en-US" altLang="zh-CN" sz="1800" dirty="0"/>
-              <a:t>LIST KEY</a:t>
-            </a:r>
-          </a:p>
-          <a:p>
-            <a:pPr lvl="1"/>
-            <a:r>
-              <a:rPr lang="zh-CN" altLang="en-US" sz="1800" dirty="0"/>
-              <a:t>列表：</a:t>
-            </a:r>
-            <a:r>
-              <a:rPr lang="en-US" altLang="zh-CN" sz="1800" dirty="0" err="1"/>
-              <a:t>lpop</a:t>
-            </a:r>
-            <a:r>
-              <a:rPr lang="en-US" altLang="zh-CN" sz="1800" dirty="0"/>
-              <a:t>  [ LIST KEY ] </a:t>
-            </a:r>
-            <a:r>
-              <a:rPr lang="zh-CN" altLang="en-US" sz="1800" dirty="0"/>
-              <a:t>弹出最近压入的元素</a:t>
-            </a:r>
-            <a:endParaRPr lang="en-US" altLang="zh-CN" sz="1800" dirty="0"/>
-          </a:p>
-          <a:p>
-            <a:endParaRPr lang="en-US" altLang="zh-CN" sz="2000" dirty="0"/>
-          </a:p>
-          <a:p>
-            <a:endParaRPr lang="en-US" altLang="zh-CN" sz="2000" dirty="0"/>
-          </a:p>
-          <a:p>
-            <a:pPr marL="0" indent="0">
-              <a:buNone/>
-            </a:pPr>
-            <a:endParaRPr lang="en-US" altLang="zh-CN" sz="2000" dirty="0"/>
-          </a:p>
-        </p:txBody>
-      </p:sp>
-      <p:pic>
-        <p:nvPicPr>
-          <p:cNvPr id="6" name="图片 5">
-            <a:extLst>
-              <a:ext uri="{FF2B5EF4-FFF2-40B4-BE49-F238E27FC236}">
-                <a16:creationId xmlns:a16="http://schemas.microsoft.com/office/drawing/2014/main" id="{98CD5F31-ED5C-4647-B756-47EA92BA3D25}"/>
-              </a:ext>
-            </a:extLst>
-          </p:cNvPr>
-          <p:cNvPicPr>
-            <a:picLocks noChangeAspect="1"/>
-          </p:cNvPicPr>
-          <p:nvPr/>
-        </p:nvPicPr>
-        <p:blipFill>
-          <a:blip r:embed="rId2">
-            <a:extLst>
-              <a:ext uri="{28A0092B-C50C-407E-A947-70E740481C1C}">
-                <a14:useLocalDpi xmlns:a14="http://schemas.microsoft.com/office/drawing/2010/main" val="0"/>
-              </a:ext>
-            </a:extLst>
-          </a:blip>
-          <a:stretch>
-            <a:fillRect/>
-          </a:stretch>
-        </p:blipFill>
-        <p:spPr>
-          <a:xfrm>
-            <a:off x="838200" y="2026661"/>
-            <a:ext cx="7189250" cy="1639816"/>
-          </a:xfrm>
-          <a:prstGeom prst="rect">
-            <a:avLst/>
-          </a:prstGeom>
-        </p:spPr>
-      </p:pic>
+              <a:t>(1234);</a:t>
+            </a:r>
+            <a:br>
+              <a:rPr lang="en-US" altLang="zh-CN" sz="2000" dirty="0"/>
+            </a:br>
+            <a:br>
+              <a:rPr lang="en-US" altLang="zh-CN" sz="2000" dirty="0"/>
+            </a:br>
+            <a:r>
+              <a:rPr lang="en-US" altLang="zh-CN" sz="2000" dirty="0"/>
+              <a:t>$</a:t>
+            </a:r>
+            <a:r>
+              <a:rPr lang="en-US" altLang="zh-CN" sz="2000" dirty="0" err="1"/>
+              <a:t>msg_err</a:t>
+            </a:r>
+            <a:r>
+              <a:rPr lang="en-US" altLang="zh-CN" sz="2000" dirty="0"/>
+              <a:t>=0;</a:t>
+            </a:r>
+            <a:br>
+              <a:rPr lang="en-US" altLang="zh-CN" sz="2000" dirty="0"/>
+            </a:br>
+            <a:br>
+              <a:rPr lang="en-US" altLang="zh-CN" sz="2000" dirty="0"/>
+            </a:br>
+            <a:r>
+              <a:rPr lang="en-US" altLang="zh-CN" sz="2000" dirty="0"/>
+              <a:t>for ($</a:t>
+            </a:r>
+            <a:r>
+              <a:rPr lang="en-US" altLang="zh-CN" sz="2000" dirty="0" err="1"/>
+              <a:t>i</a:t>
+            </a:r>
+            <a:r>
+              <a:rPr lang="en-US" altLang="zh-CN" sz="2000" dirty="0"/>
+              <a:t>=0;$</a:t>
+            </a:r>
+            <a:r>
+              <a:rPr lang="en-US" altLang="zh-CN" sz="2000" dirty="0" err="1"/>
+              <a:t>i</a:t>
+            </a:r>
+            <a:r>
+              <a:rPr lang="en-US" altLang="zh-CN" sz="2000" dirty="0"/>
+              <a:t>&lt;100;$</a:t>
+            </a:r>
+            <a:r>
+              <a:rPr lang="en-US" altLang="zh-CN" sz="2000" dirty="0" err="1"/>
+              <a:t>i</a:t>
+            </a:r>
+            <a:r>
+              <a:rPr lang="en-US" altLang="zh-CN" sz="2000" dirty="0"/>
+              <a:t>++) {</a:t>
+            </a:r>
+            <a:br>
+              <a:rPr lang="en-US" altLang="zh-CN" sz="2000" dirty="0"/>
+            </a:br>
+            <a:r>
+              <a:rPr lang="en-US" altLang="zh-CN" sz="2000" dirty="0"/>
+              <a:t>    </a:t>
+            </a:r>
+            <a:r>
+              <a:rPr lang="en-US" altLang="zh-CN" sz="2000" dirty="0" err="1"/>
+              <a:t>msg_send</a:t>
+            </a:r>
+            <a:r>
+              <a:rPr lang="en-US" altLang="zh-CN" sz="2000" dirty="0"/>
+              <a:t>($mq,1,mt_rand(100,1000),true,true,$</a:t>
+            </a:r>
+            <a:r>
+              <a:rPr lang="en-US" altLang="zh-CN" sz="2000" dirty="0" err="1"/>
+              <a:t>msg_err</a:t>
+            </a:r>
+            <a:r>
+              <a:rPr lang="en-US" altLang="zh-CN" sz="2000" dirty="0"/>
+              <a:t>);</a:t>
+            </a:r>
+            <a:br>
+              <a:rPr lang="en-US" altLang="zh-CN" sz="2000" dirty="0"/>
+            </a:br>
+            <a:r>
+              <a:rPr lang="en-US" altLang="zh-CN" sz="2000" dirty="0"/>
+              <a:t>}</a:t>
+            </a:r>
+          </a:p>
+        </p:txBody>
+      </p:sp>
     </p:spTree>
     <p:extLst>
       <p:ext uri="{BB962C8B-B14F-4D97-AF65-F5344CB8AC3E}">
-        <p14:creationId xmlns:p14="http://schemas.microsoft.com/office/powerpoint/2010/main" val="2670213598"/>
+        <p14:creationId xmlns:p14="http://schemas.microsoft.com/office/powerpoint/2010/main" val="2339236629"/>
       </p:ext>
     </p:extLst>
   </p:cSld>
@@ -4730,29 +4628,21 @@
           <a:p>
             <a:r>
               <a:rPr lang="en-US" altLang="zh-CN" dirty="0"/>
-              <a:t>PHP</a:t>
+              <a:t>Semaphore</a:t>
             </a:r>
             <a:r>
               <a:rPr lang="zh-CN" altLang="en-US" dirty="0"/>
-              <a:t>获取</a:t>
-            </a:r>
-            <a:r>
-              <a:rPr lang="en-US" altLang="zh-CN" dirty="0" err="1"/>
-              <a:t>Redis</a:t>
-            </a:r>
-            <a:r>
-              <a:rPr lang="zh-CN" altLang="en-US" dirty="0"/>
-              <a:t>扩展调用方法</a:t>
-            </a:r>
-          </a:p>
-        </p:txBody>
-      </p:sp>
-      <p:sp>
-        <p:nvSpPr>
-          <p:cNvPr id="6" name="内容占位符 5">
-            <a:extLst>
-              <a:ext uri="{FF2B5EF4-FFF2-40B4-BE49-F238E27FC236}">
-                <a16:creationId xmlns:a16="http://schemas.microsoft.com/office/drawing/2014/main" id="{B83E9AD4-C606-4679-B884-01F71CC97E44}"/>
+              <a:t>消息队列示例</a:t>
+            </a:r>
+          </a:p>
+        </p:txBody>
+      </p:sp>
+      <p:sp>
+        <p:nvSpPr>
+          <p:cNvPr id="3" name="内容占位符 2">
+            <a:extLst>
+              <a:ext uri="{FF2B5EF4-FFF2-40B4-BE49-F238E27FC236}">
+                <a16:creationId xmlns:a16="http://schemas.microsoft.com/office/drawing/2014/main" id="{96EE1DBA-F015-4E13-B948-F2CA77768E06}"/>
               </a:ext>
             </a:extLst>
           </p:cNvPr>
@@ -4766,7 +4656,7 @@
         <p:spPr>
           <a:xfrm>
             <a:off x="838200" y="1656500"/>
-            <a:ext cx="10515600" cy="4850832"/>
+            <a:ext cx="10515600" cy="5037263"/>
           </a:xfrm>
         </p:spPr>
         <p:txBody>
@@ -4776,121 +4666,238 @@
           <a:lstStyle/>
           <a:p>
             <a:r>
-              <a:rPr lang="en-US" altLang="zh-CN" sz="1800" dirty="0"/>
-              <a:t>PHP</a:t>
+              <a:rPr lang="zh-CN" altLang="en-US" sz="2000" dirty="0"/>
+              <a:t>接收消息代码：</a:t>
+            </a:r>
+            <a:br>
+              <a:rPr lang="en-US" altLang="zh-CN" sz="1800" dirty="0"/>
+            </a:br>
+            <a:r>
+              <a:rPr lang="en-US" altLang="zh-CN" sz="1800" dirty="0"/>
+              <a:t>$</a:t>
+            </a:r>
+            <a:r>
+              <a:rPr lang="en-US" altLang="zh-CN" sz="1800" dirty="0" err="1"/>
+              <a:t>mq</a:t>
+            </a:r>
+            <a:r>
+              <a:rPr lang="en-US" altLang="zh-CN" sz="1800" dirty="0"/>
+              <a:t> = </a:t>
+            </a:r>
+            <a:r>
+              <a:rPr lang="en-US" altLang="zh-CN" sz="1800" dirty="0" err="1"/>
+              <a:t>msg_get_queue</a:t>
+            </a:r>
+            <a:r>
+              <a:rPr lang="en-US" altLang="zh-CN" sz="1800" dirty="0"/>
+              <a:t>(1234);</a:t>
+            </a:r>
+            <a:br>
+              <a:rPr lang="en-US" altLang="zh-CN" sz="1800" dirty="0"/>
+            </a:br>
+            <a:br>
+              <a:rPr lang="en-US" altLang="zh-CN" sz="1800" dirty="0"/>
+            </a:br>
+            <a:r>
+              <a:rPr lang="en-US" altLang="zh-CN" sz="1800" dirty="0"/>
+              <a:t>$</a:t>
+            </a:r>
+            <a:r>
+              <a:rPr lang="en-US" altLang="zh-CN" sz="1800" dirty="0" err="1"/>
+              <a:t>msg</a:t>
+            </a:r>
+            <a:r>
+              <a:rPr lang="en-US" altLang="zh-CN" sz="1800" dirty="0"/>
+              <a:t> = ‘’;</a:t>
+            </a:r>
+            <a:br>
+              <a:rPr lang="en-US" altLang="zh-CN" sz="1800" dirty="0"/>
+            </a:br>
+            <a:r>
+              <a:rPr lang="en-US" altLang="zh-CN" sz="1800" dirty="0"/>
+              <a:t>$</a:t>
+            </a:r>
+            <a:r>
+              <a:rPr lang="en-US" altLang="zh-CN" sz="1800" dirty="0" err="1"/>
+              <a:t>msgtype</a:t>
+            </a:r>
+            <a:r>
+              <a:rPr lang="en-US" altLang="zh-CN" sz="1800" dirty="0"/>
+              <a:t>=0;</a:t>
+            </a:r>
+            <a:br>
+              <a:rPr lang="en-US" altLang="zh-CN" sz="1800" dirty="0"/>
+            </a:br>
+            <a:r>
+              <a:rPr lang="en-US" altLang="zh-CN" sz="1800" dirty="0"/>
+              <a:t>$</a:t>
+            </a:r>
+            <a:r>
+              <a:rPr lang="en-US" altLang="zh-CN" sz="1800" dirty="0" err="1"/>
+              <a:t>errcode</a:t>
+            </a:r>
+            <a:r>
+              <a:rPr lang="en-US" altLang="zh-CN" sz="1800" dirty="0"/>
+              <a:t> = 0;</a:t>
+            </a:r>
+            <a:br>
+              <a:rPr lang="en-US" altLang="zh-CN" sz="1800" dirty="0"/>
+            </a:br>
+            <a:r>
+              <a:rPr lang="en-US" altLang="zh-CN" sz="1800" dirty="0"/>
+              <a:t>$count = 1;</a:t>
+            </a:r>
+            <a:br>
+              <a:rPr lang="en-US" altLang="zh-CN" sz="1800" dirty="0"/>
+            </a:br>
+            <a:br>
+              <a:rPr lang="en-US" altLang="zh-CN" sz="1800" dirty="0"/>
+            </a:br>
+            <a:r>
+              <a:rPr lang="en-US" altLang="zh-CN" sz="1800" dirty="0"/>
+              <a:t>while (true) {</a:t>
+            </a:r>
+            <a:br>
+              <a:rPr lang="en-US" altLang="zh-CN" sz="1800" dirty="0"/>
+            </a:br>
+            <a:r>
+              <a:rPr lang="en-US" altLang="zh-CN" sz="1800" dirty="0"/>
+              <a:t>    </a:t>
+            </a:r>
+            <a:r>
+              <a:rPr lang="en-US" altLang="zh-CN" sz="1800" dirty="0" err="1"/>
+              <a:t>usleep</a:t>
+            </a:r>
+            <a:r>
+              <a:rPr lang="en-US" altLang="zh-CN" sz="1800" dirty="0"/>
+              <a:t>(10000); //</a:t>
             </a:r>
             <a:r>
               <a:rPr lang="zh-CN" altLang="en-US" sz="1800" dirty="0"/>
-              <a:t>获取</a:t>
+              <a:t>延迟</a:t>
+            </a:r>
+            <a:r>
+              <a:rPr lang="en-US" altLang="zh-CN" sz="1800" dirty="0"/>
+              <a:t>10ms</a:t>
+            </a:r>
+            <a:r>
+              <a:rPr lang="zh-CN" altLang="en-US" sz="1800" dirty="0"/>
+              <a:t>，实际并不需要，接收数据未到会阻塞。</a:t>
+            </a:r>
+            <a:br>
+              <a:rPr lang="en-US" altLang="zh-CN" sz="1800" dirty="0"/>
+            </a:br>
+            <a:r>
+              <a:rPr lang="en-US" altLang="zh-CN" sz="1800" dirty="0"/>
+              <a:t>    </a:t>
             </a:r>
             <a:r>
               <a:rPr lang="en-US" altLang="zh-CN" sz="1800" dirty="0" err="1"/>
-              <a:t>Redis</a:t>
-            </a:r>
-            <a:r>
-              <a:rPr lang="zh-CN" altLang="en-US" sz="1800" dirty="0"/>
-              <a:t>扩展支持的调用方法：</a:t>
-            </a:r>
-            <a:endParaRPr lang="en-US" altLang="zh-CN" sz="1800" dirty="0"/>
-          </a:p>
-          <a:p>
-            <a:endParaRPr lang="en-US" altLang="zh-CN" sz="1800" dirty="0"/>
-          </a:p>
-          <a:p>
-            <a:endParaRPr lang="en-US" altLang="zh-CN" sz="1800" dirty="0"/>
-          </a:p>
-          <a:p>
-            <a:endParaRPr lang="en-US" altLang="zh-CN" sz="1800" dirty="0"/>
-          </a:p>
-          <a:p>
-            <a:endParaRPr lang="en-US" altLang="zh-CN" sz="1800" dirty="0"/>
-          </a:p>
-          <a:p>
-            <a:endParaRPr lang="en-US" altLang="zh-CN" sz="1800" dirty="0"/>
-          </a:p>
-          <a:p>
-            <a:endParaRPr lang="en-US" altLang="zh-CN" sz="1800" dirty="0"/>
-          </a:p>
-          <a:p>
-            <a:endParaRPr lang="en-US" altLang="zh-CN" sz="1800" dirty="0"/>
-          </a:p>
-          <a:p>
-            <a:endParaRPr lang="en-US" altLang="zh-CN" sz="1800" dirty="0"/>
-          </a:p>
-          <a:p>
-            <a:endParaRPr lang="en-US" altLang="zh-CN" sz="1800" dirty="0"/>
-          </a:p>
-          <a:p>
-            <a:endParaRPr lang="en-US" altLang="zh-CN" sz="1800" dirty="0"/>
-          </a:p>
-          <a:p>
-            <a:r>
-              <a:rPr lang="zh-CN" altLang="en-US" sz="1800" dirty="0"/>
-              <a:t>方法名称基本都是和</a:t>
+              <a:t>msg_receive</a:t>
+            </a:r>
+            <a:r>
+              <a:rPr lang="en-US" altLang="zh-CN" sz="1800" dirty="0"/>
+              <a:t>($mq,0,$msgtype,100,$msg,true,0,$errcode);</a:t>
+            </a:r>
+            <a:br>
+              <a:rPr lang="en-US" altLang="zh-CN" sz="1800" dirty="0"/>
+            </a:br>
+            <a:r>
+              <a:rPr lang="en-US" altLang="zh-CN" sz="1800" dirty="0"/>
+              <a:t>    if (!$</a:t>
             </a:r>
             <a:r>
               <a:rPr lang="en-US" altLang="zh-CN" sz="1800" dirty="0" err="1"/>
-              <a:t>Redis</a:t>
-            </a:r>
-            <a:r>
-              <a:rPr lang="zh-CN" altLang="en-US" sz="1800" dirty="0"/>
-              <a:t>对应的命令，参数都符合</a:t>
+              <a:t>errcode</a:t>
+            </a:r>
+            <a:r>
+              <a:rPr lang="en-US" altLang="zh-CN" sz="1800" dirty="0"/>
+              <a:t>) {</a:t>
+            </a:r>
+            <a:br>
+              <a:rPr lang="en-US" altLang="zh-CN" sz="1800" dirty="0"/>
+            </a:br>
+            <a:r>
+              <a:rPr lang="en-US" altLang="zh-CN" sz="1800" dirty="0"/>
+              <a:t>        echo "Received message($count): ",$</a:t>
             </a:r>
             <a:r>
               <a:rPr lang="en-US" altLang="zh-CN" sz="1800" dirty="0" err="1"/>
-              <a:t>Redis</a:t>
-            </a:r>
-            <a:r>
-              <a:rPr lang="zh-CN" altLang="en-US" sz="1800" dirty="0"/>
-              <a:t>命令的参数顺序。</a:t>
-            </a:r>
-            <a:endParaRPr lang="en-US" altLang="zh-CN" sz="1800" dirty="0"/>
-          </a:p>
-          <a:p>
-            <a:endParaRPr lang="en-US" altLang="zh-CN" sz="1800" dirty="0"/>
-          </a:p>
-        </p:txBody>
-      </p:sp>
-      <p:pic>
-        <p:nvPicPr>
-          <p:cNvPr id="3" name="图片 2">
-            <a:extLst>
-              <a:ext uri="{FF2B5EF4-FFF2-40B4-BE49-F238E27FC236}">
-                <a16:creationId xmlns:a16="http://schemas.microsoft.com/office/drawing/2014/main" id="{D28A177A-FB7E-4161-98EE-F1AF75E79AFA}"/>
-              </a:ext>
-            </a:extLst>
-          </p:cNvPr>
-          <p:cNvPicPr>
-            <a:picLocks noChangeAspect="1"/>
-          </p:cNvPicPr>
-          <p:nvPr/>
-        </p:nvPicPr>
-        <p:blipFill>
-          <a:blip r:embed="rId2">
-            <a:extLst>
-              <a:ext uri="{28A0092B-C50C-407E-A947-70E740481C1C}">
-                <a14:useLocalDpi xmlns:a14="http://schemas.microsoft.com/office/drawing/2010/main" val="0"/>
-              </a:ext>
-            </a:extLst>
-          </a:blip>
-          <a:stretch>
-            <a:fillRect/>
-          </a:stretch>
-        </p:blipFill>
-        <p:spPr>
-          <a:xfrm>
-            <a:off x="1246645" y="2080037"/>
-            <a:ext cx="7601441" cy="3397484"/>
-          </a:xfrm>
-          <a:prstGeom prst="rect">
-            <a:avLst/>
-          </a:prstGeom>
-        </p:spPr>
-      </p:pic>
+              <a:t>msg</a:t>
+            </a:r>
+            <a:r>
+              <a:rPr lang="en-US" altLang="zh-CN" sz="1800" dirty="0"/>
+              <a:t>,"\n";</a:t>
+            </a:r>
+            <a:br>
+              <a:rPr lang="en-US" altLang="zh-CN" sz="1800" dirty="0"/>
+            </a:br>
+            <a:r>
+              <a:rPr lang="en-US" altLang="zh-CN" sz="1800" dirty="0"/>
+              <a:t>    }</a:t>
+            </a:r>
+            <a:br>
+              <a:rPr lang="en-US" altLang="zh-CN" sz="1800" dirty="0"/>
+            </a:br>
+            <a:r>
+              <a:rPr lang="en-US" altLang="zh-CN" sz="1800" dirty="0"/>
+              <a:t>    else {</a:t>
+            </a:r>
+            <a:br>
+              <a:rPr lang="en-US" altLang="zh-CN" sz="1800" dirty="0"/>
+            </a:br>
+            <a:r>
+              <a:rPr lang="en-US" altLang="zh-CN" sz="1800" dirty="0"/>
+              <a:t>        echo "</a:t>
+            </a:r>
+            <a:r>
+              <a:rPr lang="en-US" altLang="zh-CN" sz="1800" dirty="0" err="1"/>
+              <a:t>Errcode</a:t>
+            </a:r>
+            <a:r>
+              <a:rPr lang="en-US" altLang="zh-CN" sz="1800" dirty="0"/>
+              <a:t>:",$</a:t>
+            </a:r>
+            <a:r>
+              <a:rPr lang="en-US" altLang="zh-CN" sz="1800" dirty="0" err="1"/>
+              <a:t>errcode</a:t>
+            </a:r>
+            <a:r>
+              <a:rPr lang="en-US" altLang="zh-CN" sz="1800" dirty="0"/>
+              <a:t>,"\n";</a:t>
+            </a:r>
+            <a:br>
+              <a:rPr lang="en-US" altLang="zh-CN" sz="1800" dirty="0"/>
+            </a:br>
+            <a:r>
+              <a:rPr lang="en-US" altLang="zh-CN" sz="1800" dirty="0"/>
+              <a:t>    }</a:t>
+            </a:r>
+            <a:br>
+              <a:rPr lang="en-US" altLang="zh-CN" sz="1800" dirty="0"/>
+            </a:br>
+            <a:r>
+              <a:rPr lang="en-US" altLang="zh-CN" sz="1800" dirty="0"/>
+              <a:t>    $count += 1;</a:t>
+            </a:r>
+            <a:br>
+              <a:rPr lang="en-US" altLang="zh-CN" sz="1800" dirty="0"/>
+            </a:br>
+            <a:r>
+              <a:rPr lang="en-US" altLang="zh-CN" sz="1800" dirty="0"/>
+              <a:t>}</a:t>
+            </a:r>
+          </a:p>
+          <a:p>
+            <a:pPr lvl="1"/>
+            <a:endParaRPr lang="en-US" altLang="zh-CN" sz="1600" dirty="0"/>
+          </a:p>
+        </p:txBody>
+      </p:sp>
     </p:spTree>
     <p:extLst>
       <p:ext uri="{BB962C8B-B14F-4D97-AF65-F5344CB8AC3E}">
-        <p14:creationId xmlns:p14="http://schemas.microsoft.com/office/powerpoint/2010/main" val="224763711"/>
+        <p14:creationId xmlns:p14="http://schemas.microsoft.com/office/powerpoint/2010/main" val="1376360066"/>
       </p:ext>
     </p:extLst>
   </p:cSld>
@@ -4945,26 +4952,21 @@
           <a:p>
             <a:r>
               <a:rPr lang="en-US" altLang="zh-CN" dirty="0"/>
-              <a:t>PHP</a:t>
+              <a:t>Semaphore</a:t>
             </a:r>
             <a:r>
               <a:rPr lang="zh-CN" altLang="en-US" dirty="0"/>
-              <a:t>连接</a:t>
-            </a:r>
-            <a:r>
-              <a:rPr lang="en-US" altLang="zh-CN" dirty="0" err="1"/>
-              <a:t>Redis</a:t>
-            </a:r>
-            <a:endParaRPr lang="zh-CN" altLang="en-US" dirty="0"/>
-          </a:p>
-        </p:txBody>
-      </p:sp>
-      <p:sp>
-        <p:nvSpPr>
-          <p:cNvPr id="6" name="内容占位符 5">
-            <a:extLst>
-              <a:ext uri="{FF2B5EF4-FFF2-40B4-BE49-F238E27FC236}">
-                <a16:creationId xmlns:a16="http://schemas.microsoft.com/office/drawing/2014/main" id="{B83E9AD4-C606-4679-B884-01F71CC97E44}"/>
+              <a:t>消息队列应用示例</a:t>
+            </a:r>
+          </a:p>
+        </p:txBody>
+      </p:sp>
+      <p:sp>
+        <p:nvSpPr>
+          <p:cNvPr id="3" name="内容占位符 2">
+            <a:extLst>
+              <a:ext uri="{FF2B5EF4-FFF2-40B4-BE49-F238E27FC236}">
+                <a16:creationId xmlns:a16="http://schemas.microsoft.com/office/drawing/2014/main" id="{96EE1DBA-F015-4E13-B948-F2CA77768E06}"/>
               </a:ext>
             </a:extLst>
           </p:cNvPr>
@@ -4978,7 +4980,7 @@
         <p:spPr>
           <a:xfrm>
             <a:off x="838200" y="1656500"/>
-            <a:ext cx="10515600" cy="4850832"/>
+            <a:ext cx="10515600" cy="5037263"/>
           </a:xfrm>
         </p:spPr>
         <p:txBody>
@@ -4988,68 +4990,17 @@
           <a:lstStyle/>
           <a:p>
             <a:r>
-              <a:rPr lang="en-US" altLang="zh-CN" sz="1800" dirty="0"/>
-              <a:t>PHP</a:t>
-            </a:r>
-            <a:r>
-              <a:rPr lang="zh-CN" altLang="en-US" sz="1800" dirty="0"/>
-              <a:t>连接</a:t>
-            </a:r>
-            <a:r>
-              <a:rPr lang="en-US" altLang="zh-CN" sz="1800" dirty="0" err="1"/>
-              <a:t>Redis</a:t>
-            </a:r>
-            <a:r>
-              <a:rPr lang="zh-CN" altLang="en-US" sz="1800" dirty="0"/>
-              <a:t>并添加一条数据：</a:t>
-            </a:r>
-            <a:endParaRPr lang="en-US" altLang="zh-CN" sz="1800" dirty="0"/>
-          </a:p>
-          <a:p>
-            <a:endParaRPr lang="en-US" altLang="zh-CN" sz="1800" dirty="0"/>
-          </a:p>
-        </p:txBody>
-      </p:sp>
-      <p:pic>
-        <p:nvPicPr>
-          <p:cNvPr id="9" name="图片 8">
-            <a:extLst>
-              <a:ext uri="{FF2B5EF4-FFF2-40B4-BE49-F238E27FC236}">
-                <a16:creationId xmlns:a16="http://schemas.microsoft.com/office/drawing/2014/main" id="{3D23086F-6808-4BD4-B55C-19DEB5CB5845}"/>
-              </a:ext>
-            </a:extLst>
-          </p:cNvPr>
-          <p:cNvPicPr>
-            <a:picLocks noChangeAspect="1"/>
-          </p:cNvPicPr>
-          <p:nvPr/>
-        </p:nvPicPr>
-        <p:blipFill>
-          <a:blip r:embed="rId2">
-            <a:extLst>
-              <a:ext uri="{28A0092B-C50C-407E-A947-70E740481C1C}">
-                <a14:useLocalDpi xmlns:a14="http://schemas.microsoft.com/office/drawing/2010/main" val="0"/>
-              </a:ext>
-            </a:extLst>
-          </a:blip>
-          <a:stretch>
-            <a:fillRect/>
-          </a:stretch>
-        </p:blipFill>
-        <p:spPr>
-          <a:xfrm>
-            <a:off x="1167746" y="2196926"/>
-            <a:ext cx="9078559" cy="3449271"/>
-          </a:xfrm>
-          <a:prstGeom prst="rect">
-            <a:avLst/>
-          </a:prstGeom>
-        </p:spPr>
-      </p:pic>
+              <a:rPr lang="zh-CN" altLang="en-US" sz="2000" dirty="0"/>
+              <a:t>接收者接收消息，并</a:t>
+            </a:r>
+            <a:endParaRPr lang="en-US" altLang="zh-CN" sz="2000" dirty="0"/>
+          </a:p>
+        </p:txBody>
+      </p:sp>
     </p:spTree>
     <p:extLst>
       <p:ext uri="{BB962C8B-B14F-4D97-AF65-F5344CB8AC3E}">
-        <p14:creationId xmlns:p14="http://schemas.microsoft.com/office/powerpoint/2010/main" val="2833520640"/>
+        <p14:creationId xmlns:p14="http://schemas.microsoft.com/office/powerpoint/2010/main" val="3912726599"/>
       </p:ext>
     </p:extLst>
   </p:cSld>
@@ -5103,26 +5054,19 @@
           <a:lstStyle/>
           <a:p>
             <a:r>
-              <a:rPr lang="zh-CN" altLang="en-US" dirty="0"/>
-              <a:t>发布</a:t>
-            </a:r>
-            <a:r>
               <a:rPr lang="en-US" altLang="zh-CN" dirty="0"/>
-              <a:t>/</a:t>
-            </a:r>
-            <a:r>
-              <a:rPr lang="zh-CN" altLang="en-US" dirty="0"/>
-              <a:t>订阅</a:t>
-            </a:r>
-          </a:p>
-        </p:txBody>
-      </p:sp>
-      <p:sp>
-        <p:nvSpPr>
-          <p:cNvPr id="6" name="内容占位符 5">
-            <a:extLst>
-              <a:ext uri="{FF2B5EF4-FFF2-40B4-BE49-F238E27FC236}">
-                <a16:creationId xmlns:a16="http://schemas.microsoft.com/office/drawing/2014/main" id="{B83E9AD4-C606-4679-B884-01F71CC97E44}"/>
+              <a:t>3</a:t>
+            </a:r>
+            <a:endParaRPr lang="zh-CN" altLang="en-US" dirty="0"/>
+          </a:p>
+        </p:txBody>
+      </p:sp>
+      <p:sp>
+        <p:nvSpPr>
+          <p:cNvPr id="3" name="内容占位符 2">
+            <a:extLst>
+              <a:ext uri="{FF2B5EF4-FFF2-40B4-BE49-F238E27FC236}">
+                <a16:creationId xmlns:a16="http://schemas.microsoft.com/office/drawing/2014/main" id="{ED7249CC-3D11-4FF8-8CF2-30C36502BA8B}"/>
               </a:ext>
             </a:extLst>
           </p:cNvPr>
@@ -5133,73 +5077,86 @@
             <p:ph idx="1"/>
           </p:nvPr>
         </p:nvSpPr>
-        <p:spPr>
-          <a:xfrm>
-            <a:off x="838200" y="1656500"/>
-            <a:ext cx="10515600" cy="4850832"/>
-          </a:xfrm>
-        </p:spPr>
-        <p:txBody>
-          <a:bodyPr>
-            <a:normAutofit/>
-          </a:bodyPr>
+        <p:spPr/>
+        <p:txBody>
+          <a:bodyPr/>
           <a:lstStyle/>
           <a:p>
-            <a:r>
-              <a:rPr lang="en-US" altLang="zh-CN" sz="1800" dirty="0" err="1"/>
+            <a:pPr marL="0" indent="0" algn="ctr">
+              <a:buNone/>
+            </a:pPr>
+            <a:endParaRPr lang="en-US" altLang="zh-CN" dirty="0">
+              <a:solidFill>
+                <a:schemeClr val="accent1">
+                  <a:lumMod val="75000"/>
+                </a:schemeClr>
+              </a:solidFill>
+            </a:endParaRPr>
+          </a:p>
+          <a:p>
+            <a:pPr marL="0" indent="0" algn="ctr">
+              <a:buNone/>
+            </a:pPr>
+            <a:endParaRPr lang="en-US" altLang="zh-CN" dirty="0">
+              <a:solidFill>
+                <a:schemeClr val="accent1">
+                  <a:lumMod val="75000"/>
+                </a:schemeClr>
+              </a:solidFill>
+            </a:endParaRPr>
+          </a:p>
+          <a:p>
+            <a:pPr marL="0" indent="0" algn="ctr">
+              <a:buNone/>
+            </a:pPr>
+            <a:endParaRPr lang="en-US" altLang="zh-CN" dirty="0">
+              <a:solidFill>
+                <a:schemeClr val="accent1">
+                  <a:lumMod val="75000"/>
+                </a:schemeClr>
+              </a:solidFill>
+            </a:endParaRPr>
+          </a:p>
+          <a:p>
+            <a:pPr marL="0" indent="0" algn="ctr">
+              <a:buNone/>
+            </a:pPr>
+            <a:endParaRPr lang="en-US" altLang="zh-CN" dirty="0">
+              <a:solidFill>
+                <a:schemeClr val="accent1">
+                  <a:lumMod val="75000"/>
+                </a:schemeClr>
+              </a:solidFill>
+            </a:endParaRPr>
+          </a:p>
+          <a:p>
+            <a:pPr marL="0" indent="0" algn="ctr">
+              <a:buNone/>
+            </a:pPr>
+            <a:r>
+              <a:rPr lang="en-US" altLang="zh-CN" sz="3200" dirty="0" err="1">
+                <a:solidFill>
+                  <a:schemeClr val="accent1">
+                    <a:lumMod val="75000"/>
+                  </a:schemeClr>
+                </a:solidFill>
+              </a:rPr>
               <a:t>Redis</a:t>
             </a:r>
-            <a:r>
-              <a:rPr lang="zh-CN" altLang="en-US" sz="1800" dirty="0"/>
-              <a:t>支持发布订阅模式。</a:t>
-            </a:r>
-            <a:endParaRPr lang="en-US" altLang="zh-CN" sz="1800" dirty="0"/>
-          </a:p>
-          <a:p>
-            <a:r>
-              <a:rPr lang="zh-CN" altLang="en-US" sz="1800" dirty="0"/>
-              <a:t>客户端运行</a:t>
-            </a:r>
-            <a:r>
-              <a:rPr lang="en-US" altLang="zh-CN" sz="1800" dirty="0" err="1"/>
-              <a:t>subcribe</a:t>
-            </a:r>
-            <a:r>
-              <a:rPr lang="en-US" altLang="zh-CN" sz="1800" dirty="0"/>
-              <a:t> [ CHANNEL1 ] [ CHANNEL2 ]···</a:t>
-            </a:r>
-            <a:r>
-              <a:rPr lang="zh-CN" altLang="en-US" sz="1800" dirty="0"/>
-              <a:t>订阅给指定频道的信息。</a:t>
-            </a:r>
-          </a:p>
-          <a:p>
-            <a:r>
-              <a:rPr lang="zh-CN" altLang="en-US" sz="1800" dirty="0"/>
-              <a:t>一旦客户端进入订阅状态，客户端就只可接受订阅相关的命令</a:t>
-            </a:r>
-          </a:p>
-          <a:p>
-            <a:r>
-              <a:rPr lang="zh-CN" altLang="en-US" sz="1800" dirty="0"/>
-              <a:t>使用</a:t>
-            </a:r>
-            <a:r>
-              <a:rPr lang="en-US" altLang="zh-CN" sz="1800" dirty="0"/>
-              <a:t>publish [ CHANNEL ] [ DATA ] </a:t>
-            </a:r>
-            <a:r>
-              <a:rPr lang="zh-CN" altLang="en-US" sz="1800"/>
-              <a:t>向指定频道发布数据。</a:t>
-            </a:r>
-            <a:endParaRPr lang="en-US" altLang="zh-CN" sz="1800" dirty="0"/>
+            <a:endParaRPr lang="zh-CN" altLang="en-US" sz="3200" dirty="0">
+              <a:solidFill>
+                <a:schemeClr val="accent1">
+                  <a:lumMod val="75000"/>
+                </a:schemeClr>
+              </a:solidFill>
+            </a:endParaRPr>
           </a:p>
         </p:txBody>
       </p:sp>
     </p:spTree>
     <p:extLst>
       <p:ext uri="{BB962C8B-B14F-4D97-AF65-F5344CB8AC3E}">
-        <p14:creationId xmlns:p14="http://schemas.microsoft.com/office/powerpoint/2010/main" val="36759182"/>
+        <p14:creationId xmlns:p14="http://schemas.microsoft.com/office/powerpoint/2010/main" val="925777341"/>
       </p:ext>
     </p:extLst>
   </p:cSld>
@@ -5253,18 +5210,281 @@
           <a:lstStyle/>
           <a:p>
             <a:r>
+              <a:rPr lang="en-US" altLang="zh-CN" dirty="0" err="1"/>
+              <a:t>Redis</a:t>
+            </a:r>
+            <a:r>
+              <a:rPr lang="zh-CN" altLang="en-US" dirty="0"/>
+              <a:t>基本介绍</a:t>
+            </a:r>
+          </a:p>
+        </p:txBody>
+      </p:sp>
+      <p:sp>
+        <p:nvSpPr>
+          <p:cNvPr id="3" name="内容占位符 2">
+            <a:extLst>
+              <a:ext uri="{FF2B5EF4-FFF2-40B4-BE49-F238E27FC236}">
+                <a16:creationId xmlns:a16="http://schemas.microsoft.com/office/drawing/2014/main" id="{96EE1DBA-F015-4E13-B948-F2CA77768E06}"/>
+              </a:ext>
+            </a:extLst>
+          </p:cNvPr>
+          <p:cNvSpPr>
+            <a:spLocks noGrp="1"/>
+          </p:cNvSpPr>
+          <p:nvPr>
+            <p:ph idx="1"/>
+          </p:nvPr>
+        </p:nvSpPr>
+        <p:spPr>
+          <a:xfrm>
+            <a:off x="838200" y="1656500"/>
+            <a:ext cx="10515600" cy="5037263"/>
+          </a:xfrm>
+        </p:spPr>
+        <p:txBody>
+          <a:bodyPr/>
+          <a:lstStyle/>
+          <a:p>
+            <a:r>
+              <a:rPr lang="en-US" altLang="zh-CN" sz="2000" dirty="0" err="1"/>
+              <a:t>Redis</a:t>
+            </a:r>
+            <a:r>
+              <a:rPr lang="en-US" altLang="zh-CN" sz="2000" dirty="0"/>
+              <a:t> </a:t>
+            </a:r>
+            <a:r>
+              <a:rPr lang="zh-CN" altLang="en-US" sz="2000" dirty="0"/>
+              <a:t>是一个开源（</a:t>
+            </a:r>
+            <a:r>
+              <a:rPr lang="en-US" altLang="zh-CN" sz="2000" dirty="0"/>
+              <a:t>BSD</a:t>
+            </a:r>
+            <a:r>
+              <a:rPr lang="zh-CN" altLang="en-US" sz="2000" dirty="0"/>
+              <a:t>许可）的，内存中的数据结构存储系统，它可以用作数据库、缓存和消息中间件。使用</a:t>
+            </a:r>
+            <a:r>
+              <a:rPr lang="en-US" altLang="zh-CN" sz="2000" dirty="0"/>
+              <a:t>ANSI C</a:t>
+            </a:r>
+            <a:r>
+              <a:rPr lang="zh-CN" altLang="en-US" sz="2000" dirty="0"/>
+              <a:t>语言编写。</a:t>
+            </a:r>
+            <a:endParaRPr lang="en-US" altLang="zh-CN" sz="2000" dirty="0"/>
+          </a:p>
+          <a:p>
+            <a:endParaRPr lang="en-US" altLang="zh-CN" sz="2000" dirty="0"/>
+          </a:p>
+          <a:p>
+            <a:r>
+              <a:rPr lang="zh-CN" altLang="en-US" sz="2000" dirty="0"/>
+              <a:t>它支持多种类型的数据结构，如 字符串（</a:t>
+            </a:r>
+            <a:r>
+              <a:rPr lang="en-US" altLang="zh-CN" sz="2000" dirty="0"/>
+              <a:t>strings</a:t>
+            </a:r>
+            <a:r>
+              <a:rPr lang="zh-CN" altLang="en-US" sz="2000" dirty="0"/>
+              <a:t>）， 散列（</a:t>
+            </a:r>
+            <a:r>
+              <a:rPr lang="en-US" altLang="zh-CN" sz="2000" dirty="0"/>
+              <a:t>hashes</a:t>
+            </a:r>
+            <a:r>
+              <a:rPr lang="zh-CN" altLang="en-US" sz="2000" dirty="0"/>
+              <a:t>）， 列表（</a:t>
+            </a:r>
+            <a:r>
+              <a:rPr lang="en-US" altLang="zh-CN" sz="2000" dirty="0"/>
+              <a:t>lists</a:t>
+            </a:r>
+            <a:r>
+              <a:rPr lang="zh-CN" altLang="en-US" sz="2000" dirty="0"/>
+              <a:t>）等。</a:t>
+            </a:r>
+            <a:endParaRPr lang="en-US" altLang="zh-CN" sz="2000" dirty="0"/>
+          </a:p>
+          <a:p>
+            <a:endParaRPr lang="en-US" altLang="zh-CN" sz="2000" dirty="0"/>
+          </a:p>
+          <a:p>
+            <a:r>
+              <a:rPr lang="zh-CN" altLang="en-US" sz="2000" dirty="0"/>
+              <a:t>官方不支持</a:t>
+            </a:r>
+            <a:r>
+              <a:rPr lang="en-US" altLang="zh-CN" sz="2000" dirty="0"/>
+              <a:t>Windows</a:t>
+            </a:r>
+            <a:r>
+              <a:rPr lang="zh-CN" altLang="en-US" sz="2000" dirty="0"/>
+              <a:t>版本的</a:t>
+            </a:r>
+            <a:r>
+              <a:rPr lang="en-US" altLang="zh-CN" sz="2000" dirty="0" err="1"/>
+              <a:t>Redis</a:t>
+            </a:r>
+            <a:r>
+              <a:rPr lang="en-US" altLang="zh-CN" sz="2000" dirty="0"/>
+              <a:t>,</a:t>
+            </a:r>
+            <a:r>
+              <a:rPr lang="zh-CN" altLang="en-US" sz="2000" dirty="0"/>
+              <a:t>但微软开发和维护着支持</a:t>
+            </a:r>
+            <a:r>
+              <a:rPr lang="en-US" altLang="zh-CN" sz="2000" dirty="0"/>
+              <a:t>win-64 </a:t>
+            </a:r>
+            <a:r>
+              <a:rPr lang="zh-CN" altLang="en-US" sz="2000" dirty="0"/>
+              <a:t>的</a:t>
+            </a:r>
+            <a:r>
+              <a:rPr lang="en-US" altLang="zh-CN" sz="2000" dirty="0" err="1"/>
+              <a:t>Redis</a:t>
+            </a:r>
+            <a:r>
+              <a:rPr lang="zh-CN" altLang="en-US" sz="2000" dirty="0"/>
+              <a:t>版本。</a:t>
+            </a:r>
+            <a:endParaRPr lang="en-US" altLang="zh-CN" sz="2000" dirty="0"/>
+          </a:p>
+          <a:p>
+            <a:r>
+              <a:rPr lang="zh-CN" altLang="en-US" sz="2000" dirty="0"/>
+              <a:t>应用场景：</a:t>
+            </a:r>
+            <a:endParaRPr lang="en-US" altLang="zh-CN" sz="2000" dirty="0"/>
+          </a:p>
+          <a:p>
+            <a:pPr lvl="1"/>
+            <a:r>
+              <a:rPr lang="zh-CN" altLang="en-US" sz="1800" dirty="0"/>
+              <a:t>将</a:t>
+            </a:r>
+            <a:r>
+              <a:rPr lang="en-US" altLang="zh-CN" sz="1800" dirty="0" err="1"/>
+              <a:t>Redis</a:t>
+            </a:r>
+            <a:r>
+              <a:rPr lang="zh-CN" altLang="en-US" sz="1800" dirty="0"/>
+              <a:t>作为一个高效的网络的缓存数据功能使用。</a:t>
+            </a:r>
+            <a:endParaRPr lang="en-US" altLang="zh-CN" sz="1800" dirty="0"/>
+          </a:p>
+          <a:p>
+            <a:pPr lvl="1"/>
+            <a:endParaRPr lang="en-US" altLang="zh-CN" sz="1800" dirty="0"/>
+          </a:p>
+          <a:p>
+            <a:pPr lvl="1"/>
+            <a:r>
+              <a:rPr lang="zh-CN" altLang="en-US" sz="1800" dirty="0"/>
+              <a:t>使用发布</a:t>
+            </a:r>
+            <a:r>
+              <a:rPr lang="en-US" altLang="zh-CN" sz="1800" dirty="0"/>
+              <a:t>/</a:t>
+            </a:r>
+            <a:r>
+              <a:rPr lang="zh-CN" altLang="en-US" sz="1800" dirty="0"/>
+              <a:t>订阅功能用作消息队列。</a:t>
+            </a:r>
+            <a:endParaRPr lang="en-US" altLang="zh-CN" sz="1800" dirty="0"/>
+          </a:p>
+          <a:p>
+            <a:pPr lvl="1"/>
+            <a:endParaRPr lang="en-US" altLang="zh-CN" sz="1600" dirty="0"/>
+          </a:p>
+        </p:txBody>
+      </p:sp>
+    </p:spTree>
+    <p:extLst>
+      <p:ext uri="{BB962C8B-B14F-4D97-AF65-F5344CB8AC3E}">
+        <p14:creationId xmlns:p14="http://schemas.microsoft.com/office/powerpoint/2010/main" val="2317717954"/>
+      </p:ext>
+    </p:extLst>
+  </p:cSld>
+  <p:clrMapOvr>
+    <a:masterClrMapping/>
+  </p:clrMapOvr>
+</p:sld>
+</file>
+
+<file path=ppt/slides/slide15.xml><?xml version="1.0" encoding="utf-8"?>
+<p:sld xmlns:a="http://schemas.openxmlformats.org/drawingml/2006/main" xmlns:r="http://schemas.openxmlformats.org/officeDocument/2006/relationships" xmlns:p="http://schemas.openxmlformats.org/presentationml/2006/main">
+  <p:cSld>
+    <p:spTree>
+      <p:nvGrpSpPr>
+        <p:cNvPr id="1" name=""/>
+        <p:cNvGrpSpPr/>
+        <p:nvPr/>
+      </p:nvGrpSpPr>
+      <p:grpSpPr>
+        <a:xfrm>
+          <a:off x="0" y="0"/>
+          <a:ext cx="0" cy="0"/>
+          <a:chOff x="0" y="0"/>
+          <a:chExt cx="0" cy="0"/>
+        </a:xfrm>
+      </p:grpSpPr>
+      <p:sp>
+        <p:nvSpPr>
+          <p:cNvPr id="4" name="标题 3">
+            <a:extLst>
+              <a:ext uri="{FF2B5EF4-FFF2-40B4-BE49-F238E27FC236}">
+                <a16:creationId xmlns:a16="http://schemas.microsoft.com/office/drawing/2014/main" id="{2729939D-814A-4BD2-9922-3F8EA865938B}"/>
+              </a:ext>
+            </a:extLst>
+          </p:cNvPr>
+          <p:cNvSpPr>
+            <a:spLocks noGrp="1"/>
+          </p:cNvSpPr>
+          <p:nvPr>
+            <p:ph type="title"/>
+          </p:nvPr>
+        </p:nvSpPr>
+        <p:spPr>
+          <a:xfrm>
+            <a:off x="838200" y="683581"/>
+            <a:ext cx="10515600" cy="736846"/>
+          </a:xfrm>
+        </p:spPr>
+        <p:txBody>
+          <a:bodyPr/>
+          <a:lstStyle/>
+          <a:p>
+            <a:r>
               <a:rPr lang="en-US" altLang="zh-CN" dirty="0"/>
               <a:t>PHP</a:t>
             </a:r>
             <a:r>
               <a:rPr lang="zh-CN" altLang="en-US" dirty="0"/>
-              <a:t>编程运行</a:t>
-            </a:r>
-            <a:r>
-              <a:rPr lang="en-US" altLang="zh-CN" dirty="0"/>
-              <a:t>PUBLISH</a:t>
-            </a:r>
-            <a:endParaRPr lang="zh-CN" altLang="en-US" dirty="0"/>
+              <a:t>的</a:t>
+            </a:r>
+            <a:r>
+              <a:rPr lang="en-US" altLang="zh-CN" dirty="0" err="1"/>
+              <a:t>Redis</a:t>
+            </a:r>
+            <a:r>
+              <a:rPr lang="zh-CN" altLang="en-US" dirty="0"/>
+              <a:t>扩展与</a:t>
+            </a:r>
+            <a:r>
+              <a:rPr lang="en-US" altLang="zh-CN" dirty="0" err="1"/>
+              <a:t>Redis</a:t>
+            </a:r>
+            <a:r>
+              <a:rPr lang="zh-CN" altLang="en-US" dirty="0"/>
+              <a:t>服务程序</a:t>
+            </a:r>
           </a:p>
         </p:txBody>
       </p:sp>
@@ -5295,43 +5515,544 @@
           <a:lstStyle/>
           <a:p>
             <a:r>
+              <a:rPr lang="en-US" altLang="zh-CN" sz="2000" dirty="0"/>
+              <a:t>PHP</a:t>
+            </a:r>
+            <a:r>
               <a:rPr lang="zh-CN" altLang="en-US" sz="2000" dirty="0"/>
-              <a:t>使用</a:t>
+              <a:t>提供了</a:t>
+            </a:r>
+            <a:r>
+              <a:rPr lang="en-US" altLang="zh-CN" sz="2000" dirty="0" err="1"/>
+              <a:t>Redis</a:t>
+            </a:r>
+            <a:r>
+              <a:rPr lang="zh-CN" altLang="en-US" sz="2000" dirty="0"/>
+              <a:t>扩展用于连接</a:t>
+            </a:r>
+            <a:r>
+              <a:rPr lang="en-US" altLang="zh-CN" sz="2000" dirty="0" err="1"/>
+              <a:t>Redis</a:t>
+            </a:r>
+            <a:r>
+              <a:rPr lang="zh-CN" altLang="en-US" sz="2000" dirty="0"/>
+              <a:t>服务进行操作。从</a:t>
+            </a:r>
+            <a:r>
+              <a:rPr lang="en-US" altLang="zh-CN" sz="2000" dirty="0">
+                <a:hlinkClick r:id="rId2"/>
+              </a:rPr>
+              <a:t>http://pecl.php.net/package/redis</a:t>
+            </a:r>
+            <a:r>
+              <a:rPr lang="zh-CN" altLang="en-US" sz="2000" dirty="0"/>
+              <a:t>可以下载最新版的</a:t>
+            </a:r>
+            <a:r>
+              <a:rPr lang="en-US" altLang="zh-CN" sz="2000" dirty="0" err="1"/>
+              <a:t>Redis</a:t>
+            </a:r>
+            <a:r>
+              <a:rPr lang="zh-CN" altLang="en-US" sz="2000" dirty="0"/>
+              <a:t>扩展。</a:t>
+            </a:r>
+            <a:endParaRPr lang="en-US" altLang="zh-CN" sz="2000" dirty="0"/>
+          </a:p>
+          <a:p>
+            <a:r>
+              <a:rPr lang="zh-CN" altLang="en-US" sz="2000" dirty="0"/>
+              <a:t>安装过程使用之前讲到的编译安装：</a:t>
+            </a:r>
+            <a:endParaRPr lang="en-US" altLang="zh-CN" sz="2000" dirty="0"/>
+          </a:p>
+          <a:p>
+            <a:pPr marL="457200" lvl="1" indent="0">
+              <a:buNone/>
+            </a:pPr>
+            <a:r>
+              <a:rPr lang="en-US" altLang="zh-CN" sz="1800" dirty="0"/>
+              <a:t>./configure  --with-</a:t>
+            </a:r>
+            <a:r>
+              <a:rPr lang="en-US" altLang="zh-CN" sz="1800" dirty="0" err="1"/>
+              <a:t>php</a:t>
+            </a:r>
+            <a:r>
+              <a:rPr lang="en-US" altLang="zh-CN" sz="1800" dirty="0"/>
+              <a:t>-config=PHP_INSTALL_DIR/bin/</a:t>
+            </a:r>
+            <a:r>
+              <a:rPr lang="en-US" altLang="zh-CN" sz="1800" dirty="0" err="1"/>
+              <a:t>php</a:t>
+            </a:r>
+            <a:r>
+              <a:rPr lang="en-US" altLang="zh-CN" sz="1800" dirty="0"/>
+              <a:t>-config</a:t>
+            </a:r>
+          </a:p>
+          <a:p>
+            <a:pPr marL="457200" lvl="1" indent="0">
+              <a:buNone/>
+            </a:pPr>
+            <a:r>
+              <a:rPr lang="en-US" altLang="zh-CN" sz="1800" dirty="0" err="1"/>
+              <a:t>sudo</a:t>
+            </a:r>
+            <a:r>
+              <a:rPr lang="en-US" altLang="zh-CN" sz="1800" dirty="0"/>
+              <a:t>  make  install</a:t>
+            </a:r>
+          </a:p>
+          <a:p>
+            <a:r>
+              <a:rPr lang="zh-CN" altLang="en-US" sz="2000" dirty="0"/>
+              <a:t>也可以使用</a:t>
+            </a:r>
+            <a:r>
+              <a:rPr lang="en-US" altLang="zh-CN" sz="2000" dirty="0" err="1"/>
+              <a:t>pecl</a:t>
             </a:r>
             <a:r>
               <a:rPr lang="en-US" altLang="zh-CN" sz="2000" dirty="0"/>
-              <a:t>$</a:t>
+              <a:t> install </a:t>
             </a:r>
             <a:r>
               <a:rPr lang="en-US" altLang="zh-CN" sz="2000" dirty="0" err="1"/>
               <a:t>redis</a:t>
             </a:r>
+            <a:endParaRPr lang="en-US" altLang="zh-CN" sz="2000" dirty="0"/>
+          </a:p>
+          <a:p>
+            <a:r>
+              <a:rPr lang="zh-CN" altLang="en-US" sz="2000" dirty="0"/>
+              <a:t>安装完成后要配置</a:t>
+            </a:r>
             <a:r>
               <a:rPr lang="en-US" altLang="zh-CN" sz="2000" dirty="0"/>
-              <a:t>-&gt;publish</a:t>
+              <a:t>php.ini</a:t>
             </a:r>
             <a:r>
               <a:rPr lang="zh-CN" altLang="en-US" sz="2000" dirty="0"/>
-              <a:t>方法，并使用</a:t>
+              <a:t>启用</a:t>
             </a:r>
             <a:r>
               <a:rPr lang="en-US" altLang="zh-CN" sz="2000" dirty="0" err="1"/>
               <a:t>redis</a:t>
             </a:r>
             <a:r>
+              <a:rPr lang="zh-CN" altLang="en-US" sz="2000" dirty="0"/>
+              <a:t>扩展，并重启</a:t>
+            </a:r>
+            <a:r>
+              <a:rPr lang="en-US" altLang="zh-CN" sz="2000" dirty="0"/>
+              <a:t>web</a:t>
+            </a:r>
+            <a:r>
+              <a:rPr lang="zh-CN" altLang="en-US" sz="2000" dirty="0"/>
+              <a:t>服务。</a:t>
+            </a:r>
+            <a:endParaRPr lang="en-US" altLang="zh-CN" sz="2000" dirty="0"/>
+          </a:p>
+          <a:p>
+            <a:r>
+              <a:rPr lang="zh-CN" altLang="en-US" sz="2000" dirty="0"/>
+              <a:t>安装</a:t>
+            </a:r>
+            <a:r>
+              <a:rPr lang="en-US" altLang="zh-CN" sz="2000" dirty="0" err="1"/>
+              <a:t>redis</a:t>
+            </a:r>
+            <a:r>
+              <a:rPr lang="zh-CN" altLang="en-US" sz="2000" dirty="0"/>
+              <a:t>服务：</a:t>
+            </a:r>
+            <a:r>
+              <a:rPr lang="en-US" altLang="zh-CN" sz="2000" dirty="0" err="1"/>
+              <a:t>sudo</a:t>
+            </a:r>
+            <a:r>
+              <a:rPr lang="en-US" altLang="zh-CN" sz="2000" dirty="0"/>
+              <a:t>  apt  install </a:t>
+            </a:r>
+            <a:r>
+              <a:rPr lang="en-US" altLang="zh-CN" sz="2000" dirty="0" err="1"/>
+              <a:t>redis</a:t>
+            </a:r>
+            <a:r>
+              <a:rPr lang="en-US" altLang="zh-CN" sz="2000" dirty="0"/>
+              <a:t>-server</a:t>
+            </a:r>
+          </a:p>
+          <a:p>
+            <a:r>
+              <a:rPr lang="zh-CN" altLang="en-US" sz="2000" dirty="0"/>
+              <a:t>安装</a:t>
+            </a:r>
+            <a:r>
+              <a:rPr lang="en-US" altLang="zh-CN" sz="2000" dirty="0" err="1"/>
+              <a:t>redis</a:t>
+            </a:r>
+            <a:r>
+              <a:rPr lang="en-US" altLang="zh-CN" sz="2000" dirty="0"/>
+              <a:t>-server</a:t>
+            </a:r>
+            <a:r>
+              <a:rPr lang="zh-CN" altLang="en-US" sz="2000" dirty="0"/>
+              <a:t>会自动安装</a:t>
+            </a:r>
+            <a:r>
+              <a:rPr lang="en-US" altLang="zh-CN" sz="2000" dirty="0" err="1"/>
+              <a:t>redis</a:t>
+            </a:r>
+            <a:r>
+              <a:rPr lang="en-US" altLang="zh-CN" sz="2000" dirty="0"/>
+              <a:t>-tools</a:t>
+            </a:r>
+            <a:r>
+              <a:rPr lang="zh-CN" altLang="en-US" sz="2000" dirty="0"/>
+              <a:t>，安装后有</a:t>
+            </a:r>
+            <a:r>
+              <a:rPr lang="en-US" altLang="zh-CN" sz="2000" dirty="0" err="1"/>
+              <a:t>redis</a:t>
+            </a:r>
+            <a:r>
               <a:rPr lang="en-US" altLang="zh-CN" sz="2000" dirty="0"/>
               <a:t>-cli</a:t>
             </a:r>
             <a:r>
               <a:rPr lang="zh-CN" altLang="en-US" sz="2000" dirty="0"/>
-              <a:t>订阅频道获取数据</a:t>
+              <a:t>用于连接</a:t>
+            </a:r>
+            <a:r>
+              <a:rPr lang="en-US" altLang="zh-CN" sz="2000" dirty="0" err="1"/>
+              <a:t>redis</a:t>
+            </a:r>
+            <a:r>
+              <a:rPr lang="en-US" altLang="zh-CN" sz="2000" dirty="0"/>
+              <a:t>-server</a:t>
+            </a:r>
+            <a:r>
+              <a:rPr lang="zh-CN" altLang="en-US" sz="2000" dirty="0"/>
+              <a:t>。</a:t>
             </a:r>
             <a:endParaRPr lang="en-US" altLang="zh-CN" sz="2000" dirty="0"/>
           </a:p>
           <a:p>
+            <a:r>
+              <a:rPr lang="en-US" altLang="zh-CN" sz="2000" dirty="0" err="1"/>
+              <a:t>redis</a:t>
+            </a:r>
+            <a:r>
+              <a:rPr lang="en-US" altLang="zh-CN" sz="2000" dirty="0"/>
+              <a:t>-server</a:t>
+            </a:r>
+            <a:r>
+              <a:rPr lang="zh-CN" altLang="en-US" sz="2000" dirty="0"/>
+              <a:t>默认运行在</a:t>
+            </a:r>
+            <a:r>
+              <a:rPr lang="en-US" altLang="zh-CN" sz="2000" dirty="0"/>
+              <a:t>6379</a:t>
+            </a:r>
+            <a:r>
+              <a:rPr lang="zh-CN" altLang="en-US" sz="2000" dirty="0"/>
+              <a:t>端口。</a:t>
+            </a:r>
             <a:endParaRPr lang="en-US" altLang="zh-CN" sz="2000" dirty="0"/>
           </a:p>
           <a:p>
+            <a:endParaRPr lang="en-US" altLang="zh-CN" sz="2000" dirty="0"/>
+          </a:p>
+          <a:p>
+            <a:endParaRPr lang="en-US" altLang="zh-CN" sz="2000" dirty="0"/>
+          </a:p>
+          <a:p>
+            <a:endParaRPr lang="en-US" altLang="zh-CN" sz="2000" dirty="0"/>
+          </a:p>
+        </p:txBody>
+      </p:sp>
+    </p:spTree>
+    <p:extLst>
+      <p:ext uri="{BB962C8B-B14F-4D97-AF65-F5344CB8AC3E}">
+        <p14:creationId xmlns:p14="http://schemas.microsoft.com/office/powerpoint/2010/main" val="1118539503"/>
+      </p:ext>
+    </p:extLst>
+  </p:cSld>
+  <p:clrMapOvr>
+    <a:masterClrMapping/>
+  </p:clrMapOvr>
+</p:sld>
+</file>
+
+<file path=ppt/slides/slide16.xml><?xml version="1.0" encoding="utf-8"?>
+<p:sld xmlns:a="http://schemas.openxmlformats.org/drawingml/2006/main" xmlns:r="http://schemas.openxmlformats.org/officeDocument/2006/relationships" xmlns:p="http://schemas.openxmlformats.org/presentationml/2006/main">
+  <p:cSld>
+    <p:spTree>
+      <p:nvGrpSpPr>
+        <p:cNvPr id="1" name=""/>
+        <p:cNvGrpSpPr/>
+        <p:nvPr/>
+      </p:nvGrpSpPr>
+      <p:grpSpPr>
+        <a:xfrm>
+          <a:off x="0" y="0"/>
+          <a:ext cx="0" cy="0"/>
+          <a:chOff x="0" y="0"/>
+          <a:chExt cx="0" cy="0"/>
+        </a:xfrm>
+      </p:grpSpPr>
+      <p:sp>
+        <p:nvSpPr>
+          <p:cNvPr id="4" name="标题 3">
+            <a:extLst>
+              <a:ext uri="{FF2B5EF4-FFF2-40B4-BE49-F238E27FC236}">
+                <a16:creationId xmlns:a16="http://schemas.microsoft.com/office/drawing/2014/main" id="{2729939D-814A-4BD2-9922-3F8EA865938B}"/>
+              </a:ext>
+            </a:extLst>
+          </p:cNvPr>
+          <p:cNvSpPr>
+            <a:spLocks noGrp="1"/>
+          </p:cNvSpPr>
+          <p:nvPr>
+            <p:ph type="title"/>
+          </p:nvPr>
+        </p:nvSpPr>
+        <p:spPr>
+          <a:xfrm>
+            <a:off x="838200" y="683581"/>
+            <a:ext cx="10515600" cy="736846"/>
+          </a:xfrm>
+        </p:spPr>
+        <p:txBody>
+          <a:bodyPr/>
+          <a:lstStyle/>
+          <a:p>
+            <a:r>
+              <a:rPr lang="en-US" altLang="zh-CN" dirty="0" err="1"/>
+              <a:t>Redis</a:t>
+            </a:r>
+            <a:r>
+              <a:rPr lang="zh-CN" altLang="en-US" dirty="0"/>
+              <a:t>客户端工具</a:t>
+            </a:r>
+          </a:p>
+        </p:txBody>
+      </p:sp>
+      <p:sp>
+        <p:nvSpPr>
+          <p:cNvPr id="3" name="内容占位符 2">
+            <a:extLst>
+              <a:ext uri="{FF2B5EF4-FFF2-40B4-BE49-F238E27FC236}">
+                <a16:creationId xmlns:a16="http://schemas.microsoft.com/office/drawing/2014/main" id="{96EE1DBA-F015-4E13-B948-F2CA77768E06}"/>
+              </a:ext>
+            </a:extLst>
+          </p:cNvPr>
+          <p:cNvSpPr>
+            <a:spLocks noGrp="1"/>
+          </p:cNvSpPr>
+          <p:nvPr>
+            <p:ph idx="1"/>
+          </p:nvPr>
+        </p:nvSpPr>
+        <p:spPr>
+          <a:xfrm>
+            <a:off x="838200" y="1656500"/>
+            <a:ext cx="10515600" cy="5037263"/>
+          </a:xfrm>
+        </p:spPr>
+        <p:txBody>
+          <a:bodyPr>
+            <a:normAutofit/>
+          </a:bodyPr>
+          <a:lstStyle/>
+          <a:p>
+            <a:r>
+              <a:rPr lang="zh-CN" altLang="en-US" sz="2000" dirty="0"/>
+              <a:t>运行</a:t>
+            </a:r>
+            <a:r>
+              <a:rPr lang="en-US" altLang="zh-CN" sz="2000" dirty="0" err="1"/>
+              <a:t>redis</a:t>
+            </a:r>
+            <a:r>
+              <a:rPr lang="en-US" altLang="zh-CN" sz="2000" dirty="0"/>
+              <a:t>-cli</a:t>
+            </a:r>
+            <a:r>
+              <a:rPr lang="zh-CN" altLang="en-US" sz="2000" dirty="0"/>
+              <a:t>直接就会连接</a:t>
+            </a:r>
+            <a:r>
+              <a:rPr lang="en-US" altLang="zh-CN" sz="2000" dirty="0" err="1"/>
+              <a:t>redis</a:t>
+            </a:r>
+            <a:r>
+              <a:rPr lang="en-US" altLang="zh-CN" sz="2000" dirty="0"/>
+              <a:t>-server</a:t>
+            </a:r>
+            <a:r>
+              <a:rPr lang="zh-CN" altLang="en-US" sz="2000" dirty="0"/>
+              <a:t>，不需要参数。</a:t>
+            </a:r>
+            <a:endParaRPr lang="en-US" altLang="zh-CN" sz="2000" dirty="0"/>
+          </a:p>
+          <a:p>
+            <a:endParaRPr lang="en-US" altLang="zh-CN" sz="2000" dirty="0"/>
+          </a:p>
+          <a:p>
+            <a:endParaRPr lang="en-US" altLang="zh-CN" sz="2000" dirty="0"/>
+          </a:p>
+          <a:p>
+            <a:endParaRPr lang="en-US" altLang="zh-CN" sz="2000" dirty="0"/>
+          </a:p>
+          <a:p>
+            <a:endParaRPr lang="en-US" altLang="zh-CN" sz="2000" dirty="0"/>
+          </a:p>
+          <a:p>
+            <a:pPr marL="0" indent="0">
+              <a:buNone/>
+            </a:pPr>
+            <a:endParaRPr lang="en-US" altLang="zh-CN" sz="2000" dirty="0"/>
+          </a:p>
+          <a:p>
+            <a:r>
+              <a:rPr lang="zh-CN" altLang="en-US" sz="2000" dirty="0"/>
+              <a:t>命令示例：</a:t>
+            </a:r>
+            <a:endParaRPr lang="en-US" altLang="zh-CN" sz="2000" dirty="0"/>
+          </a:p>
+          <a:p>
+            <a:pPr lvl="1"/>
+            <a:r>
+              <a:rPr lang="zh-CN" altLang="en-US" sz="1800" dirty="0"/>
+              <a:t>添加： </a:t>
+            </a:r>
+            <a:r>
+              <a:rPr lang="en-US" altLang="zh-CN" sz="1800" dirty="0"/>
+              <a:t>append  brave  master  //</a:t>
+            </a:r>
+            <a:r>
+              <a:rPr lang="zh-CN" altLang="en-US" sz="1800" dirty="0"/>
+              <a:t>如果重复此操作，则会在</a:t>
+            </a:r>
+            <a:r>
+              <a:rPr lang="en-US" altLang="zh-CN" sz="1800" dirty="0"/>
+              <a:t>key</a:t>
+            </a:r>
+            <a:r>
+              <a:rPr lang="zh-CN" altLang="en-US" sz="1800" dirty="0"/>
+              <a:t>索引的值后面添加数据</a:t>
+            </a:r>
+            <a:endParaRPr lang="en-US" altLang="zh-CN" sz="1800" dirty="0"/>
+          </a:p>
+          <a:p>
+            <a:pPr lvl="1"/>
+            <a:r>
+              <a:rPr lang="zh-CN" altLang="en-US" sz="1800" dirty="0"/>
+              <a:t>获取： </a:t>
+            </a:r>
+            <a:r>
+              <a:rPr lang="en-US" altLang="zh-CN" sz="1800" dirty="0"/>
+              <a:t>get  brave</a:t>
+            </a:r>
+          </a:p>
+          <a:p>
+            <a:pPr lvl="1"/>
+            <a:r>
+              <a:rPr lang="zh-CN" altLang="en-US" sz="1800" dirty="0"/>
+              <a:t>重置： </a:t>
+            </a:r>
+            <a:r>
+              <a:rPr lang="en-US" altLang="zh-CN" sz="1800" dirty="0"/>
+              <a:t>set  brave  programmer  //</a:t>
+            </a:r>
+            <a:r>
+              <a:rPr lang="zh-CN" altLang="en-US" sz="1800" dirty="0"/>
+              <a:t>如果没有此索引，则会创建</a:t>
+            </a:r>
+            <a:endParaRPr lang="en-US" altLang="zh-CN" sz="1800" dirty="0"/>
+          </a:p>
+          <a:p>
+            <a:pPr lvl="1"/>
+            <a:r>
+              <a:rPr lang="zh-CN" altLang="en-US" sz="1800" dirty="0"/>
+              <a:t>删除： </a:t>
+            </a:r>
+            <a:r>
+              <a:rPr lang="en-US" altLang="zh-CN" sz="1800" dirty="0"/>
+              <a:t>del  brave</a:t>
+            </a:r>
+          </a:p>
+          <a:p>
+            <a:pPr lvl="1"/>
+            <a:r>
+              <a:rPr lang="zh-CN" altLang="en-US" sz="1800" dirty="0"/>
+              <a:t>列表：</a:t>
+            </a:r>
+            <a:r>
+              <a:rPr lang="en-US" altLang="zh-CN" sz="1800" dirty="0" err="1"/>
+              <a:t>lpush</a:t>
+            </a:r>
+            <a:r>
+              <a:rPr lang="en-US" altLang="zh-CN" sz="1800" dirty="0"/>
+              <a:t> [ LIST KEY ] [ VALUE ]</a:t>
+            </a:r>
+            <a:r>
+              <a:rPr lang="zh-CN" altLang="en-US" sz="1800" dirty="0"/>
+              <a:t>把</a:t>
+            </a:r>
+            <a:r>
+              <a:rPr lang="en-US" altLang="zh-CN" sz="1800" dirty="0"/>
+              <a:t>VALUE</a:t>
+            </a:r>
+            <a:r>
+              <a:rPr lang="zh-CN" altLang="en-US" sz="1800" dirty="0"/>
+              <a:t>值压入</a:t>
+            </a:r>
+            <a:r>
+              <a:rPr lang="en-US" altLang="zh-CN" sz="1800" dirty="0"/>
+              <a:t>LIST KEY</a:t>
+            </a:r>
+            <a:r>
+              <a:rPr lang="zh-CN" altLang="en-US" sz="1800" dirty="0"/>
+              <a:t>，重复操作元素会不断加入</a:t>
+            </a:r>
+            <a:r>
+              <a:rPr lang="en-US" altLang="zh-CN" sz="1800" dirty="0"/>
+              <a:t>LIST KEY</a:t>
+            </a:r>
+          </a:p>
+          <a:p>
+            <a:pPr lvl="1"/>
+            <a:r>
+              <a:rPr lang="zh-CN" altLang="en-US" sz="1800" dirty="0"/>
+              <a:t>列表：</a:t>
+            </a:r>
+            <a:r>
+              <a:rPr lang="en-US" altLang="zh-CN" sz="1800" dirty="0" err="1"/>
+              <a:t>lpop</a:t>
+            </a:r>
+            <a:r>
+              <a:rPr lang="en-US" altLang="zh-CN" sz="1800" dirty="0"/>
+              <a:t>  [ LIST KEY ] </a:t>
+            </a:r>
+            <a:r>
+              <a:rPr lang="zh-CN" altLang="en-US" sz="1800" dirty="0"/>
+              <a:t>弹出最近压入的元素</a:t>
+            </a:r>
+            <a:endParaRPr lang="en-US" altLang="zh-CN" sz="1800" dirty="0"/>
+          </a:p>
+          <a:p>
+            <a:endParaRPr lang="en-US" altLang="zh-CN" sz="2000" dirty="0"/>
+          </a:p>
+          <a:p>
+            <a:endParaRPr lang="en-US" altLang="zh-CN" sz="2000" dirty="0"/>
+          </a:p>
+          <a:p>
+            <a:pPr marL="0" indent="0">
+              <a:buNone/>
+            </a:pPr>
             <a:endParaRPr lang="en-US" altLang="zh-CN" sz="2000" dirty="0"/>
           </a:p>
         </p:txBody>
@@ -5341,7 +6062,7 @@
           <p:cNvPr id="5" name="图片 4">
             <a:extLst>
               <a:ext uri="{FF2B5EF4-FFF2-40B4-BE49-F238E27FC236}">
-                <a16:creationId xmlns:a16="http://schemas.microsoft.com/office/drawing/2014/main" id="{D3A21440-713D-476C-AC6A-39A104D2C438}"/>
+                <a16:creationId xmlns:a16="http://schemas.microsoft.com/office/drawing/2014/main" id="{A0A0F74E-27D2-4926-ABFD-79F2371130D8}"/>
               </a:ext>
             </a:extLst>
           </p:cNvPr>
@@ -5364,8 +6085,8 @@
         </p:blipFill>
         <p:spPr>
           <a:xfrm>
-            <a:off x="1160607" y="2166077"/>
-            <a:ext cx="8290560" cy="3307080"/>
+            <a:off x="936077" y="2448054"/>
+            <a:ext cx="6121672" cy="1119335"/>
           </a:xfrm>
           <a:prstGeom prst="rect">
             <a:avLst/>
@@ -5375,7 +6096,531 @@
     </p:spTree>
     <p:extLst>
       <p:ext uri="{BB962C8B-B14F-4D97-AF65-F5344CB8AC3E}">
-        <p14:creationId xmlns:p14="http://schemas.microsoft.com/office/powerpoint/2010/main" val="1482262640"/>
+        <p14:creationId xmlns:p14="http://schemas.microsoft.com/office/powerpoint/2010/main" val="2670213598"/>
+      </p:ext>
+    </p:extLst>
+  </p:cSld>
+  <p:clrMapOvr>
+    <a:masterClrMapping/>
+  </p:clrMapOvr>
+</p:sld>
+</file>
+
+<file path=ppt/slides/slide17.xml><?xml version="1.0" encoding="utf-8"?>
+<p:sld xmlns:a="http://schemas.openxmlformats.org/drawingml/2006/main" xmlns:r="http://schemas.openxmlformats.org/officeDocument/2006/relationships" xmlns:p="http://schemas.openxmlformats.org/presentationml/2006/main">
+  <p:cSld>
+    <p:spTree>
+      <p:nvGrpSpPr>
+        <p:cNvPr id="1" name=""/>
+        <p:cNvGrpSpPr/>
+        <p:nvPr/>
+      </p:nvGrpSpPr>
+      <p:grpSpPr>
+        <a:xfrm>
+          <a:off x="0" y="0"/>
+          <a:ext cx="0" cy="0"/>
+          <a:chOff x="0" y="0"/>
+          <a:chExt cx="0" cy="0"/>
+        </a:xfrm>
+      </p:grpSpPr>
+      <p:sp>
+        <p:nvSpPr>
+          <p:cNvPr id="4" name="标题 3">
+            <a:extLst>
+              <a:ext uri="{FF2B5EF4-FFF2-40B4-BE49-F238E27FC236}">
+                <a16:creationId xmlns:a16="http://schemas.microsoft.com/office/drawing/2014/main" id="{2729939D-814A-4BD2-9922-3F8EA865938B}"/>
+              </a:ext>
+            </a:extLst>
+          </p:cNvPr>
+          <p:cNvSpPr>
+            <a:spLocks noGrp="1"/>
+          </p:cNvSpPr>
+          <p:nvPr>
+            <p:ph type="title"/>
+          </p:nvPr>
+        </p:nvSpPr>
+        <p:spPr>
+          <a:xfrm>
+            <a:off x="838200" y="683581"/>
+            <a:ext cx="10515600" cy="736846"/>
+          </a:xfrm>
+        </p:spPr>
+        <p:txBody>
+          <a:bodyPr/>
+          <a:lstStyle/>
+          <a:p>
+            <a:r>
+              <a:rPr lang="en-US" altLang="zh-CN" dirty="0"/>
+              <a:t>PHP</a:t>
+            </a:r>
+            <a:r>
+              <a:rPr lang="zh-CN" altLang="en-US" dirty="0"/>
+              <a:t>获取</a:t>
+            </a:r>
+            <a:r>
+              <a:rPr lang="en-US" altLang="zh-CN" dirty="0" err="1"/>
+              <a:t>Redis</a:t>
+            </a:r>
+            <a:r>
+              <a:rPr lang="zh-CN" altLang="en-US" dirty="0"/>
+              <a:t>扩展调用方法</a:t>
+            </a:r>
+          </a:p>
+        </p:txBody>
+      </p:sp>
+      <p:sp>
+        <p:nvSpPr>
+          <p:cNvPr id="6" name="内容占位符 5">
+            <a:extLst>
+              <a:ext uri="{FF2B5EF4-FFF2-40B4-BE49-F238E27FC236}">
+                <a16:creationId xmlns:a16="http://schemas.microsoft.com/office/drawing/2014/main" id="{B83E9AD4-C606-4679-B884-01F71CC97E44}"/>
+              </a:ext>
+            </a:extLst>
+          </p:cNvPr>
+          <p:cNvSpPr>
+            <a:spLocks noGrp="1"/>
+          </p:cNvSpPr>
+          <p:nvPr>
+            <p:ph idx="1"/>
+          </p:nvPr>
+        </p:nvSpPr>
+        <p:spPr>
+          <a:xfrm>
+            <a:off x="838200" y="1656500"/>
+            <a:ext cx="10515600" cy="4850832"/>
+          </a:xfrm>
+        </p:spPr>
+        <p:txBody>
+          <a:bodyPr>
+            <a:normAutofit/>
+          </a:bodyPr>
+          <a:lstStyle/>
+          <a:p>
+            <a:r>
+              <a:rPr lang="en-US" altLang="zh-CN" sz="1800" dirty="0"/>
+              <a:t>PHP</a:t>
+            </a:r>
+            <a:r>
+              <a:rPr lang="zh-CN" altLang="en-US" sz="1800" dirty="0"/>
+              <a:t>获取</a:t>
+            </a:r>
+            <a:r>
+              <a:rPr lang="en-US" altLang="zh-CN" sz="1800" dirty="0" err="1"/>
+              <a:t>Redis</a:t>
+            </a:r>
+            <a:r>
+              <a:rPr lang="zh-CN" altLang="en-US" sz="1800" dirty="0"/>
+              <a:t>扩展支持的调用方法：</a:t>
+            </a:r>
+            <a:endParaRPr lang="en-US" altLang="zh-CN" sz="1800" dirty="0"/>
+          </a:p>
+          <a:p>
+            <a:endParaRPr lang="en-US" altLang="zh-CN" sz="1800" dirty="0"/>
+          </a:p>
+          <a:p>
+            <a:endParaRPr lang="en-US" altLang="zh-CN" sz="1800" dirty="0"/>
+          </a:p>
+          <a:p>
+            <a:endParaRPr lang="en-US" altLang="zh-CN" sz="1800" dirty="0"/>
+          </a:p>
+          <a:p>
+            <a:endParaRPr lang="en-US" altLang="zh-CN" sz="1800" dirty="0"/>
+          </a:p>
+          <a:p>
+            <a:endParaRPr lang="en-US" altLang="zh-CN" sz="1800" dirty="0"/>
+          </a:p>
+          <a:p>
+            <a:endParaRPr lang="en-US" altLang="zh-CN" sz="1800" dirty="0"/>
+          </a:p>
+          <a:p>
+            <a:endParaRPr lang="en-US" altLang="zh-CN" sz="1800" dirty="0"/>
+          </a:p>
+          <a:p>
+            <a:endParaRPr lang="en-US" altLang="zh-CN" sz="1800" dirty="0"/>
+          </a:p>
+          <a:p>
+            <a:endParaRPr lang="en-US" altLang="zh-CN" sz="1800" dirty="0"/>
+          </a:p>
+          <a:p>
+            <a:endParaRPr lang="en-US" altLang="zh-CN" sz="1800" dirty="0"/>
+          </a:p>
+          <a:p>
+            <a:r>
+              <a:rPr lang="zh-CN" altLang="en-US" sz="1800" dirty="0"/>
+              <a:t>方法名称基本都是和</a:t>
+            </a:r>
+            <a:r>
+              <a:rPr lang="en-US" altLang="zh-CN" sz="1800" dirty="0" err="1"/>
+              <a:t>Redis</a:t>
+            </a:r>
+            <a:r>
+              <a:rPr lang="zh-CN" altLang="en-US" sz="1800" dirty="0"/>
+              <a:t>对应的命令，参数都符合</a:t>
+            </a:r>
+            <a:r>
+              <a:rPr lang="en-US" altLang="zh-CN" sz="1800" dirty="0" err="1"/>
+              <a:t>Redis</a:t>
+            </a:r>
+            <a:r>
+              <a:rPr lang="zh-CN" altLang="en-US" sz="1800" dirty="0"/>
+              <a:t>命令的参数顺序。</a:t>
+            </a:r>
+            <a:endParaRPr lang="en-US" altLang="zh-CN" sz="1800" dirty="0"/>
+          </a:p>
+          <a:p>
+            <a:endParaRPr lang="en-US" altLang="zh-CN" sz="1800" dirty="0"/>
+          </a:p>
+        </p:txBody>
+      </p:sp>
+      <p:pic>
+        <p:nvPicPr>
+          <p:cNvPr id="3" name="图片 2">
+            <a:extLst>
+              <a:ext uri="{FF2B5EF4-FFF2-40B4-BE49-F238E27FC236}">
+                <a16:creationId xmlns:a16="http://schemas.microsoft.com/office/drawing/2014/main" id="{D28A177A-FB7E-4161-98EE-F1AF75E79AFA}"/>
+              </a:ext>
+            </a:extLst>
+          </p:cNvPr>
+          <p:cNvPicPr>
+            <a:picLocks noChangeAspect="1"/>
+          </p:cNvPicPr>
+          <p:nvPr/>
+        </p:nvPicPr>
+        <p:blipFill>
+          <a:blip r:embed="rId2">
+            <a:extLst>
+              <a:ext uri="{28A0092B-C50C-407E-A947-70E740481C1C}">
+                <a14:useLocalDpi xmlns:a14="http://schemas.microsoft.com/office/drawing/2010/main" val="0"/>
+              </a:ext>
+            </a:extLst>
+          </a:blip>
+          <a:stretch>
+            <a:fillRect/>
+          </a:stretch>
+        </p:blipFill>
+        <p:spPr>
+          <a:xfrm>
+            <a:off x="1246645" y="2080037"/>
+            <a:ext cx="7601441" cy="3397484"/>
+          </a:xfrm>
+          <a:prstGeom prst="rect">
+            <a:avLst/>
+          </a:prstGeom>
+        </p:spPr>
+      </p:pic>
+    </p:spTree>
+    <p:extLst>
+      <p:ext uri="{BB962C8B-B14F-4D97-AF65-F5344CB8AC3E}">
+        <p14:creationId xmlns:p14="http://schemas.microsoft.com/office/powerpoint/2010/main" val="224763711"/>
+      </p:ext>
+    </p:extLst>
+  </p:cSld>
+  <p:clrMapOvr>
+    <a:masterClrMapping/>
+  </p:clrMapOvr>
+</p:sld>
+</file>
+
+<file path=ppt/slides/slide18.xml><?xml version="1.0" encoding="utf-8"?>
+<p:sld xmlns:a="http://schemas.openxmlformats.org/drawingml/2006/main" xmlns:r="http://schemas.openxmlformats.org/officeDocument/2006/relationships" xmlns:p="http://schemas.openxmlformats.org/presentationml/2006/main">
+  <p:cSld>
+    <p:spTree>
+      <p:nvGrpSpPr>
+        <p:cNvPr id="1" name=""/>
+        <p:cNvGrpSpPr/>
+        <p:nvPr/>
+      </p:nvGrpSpPr>
+      <p:grpSpPr>
+        <a:xfrm>
+          <a:off x="0" y="0"/>
+          <a:ext cx="0" cy="0"/>
+          <a:chOff x="0" y="0"/>
+          <a:chExt cx="0" cy="0"/>
+        </a:xfrm>
+      </p:grpSpPr>
+      <p:sp>
+        <p:nvSpPr>
+          <p:cNvPr id="4" name="标题 3">
+            <a:extLst>
+              <a:ext uri="{FF2B5EF4-FFF2-40B4-BE49-F238E27FC236}">
+                <a16:creationId xmlns:a16="http://schemas.microsoft.com/office/drawing/2014/main" id="{2729939D-814A-4BD2-9922-3F8EA865938B}"/>
+              </a:ext>
+            </a:extLst>
+          </p:cNvPr>
+          <p:cNvSpPr>
+            <a:spLocks noGrp="1"/>
+          </p:cNvSpPr>
+          <p:nvPr>
+            <p:ph type="title"/>
+          </p:nvPr>
+        </p:nvSpPr>
+        <p:spPr>
+          <a:xfrm>
+            <a:off x="838200" y="683581"/>
+            <a:ext cx="10515600" cy="736846"/>
+          </a:xfrm>
+        </p:spPr>
+        <p:txBody>
+          <a:bodyPr/>
+          <a:lstStyle/>
+          <a:p>
+            <a:r>
+              <a:rPr lang="en-US" altLang="zh-CN" dirty="0"/>
+              <a:t>PHP</a:t>
+            </a:r>
+            <a:r>
+              <a:rPr lang="zh-CN" altLang="en-US" dirty="0"/>
+              <a:t>连接</a:t>
+            </a:r>
+            <a:r>
+              <a:rPr lang="en-US" altLang="zh-CN" dirty="0" err="1"/>
+              <a:t>Redis</a:t>
+            </a:r>
+            <a:endParaRPr lang="zh-CN" altLang="en-US" dirty="0"/>
+          </a:p>
+        </p:txBody>
+      </p:sp>
+      <p:sp>
+        <p:nvSpPr>
+          <p:cNvPr id="6" name="内容占位符 5">
+            <a:extLst>
+              <a:ext uri="{FF2B5EF4-FFF2-40B4-BE49-F238E27FC236}">
+                <a16:creationId xmlns:a16="http://schemas.microsoft.com/office/drawing/2014/main" id="{B83E9AD4-C606-4679-B884-01F71CC97E44}"/>
+              </a:ext>
+            </a:extLst>
+          </p:cNvPr>
+          <p:cNvSpPr>
+            <a:spLocks noGrp="1"/>
+          </p:cNvSpPr>
+          <p:nvPr>
+            <p:ph idx="1"/>
+          </p:nvPr>
+        </p:nvSpPr>
+        <p:spPr>
+          <a:xfrm>
+            <a:off x="838200" y="1656500"/>
+            <a:ext cx="10515600" cy="4850832"/>
+          </a:xfrm>
+        </p:spPr>
+        <p:txBody>
+          <a:bodyPr>
+            <a:normAutofit/>
+          </a:bodyPr>
+          <a:lstStyle/>
+          <a:p>
+            <a:r>
+              <a:rPr lang="en-US" altLang="zh-CN" sz="1800" dirty="0"/>
+              <a:t>PHP</a:t>
+            </a:r>
+            <a:r>
+              <a:rPr lang="zh-CN" altLang="en-US" sz="1800" dirty="0"/>
+              <a:t>连接</a:t>
+            </a:r>
+            <a:r>
+              <a:rPr lang="en-US" altLang="zh-CN" sz="1800" dirty="0" err="1"/>
+              <a:t>Redis</a:t>
+            </a:r>
+            <a:r>
+              <a:rPr lang="zh-CN" altLang="en-US" sz="1800" dirty="0"/>
+              <a:t>并添加一条数据：</a:t>
+            </a:r>
+            <a:endParaRPr lang="en-US" altLang="zh-CN" sz="1800" dirty="0"/>
+          </a:p>
+          <a:p>
+            <a:endParaRPr lang="en-US" altLang="zh-CN" sz="1800" dirty="0"/>
+          </a:p>
+        </p:txBody>
+      </p:sp>
+      <p:pic>
+        <p:nvPicPr>
+          <p:cNvPr id="9" name="图片 8">
+            <a:extLst>
+              <a:ext uri="{FF2B5EF4-FFF2-40B4-BE49-F238E27FC236}">
+                <a16:creationId xmlns:a16="http://schemas.microsoft.com/office/drawing/2014/main" id="{3D23086F-6808-4BD4-B55C-19DEB5CB5845}"/>
+              </a:ext>
+            </a:extLst>
+          </p:cNvPr>
+          <p:cNvPicPr>
+            <a:picLocks noChangeAspect="1"/>
+          </p:cNvPicPr>
+          <p:nvPr/>
+        </p:nvPicPr>
+        <p:blipFill>
+          <a:blip r:embed="rId2">
+            <a:extLst>
+              <a:ext uri="{28A0092B-C50C-407E-A947-70E740481C1C}">
+                <a14:useLocalDpi xmlns:a14="http://schemas.microsoft.com/office/drawing/2010/main" val="0"/>
+              </a:ext>
+            </a:extLst>
+          </a:blip>
+          <a:stretch>
+            <a:fillRect/>
+          </a:stretch>
+        </p:blipFill>
+        <p:spPr>
+          <a:xfrm>
+            <a:off x="1167746" y="2196926"/>
+            <a:ext cx="9078559" cy="3449271"/>
+          </a:xfrm>
+          <a:prstGeom prst="rect">
+            <a:avLst/>
+          </a:prstGeom>
+        </p:spPr>
+      </p:pic>
+    </p:spTree>
+    <p:extLst>
+      <p:ext uri="{BB962C8B-B14F-4D97-AF65-F5344CB8AC3E}">
+        <p14:creationId xmlns:p14="http://schemas.microsoft.com/office/powerpoint/2010/main" val="2833520640"/>
+      </p:ext>
+    </p:extLst>
+  </p:cSld>
+  <p:clrMapOvr>
+    <a:masterClrMapping/>
+  </p:clrMapOvr>
+</p:sld>
+</file>
+
+<file path=ppt/slides/slide19.xml><?xml version="1.0" encoding="utf-8"?>
+<p:sld xmlns:a="http://schemas.openxmlformats.org/drawingml/2006/main" xmlns:r="http://schemas.openxmlformats.org/officeDocument/2006/relationships" xmlns:p="http://schemas.openxmlformats.org/presentationml/2006/main">
+  <p:cSld>
+    <p:spTree>
+      <p:nvGrpSpPr>
+        <p:cNvPr id="1" name=""/>
+        <p:cNvGrpSpPr/>
+        <p:nvPr/>
+      </p:nvGrpSpPr>
+      <p:grpSpPr>
+        <a:xfrm>
+          <a:off x="0" y="0"/>
+          <a:ext cx="0" cy="0"/>
+          <a:chOff x="0" y="0"/>
+          <a:chExt cx="0" cy="0"/>
+        </a:xfrm>
+      </p:grpSpPr>
+      <p:sp>
+        <p:nvSpPr>
+          <p:cNvPr id="4" name="标题 3">
+            <a:extLst>
+              <a:ext uri="{FF2B5EF4-FFF2-40B4-BE49-F238E27FC236}">
+                <a16:creationId xmlns:a16="http://schemas.microsoft.com/office/drawing/2014/main" id="{2729939D-814A-4BD2-9922-3F8EA865938B}"/>
+              </a:ext>
+            </a:extLst>
+          </p:cNvPr>
+          <p:cNvSpPr>
+            <a:spLocks noGrp="1"/>
+          </p:cNvSpPr>
+          <p:nvPr>
+            <p:ph type="title"/>
+          </p:nvPr>
+        </p:nvSpPr>
+        <p:spPr>
+          <a:xfrm>
+            <a:off x="838200" y="683581"/>
+            <a:ext cx="10515600" cy="736846"/>
+          </a:xfrm>
+        </p:spPr>
+        <p:txBody>
+          <a:bodyPr/>
+          <a:lstStyle/>
+          <a:p>
+            <a:r>
+              <a:rPr lang="zh-CN" altLang="en-US" dirty="0"/>
+              <a:t>发布</a:t>
+            </a:r>
+            <a:r>
+              <a:rPr lang="en-US" altLang="zh-CN" dirty="0"/>
+              <a:t>/</a:t>
+            </a:r>
+            <a:r>
+              <a:rPr lang="zh-CN" altLang="en-US" dirty="0"/>
+              <a:t>订阅</a:t>
+            </a:r>
+          </a:p>
+        </p:txBody>
+      </p:sp>
+      <p:sp>
+        <p:nvSpPr>
+          <p:cNvPr id="6" name="内容占位符 5">
+            <a:extLst>
+              <a:ext uri="{FF2B5EF4-FFF2-40B4-BE49-F238E27FC236}">
+                <a16:creationId xmlns:a16="http://schemas.microsoft.com/office/drawing/2014/main" id="{B83E9AD4-C606-4679-B884-01F71CC97E44}"/>
+              </a:ext>
+            </a:extLst>
+          </p:cNvPr>
+          <p:cNvSpPr>
+            <a:spLocks noGrp="1"/>
+          </p:cNvSpPr>
+          <p:nvPr>
+            <p:ph idx="1"/>
+          </p:nvPr>
+        </p:nvSpPr>
+        <p:spPr>
+          <a:xfrm>
+            <a:off x="838200" y="1656500"/>
+            <a:ext cx="10515600" cy="4850832"/>
+          </a:xfrm>
+        </p:spPr>
+        <p:txBody>
+          <a:bodyPr>
+            <a:normAutofit/>
+          </a:bodyPr>
+          <a:lstStyle/>
+          <a:p>
+            <a:r>
+              <a:rPr lang="en-US" altLang="zh-CN" sz="1800" dirty="0" err="1"/>
+              <a:t>Redis</a:t>
+            </a:r>
+            <a:r>
+              <a:rPr lang="zh-CN" altLang="en-US" sz="1800" dirty="0"/>
+              <a:t>支持发布订阅模式。</a:t>
+            </a:r>
+            <a:endParaRPr lang="en-US" altLang="zh-CN" sz="1800" dirty="0"/>
+          </a:p>
+          <a:p>
+            <a:r>
+              <a:rPr lang="zh-CN" altLang="en-US" sz="1800" dirty="0"/>
+              <a:t>客户端运行</a:t>
+            </a:r>
+            <a:r>
+              <a:rPr lang="en-US" altLang="zh-CN" sz="1800" dirty="0" err="1"/>
+              <a:t>subcribe</a:t>
+            </a:r>
+            <a:r>
+              <a:rPr lang="en-US" altLang="zh-CN" sz="1800" dirty="0"/>
+              <a:t> [ CHANNEL1 ] [ CHANNEL2 ]···</a:t>
+            </a:r>
+            <a:r>
+              <a:rPr lang="zh-CN" altLang="en-US" sz="1800" dirty="0"/>
+              <a:t>订阅给指定频道的信息。</a:t>
+            </a:r>
+          </a:p>
+          <a:p>
+            <a:r>
+              <a:rPr lang="zh-CN" altLang="en-US" sz="1800" dirty="0"/>
+              <a:t>一旦客户端进入订阅状态，客户端就只可接受订阅相关的命令</a:t>
+            </a:r>
+          </a:p>
+          <a:p>
+            <a:r>
+              <a:rPr lang="zh-CN" altLang="en-US" sz="1800" dirty="0"/>
+              <a:t>使用</a:t>
+            </a:r>
+            <a:r>
+              <a:rPr lang="en-US" altLang="zh-CN" sz="1800" dirty="0"/>
+              <a:t>publish [ CHANNEL ] [ DATA ] </a:t>
+            </a:r>
+            <a:r>
+              <a:rPr lang="zh-CN" altLang="en-US" sz="1800"/>
+              <a:t>向指定频道发布数据。</a:t>
+            </a:r>
+            <a:endParaRPr lang="en-US" altLang="zh-CN" sz="1800" dirty="0"/>
+          </a:p>
+        </p:txBody>
+      </p:sp>
+    </p:spTree>
+    <p:extLst>
+      <p:ext uri="{BB962C8B-B14F-4D97-AF65-F5344CB8AC3E}">
+        <p14:creationId xmlns:p14="http://schemas.microsoft.com/office/powerpoint/2010/main" val="36759182"/>
       </p:ext>
     </p:extLst>
   </p:cSld>
@@ -5656,6 +6901,555 @@
 </p:sld>
 </file>
 
+<file path=ppt/slides/slide20.xml><?xml version="1.0" encoding="utf-8"?>
+<p:sld xmlns:a="http://schemas.openxmlformats.org/drawingml/2006/main" xmlns:r="http://schemas.openxmlformats.org/officeDocument/2006/relationships" xmlns:p="http://schemas.openxmlformats.org/presentationml/2006/main">
+  <p:cSld>
+    <p:spTree>
+      <p:nvGrpSpPr>
+        <p:cNvPr id="1" name=""/>
+        <p:cNvGrpSpPr/>
+        <p:nvPr/>
+      </p:nvGrpSpPr>
+      <p:grpSpPr>
+        <a:xfrm>
+          <a:off x="0" y="0"/>
+          <a:ext cx="0" cy="0"/>
+          <a:chOff x="0" y="0"/>
+          <a:chExt cx="0" cy="0"/>
+        </a:xfrm>
+      </p:grpSpPr>
+      <p:sp>
+        <p:nvSpPr>
+          <p:cNvPr id="4" name="标题 3">
+            <a:extLst>
+              <a:ext uri="{FF2B5EF4-FFF2-40B4-BE49-F238E27FC236}">
+                <a16:creationId xmlns:a16="http://schemas.microsoft.com/office/drawing/2014/main" id="{2729939D-814A-4BD2-9922-3F8EA865938B}"/>
+              </a:ext>
+            </a:extLst>
+          </p:cNvPr>
+          <p:cNvSpPr>
+            <a:spLocks noGrp="1"/>
+          </p:cNvSpPr>
+          <p:nvPr>
+            <p:ph type="title"/>
+          </p:nvPr>
+        </p:nvSpPr>
+        <p:spPr>
+          <a:xfrm>
+            <a:off x="838200" y="683581"/>
+            <a:ext cx="10515600" cy="736846"/>
+          </a:xfrm>
+        </p:spPr>
+        <p:txBody>
+          <a:bodyPr/>
+          <a:lstStyle/>
+          <a:p>
+            <a:r>
+              <a:rPr lang="en-US" altLang="zh-CN" dirty="0"/>
+              <a:t>PHP</a:t>
+            </a:r>
+            <a:r>
+              <a:rPr lang="zh-CN" altLang="en-US" dirty="0"/>
+              <a:t>编程运行</a:t>
+            </a:r>
+            <a:r>
+              <a:rPr lang="en-US" altLang="zh-CN" dirty="0"/>
+              <a:t>PUBLISH</a:t>
+            </a:r>
+            <a:endParaRPr lang="zh-CN" altLang="en-US" dirty="0"/>
+          </a:p>
+        </p:txBody>
+      </p:sp>
+      <p:sp>
+        <p:nvSpPr>
+          <p:cNvPr id="3" name="内容占位符 2">
+            <a:extLst>
+              <a:ext uri="{FF2B5EF4-FFF2-40B4-BE49-F238E27FC236}">
+                <a16:creationId xmlns:a16="http://schemas.microsoft.com/office/drawing/2014/main" id="{96EE1DBA-F015-4E13-B948-F2CA77768E06}"/>
+              </a:ext>
+            </a:extLst>
+          </p:cNvPr>
+          <p:cNvSpPr>
+            <a:spLocks noGrp="1"/>
+          </p:cNvSpPr>
+          <p:nvPr>
+            <p:ph idx="1"/>
+          </p:nvPr>
+        </p:nvSpPr>
+        <p:spPr>
+          <a:xfrm>
+            <a:off x="838200" y="1656500"/>
+            <a:ext cx="10515600" cy="5037263"/>
+          </a:xfrm>
+        </p:spPr>
+        <p:txBody>
+          <a:bodyPr/>
+          <a:lstStyle/>
+          <a:p>
+            <a:r>
+              <a:rPr lang="zh-CN" altLang="en-US" sz="2000" dirty="0"/>
+              <a:t>使用</a:t>
+            </a:r>
+            <a:r>
+              <a:rPr lang="en-US" altLang="zh-CN" sz="2000" dirty="0"/>
+              <a:t>$</a:t>
+            </a:r>
+            <a:r>
+              <a:rPr lang="en-US" altLang="zh-CN" sz="2000" dirty="0" err="1"/>
+              <a:t>redis</a:t>
+            </a:r>
+            <a:r>
+              <a:rPr lang="en-US" altLang="zh-CN" sz="2000" dirty="0"/>
+              <a:t>-&gt;publish</a:t>
+            </a:r>
+            <a:r>
+              <a:rPr lang="zh-CN" altLang="en-US" sz="2000" dirty="0"/>
+              <a:t>方法，并使用</a:t>
+            </a:r>
+            <a:r>
+              <a:rPr lang="en-US" altLang="zh-CN" sz="2000" dirty="0" err="1"/>
+              <a:t>redis</a:t>
+            </a:r>
+            <a:r>
+              <a:rPr lang="en-US" altLang="zh-CN" sz="2000" dirty="0"/>
+              <a:t>-cli</a:t>
+            </a:r>
+            <a:r>
+              <a:rPr lang="zh-CN" altLang="en-US" sz="2000" dirty="0"/>
+              <a:t>订阅频道获取数据</a:t>
+            </a:r>
+            <a:endParaRPr lang="en-US" altLang="zh-CN" sz="2000" dirty="0"/>
+          </a:p>
+          <a:p>
+            <a:endParaRPr lang="en-US" altLang="zh-CN" sz="2000" dirty="0"/>
+          </a:p>
+          <a:p>
+            <a:endParaRPr lang="en-US" altLang="zh-CN" sz="2000" dirty="0"/>
+          </a:p>
+        </p:txBody>
+      </p:sp>
+      <p:pic>
+        <p:nvPicPr>
+          <p:cNvPr id="5" name="图片 4">
+            <a:extLst>
+              <a:ext uri="{FF2B5EF4-FFF2-40B4-BE49-F238E27FC236}">
+                <a16:creationId xmlns:a16="http://schemas.microsoft.com/office/drawing/2014/main" id="{D3A21440-713D-476C-AC6A-39A104D2C438}"/>
+              </a:ext>
+            </a:extLst>
+          </p:cNvPr>
+          <p:cNvPicPr>
+            <a:picLocks noChangeAspect="1"/>
+          </p:cNvPicPr>
+          <p:nvPr/>
+        </p:nvPicPr>
+        <p:blipFill>
+          <a:blip r:embed="rId2">
+            <a:extLst>
+              <a:ext uri="{28A0092B-C50C-407E-A947-70E740481C1C}">
+                <a14:useLocalDpi xmlns:a14="http://schemas.microsoft.com/office/drawing/2010/main" val="0"/>
+              </a:ext>
+            </a:extLst>
+          </a:blip>
+          <a:stretch>
+            <a:fillRect/>
+          </a:stretch>
+        </p:blipFill>
+        <p:spPr>
+          <a:xfrm>
+            <a:off x="1160607" y="2166077"/>
+            <a:ext cx="8290560" cy="3307080"/>
+          </a:xfrm>
+          <a:prstGeom prst="rect">
+            <a:avLst/>
+          </a:prstGeom>
+        </p:spPr>
+      </p:pic>
+    </p:spTree>
+    <p:extLst>
+      <p:ext uri="{BB962C8B-B14F-4D97-AF65-F5344CB8AC3E}">
+        <p14:creationId xmlns:p14="http://schemas.microsoft.com/office/powerpoint/2010/main" val="1482262640"/>
+      </p:ext>
+    </p:extLst>
+  </p:cSld>
+  <p:clrMapOvr>
+    <a:masterClrMapping/>
+  </p:clrMapOvr>
+</p:sld>
+</file>
+
+<file path=ppt/slides/slide21.xml><?xml version="1.0" encoding="utf-8"?>
+<p:sld xmlns:a="http://schemas.openxmlformats.org/drawingml/2006/main" xmlns:r="http://schemas.openxmlformats.org/officeDocument/2006/relationships" xmlns:p="http://schemas.openxmlformats.org/presentationml/2006/main">
+  <p:cSld>
+    <p:spTree>
+      <p:nvGrpSpPr>
+        <p:cNvPr id="1" name=""/>
+        <p:cNvGrpSpPr/>
+        <p:nvPr/>
+      </p:nvGrpSpPr>
+      <p:grpSpPr>
+        <a:xfrm>
+          <a:off x="0" y="0"/>
+          <a:ext cx="0" cy="0"/>
+          <a:chOff x="0" y="0"/>
+          <a:chExt cx="0" cy="0"/>
+        </a:xfrm>
+      </p:grpSpPr>
+      <p:sp>
+        <p:nvSpPr>
+          <p:cNvPr id="4" name="标题 3">
+            <a:extLst>
+              <a:ext uri="{FF2B5EF4-FFF2-40B4-BE49-F238E27FC236}">
+                <a16:creationId xmlns:a16="http://schemas.microsoft.com/office/drawing/2014/main" id="{2729939D-814A-4BD2-9922-3F8EA865938B}"/>
+              </a:ext>
+            </a:extLst>
+          </p:cNvPr>
+          <p:cNvSpPr>
+            <a:spLocks noGrp="1"/>
+          </p:cNvSpPr>
+          <p:nvPr>
+            <p:ph type="title"/>
+          </p:nvPr>
+        </p:nvSpPr>
+        <p:spPr>
+          <a:xfrm>
+            <a:off x="838200" y="683581"/>
+            <a:ext cx="10515600" cy="736846"/>
+          </a:xfrm>
+        </p:spPr>
+        <p:txBody>
+          <a:bodyPr/>
+          <a:lstStyle/>
+          <a:p>
+            <a:r>
+              <a:rPr lang="en-US" altLang="zh-CN" dirty="0"/>
+              <a:t>PHP</a:t>
+            </a:r>
+            <a:r>
+              <a:rPr lang="zh-CN" altLang="en-US" dirty="0"/>
+              <a:t>编程运行</a:t>
+            </a:r>
+            <a:r>
+              <a:rPr lang="en-US" altLang="zh-CN" dirty="0"/>
+              <a:t>SUBSCRIBE</a:t>
+            </a:r>
+            <a:endParaRPr lang="zh-CN" altLang="en-US" dirty="0"/>
+          </a:p>
+        </p:txBody>
+      </p:sp>
+      <p:sp>
+        <p:nvSpPr>
+          <p:cNvPr id="3" name="内容占位符 2">
+            <a:extLst>
+              <a:ext uri="{FF2B5EF4-FFF2-40B4-BE49-F238E27FC236}">
+                <a16:creationId xmlns:a16="http://schemas.microsoft.com/office/drawing/2014/main" id="{96EE1DBA-F015-4E13-B948-F2CA77768E06}"/>
+              </a:ext>
+            </a:extLst>
+          </p:cNvPr>
+          <p:cNvSpPr>
+            <a:spLocks noGrp="1"/>
+          </p:cNvSpPr>
+          <p:nvPr>
+            <p:ph idx="1"/>
+          </p:nvPr>
+        </p:nvSpPr>
+        <p:spPr>
+          <a:xfrm>
+            <a:off x="838200" y="1656500"/>
+            <a:ext cx="10515600" cy="5037263"/>
+          </a:xfrm>
+        </p:spPr>
+        <p:txBody>
+          <a:bodyPr>
+            <a:normAutofit fontScale="92500" lnSpcReduction="10000"/>
+          </a:bodyPr>
+          <a:lstStyle/>
+          <a:p>
+            <a:r>
+              <a:rPr lang="zh-CN" altLang="en-US" sz="2000" dirty="0"/>
+              <a:t>使用</a:t>
+            </a:r>
+            <a:r>
+              <a:rPr lang="en-US" altLang="zh-CN" sz="2000" dirty="0"/>
+              <a:t>$</a:t>
+            </a:r>
+            <a:r>
+              <a:rPr lang="en-US" altLang="zh-CN" sz="2000" dirty="0" err="1"/>
+              <a:t>redis</a:t>
+            </a:r>
+            <a:r>
+              <a:rPr lang="en-US" altLang="zh-CN" sz="2000" dirty="0"/>
+              <a:t>-&gt;subscribe</a:t>
+            </a:r>
+            <a:r>
+              <a:rPr lang="zh-CN" altLang="en-US" sz="2000" dirty="0"/>
+              <a:t>方法，并编写客户端发布消息，查看运行结果。</a:t>
+            </a:r>
+            <a:endParaRPr lang="en-US" altLang="zh-CN" sz="2000" dirty="0"/>
+          </a:p>
+          <a:p>
+            <a:r>
+              <a:rPr lang="zh-CN" altLang="en-US" sz="2000" dirty="0"/>
+              <a:t>订阅代码示例：</a:t>
+            </a:r>
+            <a:endParaRPr lang="en-US" altLang="zh-CN" sz="2000" dirty="0"/>
+          </a:p>
+          <a:p>
+            <a:pPr marL="457200" lvl="1" indent="0">
+              <a:buNone/>
+            </a:pPr>
+            <a:r>
+              <a:rPr lang="en-US" altLang="zh-CN" sz="1800" dirty="0"/>
+              <a:t>function </a:t>
+            </a:r>
+            <a:r>
+              <a:rPr lang="en-US" altLang="zh-CN" sz="1800" dirty="0" err="1"/>
+              <a:t>sub_handle</a:t>
+            </a:r>
+            <a:r>
+              <a:rPr lang="en-US" altLang="zh-CN" sz="1800" dirty="0"/>
+              <a:t>($</a:t>
+            </a:r>
+            <a:r>
+              <a:rPr lang="en-US" altLang="zh-CN" sz="1800" dirty="0" err="1"/>
+              <a:t>rd</a:t>
+            </a:r>
+            <a:r>
+              <a:rPr lang="en-US" altLang="zh-CN" sz="1800" dirty="0"/>
+              <a:t>, $</a:t>
+            </a:r>
+            <a:r>
+              <a:rPr lang="en-US" altLang="zh-CN" sz="1800" dirty="0" err="1"/>
+              <a:t>chan</a:t>
+            </a:r>
+            <a:r>
+              <a:rPr lang="en-US" altLang="zh-CN" sz="1800" dirty="0"/>
+              <a:t>, $</a:t>
+            </a:r>
+            <a:r>
+              <a:rPr lang="en-US" altLang="zh-CN" sz="1800" dirty="0" err="1"/>
+              <a:t>msg</a:t>
+            </a:r>
+            <a:r>
+              <a:rPr lang="en-US" altLang="zh-CN" sz="1800" dirty="0"/>
+              <a:t>)</a:t>
+            </a:r>
+            <a:br>
+              <a:rPr lang="en-US" altLang="zh-CN" sz="1800" dirty="0"/>
+            </a:br>
+            <a:r>
+              <a:rPr lang="en-US" altLang="zh-CN" sz="1800" dirty="0"/>
+              <a:t>{</a:t>
+            </a:r>
+            <a:br>
+              <a:rPr lang="en-US" altLang="zh-CN" sz="1800" dirty="0"/>
+            </a:br>
+            <a:r>
+              <a:rPr lang="en-US" altLang="zh-CN" sz="1800" dirty="0"/>
+              <a:t>    switch ($</a:t>
+            </a:r>
+            <a:r>
+              <a:rPr lang="en-US" altLang="zh-CN" sz="1800" dirty="0" err="1"/>
+              <a:t>chan</a:t>
+            </a:r>
+            <a:r>
+              <a:rPr lang="en-US" altLang="zh-CN" sz="1800" dirty="0"/>
+              <a:t>)  {</a:t>
+            </a:r>
+            <a:br>
+              <a:rPr lang="en-US" altLang="zh-CN" sz="1800" dirty="0"/>
+            </a:br>
+            <a:r>
+              <a:rPr lang="en-US" altLang="zh-CN" sz="1800" dirty="0"/>
+              <a:t>        case 'chan1':</a:t>
+            </a:r>
+            <a:br>
+              <a:rPr lang="en-US" altLang="zh-CN" sz="1800" dirty="0"/>
+            </a:br>
+            <a:r>
+              <a:rPr lang="en-US" altLang="zh-CN" sz="1800" dirty="0"/>
+              <a:t>            echo "chan1: $</a:t>
+            </a:r>
+            <a:r>
+              <a:rPr lang="en-US" altLang="zh-CN" sz="1800" dirty="0" err="1"/>
+              <a:t>msg</a:t>
+            </a:r>
+            <a:r>
+              <a:rPr lang="en-US" altLang="zh-CN" sz="1800" dirty="0"/>
+              <a:t>\n";</a:t>
+            </a:r>
+            <a:br>
+              <a:rPr lang="en-US" altLang="zh-CN" sz="1800" dirty="0"/>
+            </a:br>
+            <a:r>
+              <a:rPr lang="en-US" altLang="zh-CN" sz="1800" dirty="0"/>
+              <a:t>            break;</a:t>
+            </a:r>
+            <a:br>
+              <a:rPr lang="en-US" altLang="zh-CN" sz="1800" dirty="0"/>
+            </a:br>
+            <a:r>
+              <a:rPr lang="en-US" altLang="zh-CN" sz="1800" dirty="0"/>
+              <a:t>        case 'chan2':</a:t>
+            </a:r>
+            <a:br>
+              <a:rPr lang="en-US" altLang="zh-CN" sz="1800" dirty="0"/>
+            </a:br>
+            <a:r>
+              <a:rPr lang="en-US" altLang="zh-CN" sz="1800" dirty="0"/>
+              <a:t>            echo "chan2: $</a:t>
+            </a:r>
+            <a:r>
+              <a:rPr lang="en-US" altLang="zh-CN" sz="1800" dirty="0" err="1"/>
+              <a:t>msg</a:t>
+            </a:r>
+            <a:r>
+              <a:rPr lang="en-US" altLang="zh-CN" sz="1800" dirty="0"/>
+              <a:t>\n";</a:t>
+            </a:r>
+            <a:br>
+              <a:rPr lang="en-US" altLang="zh-CN" sz="1800" dirty="0"/>
+            </a:br>
+            <a:r>
+              <a:rPr lang="en-US" altLang="zh-CN" sz="1800" dirty="0"/>
+              <a:t>            break;</a:t>
+            </a:r>
+            <a:br>
+              <a:rPr lang="en-US" altLang="zh-CN" sz="1800" dirty="0"/>
+            </a:br>
+            <a:r>
+              <a:rPr lang="en-US" altLang="zh-CN" sz="1800" dirty="0"/>
+              <a:t>        case 'chan3':</a:t>
+            </a:r>
+            <a:br>
+              <a:rPr lang="en-US" altLang="zh-CN" sz="1800" dirty="0"/>
+            </a:br>
+            <a:r>
+              <a:rPr lang="en-US" altLang="zh-CN" sz="1800" dirty="0"/>
+              <a:t>            echo "chan3: $</a:t>
+            </a:r>
+            <a:r>
+              <a:rPr lang="en-US" altLang="zh-CN" sz="1800" dirty="0" err="1"/>
+              <a:t>msg</a:t>
+            </a:r>
+            <a:r>
+              <a:rPr lang="en-US" altLang="zh-CN" sz="1800" dirty="0"/>
+              <a:t>\n";</a:t>
+            </a:r>
+            <a:br>
+              <a:rPr lang="en-US" altLang="zh-CN" sz="1800" dirty="0"/>
+            </a:br>
+            <a:r>
+              <a:rPr lang="en-US" altLang="zh-CN" sz="1800" dirty="0"/>
+              <a:t>            break;</a:t>
+            </a:r>
+            <a:br>
+              <a:rPr lang="en-US" altLang="zh-CN" sz="1800" dirty="0"/>
+            </a:br>
+            <a:r>
+              <a:rPr lang="en-US" altLang="zh-CN" sz="1800" dirty="0"/>
+              <a:t>        default:;</a:t>
+            </a:r>
+            <a:br>
+              <a:rPr lang="en-US" altLang="zh-CN" sz="1800" dirty="0"/>
+            </a:br>
+            <a:r>
+              <a:rPr lang="en-US" altLang="zh-CN" sz="1800" dirty="0"/>
+              <a:t>    }</a:t>
+            </a:r>
+            <a:br>
+              <a:rPr lang="en-US" altLang="zh-CN" sz="1800" dirty="0"/>
+            </a:br>
+            <a:r>
+              <a:rPr lang="en-US" altLang="zh-CN" sz="1800" dirty="0"/>
+              <a:t>}</a:t>
+            </a:r>
+            <a:br>
+              <a:rPr lang="en-US" altLang="zh-CN" sz="1800" dirty="0"/>
+            </a:br>
+            <a:br>
+              <a:rPr lang="en-US" altLang="zh-CN" sz="1800" dirty="0"/>
+            </a:br>
+            <a:r>
+              <a:rPr lang="en-US" altLang="zh-CN" sz="1800" dirty="0"/>
+              <a:t>$</a:t>
+            </a:r>
+            <a:r>
+              <a:rPr lang="en-US" altLang="zh-CN" sz="1800" dirty="0" err="1"/>
+              <a:t>rd</a:t>
+            </a:r>
+            <a:r>
+              <a:rPr lang="en-US" altLang="zh-CN" sz="1800" dirty="0"/>
+              <a:t> = new </a:t>
+            </a:r>
+            <a:r>
+              <a:rPr lang="en-US" altLang="zh-CN" sz="1800" dirty="0" err="1"/>
+              <a:t>Redis</a:t>
+            </a:r>
+            <a:r>
+              <a:rPr lang="en-US" altLang="zh-CN" sz="1800" dirty="0"/>
+              <a:t>();</a:t>
+            </a:r>
+            <a:br>
+              <a:rPr lang="en-US" altLang="zh-CN" sz="1800" dirty="0"/>
+            </a:br>
+            <a:r>
+              <a:rPr lang="en-US" altLang="zh-CN" sz="1800" dirty="0"/>
+              <a:t>$</a:t>
+            </a:r>
+            <a:r>
+              <a:rPr lang="en-US" altLang="zh-CN" sz="1800" dirty="0" err="1"/>
+              <a:t>rd</a:t>
+            </a:r>
+            <a:r>
+              <a:rPr lang="en-US" altLang="zh-CN" sz="1800" dirty="0"/>
+              <a:t>-&gt;connect('127.0.0.1',6379);</a:t>
+            </a:r>
+            <a:br>
+              <a:rPr lang="en-US" altLang="zh-CN" sz="1800" dirty="0"/>
+            </a:br>
+            <a:r>
+              <a:rPr lang="en-US" altLang="zh-CN" sz="1800" dirty="0"/>
+              <a:t>$</a:t>
+            </a:r>
+            <a:r>
+              <a:rPr lang="en-US" altLang="zh-CN" sz="1800" dirty="0" err="1"/>
+              <a:t>rd</a:t>
+            </a:r>
+            <a:r>
+              <a:rPr lang="en-US" altLang="zh-CN" sz="1800" dirty="0"/>
+              <a:t>-&gt;subscribe(['chan1','chan2','chan3'], '</a:t>
+            </a:r>
+            <a:r>
+              <a:rPr lang="en-US" altLang="zh-CN" sz="1800" dirty="0" err="1"/>
+              <a:t>sub_handle</a:t>
+            </a:r>
+            <a:r>
+              <a:rPr lang="en-US" altLang="zh-CN" sz="1800" dirty="0"/>
+              <a:t>');</a:t>
+            </a:r>
+            <a:br>
+              <a:rPr lang="en-US" altLang="zh-CN" sz="1800" dirty="0"/>
+            </a:br>
+            <a:endParaRPr lang="en-US" altLang="zh-CN" sz="1800" dirty="0"/>
+          </a:p>
+          <a:p>
+            <a:endParaRPr lang="en-US" altLang="zh-CN" sz="2000" dirty="0"/>
+          </a:p>
+        </p:txBody>
+      </p:sp>
+    </p:spTree>
+    <p:extLst>
+      <p:ext uri="{BB962C8B-B14F-4D97-AF65-F5344CB8AC3E}">
+        <p14:creationId xmlns:p14="http://schemas.microsoft.com/office/powerpoint/2010/main" val="576774575"/>
+      </p:ext>
+    </p:extLst>
+  </p:cSld>
+  <p:clrMapOvr>
+    <a:masterClrMapping/>
+  </p:clrMapOvr>
+</p:sld>
+</file>
+
 <file path=ppt/slides/slide3.xml><?xml version="1.0" encoding="utf-8"?>
 <p:sld xmlns:a="http://schemas.openxmlformats.org/drawingml/2006/main" xmlns:r="http://schemas.openxmlformats.org/officeDocument/2006/relationships" xmlns:p="http://schemas.openxmlformats.org/presentationml/2006/main">
   <p:cSld>
@@ -5849,10 +7643,9 @@
           <a:lstStyle/>
           <a:p>
             <a:r>
-              <a:rPr lang="en-US" altLang="zh-CN" dirty="0"/>
-              <a:t>2</a:t>
-            </a:r>
-            <a:endParaRPr lang="zh-CN" altLang="en-US" dirty="0"/>
+              <a:rPr lang="zh-CN" altLang="en-US" dirty="0"/>
+              <a:t>消息队列介绍</a:t>
+            </a:r>
           </a:p>
         </p:txBody>
       </p:sp>
@@ -5861,7 +7654,7 @@
           <p:cNvPr id="3" name="内容占位符 2">
             <a:extLst>
               <a:ext uri="{FF2B5EF4-FFF2-40B4-BE49-F238E27FC236}">
-                <a16:creationId xmlns:a16="http://schemas.microsoft.com/office/drawing/2014/main" id="{ED7249CC-3D11-4FF8-8CF2-30C36502BA8B}"/>
+                <a16:creationId xmlns:a16="http://schemas.microsoft.com/office/drawing/2014/main" id="{96EE1DBA-F015-4E13-B948-F2CA77768E06}"/>
               </a:ext>
             </a:extLst>
           </p:cNvPr>
@@ -5872,89 +7665,90 @@
             <p:ph idx="1"/>
           </p:nvPr>
         </p:nvSpPr>
-        <p:spPr/>
+        <p:spPr>
+          <a:xfrm>
+            <a:off x="838200" y="1656500"/>
+            <a:ext cx="10515600" cy="5037263"/>
+          </a:xfrm>
+        </p:spPr>
         <p:txBody>
           <a:bodyPr/>
           <a:lstStyle/>
           <a:p>
-            <a:pPr marL="0" indent="0" algn="ctr">
-              <a:buNone/>
-            </a:pPr>
-            <a:endParaRPr lang="en-US" altLang="zh-CN" dirty="0">
-              <a:solidFill>
-                <a:schemeClr val="accent1">
-                  <a:lumMod val="75000"/>
-                </a:schemeClr>
-              </a:solidFill>
-            </a:endParaRPr>
-          </a:p>
-          <a:p>
-            <a:pPr marL="0" indent="0" algn="ctr">
-              <a:buNone/>
-            </a:pPr>
-            <a:endParaRPr lang="en-US" altLang="zh-CN" dirty="0">
-              <a:solidFill>
-                <a:schemeClr val="accent1">
-                  <a:lumMod val="75000"/>
-                </a:schemeClr>
-              </a:solidFill>
-            </a:endParaRPr>
-          </a:p>
-          <a:p>
-            <a:pPr marL="0" indent="0" algn="ctr">
-              <a:buNone/>
-            </a:pPr>
-            <a:endParaRPr lang="en-US" altLang="zh-CN" dirty="0">
-              <a:solidFill>
-                <a:schemeClr val="accent1">
-                  <a:lumMod val="75000"/>
-                </a:schemeClr>
-              </a:solidFill>
-            </a:endParaRPr>
-          </a:p>
-          <a:p>
-            <a:pPr marL="0" indent="0" algn="ctr">
-              <a:buNone/>
-            </a:pPr>
-            <a:endParaRPr lang="en-US" altLang="zh-CN" dirty="0">
-              <a:solidFill>
-                <a:schemeClr val="accent1">
-                  <a:lumMod val="75000"/>
-                </a:schemeClr>
-              </a:solidFill>
-            </a:endParaRPr>
-          </a:p>
-          <a:p>
-            <a:pPr marL="0" indent="0" algn="ctr">
-              <a:buNone/>
-            </a:pPr>
-            <a:r>
-              <a:rPr lang="en-US" altLang="zh-CN" sz="3200" dirty="0">
-                <a:solidFill>
-                  <a:schemeClr val="accent1">
-                    <a:lumMod val="75000"/>
-                  </a:schemeClr>
-                </a:solidFill>
-              </a:rPr>
+            <a:r>
+              <a:rPr lang="zh-CN" altLang="en-US" sz="2000" dirty="0"/>
+              <a:t>消息队列在计算机系统上是进程间通信的方式。</a:t>
+            </a:r>
+            <a:endParaRPr lang="en-US" altLang="zh-CN" sz="2000" dirty="0"/>
+          </a:p>
+          <a:p>
+            <a:endParaRPr lang="en-US" altLang="zh-CN" sz="2000" dirty="0"/>
+          </a:p>
+          <a:p>
+            <a:r>
+              <a:rPr lang="zh-CN" altLang="en-US" sz="2000" dirty="0"/>
+              <a:t>消息队列提供了异步处理的方式。消息队列的发布者和接受者不需要知道对方，只需要采用一个协议进行通信即可。</a:t>
+            </a:r>
+            <a:endParaRPr lang="en-US" altLang="zh-CN" sz="2000" dirty="0"/>
+          </a:p>
+          <a:p>
+            <a:endParaRPr lang="en-US" altLang="zh-CN" sz="2000" dirty="0"/>
+          </a:p>
+          <a:p>
+            <a:r>
+              <a:rPr lang="zh-CN" altLang="en-US" sz="2000" dirty="0"/>
+              <a:t>消息队列的实现方式有多种，</a:t>
+            </a:r>
+            <a:r>
+              <a:rPr lang="en-US" altLang="zh-CN" sz="2000" dirty="0"/>
+              <a:t>Linux</a:t>
+            </a:r>
+            <a:r>
+              <a:rPr lang="zh-CN" altLang="en-US" sz="2000" dirty="0"/>
+              <a:t>系统本身就提供了消息队列的系统调用，这里关注的是</a:t>
+            </a:r>
+            <a:r>
+              <a:rPr lang="en-US" altLang="zh-CN" sz="2000" dirty="0"/>
               <a:t>PHP</a:t>
             </a:r>
             <a:r>
-              <a:rPr lang="zh-CN" altLang="en-US" sz="3200" dirty="0">
-                <a:solidFill>
-                  <a:schemeClr val="accent1">
-                    <a:lumMod val="75000"/>
-                  </a:schemeClr>
-                </a:solidFill>
-              </a:rPr>
-              <a:t>消息队列扩展</a:t>
-            </a:r>
+              <a:rPr lang="zh-CN" altLang="en-US" sz="2000" dirty="0"/>
+              <a:t>的扩展</a:t>
+            </a:r>
+            <a:r>
+              <a:rPr lang="en-US" altLang="zh-CN" sz="2000" dirty="0"/>
+              <a:t>Semaphore</a:t>
+            </a:r>
+            <a:r>
+              <a:rPr lang="zh-CN" altLang="en-US" sz="2000" dirty="0"/>
+              <a:t>和</a:t>
+            </a:r>
+            <a:r>
+              <a:rPr lang="en-US" altLang="zh-CN" sz="2000" dirty="0" err="1"/>
+              <a:t>Redis</a:t>
+            </a:r>
+            <a:r>
+              <a:rPr lang="zh-CN" altLang="en-US" sz="2000" dirty="0"/>
+              <a:t>。</a:t>
+            </a:r>
+            <a:endParaRPr lang="en-US" altLang="zh-CN" sz="1800" dirty="0"/>
+          </a:p>
+          <a:p>
+            <a:endParaRPr lang="en-US" altLang="zh-CN" sz="1800" dirty="0"/>
+          </a:p>
+          <a:p>
+            <a:endParaRPr lang="en-US" altLang="zh-CN" sz="1800" dirty="0"/>
+          </a:p>
+          <a:p>
+            <a:pPr lvl="1"/>
+            <a:endParaRPr lang="en-US" altLang="zh-CN" sz="1600" dirty="0"/>
           </a:p>
         </p:txBody>
       </p:sp>
     </p:spTree>
     <p:extLst>
       <p:ext uri="{BB962C8B-B14F-4D97-AF65-F5344CB8AC3E}">
-        <p14:creationId xmlns:p14="http://schemas.microsoft.com/office/powerpoint/2010/main" val="1733123130"/>
+        <p14:creationId xmlns:p14="http://schemas.microsoft.com/office/powerpoint/2010/main" val="2496635802"/>
       </p:ext>
     </p:extLst>
   </p:cSld>
@@ -6008,10 +7802,9 @@
           <a:lstStyle/>
           <a:p>
             <a:r>
-              <a:rPr lang="en-US" altLang="zh-CN" dirty="0"/>
-              <a:t>Semaphore</a:t>
-            </a:r>
-            <a:endParaRPr lang="zh-CN" altLang="en-US" dirty="0"/>
+              <a:rPr lang="zh-CN" altLang="en-US" dirty="0"/>
+              <a:t>消息队列使用场景</a:t>
+            </a:r>
           </a:p>
         </p:txBody>
       </p:sp>
@@ -6043,94 +7836,91 @@
           <a:p>
             <a:r>
               <a:rPr lang="zh-CN" altLang="en-US" sz="2000" dirty="0"/>
-              <a:t>基于</a:t>
+              <a:t>用户论坛</a:t>
             </a:r>
             <a:r>
               <a:rPr lang="en-US" altLang="zh-CN" sz="2000" dirty="0"/>
-              <a:t>System V IPC </a:t>
+              <a:t>/</a:t>
             </a:r>
             <a:r>
               <a:rPr lang="zh-CN" altLang="en-US" sz="2000" dirty="0"/>
-              <a:t>函数族实现，包括信号量、共享内存，进程间通信。</a:t>
+              <a:t>微博发帖，同步操作的方式就是获取数据，进行合法检测，可能要先写入数据库，推送到客户端显示。存在的问题是：同步的方式整个过程完成后才返回结果，这个过程要和数据库通信，在高并发情况下直接导致服务系统崩溃。</a:t>
             </a:r>
             <a:endParaRPr lang="en-US" altLang="zh-CN" sz="2000" dirty="0"/>
           </a:p>
           <a:p>
+            <a:r>
+              <a:rPr lang="zh-CN" altLang="en-US" sz="2000" dirty="0"/>
+              <a:t>解决方式是使用消息队列，用户确认下单后，后台程序仅仅是把这个请求放到消息队列中，有一个或多个负责订单的进程去处理。</a:t>
+            </a:r>
             <a:endParaRPr lang="en-US" altLang="zh-CN" sz="2000" dirty="0"/>
           </a:p>
           <a:p>
+            <a:endParaRPr lang="en-US" altLang="zh-CN" sz="2000" dirty="0"/>
+          </a:p>
+          <a:p>
             <a:r>
               <a:rPr lang="zh-CN" altLang="en-US" sz="2000" dirty="0"/>
-              <a:t>此扩展在</a:t>
+              <a:t>另一个场景：分布式系统多个服务器之间进行通信。</a:t>
+            </a:r>
+            <a:endParaRPr lang="en-US" altLang="zh-CN" sz="2000" dirty="0"/>
+          </a:p>
+          <a:p>
+            <a:endParaRPr lang="en-US" altLang="zh-CN" sz="2000" dirty="0"/>
+          </a:p>
+          <a:p>
+            <a:r>
+              <a:rPr lang="zh-CN" altLang="en-US" sz="2000" dirty="0"/>
+              <a:t>消息队列提供了异步处理的方式。消息队列的发布者和接受者不需要知道对方，只需要采用一个协议进行通信即可。</a:t>
+            </a:r>
+            <a:endParaRPr lang="en-US" altLang="zh-CN" sz="2000" dirty="0"/>
+          </a:p>
+          <a:p>
+            <a:endParaRPr lang="en-US" altLang="zh-CN" sz="2000" dirty="0"/>
+          </a:p>
+          <a:p>
+            <a:r>
+              <a:rPr lang="zh-CN" altLang="en-US" sz="2000" dirty="0"/>
+              <a:t>消息队列的实现方式有多种，</a:t>
             </a:r>
             <a:r>
               <a:rPr lang="en-US" altLang="zh-CN" sz="2000" dirty="0"/>
-              <a:t>Windows</a:t>
+              <a:t>Linux</a:t>
             </a:r>
             <a:r>
               <a:rPr lang="zh-CN" altLang="en-US" sz="2000" dirty="0"/>
-              <a:t>上不可用。</a:t>
-            </a:r>
-            <a:endParaRPr lang="en-US" altLang="zh-CN" sz="2000" dirty="0"/>
-          </a:p>
-          <a:p>
-            <a:endParaRPr lang="en-US" altLang="zh-CN" sz="2000" dirty="0"/>
-          </a:p>
-          <a:p>
+              <a:t>系统本身就提供了消息队列的系统调用，这里关注的是</a:t>
+            </a:r>
+            <a:r>
+              <a:rPr lang="en-US" altLang="zh-CN" sz="2000" dirty="0"/>
+              <a:t>PHP</a:t>
+            </a:r>
             <a:r>
               <a:rPr lang="zh-CN" altLang="en-US" sz="2000" dirty="0"/>
-              <a:t>如何安装：编译时加入</a:t>
+              <a:t>的扩展</a:t>
             </a:r>
             <a:r>
               <a:rPr lang="en-US" altLang="zh-CN" sz="2000" dirty="0"/>
-              <a:t>--enable-</a:t>
+              <a:t>Semaphore</a:t>
+            </a:r>
+            <a:r>
+              <a:rPr lang="zh-CN" altLang="en-US" sz="2000" dirty="0"/>
+              <a:t>和</a:t>
             </a:r>
             <a:r>
               <a:rPr lang="en-US" altLang="zh-CN" sz="2000" dirty="0" err="1"/>
-              <a:t>sysvsem</a:t>
-            </a:r>
-            <a:r>
-              <a:rPr lang="zh-CN" altLang="en-US" sz="2000" dirty="0"/>
-              <a:t> </a:t>
-            </a:r>
-            <a:r>
-              <a:rPr lang="en-US" altLang="zh-CN" sz="2000" dirty="0"/>
-              <a:t>,</a:t>
-            </a:r>
-            <a:r>
-              <a:rPr lang="zh-CN" altLang="en-US" sz="2000" dirty="0"/>
-              <a:t> </a:t>
-            </a:r>
-            <a:r>
-              <a:rPr lang="en-US" altLang="zh-CN" sz="2000" dirty="0"/>
-              <a:t>--enable-</a:t>
-            </a:r>
-            <a:r>
-              <a:rPr lang="en-US" altLang="zh-CN" sz="2000" dirty="0" err="1"/>
-              <a:t>sysvshm</a:t>
-            </a:r>
-            <a:r>
-              <a:rPr lang="en-US" altLang="zh-CN" sz="2000" dirty="0"/>
-              <a:t> , --enable-</a:t>
-            </a:r>
-            <a:r>
-              <a:rPr lang="en-US" altLang="zh-CN" sz="2000" dirty="0" err="1"/>
-              <a:t>sysvmsg</a:t>
+              <a:t>Redis</a:t>
             </a:r>
             <a:r>
               <a:rPr lang="zh-CN" altLang="en-US" sz="2000" dirty="0"/>
               <a:t>。</a:t>
             </a:r>
-            <a:endParaRPr lang="en-US" altLang="zh-CN" sz="2000" dirty="0"/>
-          </a:p>
-          <a:p>
-            <a:endParaRPr lang="en-US" altLang="zh-CN" sz="2000" dirty="0"/>
-          </a:p>
-          <a:p>
-            <a:r>
-              <a:rPr lang="zh-CN" altLang="en-US" sz="2000" dirty="0"/>
-              <a:t>依赖：不依赖其他扩展。</a:t>
-            </a:r>
+            <a:endParaRPr lang="en-US" altLang="zh-CN" sz="1800" dirty="0"/>
+          </a:p>
+          <a:p>
+            <a:endParaRPr lang="en-US" altLang="zh-CN" sz="1800" dirty="0"/>
+          </a:p>
+          <a:p>
             <a:endParaRPr lang="en-US" altLang="zh-CN" sz="1800" dirty="0"/>
           </a:p>
           <a:p>
@@ -6142,7 +7932,7 @@
     </p:spTree>
     <p:extLst>
       <p:ext uri="{BB962C8B-B14F-4D97-AF65-F5344CB8AC3E}">
-        <p14:creationId xmlns:p14="http://schemas.microsoft.com/office/powerpoint/2010/main" val="1293983333"/>
+        <p14:creationId xmlns:p14="http://schemas.microsoft.com/office/powerpoint/2010/main" val="2851558455"/>
       </p:ext>
     </p:extLst>
   </p:cSld>
@@ -6196,12 +7986,8 @@
           <a:lstStyle/>
           <a:p>
             <a:r>
-              <a:rPr lang="en-US" altLang="zh-CN" dirty="0"/>
-              <a:t>Semaphore</a:t>
-            </a:r>
-            <a:r>
               <a:rPr lang="zh-CN" altLang="en-US" dirty="0"/>
-              <a:t>消息队列函数</a:t>
+              <a:t>消息队列优势与缺点</a:t>
             </a:r>
           </a:p>
         </p:txBody>
@@ -6233,21 +8019,57 @@
           <a:lstStyle/>
           <a:p>
             <a:r>
-              <a:rPr lang="zh-CN" altLang="en-US" sz="1800" dirty="0"/>
-              <a:t>消息队列函数：</a:t>
+              <a:rPr lang="zh-CN" altLang="en-US" sz="2000" dirty="0"/>
+              <a:t>消息队列最主要优点是异步和解耦，异步处理可以减少请求响应时间。解耦能够降低程序复杂度，提高可扩展性与可维护性。</a:t>
+            </a:r>
+            <a:endParaRPr lang="en-US" altLang="zh-CN" sz="2000" dirty="0"/>
+          </a:p>
+          <a:p>
+            <a:endParaRPr lang="en-US" altLang="zh-CN" sz="2000" dirty="0"/>
+          </a:p>
+          <a:p>
+            <a:r>
+              <a:rPr lang="zh-CN" altLang="en-US" sz="2000" dirty="0"/>
+              <a:t>缺点：整体架构的复杂度提高，并且数据会暂时不一致，要等到消息队列的数据处理完。</a:t>
+            </a:r>
+            <a:endParaRPr lang="en-US" altLang="zh-CN" sz="2000" dirty="0"/>
+          </a:p>
+          <a:p>
+            <a:endParaRPr lang="en-US" altLang="zh-CN" sz="2000" dirty="0"/>
+          </a:p>
+          <a:p>
+            <a:r>
+              <a:rPr lang="zh-CN" altLang="en-US" sz="2000" dirty="0"/>
+              <a:t>使用消息队列的优势是明显的，缺点相比之下可以忽略。</a:t>
             </a:r>
             <a:endParaRPr lang="en-US" altLang="zh-CN" sz="1800" dirty="0"/>
           </a:p>
           <a:p>
-            <a:pPr lvl="1"/>
-            <a:endParaRPr lang="en-US" altLang="zh-CN" sz="1600" dirty="0"/>
+            <a:endParaRPr lang="en-US" altLang="zh-CN" sz="2000" dirty="0"/>
+          </a:p>
+          <a:p>
+            <a:r>
+              <a:rPr lang="zh-CN" altLang="en-US" sz="2000" dirty="0"/>
+              <a:t>消息队列适合对实时同步要求不太高的场景，对于需要即时返回结果的场景不适用。</a:t>
+            </a:r>
+            <a:endParaRPr lang="en-US" altLang="zh-CN" sz="2000" dirty="0"/>
+          </a:p>
+          <a:p>
+            <a:endParaRPr lang="en-US" altLang="zh-CN" sz="2000" dirty="0"/>
+          </a:p>
+          <a:p>
+            <a:r>
+              <a:rPr lang="zh-CN" altLang="en-US" sz="2000" dirty="0"/>
+              <a:t>！消息队列的使用不是必须的，盲目的在系统中引入消息队列并不会带来明显的效果，反而增加结构复杂度。对于小规模，并发量不高的网站来说是不必要的。</a:t>
+            </a:r>
+            <a:endParaRPr lang="en-US" altLang="zh-CN" sz="2000" dirty="0"/>
           </a:p>
         </p:txBody>
       </p:sp>
     </p:spTree>
     <p:extLst>
       <p:ext uri="{BB962C8B-B14F-4D97-AF65-F5344CB8AC3E}">
-        <p14:creationId xmlns:p14="http://schemas.microsoft.com/office/powerpoint/2010/main" val="501793208"/>
+        <p14:creationId xmlns:p14="http://schemas.microsoft.com/office/powerpoint/2010/main" val="2044792393"/>
       </p:ext>
     </p:extLst>
   </p:cSld>
@@ -6302,7 +8124,7 @@
           <a:p>
             <a:r>
               <a:rPr lang="en-US" altLang="zh-CN" dirty="0"/>
-              <a:t>3</a:t>
+              <a:t>2</a:t>
             </a:r>
             <a:endParaRPr lang="zh-CN" altLang="en-US" dirty="0"/>
           </a:p>
@@ -6381,29 +8203,32 @@
               <a:buNone/>
             </a:pPr>
             <a:r>
-              <a:rPr lang="en-US" altLang="zh-CN" sz="3200" dirty="0" err="1">
+              <a:rPr lang="en-US" altLang="zh-CN" sz="3200" dirty="0">
                 <a:solidFill>
                   <a:schemeClr val="accent1">
                     <a:lumMod val="75000"/>
                   </a:schemeClr>
                 </a:solidFill>
               </a:rPr>
-              <a:t>Redis</a:t>
-            </a:r>
-            <a:endParaRPr lang="zh-CN" altLang="en-US" sz="3200" dirty="0">
-              <a:solidFill>
-                <a:schemeClr val="accent1">
-                  <a:lumMod val="75000"/>
-                </a:schemeClr>
-              </a:solidFill>
-            </a:endParaRPr>
+              <a:t>PHP</a:t>
+            </a:r>
+            <a:r>
+              <a:rPr lang="zh-CN" altLang="en-US" sz="3200" dirty="0">
+                <a:solidFill>
+                  <a:schemeClr val="accent1">
+                    <a:lumMod val="75000"/>
+                  </a:schemeClr>
+                </a:solidFill>
+              </a:rPr>
+              <a:t>消息队列扩展</a:t>
+            </a:r>
           </a:p>
         </p:txBody>
       </p:sp>
     </p:spTree>
     <p:extLst>
       <p:ext uri="{BB962C8B-B14F-4D97-AF65-F5344CB8AC3E}">
-        <p14:creationId xmlns:p14="http://schemas.microsoft.com/office/powerpoint/2010/main" val="925777341"/>
+        <p14:creationId xmlns:p14="http://schemas.microsoft.com/office/powerpoint/2010/main" val="1733123130"/>
       </p:ext>
     </p:extLst>
   </p:cSld>
@@ -6457,13 +8282,10 @@
           <a:lstStyle/>
           <a:p>
             <a:r>
-              <a:rPr lang="en-US" altLang="zh-CN" dirty="0" err="1"/>
-              <a:t>Redis</a:t>
-            </a:r>
-            <a:r>
-              <a:rPr lang="zh-CN" altLang="en-US" dirty="0"/>
-              <a:t>基本介绍</a:t>
-            </a:r>
+              <a:rPr lang="en-US" altLang="zh-CN" dirty="0"/>
+              <a:t>Semaphore</a:t>
+            </a:r>
+            <a:endParaRPr lang="zh-CN" altLang="en-US" dirty="0"/>
           </a:p>
         </p:txBody>
       </p:sp>
@@ -6494,76 +8316,26 @@
           <a:lstStyle/>
           <a:p>
             <a:r>
-              <a:rPr lang="en-US" altLang="zh-CN" sz="2000" dirty="0" err="1"/>
-              <a:t>Redis</a:t>
+              <a:rPr lang="zh-CN" altLang="en-US" sz="2000" dirty="0"/>
+              <a:t>基于</a:t>
             </a:r>
             <a:r>
               <a:rPr lang="en-US" altLang="zh-CN" sz="2000" dirty="0"/>
-              <a:t> </a:t>
+              <a:t>System V IPC </a:t>
             </a:r>
             <a:r>
               <a:rPr lang="zh-CN" altLang="en-US" sz="2000" dirty="0"/>
-              <a:t>是一个开源（</a:t>
-            </a:r>
-            <a:r>
-              <a:rPr lang="en-US" altLang="zh-CN" sz="2000" dirty="0"/>
-              <a:t>BSD</a:t>
-            </a:r>
+              <a:t>函数族实现，包括信号量、共享内存，进程间通信。</a:t>
+            </a:r>
+            <a:endParaRPr lang="en-US" altLang="zh-CN" sz="2000" dirty="0"/>
+          </a:p>
+          <a:p>
+            <a:endParaRPr lang="en-US" altLang="zh-CN" sz="2000" dirty="0"/>
+          </a:p>
+          <a:p>
             <a:r>
               <a:rPr lang="zh-CN" altLang="en-US" sz="2000" dirty="0"/>
-              <a:t>许可）的，内存中的数据结构存储系统，它可以用作数据库、缓存和消息中间件。使用</a:t>
-            </a:r>
-            <a:r>
-              <a:rPr lang="en-US" altLang="zh-CN" sz="2000" dirty="0"/>
-              <a:t>ANSI C</a:t>
-            </a:r>
-            <a:r>
-              <a:rPr lang="zh-CN" altLang="en-US" sz="2000" dirty="0"/>
-              <a:t>语言编写。</a:t>
-            </a:r>
-            <a:endParaRPr lang="en-US" altLang="zh-CN" sz="2000" dirty="0"/>
-          </a:p>
-          <a:p>
-            <a:endParaRPr lang="en-US" altLang="zh-CN" sz="2000" dirty="0"/>
-          </a:p>
-          <a:p>
-            <a:r>
-              <a:rPr lang="zh-CN" altLang="en-US" sz="2000" dirty="0"/>
-              <a:t>它支持多种类型的数据结构，如 字符串（</a:t>
-            </a:r>
-            <a:r>
-              <a:rPr lang="en-US" altLang="zh-CN" sz="2000" dirty="0"/>
-              <a:t>strings</a:t>
-            </a:r>
-            <a:r>
-              <a:rPr lang="zh-CN" altLang="en-US" sz="2000" dirty="0"/>
-              <a:t>）， 散列（</a:t>
-            </a:r>
-            <a:r>
-              <a:rPr lang="en-US" altLang="zh-CN" sz="2000" dirty="0"/>
-              <a:t>hashes</a:t>
-            </a:r>
-            <a:r>
-              <a:rPr lang="zh-CN" altLang="en-US" sz="2000" dirty="0"/>
-              <a:t>）， 列表（</a:t>
-            </a:r>
-            <a:r>
-              <a:rPr lang="en-US" altLang="zh-CN" sz="2000" dirty="0"/>
-              <a:t>lists</a:t>
-            </a:r>
-            <a:r>
-              <a:rPr lang="zh-CN" altLang="en-US" sz="2000" dirty="0"/>
-              <a:t>）等。</a:t>
-            </a:r>
-            <a:endParaRPr lang="en-US" altLang="zh-CN" sz="2000" dirty="0"/>
-          </a:p>
-          <a:p>
-            <a:endParaRPr lang="en-US" altLang="zh-CN" sz="2000" dirty="0"/>
-          </a:p>
-          <a:p>
-            <a:r>
-              <a:rPr lang="zh-CN" altLang="en-US" sz="2000" dirty="0"/>
-              <a:t>官方不支持</a:t>
+              <a:t>此扩展在</a:t>
             </a:r>
             <a:r>
               <a:rPr lang="en-US" altLang="zh-CN" sz="2000" dirty="0"/>
@@ -6571,11 +8343,29 @@
             </a:r>
             <a:r>
               <a:rPr lang="zh-CN" altLang="en-US" sz="2000" dirty="0"/>
-              <a:t>版本的</a:t>
+              <a:t>上不可用。</a:t>
+            </a:r>
+            <a:endParaRPr lang="en-US" altLang="zh-CN" sz="2000" dirty="0"/>
+          </a:p>
+          <a:p>
+            <a:endParaRPr lang="en-US" altLang="zh-CN" sz="2000" dirty="0"/>
+          </a:p>
+          <a:p>
+            <a:r>
+              <a:rPr lang="zh-CN" altLang="en-US" sz="2000" dirty="0"/>
+              <a:t>如何安装：编译时加入</a:t>
+            </a:r>
+            <a:r>
+              <a:rPr lang="en-US" altLang="zh-CN" sz="2000" dirty="0"/>
+              <a:t>--enable-</a:t>
             </a:r>
             <a:r>
               <a:rPr lang="en-US" altLang="zh-CN" sz="2000" dirty="0" err="1"/>
-              <a:t>Redis</a:t>
+              <a:t>sysvsem</a:t>
+            </a:r>
+            <a:r>
+              <a:rPr lang="zh-CN" altLang="en-US" sz="2000" dirty="0"/>
+              <a:t> </a:t>
             </a:r>
             <a:r>
               <a:rPr lang="en-US" altLang="zh-CN" sz="2000" dirty="0"/>
@@ -6583,66 +8373,37 @@
             </a:r>
             <a:r>
               <a:rPr lang="zh-CN" altLang="en-US" sz="2000" dirty="0"/>
-              <a:t>但微软开发和维护着支持</a:t>
+              <a:t> </a:t>
             </a:r>
             <a:r>
               <a:rPr lang="en-US" altLang="zh-CN" sz="2000" dirty="0"/>
-              <a:t>win-64 </a:t>
+              <a:t>--enable-</a:t>
+            </a:r>
+            <a:r>
+              <a:rPr lang="en-US" altLang="zh-CN" sz="2000" dirty="0" err="1"/>
+              <a:t>sysvshm</a:t>
+            </a:r>
+            <a:r>
+              <a:rPr lang="en-US" altLang="zh-CN" sz="2000" dirty="0"/>
+              <a:t> , --enable-</a:t>
+            </a:r>
+            <a:r>
+              <a:rPr lang="en-US" altLang="zh-CN" sz="2000" dirty="0" err="1"/>
+              <a:t>sysvmsg</a:t>
             </a:r>
             <a:r>
               <a:rPr lang="zh-CN" altLang="en-US" sz="2000" dirty="0"/>
-              <a:t>的</a:t>
-            </a:r>
-            <a:r>
-              <a:rPr lang="en-US" altLang="zh-CN" sz="2000" dirty="0" err="1"/>
-              <a:t>Redis</a:t>
-            </a:r>
+              <a:t>。</a:t>
+            </a:r>
+            <a:endParaRPr lang="en-US" altLang="zh-CN" sz="2000" dirty="0"/>
+          </a:p>
+          <a:p>
+            <a:endParaRPr lang="en-US" altLang="zh-CN" sz="2000" dirty="0"/>
+          </a:p>
+          <a:p>
             <a:r>
               <a:rPr lang="zh-CN" altLang="en-US" sz="2000" dirty="0"/>
-              <a:t>版本。</a:t>
-            </a:r>
-            <a:endParaRPr lang="en-US" altLang="zh-CN" sz="2000" dirty="0"/>
-          </a:p>
-          <a:p>
-            <a:r>
-              <a:rPr lang="zh-CN" altLang="en-US" sz="2000" dirty="0"/>
-              <a:t>应用场景：</a:t>
-            </a:r>
-            <a:endParaRPr lang="en-US" altLang="zh-CN" sz="2000" dirty="0"/>
-          </a:p>
-          <a:p>
-            <a:pPr lvl="1"/>
-            <a:r>
-              <a:rPr lang="zh-CN" altLang="en-US" sz="1800" dirty="0"/>
-              <a:t>将</a:t>
-            </a:r>
-            <a:r>
-              <a:rPr lang="en-US" altLang="zh-CN" sz="1800" dirty="0" err="1"/>
-              <a:t>Redis</a:t>
-            </a:r>
-            <a:r>
-              <a:rPr lang="zh-CN" altLang="en-US" sz="1800" dirty="0"/>
-              <a:t>作为一个高效的网络的缓存数据功能使用。</a:t>
-            </a:r>
-            <a:endParaRPr lang="en-US" altLang="zh-CN" sz="1800" dirty="0"/>
-          </a:p>
-          <a:p>
-            <a:pPr lvl="1"/>
-            <a:endParaRPr lang="en-US" altLang="zh-CN" sz="1800" dirty="0"/>
-          </a:p>
-          <a:p>
-            <a:pPr lvl="1"/>
-            <a:r>
-              <a:rPr lang="zh-CN" altLang="en-US" sz="1800" dirty="0"/>
-              <a:t>使用发布</a:t>
-            </a:r>
-            <a:r>
-              <a:rPr lang="en-US" altLang="zh-CN" sz="1800" dirty="0"/>
-              <a:t>/</a:t>
-            </a:r>
-            <a:r>
-              <a:rPr lang="zh-CN" altLang="en-US" sz="1800" dirty="0"/>
-              <a:t>订阅功能用作消息队列。</a:t>
+              <a:t>依赖：不依赖其他扩展。</a:t>
             </a:r>
             <a:endParaRPr lang="en-US" altLang="zh-CN" sz="1800" dirty="0"/>
           </a:p>
@@ -6655,7 +8416,7 @@
     </p:spTree>
     <p:extLst>
       <p:ext uri="{BB962C8B-B14F-4D97-AF65-F5344CB8AC3E}">
-        <p14:creationId xmlns:p14="http://schemas.microsoft.com/office/powerpoint/2010/main" val="2317717954"/>
+        <p14:creationId xmlns:p14="http://schemas.microsoft.com/office/powerpoint/2010/main" val="1293983333"/>
       </p:ext>
     </p:extLst>
   </p:cSld>
@@ -6710,27 +8471,11 @@
           <a:p>
             <a:r>
               <a:rPr lang="en-US" altLang="zh-CN" dirty="0"/>
-              <a:t>PHP</a:t>
+              <a:t>Semaphore</a:t>
             </a:r>
             <a:r>
               <a:rPr lang="zh-CN" altLang="en-US" dirty="0"/>
-              <a:t>的</a:t>
-            </a:r>
-            <a:r>
-              <a:rPr lang="en-US" altLang="zh-CN" dirty="0" err="1"/>
-              <a:t>Redis</a:t>
-            </a:r>
-            <a:r>
-              <a:rPr lang="zh-CN" altLang="en-US" dirty="0"/>
-              <a:t>扩展与</a:t>
-            </a:r>
-            <a:r>
-              <a:rPr lang="en-US" altLang="zh-CN" dirty="0" err="1"/>
-              <a:t>Redis</a:t>
-            </a:r>
-            <a:r>
-              <a:rPr lang="zh-CN" altLang="en-US" dirty="0"/>
-              <a:t>服务程序</a:t>
+              <a:t>消息队列函数</a:t>
             </a:r>
           </a:p>
         </p:txBody>
@@ -6762,267 +8507,328 @@
           <a:lstStyle/>
           <a:p>
             <a:r>
+              <a:rPr lang="zh-CN" altLang="en-US" sz="2000" dirty="0"/>
+              <a:t>消息队列函数：</a:t>
+            </a:r>
+            <a:endParaRPr lang="en-US" altLang="zh-CN" sz="2000" dirty="0"/>
+          </a:p>
+          <a:p>
+            <a:endParaRPr lang="en-US" altLang="zh-CN" sz="2000" dirty="0"/>
+          </a:p>
+          <a:p>
+            <a:endParaRPr lang="en-US" altLang="zh-CN" sz="2000" dirty="0"/>
+          </a:p>
+          <a:p>
+            <a:endParaRPr lang="en-US" altLang="zh-CN" sz="2000" dirty="0"/>
+          </a:p>
+          <a:p>
+            <a:endParaRPr lang="en-US" altLang="zh-CN" sz="2000" dirty="0"/>
+          </a:p>
+          <a:p>
+            <a:endParaRPr lang="en-US" altLang="zh-CN" sz="2000" dirty="0"/>
+          </a:p>
+          <a:p>
+            <a:endParaRPr lang="en-US" altLang="zh-CN" sz="2000" dirty="0"/>
+          </a:p>
+          <a:p>
+            <a:endParaRPr lang="en-US" altLang="zh-CN" sz="2000" dirty="0"/>
+          </a:p>
+          <a:p>
+            <a:endParaRPr lang="en-US" altLang="zh-CN" sz="2000" dirty="0"/>
+          </a:p>
+          <a:p>
+            <a:endParaRPr lang="en-US" altLang="zh-CN" sz="2000" dirty="0"/>
+          </a:p>
+          <a:p>
+            <a:r>
               <a:rPr lang="en-US" altLang="zh-CN" sz="2000" dirty="0"/>
               <a:t>PHP</a:t>
             </a:r>
             <a:r>
               <a:rPr lang="zh-CN" altLang="en-US" sz="2000" dirty="0"/>
-              <a:t>提供了</a:t>
-            </a:r>
-            <a:r>
-              <a:rPr lang="en-US" altLang="zh-CN" sz="2000" dirty="0" err="1"/>
-              <a:t>Redis</a:t>
-            </a:r>
-            <a:r>
-              <a:rPr lang="zh-CN" altLang="en-US" sz="2000" dirty="0"/>
-              <a:t>扩展用于连接</a:t>
-            </a:r>
-            <a:r>
-              <a:rPr lang="en-US" altLang="zh-CN" sz="2000" dirty="0" err="1"/>
-              <a:t>Redis</a:t>
-            </a:r>
-            <a:r>
-              <a:rPr lang="zh-CN" altLang="en-US" sz="2000" dirty="0"/>
-              <a:t>服务进行操作。从</a:t>
-            </a:r>
-            <a:r>
-              <a:rPr lang="en-US" altLang="zh-CN" sz="2000" dirty="0">
-                <a:hlinkClick r:id="rId2"/>
-              </a:rPr>
-              <a:t>http://pecl.php.net/package/redis</a:t>
-            </a:r>
-            <a:r>
-              <a:rPr lang="zh-CN" altLang="en-US" sz="2000" dirty="0"/>
-              <a:t>可以下载最新版的</a:t>
-            </a:r>
-            <a:r>
-              <a:rPr lang="en-US" altLang="zh-CN" sz="2000" dirty="0" err="1"/>
-              <a:t>Redis</a:t>
-            </a:r>
-            <a:r>
-              <a:rPr lang="zh-CN" altLang="en-US" sz="2000" dirty="0"/>
-              <a:t>扩展。</a:t>
+              <a:t>官方手册有此扩展详细说明。</a:t>
             </a:r>
             <a:endParaRPr lang="en-US" altLang="zh-CN" sz="2000" dirty="0"/>
           </a:p>
           <a:p>
-            <a:r>
-              <a:rPr lang="zh-CN" altLang="en-US" sz="2000" dirty="0"/>
-              <a:t>安装过程使用之前讲到的编译安装：</a:t>
-            </a:r>
-            <a:endParaRPr lang="en-US" altLang="zh-CN" sz="2000" dirty="0"/>
-          </a:p>
-          <a:p>
-            <a:pPr marL="457200" lvl="1" indent="0">
-              <a:buNone/>
-            </a:pPr>
-            <a:r>
-              <a:rPr lang="en-US" altLang="zh-CN" sz="1600" dirty="0"/>
-              <a:t>./configure  --with-</a:t>
-            </a:r>
-            <a:r>
-              <a:rPr lang="en-US" altLang="zh-CN" sz="1600" dirty="0" err="1"/>
-              <a:t>php</a:t>
-            </a:r>
-            <a:r>
-              <a:rPr lang="en-US" altLang="zh-CN" sz="1600" dirty="0"/>
-              <a:t>-config=PHP_INSTALL_DIR/bin/</a:t>
-            </a:r>
-            <a:r>
-              <a:rPr lang="en-US" altLang="zh-CN" sz="1600" dirty="0" err="1"/>
-              <a:t>php</a:t>
-            </a:r>
-            <a:r>
-              <a:rPr lang="en-US" altLang="zh-CN" sz="1600" dirty="0"/>
-              <a:t>-config</a:t>
-            </a:r>
-          </a:p>
-          <a:p>
-            <a:pPr marL="457200" lvl="1" indent="0">
-              <a:buNone/>
-            </a:pPr>
-            <a:r>
-              <a:rPr lang="en-US" altLang="zh-CN" sz="1600" dirty="0" err="1"/>
-              <a:t>sudo</a:t>
-            </a:r>
-            <a:r>
-              <a:rPr lang="en-US" altLang="zh-CN" sz="1600" dirty="0"/>
-              <a:t>  make  install</a:t>
-            </a:r>
-          </a:p>
-          <a:p>
-            <a:r>
-              <a:rPr lang="zh-CN" altLang="en-US" sz="2000" dirty="0"/>
-              <a:t>也可以使用</a:t>
-            </a:r>
-            <a:r>
-              <a:rPr lang="en-US" altLang="zh-CN" sz="2000" dirty="0" err="1"/>
-              <a:t>pecl</a:t>
-            </a:r>
-            <a:r>
-              <a:rPr lang="en-US" altLang="zh-CN" sz="2000" dirty="0"/>
-              <a:t> install </a:t>
-            </a:r>
-            <a:r>
-              <a:rPr lang="en-US" altLang="zh-CN" sz="2000" dirty="0" err="1"/>
-              <a:t>redis</a:t>
-            </a:r>
-            <a:endParaRPr lang="en-US" altLang="zh-CN" sz="2000" dirty="0"/>
-          </a:p>
-          <a:p>
-            <a:r>
-              <a:rPr lang="zh-CN" altLang="en-US" sz="2000" dirty="0"/>
-              <a:t>安装完成后要配置</a:t>
-            </a:r>
-            <a:r>
-              <a:rPr lang="en-US" altLang="zh-CN" sz="2000" dirty="0"/>
-              <a:t>php.ini</a:t>
-            </a:r>
-            <a:r>
-              <a:rPr lang="zh-CN" altLang="en-US" sz="2000" dirty="0"/>
-              <a:t>启用</a:t>
-            </a:r>
-            <a:r>
-              <a:rPr lang="en-US" altLang="zh-CN" sz="2000" dirty="0" err="1"/>
-              <a:t>redis</a:t>
-            </a:r>
-            <a:r>
-              <a:rPr lang="zh-CN" altLang="en-US" sz="2000" dirty="0"/>
-              <a:t>扩展，并重启</a:t>
-            </a:r>
-            <a:r>
-              <a:rPr lang="en-US" altLang="zh-CN" sz="2000" dirty="0"/>
-              <a:t>web</a:t>
-            </a:r>
-            <a:r>
-              <a:rPr lang="zh-CN" altLang="en-US" sz="2000" dirty="0"/>
-              <a:t>服务。</a:t>
-            </a:r>
-            <a:endParaRPr lang="en-US" altLang="zh-CN" sz="2000" dirty="0"/>
-          </a:p>
-          <a:p>
-            <a:r>
-              <a:rPr lang="zh-CN" altLang="en-US" sz="2000" dirty="0"/>
-              <a:t>安装</a:t>
-            </a:r>
-            <a:r>
-              <a:rPr lang="en-US" altLang="zh-CN" sz="2000" dirty="0" err="1"/>
-              <a:t>redis</a:t>
-            </a:r>
-            <a:r>
-              <a:rPr lang="zh-CN" altLang="en-US" sz="2000" dirty="0"/>
-              <a:t>服务：</a:t>
-            </a:r>
-            <a:r>
-              <a:rPr lang="en-US" altLang="zh-CN" sz="2000" dirty="0" err="1"/>
-              <a:t>sudo</a:t>
-            </a:r>
-            <a:r>
-              <a:rPr lang="en-US" altLang="zh-CN" sz="2000" dirty="0"/>
-              <a:t>  apt  install </a:t>
-            </a:r>
-            <a:r>
-              <a:rPr lang="en-US" altLang="zh-CN" sz="2000" dirty="0" err="1"/>
-              <a:t>redis</a:t>
-            </a:r>
-            <a:r>
-              <a:rPr lang="en-US" altLang="zh-CN" sz="2000" dirty="0"/>
-              <a:t>-server</a:t>
-            </a:r>
-          </a:p>
-          <a:p>
-            <a:r>
-              <a:rPr lang="zh-CN" altLang="en-US" sz="2000" dirty="0"/>
-              <a:t>安装</a:t>
-            </a:r>
-            <a:r>
-              <a:rPr lang="en-US" altLang="zh-CN" sz="2000" dirty="0" err="1"/>
-              <a:t>redis</a:t>
-            </a:r>
-            <a:r>
-              <a:rPr lang="en-US" altLang="zh-CN" sz="2000" dirty="0"/>
-              <a:t>-server</a:t>
-            </a:r>
-            <a:r>
-              <a:rPr lang="zh-CN" altLang="en-US" sz="2000" dirty="0"/>
-              <a:t>会自动安装</a:t>
-            </a:r>
-            <a:r>
-              <a:rPr lang="en-US" altLang="zh-CN" sz="2000" dirty="0" err="1"/>
-              <a:t>redis</a:t>
-            </a:r>
-            <a:r>
-              <a:rPr lang="en-US" altLang="zh-CN" sz="2000" dirty="0"/>
-              <a:t>-tools</a:t>
-            </a:r>
-            <a:r>
-              <a:rPr lang="zh-CN" altLang="en-US" sz="2000" dirty="0"/>
-              <a:t>，安装后有</a:t>
-            </a:r>
-            <a:r>
-              <a:rPr lang="en-US" altLang="zh-CN" sz="2000" dirty="0" err="1"/>
-              <a:t>redis</a:t>
-            </a:r>
-            <a:r>
-              <a:rPr lang="en-US" altLang="zh-CN" sz="2000" dirty="0"/>
-              <a:t>-cli</a:t>
-            </a:r>
-            <a:r>
-              <a:rPr lang="zh-CN" altLang="en-US" sz="2000" dirty="0"/>
-              <a:t>用于连接</a:t>
-            </a:r>
-            <a:r>
-              <a:rPr lang="en-US" altLang="zh-CN" sz="2000" dirty="0" err="1"/>
-              <a:t>redis</a:t>
-            </a:r>
-            <a:r>
-              <a:rPr lang="en-US" altLang="zh-CN" sz="2000" dirty="0"/>
-              <a:t>-server</a:t>
-            </a:r>
-            <a:r>
-              <a:rPr lang="zh-CN" altLang="en-US" sz="2000" dirty="0"/>
-              <a:t>。</a:t>
-            </a:r>
-            <a:endParaRPr lang="en-US" altLang="zh-CN" sz="2000" dirty="0"/>
-          </a:p>
-          <a:p>
-            <a:r>
-              <a:rPr lang="en-US" altLang="zh-CN" sz="2000" dirty="0" err="1"/>
-              <a:t>redis</a:t>
-            </a:r>
-            <a:r>
-              <a:rPr lang="en-US" altLang="zh-CN" sz="2000" dirty="0"/>
-              <a:t>-server</a:t>
-            </a:r>
-            <a:r>
-              <a:rPr lang="zh-CN" altLang="en-US" sz="2000" dirty="0"/>
-              <a:t>默认运行在</a:t>
-            </a:r>
-            <a:r>
-              <a:rPr lang="en-US" altLang="zh-CN" sz="2000" dirty="0"/>
-              <a:t>6379</a:t>
-            </a:r>
-            <a:r>
-              <a:rPr lang="zh-CN" altLang="en-US" sz="2000" dirty="0"/>
-              <a:t>端口。</a:t>
-            </a:r>
-            <a:endParaRPr lang="en-US" altLang="zh-CN" sz="2000" dirty="0"/>
-          </a:p>
-          <a:p>
-            <a:endParaRPr lang="en-US" altLang="zh-CN" sz="2000" dirty="0"/>
-          </a:p>
-          <a:p>
-            <a:endParaRPr lang="en-US" altLang="zh-CN" sz="2000" dirty="0"/>
-          </a:p>
-          <a:p>
-            <a:endParaRPr lang="en-US" altLang="zh-CN" sz="2000" dirty="0"/>
-          </a:p>
-        </p:txBody>
-      </p:sp>
+            <a:endParaRPr lang="en-US" altLang="zh-CN" sz="1800" dirty="0"/>
+          </a:p>
+          <a:p>
+            <a:endParaRPr lang="en-US" altLang="zh-CN" sz="1800" dirty="0"/>
+          </a:p>
+          <a:p>
+            <a:endParaRPr lang="en-US" altLang="zh-CN" sz="1800" dirty="0"/>
+          </a:p>
+          <a:p>
+            <a:pPr lvl="1"/>
+            <a:endParaRPr lang="en-US" altLang="zh-CN" sz="1600" dirty="0"/>
+          </a:p>
+        </p:txBody>
+      </p:sp>
+      <p:graphicFrame>
+        <p:nvGraphicFramePr>
+          <p:cNvPr id="2" name="表格 1">
+            <a:extLst>
+              <a:ext uri="{FF2B5EF4-FFF2-40B4-BE49-F238E27FC236}">
+                <a16:creationId xmlns:a16="http://schemas.microsoft.com/office/drawing/2014/main" id="{9ABA8135-24FE-49B1-A63A-7766419BDA6E}"/>
+              </a:ext>
+            </a:extLst>
+          </p:cNvPr>
+          <p:cNvGraphicFramePr>
+            <a:graphicFrameLocks noGrp="1"/>
+          </p:cNvGraphicFramePr>
+          <p:nvPr>
+            <p:extLst>
+              <p:ext uri="{D42A27DB-BD31-4B8C-83A1-F6EECF244321}">
+                <p14:modId xmlns:p14="http://schemas.microsoft.com/office/powerpoint/2010/main" val="2445511957"/>
+              </p:ext>
+            </p:extLst>
+          </p:nvPr>
+        </p:nvGraphicFramePr>
+        <p:xfrm>
+          <a:off x="976544" y="2068496"/>
+          <a:ext cx="9241654" cy="3515556"/>
+        </p:xfrm>
+        <a:graphic>
+          <a:graphicData uri="http://schemas.openxmlformats.org/drawingml/2006/table">
+            <a:tbl>
+              <a:tblPr firstRow="1" bandRow="1">
+                <a:tableStyleId>{2D5ABB26-0587-4C30-8999-92F81FD0307C}</a:tableStyleId>
+              </a:tblPr>
+              <a:tblGrid>
+                <a:gridCol w="2902998">
+                  <a:extLst>
+                    <a:ext uri="{9D8B030D-6E8A-4147-A177-3AD203B41FA5}">
+                      <a16:colId xmlns:a16="http://schemas.microsoft.com/office/drawing/2014/main" val="115720342"/>
+                    </a:ext>
+                  </a:extLst>
+                </a:gridCol>
+                <a:gridCol w="6338656">
+                  <a:extLst>
+                    <a:ext uri="{9D8B030D-6E8A-4147-A177-3AD203B41FA5}">
+                      <a16:colId xmlns:a16="http://schemas.microsoft.com/office/drawing/2014/main" val="1350371048"/>
+                    </a:ext>
+                  </a:extLst>
+                </a:gridCol>
+              </a:tblGrid>
+              <a:tr h="585926">
+                <a:tc>
+                  <a:txBody>
+                    <a:bodyPr/>
+                    <a:lstStyle/>
+                    <a:p>
+                      <a:pPr algn="r"/>
+                      <a:r>
+                        <a:rPr lang="en-US" altLang="zh-CN" dirty="0" err="1"/>
+                        <a:t>msg_get_queue</a:t>
+                      </a:r>
+                      <a:endParaRPr lang="zh-CN" altLang="en-US" dirty="0"/>
+                    </a:p>
+                  </a:txBody>
+                  <a:tcPr anchor="ctr"/>
+                </a:tc>
+                <a:tc>
+                  <a:txBody>
+                    <a:bodyPr/>
+                    <a:lstStyle/>
+                    <a:p>
+                      <a:r>
+                        <a:rPr lang="zh-CN" altLang="en-US" dirty="0"/>
+                        <a:t>创建或重用队列</a:t>
+                      </a:r>
+                    </a:p>
+                  </a:txBody>
+                  <a:tcPr anchor="ctr"/>
+                </a:tc>
+                <a:extLst>
+                  <a:ext uri="{0D108BD9-81ED-4DB2-BD59-A6C34878D82A}">
+                    <a16:rowId xmlns:a16="http://schemas.microsoft.com/office/drawing/2014/main" val="2346806381"/>
+                  </a:ext>
+                </a:extLst>
+              </a:tr>
+              <a:tr h="585926">
+                <a:tc>
+                  <a:txBody>
+                    <a:bodyPr/>
+                    <a:lstStyle/>
+                    <a:p>
+                      <a:pPr algn="r"/>
+                      <a:r>
+                        <a:rPr lang="en-US" altLang="zh-CN" dirty="0" err="1"/>
+                        <a:t>msg_receive</a:t>
+                      </a:r>
+                      <a:endParaRPr lang="zh-CN" altLang="en-US" dirty="0"/>
+                    </a:p>
+                  </a:txBody>
+                  <a:tcPr anchor="ctr"/>
+                </a:tc>
+                <a:tc>
+                  <a:txBody>
+                    <a:bodyPr/>
+                    <a:lstStyle/>
+                    <a:p>
+                      <a:r>
+                        <a:rPr lang="zh-CN" altLang="en-US" dirty="0"/>
+                        <a:t>接收消息</a:t>
+                      </a:r>
+                    </a:p>
+                  </a:txBody>
+                  <a:tcPr anchor="ctr"/>
+                </a:tc>
+                <a:extLst>
+                  <a:ext uri="{0D108BD9-81ED-4DB2-BD59-A6C34878D82A}">
+                    <a16:rowId xmlns:a16="http://schemas.microsoft.com/office/drawing/2014/main" val="2010876499"/>
+                  </a:ext>
+                </a:extLst>
+              </a:tr>
+              <a:tr h="585926">
+                <a:tc>
+                  <a:txBody>
+                    <a:bodyPr/>
+                    <a:lstStyle/>
+                    <a:p>
+                      <a:pPr algn="r"/>
+                      <a:r>
+                        <a:rPr lang="en-US" altLang="zh-CN" dirty="0" err="1"/>
+                        <a:t>msg_send</a:t>
+                      </a:r>
+                      <a:endParaRPr lang="zh-CN" altLang="en-US" dirty="0"/>
+                    </a:p>
+                  </a:txBody>
+                  <a:tcPr anchor="ctr"/>
+                </a:tc>
+                <a:tc>
+                  <a:txBody>
+                    <a:bodyPr/>
+                    <a:lstStyle/>
+                    <a:p>
+                      <a:r>
+                        <a:rPr lang="zh-CN" altLang="en-US" dirty="0"/>
+                        <a:t>发送消息</a:t>
+                      </a:r>
+                    </a:p>
+                  </a:txBody>
+                  <a:tcPr anchor="ctr"/>
+                </a:tc>
+                <a:extLst>
+                  <a:ext uri="{0D108BD9-81ED-4DB2-BD59-A6C34878D82A}">
+                    <a16:rowId xmlns:a16="http://schemas.microsoft.com/office/drawing/2014/main" val="505519036"/>
+                  </a:ext>
+                </a:extLst>
+              </a:tr>
+              <a:tr h="585926">
+                <a:tc>
+                  <a:txBody>
+                    <a:bodyPr/>
+                    <a:lstStyle/>
+                    <a:p>
+                      <a:pPr algn="r"/>
+                      <a:r>
+                        <a:rPr lang="en-US" altLang="zh-CN" dirty="0" err="1"/>
+                        <a:t>msg_remove_queue</a:t>
+                      </a:r>
+                      <a:endParaRPr lang="zh-CN" altLang="en-US" dirty="0"/>
+                    </a:p>
+                  </a:txBody>
+                  <a:tcPr anchor="ctr"/>
+                </a:tc>
+                <a:tc>
+                  <a:txBody>
+                    <a:bodyPr/>
+                    <a:lstStyle/>
+                    <a:p>
+                      <a:r>
+                        <a:rPr lang="zh-CN" altLang="en-US" dirty="0"/>
+                        <a:t>删除队列</a:t>
+                      </a:r>
+                    </a:p>
+                  </a:txBody>
+                  <a:tcPr anchor="ctr"/>
+                </a:tc>
+                <a:extLst>
+                  <a:ext uri="{0D108BD9-81ED-4DB2-BD59-A6C34878D82A}">
+                    <a16:rowId xmlns:a16="http://schemas.microsoft.com/office/drawing/2014/main" val="81151243"/>
+                  </a:ext>
+                </a:extLst>
+              </a:tr>
+              <a:tr h="585926">
+                <a:tc>
+                  <a:txBody>
+                    <a:bodyPr/>
+                    <a:lstStyle/>
+                    <a:p>
+                      <a:pPr algn="r"/>
+                      <a:r>
+                        <a:rPr lang="en-US" altLang="zh-CN" dirty="0" err="1"/>
+                        <a:t>msg_set_queue</a:t>
+                      </a:r>
+                      <a:endParaRPr lang="zh-CN" altLang="en-US" dirty="0"/>
+                    </a:p>
+                  </a:txBody>
+                  <a:tcPr anchor="ctr"/>
+                </a:tc>
+                <a:tc>
+                  <a:txBody>
+                    <a:bodyPr/>
+                    <a:lstStyle/>
+                    <a:p>
+                      <a:r>
+                        <a:rPr lang="zh-CN" altLang="en-US" dirty="0"/>
+                        <a:t>设置队列数据</a:t>
+                      </a:r>
+                    </a:p>
+                  </a:txBody>
+                  <a:tcPr anchor="ctr"/>
+                </a:tc>
+                <a:extLst>
+                  <a:ext uri="{0D108BD9-81ED-4DB2-BD59-A6C34878D82A}">
+                    <a16:rowId xmlns:a16="http://schemas.microsoft.com/office/drawing/2014/main" val="2986245210"/>
+                  </a:ext>
+                </a:extLst>
+              </a:tr>
+              <a:tr h="585926">
+                <a:tc>
+                  <a:txBody>
+                    <a:bodyPr/>
+                    <a:lstStyle/>
+                    <a:p>
+                      <a:pPr algn="r"/>
+                      <a:r>
+                        <a:rPr lang="en-US" altLang="zh-CN" dirty="0" err="1"/>
+                        <a:t>msg_queue_exists</a:t>
+                      </a:r>
+                      <a:endParaRPr lang="zh-CN" altLang="en-US" dirty="0"/>
+                    </a:p>
+                  </a:txBody>
+                  <a:tcPr anchor="ctr"/>
+                </a:tc>
+                <a:tc>
+                  <a:txBody>
+                    <a:bodyPr/>
+                    <a:lstStyle/>
+                    <a:p>
+                      <a:r>
+                        <a:rPr lang="zh-CN" altLang="en-US" dirty="0"/>
+                        <a:t>检测队列是否存在</a:t>
+                      </a:r>
+                    </a:p>
+                  </a:txBody>
+                  <a:tcPr anchor="ctr"/>
+                </a:tc>
+                <a:extLst>
+                  <a:ext uri="{0D108BD9-81ED-4DB2-BD59-A6C34878D82A}">
+                    <a16:rowId xmlns:a16="http://schemas.microsoft.com/office/drawing/2014/main" val="527705398"/>
+                  </a:ext>
+                </a:extLst>
+              </a:tr>
+            </a:tbl>
+          </a:graphicData>
+        </a:graphic>
+      </p:graphicFrame>
     </p:spTree>
     <p:extLst>
       <p:ext uri="{BB962C8B-B14F-4D97-AF65-F5344CB8AC3E}">
-        <p14:creationId xmlns:p14="http://schemas.microsoft.com/office/powerpoint/2010/main" val="1118539503"/>
+        <p14:creationId xmlns:p14="http://schemas.microsoft.com/office/powerpoint/2010/main" val="501793208"/>
       </p:ext>
     </p:extLst>
   </p:cSld>

--- a/materials/slides/ch07-message-queue.pptx
+++ b/materials/slides/ch07-message-queue.pptx
@@ -235,7 +235,7 @@
           <a:p>
             <a:fld id="{E923E828-953C-4D4A-9B10-11E7329F433D}" type="datetimeFigureOut">
               <a:rPr lang="zh-CN" altLang="en-US" smtClean="0"/>
-              <a:t>2018/2/24</a:t>
+              <a:t>2018/2/27</a:t>
             </a:fld>
             <a:endParaRPr lang="zh-CN" altLang="en-US"/>
           </a:p>
@@ -416,7 +416,7 @@
           <a:p>
             <a:fld id="{867C5346-22E5-4085-8130-851344A84DFF}" type="datetimeFigureOut">
               <a:rPr lang="zh-CN" altLang="en-US" smtClean="0"/>
-              <a:t>2018/2/24</a:t>
+              <a:t>2018/2/27</a:t>
             </a:fld>
             <a:endParaRPr lang="zh-CN" altLang="en-US"/>
           </a:p>
@@ -842,7 +842,7 @@
           <a:p>
             <a:fld id="{A5E21016-498F-4141-B0CA-D95A38CA7D62}" type="datetimeFigureOut">
               <a:rPr lang="zh-CN" altLang="en-US" smtClean="0"/>
-              <a:t>2018/2/24</a:t>
+              <a:t>2018/2/27</a:t>
             </a:fld>
             <a:endParaRPr lang="zh-CN" altLang="en-US"/>
           </a:p>
@@ -1072,7 +1072,7 @@
           <a:p>
             <a:fld id="{A5E21016-498F-4141-B0CA-D95A38CA7D62}" type="datetimeFigureOut">
               <a:rPr lang="zh-CN" altLang="en-US" smtClean="0"/>
-              <a:t>2018/2/24</a:t>
+              <a:t>2018/2/27</a:t>
             </a:fld>
             <a:endParaRPr lang="zh-CN" altLang="en-US"/>
           </a:p>
@@ -1307,7 +1307,7 @@
           <a:p>
             <a:fld id="{A5E21016-498F-4141-B0CA-D95A38CA7D62}" type="datetimeFigureOut">
               <a:rPr lang="zh-CN" altLang="en-US" smtClean="0"/>
-              <a:t>2018/2/24</a:t>
+              <a:t>2018/2/27</a:t>
             </a:fld>
             <a:endParaRPr lang="zh-CN" altLang="en-US"/>
           </a:p>
@@ -1869,7 +1869,7 @@
           <a:p>
             <a:fld id="{A5E21016-498F-4141-B0CA-D95A38CA7D62}" type="datetimeFigureOut">
               <a:rPr lang="zh-CN" altLang="en-US" smtClean="0"/>
-              <a:t>2018/2/24</a:t>
+              <a:t>2018/2/27</a:t>
             </a:fld>
             <a:endParaRPr lang="zh-CN" altLang="en-US"/>
           </a:p>
@@ -2166,7 +2166,7 @@
           <a:p>
             <a:fld id="{A5E21016-498F-4141-B0CA-D95A38CA7D62}" type="datetimeFigureOut">
               <a:rPr lang="zh-CN" altLang="en-US" smtClean="0"/>
-              <a:t>2018/2/24</a:t>
+              <a:t>2018/2/27</a:t>
             </a:fld>
             <a:endParaRPr lang="zh-CN" altLang="en-US"/>
           </a:p>
@@ -2605,7 +2605,7 @@
           <a:p>
             <a:fld id="{A5E21016-498F-4141-B0CA-D95A38CA7D62}" type="datetimeFigureOut">
               <a:rPr lang="zh-CN" altLang="en-US" smtClean="0"/>
-              <a:t>2018/2/24</a:t>
+              <a:t>2018/2/27</a:t>
             </a:fld>
             <a:endParaRPr lang="zh-CN" altLang="en-US"/>
           </a:p>
@@ -2778,7 +2778,7 @@
           <a:p>
             <a:fld id="{A5E21016-498F-4141-B0CA-D95A38CA7D62}" type="datetimeFigureOut">
               <a:rPr lang="zh-CN" altLang="en-US" smtClean="0"/>
-              <a:t>2018/2/24</a:t>
+              <a:t>2018/2/27</a:t>
             </a:fld>
             <a:endParaRPr lang="zh-CN" altLang="en-US"/>
           </a:p>
@@ -2915,7 +2915,7 @@
           <a:p>
             <a:fld id="{A5E21016-498F-4141-B0CA-D95A38CA7D62}" type="datetimeFigureOut">
               <a:rPr lang="zh-CN" altLang="en-US" smtClean="0"/>
-              <a:t>2018/2/24</a:t>
+              <a:t>2018/2/27</a:t>
             </a:fld>
             <a:endParaRPr lang="zh-CN" altLang="en-US"/>
           </a:p>
@@ -3253,7 +3253,7 @@
           <a:p>
             <a:fld id="{A5E21016-498F-4141-B0CA-D95A38CA7D62}" type="datetimeFigureOut">
               <a:rPr lang="zh-CN" altLang="en-US" smtClean="0"/>
-              <a:t>2018/2/24</a:t>
+              <a:t>2018/2/27</a:t>
             </a:fld>
             <a:endParaRPr lang="zh-CN" altLang="en-US"/>
           </a:p>
@@ -3568,7 +3568,7 @@
           <a:p>
             <a:fld id="{A5E21016-498F-4141-B0CA-D95A38CA7D62}" type="datetimeFigureOut">
               <a:rPr lang="zh-CN" altLang="en-US" smtClean="0"/>
-              <a:t>2018/2/24</a:t>
+              <a:t>2018/2/27</a:t>
             </a:fld>
             <a:endParaRPr lang="zh-CN" altLang="en-US"/>
           </a:p>
@@ -4282,12 +4282,8 @@
           <a:p>
             <a:pPr algn="ctr"/>
             <a:r>
-              <a:rPr lang="en-US" altLang="zh-CN" sz="2800" dirty="0" err="1"/>
-              <a:t>Redis</a:t>
-            </a:r>
-            <a:r>
               <a:rPr lang="zh-CN" altLang="en-US" sz="2800" dirty="0"/>
-              <a:t>基本使用</a:t>
+              <a:t>消息队列</a:t>
             </a:r>
             <a:endParaRPr lang="en-US" altLang="zh-CN" sz="2800" dirty="0"/>
           </a:p>
@@ -4951,12 +4947,8 @@
           <a:lstStyle/>
           <a:p>
             <a:r>
-              <a:rPr lang="en-US" altLang="zh-CN" dirty="0"/>
-              <a:t>Semaphore</a:t>
-            </a:r>
-            <a:r>
               <a:rPr lang="zh-CN" altLang="en-US" dirty="0"/>
-              <a:t>消息队列应用示例</a:t>
+              <a:t>多个接收者</a:t>
             </a:r>
           </a:p>
         </p:txBody>
@@ -4991,8 +4983,27 @@
           <a:p>
             <a:r>
               <a:rPr lang="zh-CN" altLang="en-US" sz="2000" dirty="0"/>
-              <a:t>接收者接收消息，并</a:t>
-            </a:r>
+              <a:t>多个进程监听同一个消息队列，发布者发布消息时，消息会分散到每个接收者。</a:t>
+            </a:r>
+            <a:endParaRPr lang="en-US" altLang="zh-CN" sz="2000" dirty="0"/>
+          </a:p>
+          <a:p>
+            <a:endParaRPr lang="en-US" altLang="zh-CN" sz="2000" dirty="0"/>
+          </a:p>
+          <a:p>
+            <a:r>
+              <a:rPr lang="zh-CN" altLang="en-US" sz="2000"/>
+              <a:t>一个接收者获取消息后，此消息便不存在，其他接收者获取的是后续的消息。</a:t>
+            </a:r>
+            <a:endParaRPr lang="en-US" altLang="zh-CN" sz="2000" dirty="0"/>
+          </a:p>
+          <a:p>
+            <a:endParaRPr lang="en-US" altLang="zh-CN" sz="2000" dirty="0"/>
+          </a:p>
+          <a:p>
+            <a:pPr marL="0" indent="0">
+              <a:buNone/>
+            </a:pPr>
             <a:endParaRPr lang="en-US" altLang="zh-CN" sz="2000" dirty="0"/>
           </a:p>
         </p:txBody>
@@ -7851,7 +7862,7 @@
           <a:p>
             <a:r>
               <a:rPr lang="zh-CN" altLang="en-US" sz="2000" dirty="0"/>
-              <a:t>解决方式是使用消息队列，用户确认下单后，后台程序仅仅是把这个请求放到消息队列中，有一个或多个负责订单的进程去处理。</a:t>
+              <a:t>解决方式是使用消息队列，用户提交数据后，后台程序仅仅是把这个请求放到消息队列中，有一个或多个监听消息队列的进程去处理。</a:t>
             </a:r>
             <a:endParaRPr lang="en-US" altLang="zh-CN" sz="2000" dirty="0"/>
           </a:p>
@@ -8040,7 +8051,7 @@
           <a:p>
             <a:r>
               <a:rPr lang="zh-CN" altLang="en-US" sz="2000" dirty="0"/>
-              <a:t>使用消息队列的优势是明显的，缺点相比之下可以忽略。</a:t>
+              <a:t>使用消息队列的优势是明显的，缺点相对不足为虑。</a:t>
             </a:r>
             <a:endParaRPr lang="en-US" altLang="zh-CN" sz="1800" dirty="0"/>
           </a:p>

--- a/materials/slides/ch07-message-queue.pptx
+++ b/materials/slides/ch07-message-queue.pptx
@@ -5,10 +5,10 @@
     <p:sldMasterId id="2147483648" r:id="rId1"/>
   </p:sldMasterIdLst>
   <p:notesMasterIdLst>
-    <p:notesMasterId r:id="rId23"/>
+    <p:notesMasterId r:id="rId24"/>
   </p:notesMasterIdLst>
   <p:handoutMasterIdLst>
-    <p:handoutMasterId r:id="rId24"/>
+    <p:handoutMasterId r:id="rId25"/>
   </p:handoutMasterIdLst>
   <p:sldIdLst>
     <p:sldId id="257" r:id="rId2"/>
@@ -32,6 +32,7 @@
     <p:sldId id="280" r:id="rId20"/>
     <p:sldId id="281" r:id="rId21"/>
     <p:sldId id="295" r:id="rId22"/>
+    <p:sldId id="296" r:id="rId23"/>
   </p:sldIdLst>
   <p:sldSz cx="12192000" cy="6858000"/>
   <p:notesSz cx="6858000" cy="9144000"/>
@@ -235,7 +236,7 @@
           <a:p>
             <a:fld id="{E923E828-953C-4D4A-9B10-11E7329F433D}" type="datetimeFigureOut">
               <a:rPr lang="zh-CN" altLang="en-US" smtClean="0"/>
-              <a:t>2018/2/27</a:t>
+              <a:t>2018/2/28</a:t>
             </a:fld>
             <a:endParaRPr lang="zh-CN" altLang="en-US"/>
           </a:p>
@@ -416,7 +417,7 @@
           <a:p>
             <a:fld id="{867C5346-22E5-4085-8130-851344A84DFF}" type="datetimeFigureOut">
               <a:rPr lang="zh-CN" altLang="en-US" smtClean="0"/>
-              <a:t>2018/2/27</a:t>
+              <a:t>2018/2/28</a:t>
             </a:fld>
             <a:endParaRPr lang="zh-CN" altLang="en-US"/>
           </a:p>
@@ -842,7 +843,7 @@
           <a:p>
             <a:fld id="{A5E21016-498F-4141-B0CA-D95A38CA7D62}" type="datetimeFigureOut">
               <a:rPr lang="zh-CN" altLang="en-US" smtClean="0"/>
-              <a:t>2018/2/27</a:t>
+              <a:t>2018/2/28</a:t>
             </a:fld>
             <a:endParaRPr lang="zh-CN" altLang="en-US"/>
           </a:p>
@@ -1072,7 +1073,7 @@
           <a:p>
             <a:fld id="{A5E21016-498F-4141-B0CA-D95A38CA7D62}" type="datetimeFigureOut">
               <a:rPr lang="zh-CN" altLang="en-US" smtClean="0"/>
-              <a:t>2018/2/27</a:t>
+              <a:t>2018/2/28</a:t>
             </a:fld>
             <a:endParaRPr lang="zh-CN" altLang="en-US"/>
           </a:p>
@@ -1307,7 +1308,7 @@
           <a:p>
             <a:fld id="{A5E21016-498F-4141-B0CA-D95A38CA7D62}" type="datetimeFigureOut">
               <a:rPr lang="zh-CN" altLang="en-US" smtClean="0"/>
-              <a:t>2018/2/27</a:t>
+              <a:t>2018/2/28</a:t>
             </a:fld>
             <a:endParaRPr lang="zh-CN" altLang="en-US"/>
           </a:p>
@@ -1869,7 +1870,7 @@
           <a:p>
             <a:fld id="{A5E21016-498F-4141-B0CA-D95A38CA7D62}" type="datetimeFigureOut">
               <a:rPr lang="zh-CN" altLang="en-US" smtClean="0"/>
-              <a:t>2018/2/27</a:t>
+              <a:t>2018/2/28</a:t>
             </a:fld>
             <a:endParaRPr lang="zh-CN" altLang="en-US"/>
           </a:p>
@@ -2166,7 +2167,7 @@
           <a:p>
             <a:fld id="{A5E21016-498F-4141-B0CA-D95A38CA7D62}" type="datetimeFigureOut">
               <a:rPr lang="zh-CN" altLang="en-US" smtClean="0"/>
-              <a:t>2018/2/27</a:t>
+              <a:t>2018/2/28</a:t>
             </a:fld>
             <a:endParaRPr lang="zh-CN" altLang="en-US"/>
           </a:p>
@@ -2605,7 +2606,7 @@
           <a:p>
             <a:fld id="{A5E21016-498F-4141-B0CA-D95A38CA7D62}" type="datetimeFigureOut">
               <a:rPr lang="zh-CN" altLang="en-US" smtClean="0"/>
-              <a:t>2018/2/27</a:t>
+              <a:t>2018/2/28</a:t>
             </a:fld>
             <a:endParaRPr lang="zh-CN" altLang="en-US"/>
           </a:p>
@@ -2778,7 +2779,7 @@
           <a:p>
             <a:fld id="{A5E21016-498F-4141-B0CA-D95A38CA7D62}" type="datetimeFigureOut">
               <a:rPr lang="zh-CN" altLang="en-US" smtClean="0"/>
-              <a:t>2018/2/27</a:t>
+              <a:t>2018/2/28</a:t>
             </a:fld>
             <a:endParaRPr lang="zh-CN" altLang="en-US"/>
           </a:p>
@@ -2915,7 +2916,7 @@
           <a:p>
             <a:fld id="{A5E21016-498F-4141-B0CA-D95A38CA7D62}" type="datetimeFigureOut">
               <a:rPr lang="zh-CN" altLang="en-US" smtClean="0"/>
-              <a:t>2018/2/27</a:t>
+              <a:t>2018/2/28</a:t>
             </a:fld>
             <a:endParaRPr lang="zh-CN" altLang="en-US"/>
           </a:p>
@@ -3253,7 +3254,7 @@
           <a:p>
             <a:fld id="{A5E21016-498F-4141-B0CA-D95A38CA7D62}" type="datetimeFigureOut">
               <a:rPr lang="zh-CN" altLang="en-US" smtClean="0"/>
-              <a:t>2018/2/27</a:t>
+              <a:t>2018/2/28</a:t>
             </a:fld>
             <a:endParaRPr lang="zh-CN" altLang="en-US"/>
           </a:p>
@@ -3568,7 +3569,7 @@
           <a:p>
             <a:fld id="{A5E21016-498F-4141-B0CA-D95A38CA7D62}" type="datetimeFigureOut">
               <a:rPr lang="zh-CN" altLang="en-US" smtClean="0"/>
-              <a:t>2018/2/27</a:t>
+              <a:t>2018/2/28</a:t>
             </a:fld>
             <a:endParaRPr lang="zh-CN" altLang="en-US"/>
           </a:p>
@@ -4983,7 +4984,7 @@
           <a:p>
             <a:r>
               <a:rPr lang="zh-CN" altLang="en-US" sz="2000" dirty="0"/>
-              <a:t>多个进程监听同一个消息队列，发布者发布消息时，消息会分散到每个接收者。</a:t>
+              <a:t>多个进程监听同一个消息队列，发布者发布消息时，消息会被多个接收者读取。</a:t>
             </a:r>
             <a:endParaRPr lang="en-US" altLang="zh-CN" sz="2000" dirty="0"/>
           </a:p>
@@ -4992,8 +4993,18 @@
           </a:p>
           <a:p>
             <a:r>
-              <a:rPr lang="zh-CN" altLang="en-US" sz="2000"/>
+              <a:rPr lang="zh-CN" altLang="en-US" sz="2000" dirty="0"/>
               <a:t>一个接收者获取消息后，此消息便不存在，其他接收者获取的是后续的消息。</a:t>
+            </a:r>
+            <a:endParaRPr lang="en-US" altLang="zh-CN" sz="2000" dirty="0"/>
+          </a:p>
+          <a:p>
+            <a:endParaRPr lang="en-US" altLang="zh-CN" sz="2000" dirty="0"/>
+          </a:p>
+          <a:p>
+            <a:r>
+              <a:rPr lang="zh-CN" altLang="en-US" sz="2000" dirty="0"/>
+              <a:t>实际场景中根据需要来确定需要多少个进程监听，不同的业务使用不同的队列。</a:t>
             </a:r>
             <a:endParaRPr lang="en-US" altLang="zh-CN" sz="2000" dirty="0"/>
           </a:p>
@@ -5570,6 +5581,9 @@
             <a:endParaRPr lang="en-US" altLang="zh-CN" sz="2000" dirty="0"/>
           </a:p>
           <a:p>
+            <a:endParaRPr lang="en-US" altLang="zh-CN" sz="2000" dirty="0"/>
+          </a:p>
+          <a:p>
             <a:r>
               <a:rPr lang="zh-CN" altLang="en-US" sz="2000" dirty="0"/>
               <a:t>安装过程使用之前讲到的编译安装：</a:t>
@@ -5631,6 +5645,9 @@
               <a:rPr lang="en-US" altLang="zh-CN" sz="2000" dirty="0" err="1"/>
               <a:t>redis</a:t>
             </a:r>
+            <a:endParaRPr lang="en-US" altLang="zh-CN" sz="2000" dirty="0"/>
+          </a:p>
+          <a:p>
             <a:endParaRPr lang="en-US" altLang="zh-CN" sz="2000" dirty="0"/>
           </a:p>
           <a:p>
@@ -5999,7 +6016,7 @@
             <a:pPr lvl="1"/>
             <a:r>
               <a:rPr lang="zh-CN" altLang="en-US" sz="1800" dirty="0"/>
-              <a:t>列表：</a:t>
+              <a:t>列表： </a:t>
             </a:r>
             <a:r>
               <a:rPr lang="en-US" altLang="zh-CN" sz="1800" dirty="0" err="1"/>
@@ -6038,7 +6055,7 @@
             <a:pPr lvl="1"/>
             <a:r>
               <a:rPr lang="zh-CN" altLang="en-US" sz="1800" dirty="0"/>
-              <a:t>列表：</a:t>
+              <a:t>列表： </a:t>
             </a:r>
             <a:r>
               <a:rPr lang="en-US" altLang="zh-CN" sz="1800" dirty="0" err="1"/>
@@ -6208,117 +6225,173 @@
           <a:lstStyle/>
           <a:p>
             <a:r>
-              <a:rPr lang="en-US" altLang="zh-CN" sz="1800" dirty="0"/>
+              <a:rPr lang="en-US" altLang="zh-CN" sz="2000" dirty="0"/>
               <a:t>PHP</a:t>
             </a:r>
             <a:r>
-              <a:rPr lang="zh-CN" altLang="en-US" sz="1800" dirty="0"/>
+              <a:rPr lang="zh-CN" altLang="en-US" sz="2000" dirty="0"/>
               <a:t>获取</a:t>
+            </a:r>
+            <a:r>
+              <a:rPr lang="en-US" altLang="zh-CN" sz="2000" dirty="0" err="1"/>
+              <a:t>Redis</a:t>
+            </a:r>
+            <a:r>
+              <a:rPr lang="zh-CN" altLang="en-US" sz="2000" dirty="0"/>
+              <a:t>扩展支持的调用方法：</a:t>
+            </a:r>
+            <a:endParaRPr lang="en-US" altLang="zh-CN" sz="2000" dirty="0"/>
+          </a:p>
+          <a:p>
+            <a:pPr marL="457200" lvl="1" indent="0">
+              <a:buNone/>
+            </a:pPr>
+            <a:endParaRPr lang="en-US" altLang="zh-CN" sz="2000" dirty="0"/>
+          </a:p>
+          <a:p>
+            <a:pPr marL="457200" lvl="1" indent="0">
+              <a:buNone/>
+            </a:pPr>
+            <a:r>
+              <a:rPr lang="en-US" altLang="zh-CN" sz="1800" dirty="0"/>
+              <a:t>&lt;?</a:t>
+            </a:r>
+            <a:r>
+              <a:rPr lang="en-US" altLang="zh-CN" sz="1800" dirty="0" err="1"/>
+              <a:t>php</a:t>
+            </a:r>
+            <a:endParaRPr lang="en-US" altLang="zh-CN" sz="1800" dirty="0"/>
+          </a:p>
+          <a:p>
+            <a:pPr marL="457200" lvl="1" indent="0">
+              <a:buNone/>
+            </a:pPr>
+            <a:r>
+              <a:rPr lang="en-US" altLang="zh-CN" sz="1800" dirty="0"/>
+              <a:t>$</a:t>
+            </a:r>
+            <a:r>
+              <a:rPr lang="en-US" altLang="zh-CN" sz="1800" dirty="0" err="1"/>
+              <a:t>rd</a:t>
+            </a:r>
+            <a:r>
+              <a:rPr lang="en-US" altLang="zh-CN" sz="1800" dirty="0"/>
+              <a:t> = new </a:t>
             </a:r>
             <a:r>
               <a:rPr lang="en-US" altLang="zh-CN" sz="1800" dirty="0" err="1"/>
               <a:t>Redis</a:t>
             </a:r>
             <a:r>
-              <a:rPr lang="zh-CN" altLang="en-US" sz="1800" dirty="0"/>
-              <a:t>扩展支持的调用方法：</a:t>
-            </a:r>
+              <a:rPr lang="en-US" altLang="zh-CN" sz="1800" dirty="0"/>
+              <a:t>();</a:t>
+            </a:r>
+            <a:br>
+              <a:rPr lang="en-US" altLang="zh-CN" sz="1800" dirty="0"/>
+            </a:br>
+            <a:r>
+              <a:rPr lang="en-US" altLang="zh-CN" sz="1800" dirty="0"/>
+              <a:t>$</a:t>
+            </a:r>
+            <a:r>
+              <a:rPr lang="en-US" altLang="zh-CN" sz="1800" dirty="0" err="1"/>
+              <a:t>rd_calls</a:t>
+            </a:r>
+            <a:r>
+              <a:rPr lang="en-US" altLang="zh-CN" sz="1800" dirty="0"/>
+              <a:t> = </a:t>
+            </a:r>
+            <a:r>
+              <a:rPr lang="en-US" altLang="zh-CN" sz="1800" dirty="0" err="1"/>
+              <a:t>get_class_methods</a:t>
+            </a:r>
+            <a:r>
+              <a:rPr lang="en-US" altLang="zh-CN" sz="1800" dirty="0"/>
+              <a:t>($</a:t>
+            </a:r>
+            <a:r>
+              <a:rPr lang="en-US" altLang="zh-CN" sz="1800" dirty="0" err="1"/>
+              <a:t>rd</a:t>
+            </a:r>
+            <a:r>
+              <a:rPr lang="en-US" altLang="zh-CN" sz="1800" dirty="0"/>
+              <a:t>);</a:t>
+            </a:r>
+            <a:br>
+              <a:rPr lang="en-US" altLang="zh-CN" sz="1800" dirty="0"/>
+            </a:br>
+            <a:br>
+              <a:rPr lang="en-US" altLang="zh-CN" sz="1800" dirty="0"/>
+            </a:br>
+            <a:r>
+              <a:rPr lang="en-US" altLang="zh-CN" sz="1800" dirty="0"/>
+              <a:t>foreach ($</a:t>
+            </a:r>
+            <a:r>
+              <a:rPr lang="en-US" altLang="zh-CN" sz="1800" dirty="0" err="1"/>
+              <a:t>rd_calls</a:t>
+            </a:r>
+            <a:r>
+              <a:rPr lang="en-US" altLang="zh-CN" sz="1800" dirty="0"/>
+              <a:t> as $call) {</a:t>
+            </a:r>
+            <a:br>
+              <a:rPr lang="en-US" altLang="zh-CN" sz="1800" dirty="0"/>
+            </a:br>
+            <a:r>
+              <a:rPr lang="en-US" altLang="zh-CN" sz="1800" dirty="0"/>
+              <a:t>    echo $call . "\n";</a:t>
+            </a:r>
+            <a:br>
+              <a:rPr lang="en-US" altLang="zh-CN" sz="1800" dirty="0"/>
+            </a:br>
+            <a:r>
+              <a:rPr lang="en-US" altLang="zh-CN" sz="1800" dirty="0"/>
+              <a:t>}</a:t>
+            </a:r>
+          </a:p>
+          <a:p>
+            <a:pPr marL="0" indent="0">
+              <a:buNone/>
+            </a:pPr>
+            <a:endParaRPr lang="en-US" altLang="zh-CN" sz="2000" dirty="0"/>
+          </a:p>
+          <a:p>
+            <a:r>
+              <a:rPr lang="zh-CN" altLang="en-US" sz="2000" dirty="0"/>
+              <a:t>方法名称都是和</a:t>
+            </a:r>
+            <a:r>
+              <a:rPr lang="en-US" altLang="zh-CN" sz="2000" dirty="0" err="1"/>
+              <a:t>Redis</a:t>
+            </a:r>
+            <a:r>
+              <a:rPr lang="zh-CN" altLang="en-US" sz="2000" dirty="0"/>
+              <a:t>对应的命令，参数顺序一般都符合</a:t>
+            </a:r>
+            <a:r>
+              <a:rPr lang="en-US" altLang="zh-CN" sz="2000" dirty="0" err="1"/>
+              <a:t>Redis</a:t>
+            </a:r>
+            <a:r>
+              <a:rPr lang="zh-CN" altLang="en-US" sz="2000" dirty="0"/>
+              <a:t>命令的逻辑，个别命令在使用</a:t>
+            </a:r>
+            <a:r>
+              <a:rPr lang="en-US" altLang="zh-CN" sz="2000" dirty="0"/>
+              <a:t>PHP</a:t>
+            </a:r>
+            <a:r>
+              <a:rPr lang="zh-CN" altLang="en-US" sz="2000" dirty="0"/>
+              <a:t>扩展的时候有所不同。</a:t>
+            </a:r>
+            <a:endParaRPr lang="en-US" altLang="zh-CN" sz="2000" dirty="0"/>
+          </a:p>
+          <a:p>
             <a:endParaRPr lang="en-US" altLang="zh-CN" sz="1800" dirty="0"/>
           </a:p>
-          <a:p>
-            <a:endParaRPr lang="en-US" altLang="zh-CN" sz="1800" dirty="0"/>
-          </a:p>
-          <a:p>
-            <a:endParaRPr lang="en-US" altLang="zh-CN" sz="1800" dirty="0"/>
-          </a:p>
-          <a:p>
-            <a:endParaRPr lang="en-US" altLang="zh-CN" sz="1800" dirty="0"/>
-          </a:p>
-          <a:p>
-            <a:endParaRPr lang="en-US" altLang="zh-CN" sz="1800" dirty="0"/>
-          </a:p>
-          <a:p>
-            <a:endParaRPr lang="en-US" altLang="zh-CN" sz="1800" dirty="0"/>
-          </a:p>
-          <a:p>
-            <a:endParaRPr lang="en-US" altLang="zh-CN" sz="1800" dirty="0"/>
-          </a:p>
-          <a:p>
-            <a:endParaRPr lang="en-US" altLang="zh-CN" sz="1800" dirty="0"/>
-          </a:p>
-          <a:p>
-            <a:endParaRPr lang="en-US" altLang="zh-CN" sz="1800" dirty="0"/>
-          </a:p>
-          <a:p>
-            <a:endParaRPr lang="en-US" altLang="zh-CN" sz="1800" dirty="0"/>
-          </a:p>
-          <a:p>
-            <a:endParaRPr lang="en-US" altLang="zh-CN" sz="1800" dirty="0"/>
-          </a:p>
-          <a:p>
-            <a:r>
-              <a:rPr lang="zh-CN" altLang="en-US" sz="1800" dirty="0"/>
-              <a:t>方法名称基本都是和</a:t>
-            </a:r>
-            <a:r>
-              <a:rPr lang="en-US" altLang="zh-CN" sz="1800" dirty="0" err="1"/>
-              <a:t>Redis</a:t>
-            </a:r>
-            <a:r>
-              <a:rPr lang="zh-CN" altLang="en-US" sz="1800" dirty="0"/>
-              <a:t>对应的命令，参数都符合</a:t>
-            </a:r>
-            <a:r>
-              <a:rPr lang="en-US" altLang="zh-CN" sz="1800" dirty="0" err="1"/>
-              <a:t>Redis</a:t>
-            </a:r>
-            <a:r>
-              <a:rPr lang="zh-CN" altLang="en-US" sz="1800" dirty="0"/>
-              <a:t>命令的参数顺序。</a:t>
-            </a:r>
-            <a:endParaRPr lang="en-US" altLang="zh-CN" sz="1800" dirty="0"/>
-          </a:p>
-          <a:p>
-            <a:endParaRPr lang="en-US" altLang="zh-CN" sz="1800" dirty="0"/>
-          </a:p>
-        </p:txBody>
-      </p:sp>
-      <p:pic>
-        <p:nvPicPr>
-          <p:cNvPr id="3" name="图片 2">
-            <a:extLst>
-              <a:ext uri="{FF2B5EF4-FFF2-40B4-BE49-F238E27FC236}">
-                <a16:creationId xmlns:a16="http://schemas.microsoft.com/office/drawing/2014/main" id="{D28A177A-FB7E-4161-98EE-F1AF75E79AFA}"/>
-              </a:ext>
-            </a:extLst>
-          </p:cNvPr>
-          <p:cNvPicPr>
-            <a:picLocks noChangeAspect="1"/>
-          </p:cNvPicPr>
-          <p:nvPr/>
-        </p:nvPicPr>
-        <p:blipFill>
-          <a:blip r:embed="rId2">
-            <a:extLst>
-              <a:ext uri="{28A0092B-C50C-407E-A947-70E740481C1C}">
-                <a14:useLocalDpi xmlns:a14="http://schemas.microsoft.com/office/drawing/2010/main" val="0"/>
-              </a:ext>
-            </a:extLst>
-          </a:blip>
-          <a:stretch>
-            <a:fillRect/>
-          </a:stretch>
-        </p:blipFill>
-        <p:spPr>
-          <a:xfrm>
-            <a:off x="1246645" y="2080037"/>
-            <a:ext cx="7601441" cy="3397484"/>
-          </a:xfrm>
-          <a:prstGeom prst="rect">
-            <a:avLst/>
-          </a:prstGeom>
-        </p:spPr>
-      </p:pic>
+        </p:txBody>
+      </p:sp>
     </p:spTree>
     <p:extLst>
       <p:ext uri="{BB962C8B-B14F-4D97-AF65-F5344CB8AC3E}">
@@ -6387,7 +6460,10 @@
               <a:rPr lang="en-US" altLang="zh-CN" dirty="0" err="1"/>
               <a:t>Redis</a:t>
             </a:r>
-            <a:endParaRPr lang="zh-CN" altLang="en-US" dirty="0"/>
+            <a:r>
+              <a:rPr lang="zh-CN" altLang="en-US" dirty="0"/>
+              <a:t>添加数据</a:t>
+            </a:r>
           </a:p>
         </p:txBody>
       </p:sp>
@@ -6438,46 +6514,103 @@
             <a:endParaRPr lang="en-US" altLang="zh-CN" sz="1800" dirty="0"/>
           </a:p>
           <a:p>
+            <a:pPr marL="457200" lvl="1" indent="0">
+              <a:buNone/>
+            </a:pPr>
             <a:endParaRPr lang="en-US" altLang="zh-CN" sz="1800" dirty="0"/>
           </a:p>
-        </p:txBody>
-      </p:sp>
-      <p:pic>
-        <p:nvPicPr>
-          <p:cNvPr id="9" name="图片 8">
-            <a:extLst>
-              <a:ext uri="{FF2B5EF4-FFF2-40B4-BE49-F238E27FC236}">
-                <a16:creationId xmlns:a16="http://schemas.microsoft.com/office/drawing/2014/main" id="{3D23086F-6808-4BD4-B55C-19DEB5CB5845}"/>
-              </a:ext>
-            </a:extLst>
-          </p:cNvPr>
-          <p:cNvPicPr>
-            <a:picLocks noChangeAspect="1"/>
-          </p:cNvPicPr>
-          <p:nvPr/>
-        </p:nvPicPr>
-        <p:blipFill>
-          <a:blip r:embed="rId2">
-            <a:extLst>
-              <a:ext uri="{28A0092B-C50C-407E-A947-70E740481C1C}">
-                <a14:useLocalDpi xmlns:a14="http://schemas.microsoft.com/office/drawing/2010/main" val="0"/>
-              </a:ext>
-            </a:extLst>
-          </a:blip>
-          <a:stretch>
-            <a:fillRect/>
-          </a:stretch>
-        </p:blipFill>
-        <p:spPr>
-          <a:xfrm>
-            <a:off x="1167746" y="2196926"/>
-            <a:ext cx="9078559" cy="3449271"/>
-          </a:xfrm>
-          <a:prstGeom prst="rect">
-            <a:avLst/>
-          </a:prstGeom>
-        </p:spPr>
-      </p:pic>
+          <a:p>
+            <a:pPr marL="457200" lvl="1" indent="0">
+              <a:buNone/>
+            </a:pPr>
+            <a:r>
+              <a:rPr lang="en-US" altLang="zh-CN" sz="1800" dirty="0"/>
+              <a:t>&lt;?</a:t>
+            </a:r>
+            <a:r>
+              <a:rPr lang="en-US" altLang="zh-CN" sz="1800" dirty="0" err="1"/>
+              <a:t>php</a:t>
+            </a:r>
+            <a:endParaRPr lang="en-US" altLang="zh-CN" sz="1800" dirty="0"/>
+          </a:p>
+          <a:p>
+            <a:pPr marL="457200" lvl="1" indent="0">
+              <a:buNone/>
+            </a:pPr>
+            <a:r>
+              <a:rPr lang="en-US" altLang="zh-CN" sz="1800" dirty="0"/>
+              <a:t>$</a:t>
+            </a:r>
+            <a:r>
+              <a:rPr lang="en-US" altLang="zh-CN" sz="1800" dirty="0" err="1"/>
+              <a:t>rd</a:t>
+            </a:r>
+            <a:r>
+              <a:rPr lang="en-US" altLang="zh-CN" sz="1800" dirty="0"/>
+              <a:t> = new </a:t>
+            </a:r>
+            <a:r>
+              <a:rPr lang="en-US" altLang="zh-CN" sz="1800" dirty="0" err="1"/>
+              <a:t>Redis</a:t>
+            </a:r>
+            <a:r>
+              <a:rPr lang="en-US" altLang="zh-CN" sz="1800" dirty="0"/>
+              <a:t>();</a:t>
+            </a:r>
+            <a:br>
+              <a:rPr lang="en-US" altLang="zh-CN" sz="1800" dirty="0"/>
+            </a:br>
+            <a:br>
+              <a:rPr lang="en-US" altLang="zh-CN" sz="1800" dirty="0"/>
+            </a:br>
+            <a:r>
+              <a:rPr lang="en-US" altLang="zh-CN" sz="1800" dirty="0"/>
+              <a:t>$</a:t>
+            </a:r>
+            <a:r>
+              <a:rPr lang="en-US" altLang="zh-CN" sz="1800" dirty="0" err="1"/>
+              <a:t>rd</a:t>
+            </a:r>
+            <a:r>
+              <a:rPr lang="en-US" altLang="zh-CN" sz="1800" dirty="0"/>
+              <a:t>-&gt;connect('127.0.0.1',6379);</a:t>
+            </a:r>
+            <a:br>
+              <a:rPr lang="en-US" altLang="zh-CN" sz="1800" dirty="0"/>
+            </a:br>
+            <a:br>
+              <a:rPr lang="en-US" altLang="zh-CN" sz="1800" dirty="0"/>
+            </a:br>
+            <a:r>
+              <a:rPr lang="en-US" altLang="zh-CN" sz="1800" dirty="0"/>
+              <a:t>$</a:t>
+            </a:r>
+            <a:r>
+              <a:rPr lang="en-US" altLang="zh-CN" sz="1800" dirty="0" err="1"/>
+              <a:t>rd</a:t>
+            </a:r>
+            <a:r>
+              <a:rPr lang="en-US" altLang="zh-CN" sz="1800" dirty="0"/>
+              <a:t>-&gt;append('test','</a:t>
+            </a:r>
+            <a:r>
+              <a:rPr lang="en-US" altLang="zh-CN" sz="1800" dirty="0" err="1"/>
+              <a:t>php</a:t>
+            </a:r>
+            <a:r>
+              <a:rPr lang="en-US" altLang="zh-CN" sz="1800" dirty="0"/>
+              <a:t>’);</a:t>
+            </a:r>
+            <a:br>
+              <a:rPr lang="en-US" altLang="zh-CN" sz="1800" dirty="0"/>
+            </a:br>
+            <a:endParaRPr lang="en-US" altLang="zh-CN" sz="1800" dirty="0"/>
+          </a:p>
+          <a:p>
+            <a:endParaRPr lang="en-US" altLang="zh-CN" sz="2000" dirty="0"/>
+          </a:p>
+        </p:txBody>
+      </p:sp>
     </p:spTree>
     <p:extLst>
       <p:ext uri="{BB962C8B-B14F-4D97-AF65-F5344CB8AC3E}">
@@ -6588,6 +6721,9 @@
             <a:endParaRPr lang="en-US" altLang="zh-CN" sz="1800" dirty="0"/>
           </a:p>
           <a:p>
+            <a:endParaRPr lang="en-US" altLang="zh-CN" sz="1800" dirty="0"/>
+          </a:p>
+          <a:p>
             <a:r>
               <a:rPr lang="zh-CN" altLang="en-US" sz="1800" dirty="0"/>
               <a:t>客户端运行</a:t>
@@ -6604,6 +6740,10 @@
               <a:rPr lang="zh-CN" altLang="en-US" sz="1800" dirty="0"/>
               <a:t>订阅给指定频道的信息。</a:t>
             </a:r>
+            <a:endParaRPr lang="en-US" altLang="zh-CN" sz="1800" dirty="0"/>
+          </a:p>
+          <a:p>
+            <a:endParaRPr lang="en-US" altLang="zh-CN" sz="1800" dirty="0"/>
           </a:p>
           <a:p>
             <a:r>
@@ -6612,6 +6752,9 @@
             </a:r>
           </a:p>
           <a:p>
+            <a:endParaRPr lang="en-US" altLang="zh-CN" sz="1800" dirty="0"/>
+          </a:p>
+          <a:p>
             <a:r>
               <a:rPr lang="zh-CN" altLang="en-US" sz="1800" dirty="0"/>
               <a:t>使用</a:t>
@@ -6621,9 +6764,83 @@
               <a:t>publish [ CHANNEL ] [ DATA ] </a:t>
             </a:r>
             <a:r>
-              <a:rPr lang="zh-CN" altLang="en-US" sz="1800"/>
+              <a:rPr lang="zh-CN" altLang="en-US" sz="1800" dirty="0"/>
               <a:t>向指定频道发布数据。</a:t>
             </a:r>
+            <a:endParaRPr lang="en-US" altLang="zh-CN" sz="1800" dirty="0"/>
+          </a:p>
+          <a:p>
+            <a:r>
+              <a:rPr lang="zh-CN" altLang="en-US" sz="1800" dirty="0"/>
+              <a:t>示例：</a:t>
+            </a:r>
+            <a:endParaRPr lang="en-US" altLang="zh-CN" sz="1800" dirty="0"/>
+          </a:p>
+          <a:p>
+            <a:pPr marL="457200" lvl="1" indent="0">
+              <a:buNone/>
+            </a:pPr>
+            <a:r>
+              <a:rPr lang="zh-CN" altLang="en-US" sz="1800" dirty="0"/>
+              <a:t>客户端</a:t>
+            </a:r>
+            <a:r>
+              <a:rPr lang="en-US" altLang="zh-CN" sz="1800" dirty="0"/>
+              <a:t>1</a:t>
+            </a:r>
+            <a:r>
+              <a:rPr lang="zh-CN" altLang="en-US" sz="1800" dirty="0"/>
+              <a:t>运行：</a:t>
+            </a:r>
+            <a:r>
+              <a:rPr lang="en-US" altLang="zh-CN" sz="1800" dirty="0"/>
+              <a:t>subscribe  chan1  chan2</a:t>
+            </a:r>
+          </a:p>
+          <a:p>
+            <a:pPr marL="457200" lvl="1" indent="0">
+              <a:buNone/>
+            </a:pPr>
+            <a:r>
+              <a:rPr lang="zh-CN" altLang="en-US" sz="1800" dirty="0"/>
+              <a:t>客户端</a:t>
+            </a:r>
+            <a:r>
+              <a:rPr lang="en-US" altLang="zh-CN" sz="1800" dirty="0"/>
+              <a:t>2</a:t>
+            </a:r>
+            <a:r>
+              <a:rPr lang="zh-CN" altLang="en-US" sz="1800" dirty="0"/>
+              <a:t>运行：</a:t>
+            </a:r>
+            <a:r>
+              <a:rPr lang="en-US" altLang="zh-CN" sz="1800" dirty="0"/>
+              <a:t>publish  chan1  ‘hello </a:t>
+            </a:r>
+            <a:r>
+              <a:rPr lang="en-US" altLang="zh-CN" sz="1800" dirty="0" err="1"/>
+              <a:t>php</a:t>
+            </a:r>
+            <a:r>
+              <a:rPr lang="en-US" altLang="zh-CN" sz="1800" dirty="0"/>
+              <a:t>’    ;   publish  chan2  ‘hello </a:t>
+            </a:r>
+            <a:r>
+              <a:rPr lang="en-US" altLang="zh-CN" sz="1800" dirty="0" err="1"/>
+              <a:t>redis</a:t>
+            </a:r>
+            <a:r>
+              <a:rPr lang="en-US" altLang="zh-CN" sz="1800" dirty="0"/>
+              <a:t>’</a:t>
+            </a:r>
+          </a:p>
+          <a:p>
+            <a:pPr marL="457200" lvl="1" indent="0">
+              <a:buNone/>
+            </a:pPr>
+            <a:endParaRPr lang="zh-CN" altLang="en-US" sz="1800" dirty="0"/>
+          </a:p>
+          <a:p>
             <a:endParaRPr lang="en-US" altLang="zh-CN" sz="1800" dirty="0"/>
           </a:p>
         </p:txBody>
@@ -6961,7 +7178,7 @@
             </a:r>
             <a:r>
               <a:rPr lang="zh-CN" altLang="en-US" dirty="0"/>
-              <a:t>编程运行</a:t>
+              <a:t>实现</a:t>
             </a:r>
             <a:r>
               <a:rPr lang="en-US" altLang="zh-CN" dirty="0"/>
@@ -7032,49 +7249,137 @@
             <a:endParaRPr lang="en-US" altLang="zh-CN" sz="2000" dirty="0"/>
           </a:p>
           <a:p>
+            <a:pPr marL="457200" lvl="1" indent="0">
+              <a:buNone/>
+            </a:pPr>
+            <a:endParaRPr lang="en-US" altLang="zh-CN" sz="1800" dirty="0"/>
+          </a:p>
+          <a:p>
+            <a:pPr marL="457200" lvl="1" indent="0">
+              <a:buNone/>
+            </a:pPr>
+            <a:r>
+              <a:rPr lang="en-US" altLang="zh-CN" sz="1800" dirty="0"/>
+              <a:t>&lt;?</a:t>
+            </a:r>
+            <a:r>
+              <a:rPr lang="en-US" altLang="zh-CN" sz="1800" dirty="0" err="1"/>
+              <a:t>php</a:t>
+            </a:r>
+            <a:endParaRPr lang="en-US" altLang="zh-CN" sz="1800" dirty="0"/>
+          </a:p>
+          <a:p>
+            <a:pPr marL="457200" lvl="1" indent="0">
+              <a:buNone/>
+            </a:pPr>
+            <a:r>
+              <a:rPr lang="en-US" altLang="zh-CN" sz="1800" dirty="0"/>
+              <a:t>$</a:t>
+            </a:r>
+            <a:r>
+              <a:rPr lang="en-US" altLang="zh-CN" sz="1800" dirty="0" err="1"/>
+              <a:t>rd</a:t>
+            </a:r>
+            <a:r>
+              <a:rPr lang="en-US" altLang="zh-CN" sz="1800" dirty="0"/>
+              <a:t> = new </a:t>
+            </a:r>
+            <a:r>
+              <a:rPr lang="en-US" altLang="zh-CN" sz="1800" dirty="0" err="1"/>
+              <a:t>Redis</a:t>
+            </a:r>
+            <a:r>
+              <a:rPr lang="en-US" altLang="zh-CN" sz="1800" dirty="0"/>
+              <a:t>();</a:t>
+            </a:r>
+            <a:br>
+              <a:rPr lang="en-US" altLang="zh-CN" sz="1800" dirty="0"/>
+            </a:br>
+            <a:br>
+              <a:rPr lang="en-US" altLang="zh-CN" sz="1800" dirty="0"/>
+            </a:br>
+            <a:r>
+              <a:rPr lang="en-US" altLang="zh-CN" sz="1800" dirty="0"/>
+              <a:t>$</a:t>
+            </a:r>
+            <a:r>
+              <a:rPr lang="en-US" altLang="zh-CN" sz="1800" dirty="0" err="1"/>
+              <a:t>rd</a:t>
+            </a:r>
+            <a:r>
+              <a:rPr lang="en-US" altLang="zh-CN" sz="1800" dirty="0"/>
+              <a:t>-&gt;connect('127.0.0.1',6379);</a:t>
+            </a:r>
+            <a:br>
+              <a:rPr lang="en-US" altLang="zh-CN" sz="1800" dirty="0"/>
+            </a:br>
+            <a:br>
+              <a:rPr lang="en-US" altLang="zh-CN" sz="1800" dirty="0"/>
+            </a:br>
+            <a:r>
+              <a:rPr lang="en-US" altLang="zh-CN" sz="1800" dirty="0"/>
+              <a:t>for ($</a:t>
+            </a:r>
+            <a:r>
+              <a:rPr lang="en-US" altLang="zh-CN" sz="1800" dirty="0" err="1"/>
+              <a:t>i</a:t>
+            </a:r>
+            <a:r>
+              <a:rPr lang="en-US" altLang="zh-CN" sz="1800" dirty="0"/>
+              <a:t>=0;$</a:t>
+            </a:r>
+            <a:r>
+              <a:rPr lang="en-US" altLang="zh-CN" sz="1800" dirty="0" err="1"/>
+              <a:t>i</a:t>
+            </a:r>
+            <a:r>
+              <a:rPr lang="en-US" altLang="zh-CN" sz="1800" dirty="0"/>
+              <a:t>&lt;10;$</a:t>
+            </a:r>
+            <a:r>
+              <a:rPr lang="en-US" altLang="zh-CN" sz="1800" dirty="0" err="1"/>
+              <a:t>i</a:t>
+            </a:r>
+            <a:r>
+              <a:rPr lang="en-US" altLang="zh-CN" sz="1800" dirty="0"/>
+              <a:t>++) {</a:t>
+            </a:r>
+            <a:br>
+              <a:rPr lang="en-US" altLang="zh-CN" sz="1800" dirty="0"/>
+            </a:br>
+            <a:r>
+              <a:rPr lang="en-US" altLang="zh-CN" sz="1800" dirty="0"/>
+              <a:t>    $</a:t>
+            </a:r>
+            <a:r>
+              <a:rPr lang="en-US" altLang="zh-CN" sz="1800" dirty="0" err="1"/>
+              <a:t>rd</a:t>
+            </a:r>
+            <a:r>
+              <a:rPr lang="en-US" altLang="zh-CN" sz="1800" dirty="0"/>
+              <a:t>-&gt;publish('redis_test',</a:t>
+            </a:r>
+            <a:r>
+              <a:rPr lang="en-US" altLang="zh-CN" sz="1800" dirty="0" err="1"/>
+              <a:t>mt_rand</a:t>
+            </a:r>
+            <a:r>
+              <a:rPr lang="en-US" altLang="zh-CN" sz="1800" dirty="0"/>
+              <a:t>(1000,10000));</a:t>
+            </a:r>
+            <a:br>
+              <a:rPr lang="en-US" altLang="zh-CN" sz="1800" dirty="0"/>
+            </a:br>
+            <a:r>
+              <a:rPr lang="en-US" altLang="zh-CN" sz="1800" dirty="0"/>
+              <a:t>}</a:t>
+            </a:r>
+          </a:p>
+          <a:p>
             <a:endParaRPr lang="en-US" altLang="zh-CN" sz="2000" dirty="0"/>
           </a:p>
-          <a:p>
-            <a:endParaRPr lang="en-US" altLang="zh-CN" sz="2000" dirty="0"/>
-          </a:p>
-        </p:txBody>
-      </p:sp>
-      <p:pic>
-        <p:nvPicPr>
-          <p:cNvPr id="5" name="图片 4">
-            <a:extLst>
-              <a:ext uri="{FF2B5EF4-FFF2-40B4-BE49-F238E27FC236}">
-                <a16:creationId xmlns:a16="http://schemas.microsoft.com/office/drawing/2014/main" id="{D3A21440-713D-476C-AC6A-39A104D2C438}"/>
-              </a:ext>
-            </a:extLst>
-          </p:cNvPr>
-          <p:cNvPicPr>
-            <a:picLocks noChangeAspect="1"/>
-          </p:cNvPicPr>
-          <p:nvPr/>
-        </p:nvPicPr>
-        <p:blipFill>
-          <a:blip r:embed="rId2">
-            <a:extLst>
-              <a:ext uri="{28A0092B-C50C-407E-A947-70E740481C1C}">
-                <a14:useLocalDpi xmlns:a14="http://schemas.microsoft.com/office/drawing/2010/main" val="0"/>
-              </a:ext>
-            </a:extLst>
-          </a:blip>
-          <a:stretch>
-            <a:fillRect/>
-          </a:stretch>
-        </p:blipFill>
-        <p:spPr>
-          <a:xfrm>
-            <a:off x="1160607" y="2166077"/>
-            <a:ext cx="8290560" cy="3307080"/>
-          </a:xfrm>
-          <a:prstGeom prst="rect">
-            <a:avLst/>
-          </a:prstGeom>
-        </p:spPr>
-      </p:pic>
+        </p:txBody>
+      </p:sp>
     </p:spTree>
     <p:extLst>
       <p:ext uri="{BB962C8B-B14F-4D97-AF65-F5344CB8AC3E}">
@@ -7137,7 +7442,7 @@
             </a:r>
             <a:r>
               <a:rPr lang="zh-CN" altLang="en-US" dirty="0"/>
-              <a:t>编程运行</a:t>
+              <a:t>实现</a:t>
             </a:r>
             <a:r>
               <a:rPr lang="en-US" altLang="zh-CN" dirty="0"/>
@@ -7171,7 +7476,7 @@
         </p:spPr>
         <p:txBody>
           <a:bodyPr>
-            <a:normAutofit fontScale="92500" lnSpcReduction="10000"/>
+            <a:normAutofit fontScale="92500" lnSpcReduction="20000"/>
           </a:bodyPr>
           <a:lstStyle/>
           <a:p>
@@ -7209,242 +7514,239 @@
               <a:buNone/>
             </a:pPr>
             <a:r>
-              <a:rPr lang="en-US" altLang="zh-CN" sz="1800" dirty="0"/>
+              <a:rPr lang="en-US" altLang="zh-CN" sz="1900" dirty="0"/>
               <a:t>function </a:t>
             </a:r>
             <a:r>
-              <a:rPr lang="en-US" altLang="zh-CN" sz="1800" dirty="0" err="1"/>
+              <a:rPr lang="en-US" altLang="zh-CN" sz="1900" dirty="0" err="1"/>
               <a:t>sub_handle</a:t>
             </a:r>
             <a:r>
-              <a:rPr lang="en-US" altLang="zh-CN" sz="1800" dirty="0"/>
+              <a:rPr lang="en-US" altLang="zh-CN" sz="1900" dirty="0"/>
               <a:t>($</a:t>
             </a:r>
             <a:r>
-              <a:rPr lang="en-US" altLang="zh-CN" sz="1800" dirty="0" err="1"/>
+              <a:rPr lang="en-US" altLang="zh-CN" sz="1900" dirty="0" err="1"/>
               <a:t>rd</a:t>
             </a:r>
             <a:r>
-              <a:rPr lang="en-US" altLang="zh-CN" sz="1800" dirty="0"/>
+              <a:rPr lang="en-US" altLang="zh-CN" sz="1900" dirty="0"/>
               <a:t>, $</a:t>
             </a:r>
             <a:r>
-              <a:rPr lang="en-US" altLang="zh-CN" sz="1800" dirty="0" err="1"/>
+              <a:rPr lang="en-US" altLang="zh-CN" sz="1900" dirty="0" err="1"/>
               <a:t>chan</a:t>
             </a:r>
             <a:r>
-              <a:rPr lang="en-US" altLang="zh-CN" sz="1800" dirty="0"/>
+              <a:rPr lang="en-US" altLang="zh-CN" sz="1900" dirty="0"/>
               <a:t>, $</a:t>
             </a:r>
             <a:r>
-              <a:rPr lang="en-US" altLang="zh-CN" sz="1800" dirty="0" err="1"/>
+              <a:rPr lang="en-US" altLang="zh-CN" sz="1900" dirty="0" err="1"/>
               <a:t>msg</a:t>
             </a:r>
             <a:r>
-              <a:rPr lang="en-US" altLang="zh-CN" sz="1800" dirty="0"/>
+              <a:rPr lang="en-US" altLang="zh-CN" sz="1900" dirty="0"/>
               <a:t>)</a:t>
             </a:r>
             <a:br>
-              <a:rPr lang="en-US" altLang="zh-CN" sz="1800" dirty="0"/>
+              <a:rPr lang="en-US" altLang="zh-CN" sz="1900" dirty="0"/>
             </a:br>
             <a:r>
-              <a:rPr lang="en-US" altLang="zh-CN" sz="1800" dirty="0"/>
+              <a:rPr lang="en-US" altLang="zh-CN" sz="1900" dirty="0"/>
               <a:t>{</a:t>
             </a:r>
             <a:br>
-              <a:rPr lang="en-US" altLang="zh-CN" sz="1800" dirty="0"/>
+              <a:rPr lang="en-US" altLang="zh-CN" sz="1900" dirty="0"/>
             </a:br>
             <a:r>
-              <a:rPr lang="en-US" altLang="zh-CN" sz="1800" dirty="0"/>
+              <a:rPr lang="en-US" altLang="zh-CN" sz="1900" dirty="0"/>
               <a:t>    switch ($</a:t>
             </a:r>
             <a:r>
-              <a:rPr lang="en-US" altLang="zh-CN" sz="1800" dirty="0" err="1"/>
+              <a:rPr lang="en-US" altLang="zh-CN" sz="1900" dirty="0" err="1"/>
               <a:t>chan</a:t>
             </a:r>
             <a:r>
-              <a:rPr lang="en-US" altLang="zh-CN" sz="1800" dirty="0"/>
+              <a:rPr lang="en-US" altLang="zh-CN" sz="1900" dirty="0"/>
               <a:t>)  {</a:t>
             </a:r>
             <a:br>
-              <a:rPr lang="en-US" altLang="zh-CN" sz="1800" dirty="0"/>
+              <a:rPr lang="en-US" altLang="zh-CN" sz="1900" dirty="0"/>
             </a:br>
             <a:r>
-              <a:rPr lang="en-US" altLang="zh-CN" sz="1800" dirty="0"/>
+              <a:rPr lang="en-US" altLang="zh-CN" sz="1900" dirty="0"/>
               <a:t>        case 'chan1':</a:t>
             </a:r>
             <a:br>
-              <a:rPr lang="en-US" altLang="zh-CN" sz="1800" dirty="0"/>
+              <a:rPr lang="en-US" altLang="zh-CN" sz="1900" dirty="0"/>
             </a:br>
             <a:r>
-              <a:rPr lang="en-US" altLang="zh-CN" sz="1800" dirty="0"/>
+              <a:rPr lang="en-US" altLang="zh-CN" sz="1900" dirty="0"/>
               <a:t>            echo "chan1: $</a:t>
             </a:r>
             <a:r>
-              <a:rPr lang="en-US" altLang="zh-CN" sz="1800" dirty="0" err="1"/>
+              <a:rPr lang="en-US" altLang="zh-CN" sz="1900" dirty="0" err="1"/>
               <a:t>msg</a:t>
             </a:r>
             <a:r>
-              <a:rPr lang="en-US" altLang="zh-CN" sz="1800" dirty="0"/>
+              <a:rPr lang="en-US" altLang="zh-CN" sz="1900" dirty="0"/>
               <a:t>\n";</a:t>
             </a:r>
             <a:br>
-              <a:rPr lang="en-US" altLang="zh-CN" sz="1800" dirty="0"/>
+              <a:rPr lang="en-US" altLang="zh-CN" sz="1900" dirty="0"/>
             </a:br>
             <a:r>
-              <a:rPr lang="en-US" altLang="zh-CN" sz="1800" dirty="0"/>
+              <a:rPr lang="en-US" altLang="zh-CN" sz="1900" dirty="0"/>
               <a:t>            break;</a:t>
             </a:r>
             <a:br>
-              <a:rPr lang="en-US" altLang="zh-CN" sz="1800" dirty="0"/>
+              <a:rPr lang="en-US" altLang="zh-CN" sz="1900" dirty="0"/>
             </a:br>
             <a:r>
-              <a:rPr lang="en-US" altLang="zh-CN" sz="1800" dirty="0"/>
+              <a:rPr lang="en-US" altLang="zh-CN" sz="1900" dirty="0"/>
               <a:t>        case 'chan2':</a:t>
             </a:r>
             <a:br>
-              <a:rPr lang="en-US" altLang="zh-CN" sz="1800" dirty="0"/>
+              <a:rPr lang="en-US" altLang="zh-CN" sz="1900" dirty="0"/>
             </a:br>
             <a:r>
-              <a:rPr lang="en-US" altLang="zh-CN" sz="1800" dirty="0"/>
+              <a:rPr lang="en-US" altLang="zh-CN" sz="1900" dirty="0"/>
               <a:t>            echo "chan2: $</a:t>
             </a:r>
             <a:r>
-              <a:rPr lang="en-US" altLang="zh-CN" sz="1800" dirty="0" err="1"/>
+              <a:rPr lang="en-US" altLang="zh-CN" sz="1900" dirty="0" err="1"/>
               <a:t>msg</a:t>
             </a:r>
             <a:r>
-              <a:rPr lang="en-US" altLang="zh-CN" sz="1800" dirty="0"/>
+              <a:rPr lang="en-US" altLang="zh-CN" sz="1900" dirty="0"/>
               <a:t>\n";</a:t>
             </a:r>
             <a:br>
-              <a:rPr lang="en-US" altLang="zh-CN" sz="1800" dirty="0"/>
+              <a:rPr lang="en-US" altLang="zh-CN" sz="1900" dirty="0"/>
             </a:br>
             <a:r>
-              <a:rPr lang="en-US" altLang="zh-CN" sz="1800" dirty="0"/>
+              <a:rPr lang="en-US" altLang="zh-CN" sz="1900" dirty="0"/>
               <a:t>            break;</a:t>
             </a:r>
             <a:br>
-              <a:rPr lang="en-US" altLang="zh-CN" sz="1800" dirty="0"/>
+              <a:rPr lang="en-US" altLang="zh-CN" sz="1900" dirty="0"/>
             </a:br>
             <a:r>
-              <a:rPr lang="en-US" altLang="zh-CN" sz="1800" dirty="0"/>
+              <a:rPr lang="en-US" altLang="zh-CN" sz="1900" dirty="0"/>
               <a:t>        case 'chan3':</a:t>
             </a:r>
             <a:br>
-              <a:rPr lang="en-US" altLang="zh-CN" sz="1800" dirty="0"/>
+              <a:rPr lang="en-US" altLang="zh-CN" sz="1900" dirty="0"/>
             </a:br>
             <a:r>
-              <a:rPr lang="en-US" altLang="zh-CN" sz="1800" dirty="0"/>
+              <a:rPr lang="en-US" altLang="zh-CN" sz="1900" dirty="0"/>
               <a:t>            echo "chan3: $</a:t>
             </a:r>
             <a:r>
-              <a:rPr lang="en-US" altLang="zh-CN" sz="1800" dirty="0" err="1"/>
+              <a:rPr lang="en-US" altLang="zh-CN" sz="1900" dirty="0" err="1"/>
               <a:t>msg</a:t>
             </a:r>
             <a:r>
-              <a:rPr lang="en-US" altLang="zh-CN" sz="1800" dirty="0"/>
+              <a:rPr lang="en-US" altLang="zh-CN" sz="1900" dirty="0"/>
               <a:t>\n";</a:t>
             </a:r>
             <a:br>
-              <a:rPr lang="en-US" altLang="zh-CN" sz="1800" dirty="0"/>
+              <a:rPr lang="en-US" altLang="zh-CN" sz="1900" dirty="0"/>
             </a:br>
             <a:r>
-              <a:rPr lang="en-US" altLang="zh-CN" sz="1800" dirty="0"/>
+              <a:rPr lang="en-US" altLang="zh-CN" sz="1900" dirty="0"/>
               <a:t>            break;</a:t>
             </a:r>
             <a:br>
-              <a:rPr lang="en-US" altLang="zh-CN" sz="1800" dirty="0"/>
+              <a:rPr lang="en-US" altLang="zh-CN" sz="1900" dirty="0"/>
             </a:br>
             <a:r>
-              <a:rPr lang="en-US" altLang="zh-CN" sz="1800" dirty="0"/>
+              <a:rPr lang="en-US" altLang="zh-CN" sz="1900" dirty="0"/>
               <a:t>        default:;</a:t>
             </a:r>
             <a:br>
-              <a:rPr lang="en-US" altLang="zh-CN" sz="1800" dirty="0"/>
+              <a:rPr lang="en-US" altLang="zh-CN" sz="1900" dirty="0"/>
             </a:br>
             <a:r>
-              <a:rPr lang="en-US" altLang="zh-CN" sz="1800" dirty="0"/>
+              <a:rPr lang="en-US" altLang="zh-CN" sz="1900" dirty="0"/>
               <a:t>    }</a:t>
             </a:r>
             <a:br>
-              <a:rPr lang="en-US" altLang="zh-CN" sz="1800" dirty="0"/>
+              <a:rPr lang="en-US" altLang="zh-CN" sz="1900" dirty="0"/>
             </a:br>
             <a:r>
-              <a:rPr lang="en-US" altLang="zh-CN" sz="1800" dirty="0"/>
+              <a:rPr lang="en-US" altLang="zh-CN" sz="1900" dirty="0"/>
               <a:t>}</a:t>
             </a:r>
             <a:br>
-              <a:rPr lang="en-US" altLang="zh-CN" sz="1800" dirty="0"/>
+              <a:rPr lang="en-US" altLang="zh-CN" sz="1900" dirty="0"/>
             </a:br>
             <a:br>
-              <a:rPr lang="en-US" altLang="zh-CN" sz="1800" dirty="0"/>
+              <a:rPr lang="en-US" altLang="zh-CN" sz="1900" dirty="0"/>
             </a:br>
             <a:r>
-              <a:rPr lang="en-US" altLang="zh-CN" sz="1800" dirty="0"/>
+              <a:rPr lang="en-US" altLang="zh-CN" sz="1900" dirty="0"/>
               <a:t>$</a:t>
             </a:r>
             <a:r>
-              <a:rPr lang="en-US" altLang="zh-CN" sz="1800" dirty="0" err="1"/>
+              <a:rPr lang="en-US" altLang="zh-CN" sz="1900" dirty="0" err="1"/>
               <a:t>rd</a:t>
             </a:r>
             <a:r>
-              <a:rPr lang="en-US" altLang="zh-CN" sz="1800" dirty="0"/>
+              <a:rPr lang="en-US" altLang="zh-CN" sz="1900" dirty="0"/>
               <a:t> = new </a:t>
             </a:r>
             <a:r>
-              <a:rPr lang="en-US" altLang="zh-CN" sz="1800" dirty="0" err="1"/>
+              <a:rPr lang="en-US" altLang="zh-CN" sz="1900" dirty="0" err="1"/>
               <a:t>Redis</a:t>
             </a:r>
             <a:r>
-              <a:rPr lang="en-US" altLang="zh-CN" sz="1800" dirty="0"/>
+              <a:rPr lang="en-US" altLang="zh-CN" sz="1900" dirty="0"/>
               <a:t>();</a:t>
             </a:r>
             <a:br>
-              <a:rPr lang="en-US" altLang="zh-CN" sz="1800" dirty="0"/>
+              <a:rPr lang="en-US" altLang="zh-CN" sz="1900" dirty="0"/>
             </a:br>
             <a:r>
-              <a:rPr lang="en-US" altLang="zh-CN" sz="1800" dirty="0"/>
+              <a:rPr lang="en-US" altLang="zh-CN" sz="1900" dirty="0"/>
               <a:t>$</a:t>
             </a:r>
             <a:r>
-              <a:rPr lang="en-US" altLang="zh-CN" sz="1800" dirty="0" err="1"/>
+              <a:rPr lang="en-US" altLang="zh-CN" sz="1900" dirty="0" err="1"/>
               <a:t>rd</a:t>
             </a:r>
             <a:r>
-              <a:rPr lang="en-US" altLang="zh-CN" sz="1800" dirty="0"/>
+              <a:rPr lang="en-US" altLang="zh-CN" sz="1900" dirty="0"/>
               <a:t>-&gt;connect('127.0.0.1',6379);</a:t>
             </a:r>
             <a:br>
-              <a:rPr lang="en-US" altLang="zh-CN" sz="1800" dirty="0"/>
+              <a:rPr lang="en-US" altLang="zh-CN" sz="1900" dirty="0"/>
             </a:br>
             <a:r>
-              <a:rPr lang="en-US" altLang="zh-CN" sz="1800" dirty="0"/>
+              <a:rPr lang="en-US" altLang="zh-CN" sz="1900" dirty="0"/>
               <a:t>$</a:t>
             </a:r>
             <a:r>
-              <a:rPr lang="en-US" altLang="zh-CN" sz="1800" dirty="0" err="1"/>
+              <a:rPr lang="en-US" altLang="zh-CN" sz="1900" dirty="0" err="1"/>
               <a:t>rd</a:t>
             </a:r>
             <a:r>
-              <a:rPr lang="en-US" altLang="zh-CN" sz="1800" dirty="0"/>
+              <a:rPr lang="en-US" altLang="zh-CN" sz="1900" dirty="0"/>
               <a:t>-&gt;subscribe(['chan1','chan2','chan3'], '</a:t>
             </a:r>
             <a:r>
-              <a:rPr lang="en-US" altLang="zh-CN" sz="1800" dirty="0" err="1"/>
+              <a:rPr lang="en-US" altLang="zh-CN" sz="1900" dirty="0" err="1"/>
               <a:t>sub_handle</a:t>
             </a:r>
             <a:r>
-              <a:rPr lang="en-US" altLang="zh-CN" sz="1800" dirty="0"/>
+              <a:rPr lang="en-US" altLang="zh-CN" sz="1900" dirty="0"/>
               <a:t>');</a:t>
             </a:r>
             <a:br>
               <a:rPr lang="en-US" altLang="zh-CN" sz="1800" dirty="0"/>
             </a:br>
             <a:endParaRPr lang="en-US" altLang="zh-CN" sz="1800" dirty="0"/>
-          </a:p>
-          <a:p>
-            <a:endParaRPr lang="en-US" altLang="zh-CN" sz="2000" dirty="0"/>
           </a:p>
         </p:txBody>
       </p:sp>
@@ -7452,6 +7754,270 @@
     <p:extLst>
       <p:ext uri="{BB962C8B-B14F-4D97-AF65-F5344CB8AC3E}">
         <p14:creationId xmlns:p14="http://schemas.microsoft.com/office/powerpoint/2010/main" val="576774575"/>
+      </p:ext>
+    </p:extLst>
+  </p:cSld>
+  <p:clrMapOvr>
+    <a:masterClrMapping/>
+  </p:clrMapOvr>
+</p:sld>
+</file>
+
+<file path=ppt/slides/slide22.xml><?xml version="1.0" encoding="utf-8"?>
+<p:sld xmlns:a="http://schemas.openxmlformats.org/drawingml/2006/main" xmlns:r="http://schemas.openxmlformats.org/officeDocument/2006/relationships" xmlns:p="http://schemas.openxmlformats.org/presentationml/2006/main">
+  <p:cSld>
+    <p:spTree>
+      <p:nvGrpSpPr>
+        <p:cNvPr id="1" name=""/>
+        <p:cNvGrpSpPr/>
+        <p:nvPr/>
+      </p:nvGrpSpPr>
+      <p:grpSpPr>
+        <a:xfrm>
+          <a:off x="0" y="0"/>
+          <a:ext cx="0" cy="0"/>
+          <a:chOff x="0" y="0"/>
+          <a:chExt cx="0" cy="0"/>
+        </a:xfrm>
+      </p:grpSpPr>
+      <p:sp>
+        <p:nvSpPr>
+          <p:cNvPr id="4" name="标题 3">
+            <a:extLst>
+              <a:ext uri="{FF2B5EF4-FFF2-40B4-BE49-F238E27FC236}">
+                <a16:creationId xmlns:a16="http://schemas.microsoft.com/office/drawing/2014/main" id="{2729939D-814A-4BD2-9922-3F8EA865938B}"/>
+              </a:ext>
+            </a:extLst>
+          </p:cNvPr>
+          <p:cNvSpPr>
+            <a:spLocks noGrp="1"/>
+          </p:cNvSpPr>
+          <p:nvPr>
+            <p:ph type="title"/>
+          </p:nvPr>
+        </p:nvSpPr>
+        <p:spPr>
+          <a:xfrm>
+            <a:off x="838200" y="683581"/>
+            <a:ext cx="10515600" cy="736846"/>
+          </a:xfrm>
+        </p:spPr>
+        <p:txBody>
+          <a:bodyPr/>
+          <a:lstStyle/>
+          <a:p>
+            <a:r>
+              <a:rPr lang="en-US" altLang="zh-CN" dirty="0"/>
+              <a:t>SUBSCRIBE</a:t>
+            </a:r>
+            <a:r>
+              <a:rPr lang="zh-CN" altLang="en-US" dirty="0"/>
+              <a:t>超时</a:t>
+            </a:r>
+          </a:p>
+        </p:txBody>
+      </p:sp>
+      <p:sp>
+        <p:nvSpPr>
+          <p:cNvPr id="3" name="内容占位符 2">
+            <a:extLst>
+              <a:ext uri="{FF2B5EF4-FFF2-40B4-BE49-F238E27FC236}">
+                <a16:creationId xmlns:a16="http://schemas.microsoft.com/office/drawing/2014/main" id="{96EE1DBA-F015-4E13-B948-F2CA77768E06}"/>
+              </a:ext>
+            </a:extLst>
+          </p:cNvPr>
+          <p:cNvSpPr>
+            <a:spLocks noGrp="1"/>
+          </p:cNvSpPr>
+          <p:nvPr>
+            <p:ph idx="1"/>
+          </p:nvPr>
+        </p:nvSpPr>
+        <p:spPr>
+          <a:xfrm>
+            <a:off x="838200" y="1656500"/>
+            <a:ext cx="10515600" cy="5037263"/>
+          </a:xfrm>
+        </p:spPr>
+        <p:txBody>
+          <a:bodyPr>
+            <a:normAutofit/>
+          </a:bodyPr>
+          <a:lstStyle/>
+          <a:p>
+            <a:r>
+              <a:rPr lang="zh-CN" altLang="en-US" sz="2000" dirty="0"/>
+              <a:t>使用</a:t>
+            </a:r>
+            <a:r>
+              <a:rPr lang="en-US" altLang="zh-CN" sz="2000" dirty="0"/>
+              <a:t>$</a:t>
+            </a:r>
+            <a:r>
+              <a:rPr lang="en-US" altLang="zh-CN" sz="2000" dirty="0" err="1"/>
+              <a:t>redis</a:t>
+            </a:r>
+            <a:r>
+              <a:rPr lang="en-US" altLang="zh-CN" sz="2000" dirty="0"/>
+              <a:t>-&gt;subscribe</a:t>
+            </a:r>
+            <a:r>
+              <a:rPr lang="zh-CN" altLang="en-US" sz="2000" dirty="0"/>
+              <a:t>方法，如果没有数据到达，默认会</a:t>
+            </a:r>
+            <a:r>
+              <a:rPr lang="en-US" altLang="zh-CN" sz="2000" dirty="0"/>
+              <a:t>60s</a:t>
+            </a:r>
+            <a:r>
+              <a:rPr lang="zh-CN" altLang="en-US" sz="2000" dirty="0"/>
+              <a:t>超时。如果需要长期运行则需要进行超时设置。</a:t>
+            </a:r>
+            <a:endParaRPr lang="en-US" altLang="zh-CN" sz="2000" dirty="0"/>
+          </a:p>
+          <a:p>
+            <a:endParaRPr lang="en-US" altLang="zh-CN" sz="2000" dirty="0"/>
+          </a:p>
+          <a:p>
+            <a:r>
+              <a:rPr lang="zh-CN" altLang="en-US" sz="2000" dirty="0"/>
+              <a:t>代码示例：</a:t>
+            </a:r>
+            <a:endParaRPr lang="en-US" altLang="zh-CN" sz="2000" dirty="0"/>
+          </a:p>
+          <a:p>
+            <a:pPr marL="457200" lvl="1" indent="0">
+              <a:buNone/>
+            </a:pPr>
+            <a:br>
+              <a:rPr lang="en-US" altLang="zh-CN" sz="1900" dirty="0"/>
+            </a:br>
+            <a:r>
+              <a:rPr lang="en-US" altLang="zh-CN" sz="1900" dirty="0"/>
+              <a:t>$</a:t>
+            </a:r>
+            <a:r>
+              <a:rPr lang="en-US" altLang="zh-CN" sz="1900" dirty="0" err="1"/>
+              <a:t>rd</a:t>
+            </a:r>
+            <a:r>
+              <a:rPr lang="en-US" altLang="zh-CN" sz="1900" dirty="0"/>
+              <a:t> = new </a:t>
+            </a:r>
+            <a:r>
+              <a:rPr lang="en-US" altLang="zh-CN" sz="1900" dirty="0" err="1"/>
+              <a:t>Redis</a:t>
+            </a:r>
+            <a:r>
+              <a:rPr lang="en-US" altLang="zh-CN" sz="1900" dirty="0"/>
+              <a:t>();</a:t>
+            </a:r>
+            <a:br>
+              <a:rPr lang="en-US" altLang="zh-CN" sz="1900" dirty="0"/>
+            </a:br>
+            <a:r>
+              <a:rPr lang="en-US" altLang="zh-CN" sz="1900" dirty="0"/>
+              <a:t>$</a:t>
+            </a:r>
+            <a:r>
+              <a:rPr lang="en-US" altLang="zh-CN" sz="1900" dirty="0" err="1"/>
+              <a:t>rd</a:t>
+            </a:r>
+            <a:r>
+              <a:rPr lang="en-US" altLang="zh-CN" sz="1900" dirty="0"/>
+              <a:t>-&gt;</a:t>
+            </a:r>
+            <a:r>
+              <a:rPr lang="en-US" altLang="zh-CN" sz="1900" dirty="0" err="1"/>
+              <a:t>pconnect</a:t>
+            </a:r>
+            <a:r>
+              <a:rPr lang="en-US" altLang="zh-CN" sz="1900" dirty="0"/>
+              <a:t>(‘127.0.0.1’,6379);  </a:t>
+            </a:r>
+          </a:p>
+          <a:p>
+            <a:pPr marL="457200" lvl="1" indent="0">
+              <a:buNone/>
+            </a:pPr>
+            <a:endParaRPr lang="en-US" altLang="zh-CN" sz="1900" dirty="0"/>
+          </a:p>
+          <a:p>
+            <a:pPr marL="457200" lvl="1" indent="0">
+              <a:buNone/>
+            </a:pPr>
+            <a:r>
+              <a:rPr lang="en-US" altLang="zh-CN" sz="1900" dirty="0"/>
+              <a:t>$</a:t>
+            </a:r>
+            <a:r>
+              <a:rPr lang="en-US" altLang="zh-CN" sz="1900" dirty="0" err="1"/>
+              <a:t>rd</a:t>
+            </a:r>
+            <a:r>
+              <a:rPr lang="en-US" altLang="zh-CN" sz="1900" dirty="0"/>
+              <a:t>-&gt;</a:t>
+            </a:r>
+            <a:r>
+              <a:rPr lang="en-US" altLang="zh-CN" sz="1900" dirty="0" err="1"/>
+              <a:t>setOption</a:t>
+            </a:r>
+            <a:r>
+              <a:rPr lang="en-US" altLang="zh-CN" sz="1900" dirty="0"/>
+              <a:t>(</a:t>
+            </a:r>
+            <a:r>
+              <a:rPr lang="en-US" altLang="zh-CN" sz="1900" dirty="0" err="1"/>
+              <a:t>Redis</a:t>
+            </a:r>
+            <a:r>
+              <a:rPr lang="en-US" altLang="zh-CN" sz="1900" dirty="0"/>
+              <a:t>::OPT_READ_TIMEOUT, -1); //</a:t>
+            </a:r>
+            <a:r>
+              <a:rPr lang="zh-CN" altLang="en-US" sz="1900"/>
+              <a:t>超时设置</a:t>
+            </a:r>
+            <a:endParaRPr lang="en-US" altLang="zh-CN" sz="1900" dirty="0"/>
+          </a:p>
+          <a:p>
+            <a:pPr marL="457200" lvl="1" indent="0">
+              <a:buNone/>
+            </a:pPr>
+            <a:br>
+              <a:rPr lang="en-US" altLang="zh-CN" sz="1900" dirty="0"/>
+            </a:br>
+            <a:r>
+              <a:rPr lang="en-US" altLang="zh-CN" sz="1900" dirty="0"/>
+              <a:t>$</a:t>
+            </a:r>
+            <a:r>
+              <a:rPr lang="en-US" altLang="zh-CN" sz="1900" dirty="0" err="1"/>
+              <a:t>rd</a:t>
+            </a:r>
+            <a:r>
+              <a:rPr lang="en-US" altLang="zh-CN" sz="1900" dirty="0"/>
+              <a:t>-&gt;subscribe(['chan1','chan2','chan3'], '</a:t>
+            </a:r>
+            <a:r>
+              <a:rPr lang="en-US" altLang="zh-CN" sz="1900" dirty="0" err="1"/>
+              <a:t>sub_handle</a:t>
+            </a:r>
+            <a:r>
+              <a:rPr lang="en-US" altLang="zh-CN" sz="1900" dirty="0"/>
+              <a:t>');</a:t>
+            </a:r>
+            <a:br>
+              <a:rPr lang="en-US" altLang="zh-CN" sz="1800" dirty="0"/>
+            </a:br>
+            <a:endParaRPr lang="en-US" altLang="zh-CN" sz="1800" dirty="0"/>
+          </a:p>
+        </p:txBody>
+      </p:sp>
+    </p:spTree>
+    <p:extLst>
+      <p:ext uri="{BB962C8B-B14F-4D97-AF65-F5344CB8AC3E}">
+        <p14:creationId xmlns:p14="http://schemas.microsoft.com/office/powerpoint/2010/main" val="3323311257"/>
       </p:ext>
     </p:extLst>
   </p:cSld>
@@ -7745,6 +8311,13 @@
             <a:endParaRPr lang="en-US" altLang="zh-CN" sz="1800" dirty="0"/>
           </a:p>
           <a:p>
+            <a:endParaRPr lang="en-US" altLang="zh-CN" sz="1800" dirty="0"/>
+          </a:p>
+          <a:p>
+            <a:r>
+              <a:rPr lang="zh-CN" altLang="en-US" sz="1800" dirty="0"/>
+              <a:t>消息队列先进先出，数据被读取后，便不再保存。继续读取是下一条信息。</a:t>
+            </a:r>
             <a:endParaRPr lang="en-US" altLang="zh-CN" sz="1800" dirty="0"/>
           </a:p>
           <a:p>

--- a/materials/slides/ch07-message-queue.pptx
+++ b/materials/slides/ch07-message-queue.pptx
@@ -236,7 +236,7 @@
           <a:p>
             <a:fld id="{E923E828-953C-4D4A-9B10-11E7329F433D}" type="datetimeFigureOut">
               <a:rPr lang="zh-CN" altLang="en-US" smtClean="0"/>
-              <a:t>2018/2/28</a:t>
+              <a:t>2018/3/1</a:t>
             </a:fld>
             <a:endParaRPr lang="zh-CN" altLang="en-US"/>
           </a:p>
@@ -417,7 +417,7 @@
           <a:p>
             <a:fld id="{867C5346-22E5-4085-8130-851344A84DFF}" type="datetimeFigureOut">
               <a:rPr lang="zh-CN" altLang="en-US" smtClean="0"/>
-              <a:t>2018/2/28</a:t>
+              <a:t>2018/3/1</a:t>
             </a:fld>
             <a:endParaRPr lang="zh-CN" altLang="en-US"/>
           </a:p>
@@ -843,7 +843,7 @@
           <a:p>
             <a:fld id="{A5E21016-498F-4141-B0CA-D95A38CA7D62}" type="datetimeFigureOut">
               <a:rPr lang="zh-CN" altLang="en-US" smtClean="0"/>
-              <a:t>2018/2/28</a:t>
+              <a:t>2018/3/1</a:t>
             </a:fld>
             <a:endParaRPr lang="zh-CN" altLang="en-US"/>
           </a:p>
@@ -1073,7 +1073,7 @@
           <a:p>
             <a:fld id="{A5E21016-498F-4141-B0CA-D95A38CA7D62}" type="datetimeFigureOut">
               <a:rPr lang="zh-CN" altLang="en-US" smtClean="0"/>
-              <a:t>2018/2/28</a:t>
+              <a:t>2018/3/1</a:t>
             </a:fld>
             <a:endParaRPr lang="zh-CN" altLang="en-US"/>
           </a:p>
@@ -1308,7 +1308,7 @@
           <a:p>
             <a:fld id="{A5E21016-498F-4141-B0CA-D95A38CA7D62}" type="datetimeFigureOut">
               <a:rPr lang="zh-CN" altLang="en-US" smtClean="0"/>
-              <a:t>2018/2/28</a:t>
+              <a:t>2018/3/1</a:t>
             </a:fld>
             <a:endParaRPr lang="zh-CN" altLang="en-US"/>
           </a:p>
@@ -1870,7 +1870,7 @@
           <a:p>
             <a:fld id="{A5E21016-498F-4141-B0CA-D95A38CA7D62}" type="datetimeFigureOut">
               <a:rPr lang="zh-CN" altLang="en-US" smtClean="0"/>
-              <a:t>2018/2/28</a:t>
+              <a:t>2018/3/1</a:t>
             </a:fld>
             <a:endParaRPr lang="zh-CN" altLang="en-US"/>
           </a:p>
@@ -2167,7 +2167,7 @@
           <a:p>
             <a:fld id="{A5E21016-498F-4141-B0CA-D95A38CA7D62}" type="datetimeFigureOut">
               <a:rPr lang="zh-CN" altLang="en-US" smtClean="0"/>
-              <a:t>2018/2/28</a:t>
+              <a:t>2018/3/1</a:t>
             </a:fld>
             <a:endParaRPr lang="zh-CN" altLang="en-US"/>
           </a:p>
@@ -2606,7 +2606,7 @@
           <a:p>
             <a:fld id="{A5E21016-498F-4141-B0CA-D95A38CA7D62}" type="datetimeFigureOut">
               <a:rPr lang="zh-CN" altLang="en-US" smtClean="0"/>
-              <a:t>2018/2/28</a:t>
+              <a:t>2018/3/1</a:t>
             </a:fld>
             <a:endParaRPr lang="zh-CN" altLang="en-US"/>
           </a:p>
@@ -2779,7 +2779,7 @@
           <a:p>
             <a:fld id="{A5E21016-498F-4141-B0CA-D95A38CA7D62}" type="datetimeFigureOut">
               <a:rPr lang="zh-CN" altLang="en-US" smtClean="0"/>
-              <a:t>2018/2/28</a:t>
+              <a:t>2018/3/1</a:t>
             </a:fld>
             <a:endParaRPr lang="zh-CN" altLang="en-US"/>
           </a:p>
@@ -2916,7 +2916,7 @@
           <a:p>
             <a:fld id="{A5E21016-498F-4141-B0CA-D95A38CA7D62}" type="datetimeFigureOut">
               <a:rPr lang="zh-CN" altLang="en-US" smtClean="0"/>
-              <a:t>2018/2/28</a:t>
+              <a:t>2018/3/1</a:t>
             </a:fld>
             <a:endParaRPr lang="zh-CN" altLang="en-US"/>
           </a:p>
@@ -3254,7 +3254,7 @@
           <a:p>
             <a:fld id="{A5E21016-498F-4141-B0CA-D95A38CA7D62}" type="datetimeFigureOut">
               <a:rPr lang="zh-CN" altLang="en-US" smtClean="0"/>
-              <a:t>2018/2/28</a:t>
+              <a:t>2018/3/1</a:t>
             </a:fld>
             <a:endParaRPr lang="zh-CN" altLang="en-US"/>
           </a:p>
@@ -3569,7 +3569,7 @@
           <a:p>
             <a:fld id="{A5E21016-498F-4141-B0CA-D95A38CA7D62}" type="datetimeFigureOut">
               <a:rPr lang="zh-CN" altLang="en-US" smtClean="0"/>
-              <a:t>2018/2/28</a:t>
+              <a:t>2018/3/1</a:t>
             </a:fld>
             <a:endParaRPr lang="zh-CN" altLang="en-US"/>
           </a:p>
@@ -4168,7 +4168,7 @@
         <p:spPr>
           <a:xfrm>
             <a:off x="672483" y="1012055"/>
-            <a:ext cx="10847034" cy="5170646"/>
+            <a:ext cx="10847034" cy="4893647"/>
           </a:xfrm>
           <a:prstGeom prst="rect">
             <a:avLst/>
@@ -4183,11 +4183,19 @@
           <a:p>
             <a:r>
               <a:rPr lang="en-US" altLang="zh-CN" sz="3200" dirty="0"/>
+              <a:t>Linux</a:t>
+            </a:r>
+            <a:r>
+              <a:rPr lang="zh-CN" altLang="en-US" sz="3200" dirty="0"/>
+              <a:t>平台</a:t>
+            </a:r>
+            <a:r>
+              <a:rPr lang="en-US" altLang="zh-CN" sz="3200" dirty="0"/>
               <a:t>PHP</a:t>
             </a:r>
             <a:r>
               <a:rPr lang="zh-CN" altLang="en-US" sz="3200" dirty="0"/>
-              <a:t>底层开发 </a:t>
+              <a:t>服务端开发</a:t>
             </a:r>
             <a:r>
               <a:rPr lang="en-US" altLang="zh-CN" sz="3200" dirty="0"/>
@@ -4208,73 +4216,47 @@
           </a:p>
           <a:p>
             <a:pPr algn="ctr"/>
-            <a:r>
-              <a:rPr lang="en-US" altLang="zh-CN" dirty="0">
-                <a:solidFill>
-                  <a:schemeClr val="tx1">
-                    <a:lumMod val="50000"/>
-                    <a:lumOff val="50000"/>
-                  </a:schemeClr>
-                </a:solidFill>
-              </a:rPr>
-              <a:t>1  0  0  1</a:t>
-            </a:r>
+            <a:endParaRPr lang="en-US" altLang="zh-CN" dirty="0">
+              <a:solidFill>
+                <a:schemeClr val="tx1">
+                  <a:lumMod val="50000"/>
+                  <a:lumOff val="50000"/>
+                </a:schemeClr>
+              </a:solidFill>
+            </a:endParaRPr>
           </a:p>
           <a:p>
             <a:pPr algn="ctr"/>
-            <a:r>
-              <a:rPr lang="en-US" altLang="zh-CN" dirty="0">
-                <a:solidFill>
-                  <a:schemeClr val="tx1">
-                    <a:lumMod val="50000"/>
-                    <a:lumOff val="50000"/>
-                  </a:schemeClr>
-                </a:solidFill>
-              </a:rPr>
-              <a:t>0  1  1  0</a:t>
-            </a:r>
+            <a:endParaRPr lang="en-US" altLang="zh-CN" dirty="0">
+              <a:solidFill>
+                <a:schemeClr val="tx1">
+                  <a:lumMod val="50000"/>
+                  <a:lumOff val="50000"/>
+                </a:schemeClr>
+              </a:solidFill>
+            </a:endParaRPr>
           </a:p>
           <a:p>
             <a:pPr algn="ctr"/>
-            <a:r>
-              <a:rPr lang="en-US" altLang="zh-CN" dirty="0">
-                <a:solidFill>
-                  <a:schemeClr val="tx1">
-                    <a:lumMod val="50000"/>
-                    <a:lumOff val="50000"/>
-                  </a:schemeClr>
-                </a:solidFill>
-              </a:rPr>
-              <a:t>1  0  0  1</a:t>
-            </a:r>
+            <a:endParaRPr lang="en-US" altLang="zh-CN" dirty="0">
+              <a:solidFill>
+                <a:schemeClr val="tx1">
+                  <a:lumMod val="50000"/>
+                  <a:lumOff val="50000"/>
+                </a:schemeClr>
+              </a:solidFill>
+            </a:endParaRPr>
           </a:p>
           <a:p>
             <a:pPr algn="ctr"/>
-            <a:r>
-              <a:rPr lang="en-US" altLang="zh-CN" dirty="0">
-                <a:solidFill>
-                  <a:schemeClr val="tx1">
-                    <a:lumMod val="50000"/>
-                    <a:lumOff val="50000"/>
-                  </a:schemeClr>
-                </a:solidFill>
-              </a:rPr>
-              <a:t>0  1  1  0</a:t>
-            </a:r>
-          </a:p>
-          <a:p>
-            <a:pPr algn="ctr"/>
-            <a:r>
-              <a:rPr lang="en-US" altLang="zh-CN" dirty="0">
-                <a:solidFill>
-                  <a:schemeClr val="tx1">
-                    <a:lumMod val="50000"/>
-                    <a:lumOff val="50000"/>
-                  </a:schemeClr>
-                </a:solidFill>
-              </a:rPr>
-              <a:t>1  0  0  1</a:t>
-            </a:r>
+            <a:endParaRPr lang="en-US" altLang="zh-CN" dirty="0">
+              <a:solidFill>
+                <a:schemeClr val="tx1">
+                  <a:lumMod val="50000"/>
+                  <a:lumOff val="50000"/>
+                </a:schemeClr>
+              </a:solidFill>
+            </a:endParaRPr>
           </a:p>
           <a:p>
             <a:pPr algn="ctr"/>
@@ -4283,8 +4265,12 @@
           <a:p>
             <a:pPr algn="ctr"/>
             <a:r>
+              <a:rPr lang="zh-CN" altLang="en-US" sz="2800"/>
+              <a:t>第七讲 消息</a:t>
+            </a:r>
+            <a:r>
               <a:rPr lang="zh-CN" altLang="en-US" sz="2800" dirty="0"/>
-              <a:t>消息队列</a:t>
+              <a:t>队列</a:t>
             </a:r>
             <a:endParaRPr lang="en-US" altLang="zh-CN" sz="2800" dirty="0"/>
           </a:p>
@@ -4302,61 +4288,6 @@
           </a:p>
           <a:p>
             <a:endParaRPr lang="en-US" altLang="zh-CN" dirty="0"/>
-          </a:p>
-        </p:txBody>
-      </p:sp>
-      <p:sp>
-        <p:nvSpPr>
-          <p:cNvPr id="4" name="云形 3">
-            <a:extLst>
-              <a:ext uri="{FF2B5EF4-FFF2-40B4-BE49-F238E27FC236}">
-                <a16:creationId xmlns:a16="http://schemas.microsoft.com/office/drawing/2014/main" id="{FB93CA04-9A10-4FDC-B520-5825D0C2A77A}"/>
-              </a:ext>
-            </a:extLst>
-          </p:cNvPr>
-          <p:cNvSpPr/>
-          <p:nvPr/>
-        </p:nvSpPr>
-        <p:spPr>
-          <a:xfrm>
-            <a:off x="4685710" y="1632582"/>
-            <a:ext cx="2521259" cy="1020932"/>
-          </a:xfrm>
-          <a:prstGeom prst="cloud">
-            <a:avLst/>
-          </a:prstGeom>
-          <a:noFill/>
-          <a:ln>
-            <a:solidFill>
-              <a:schemeClr val="tx1">
-                <a:lumMod val="65000"/>
-                <a:lumOff val="35000"/>
-              </a:schemeClr>
-            </a:solidFill>
-          </a:ln>
-        </p:spPr>
-        <p:style>
-          <a:lnRef idx="2">
-            <a:schemeClr val="accent1">
-              <a:shade val="50000"/>
-            </a:schemeClr>
-          </a:lnRef>
-          <a:fillRef idx="1">
-            <a:schemeClr val="accent1"/>
-          </a:fillRef>
-          <a:effectRef idx="0">
-            <a:schemeClr val="accent1"/>
-          </a:effectRef>
-          <a:fontRef idx="minor">
-            <a:schemeClr val="lt1"/>
-          </a:fontRef>
-        </p:style>
-        <p:txBody>
-          <a:bodyPr rtlCol="0" anchor="ctr"/>
-          <a:lstStyle/>
-          <a:p>
-            <a:pPr algn="ctr"/>
-            <a:endParaRPr lang="zh-CN" altLang="en-US"/>
           </a:p>
         </p:txBody>
       </p:sp>
@@ -8428,7 +8359,15 @@
             </a:r>
             <a:r>
               <a:rPr lang="zh-CN" altLang="en-US" sz="2000" dirty="0"/>
-              <a:t>微博发帖，同步操作的方式就是获取数据，进行合法检测，可能要先写入数据库，推送到客户端显示。存在的问题是：同步的方式整个过程完成后才返回结果，这个过程要和数据库通信，在高并发情况下直接导致服务系统崩溃。</a:t>
+              <a:t>微博发帖，同步操作的方式就是获取数据，进行合法</a:t>
+            </a:r>
+            <a:r>
+              <a:rPr lang="zh-CN" altLang="en-US" sz="2000"/>
+              <a:t>检测，还要涉及到数据库写入操作，然后推</a:t>
+            </a:r>
+            <a:r>
+              <a:rPr lang="zh-CN" altLang="en-US" sz="2000" dirty="0"/>
+              <a:t>送到客户端显示。存在的问题是：同步的方式整个过程完成后才返回结果，这个过程要和数据库通信，在高并发情况下直接导致服务系统崩溃。</a:t>
             </a:r>
             <a:endParaRPr lang="en-US" altLang="zh-CN" sz="2000" dirty="0"/>
           </a:p>
@@ -8613,8 +8552,12 @@
           </a:p>
           <a:p>
             <a:r>
+              <a:rPr lang="zh-CN" altLang="en-US" sz="2000"/>
+              <a:t>缺点：编程相对麻烦，逻辑上不如同步的方式易于理解，</a:t>
+            </a:r>
+            <a:r>
               <a:rPr lang="zh-CN" altLang="en-US" sz="2000" dirty="0"/>
-              <a:t>缺点：整体架构的复杂度提高，并且数据会暂时不一致，要等到消息队列的数据处理完。</a:t>
+              <a:t>并且数据会暂时不一致，要等到消息队列的数据处理完。</a:t>
             </a:r>
             <a:endParaRPr lang="en-US" altLang="zh-CN" sz="2000" dirty="0"/>
           </a:p>

--- a/materials/slides/ch07-message-queue.pptx
+++ b/materials/slides/ch07-message-queue.pptx
@@ -5,10 +5,10 @@
     <p:sldMasterId id="2147483648" r:id="rId1"/>
   </p:sldMasterIdLst>
   <p:notesMasterIdLst>
-    <p:notesMasterId r:id="rId24"/>
+    <p:notesMasterId r:id="rId25"/>
   </p:notesMasterIdLst>
   <p:handoutMasterIdLst>
-    <p:handoutMasterId r:id="rId25"/>
+    <p:handoutMasterId r:id="rId26"/>
   </p:handoutMasterIdLst>
   <p:sldIdLst>
     <p:sldId id="257" r:id="rId2"/>
@@ -20,19 +20,20 @@
     <p:sldId id="285" r:id="rId8"/>
     <p:sldId id="287" r:id="rId9"/>
     <p:sldId id="288" r:id="rId10"/>
-    <p:sldId id="290" r:id="rId11"/>
-    <p:sldId id="289" r:id="rId12"/>
-    <p:sldId id="294" r:id="rId13"/>
-    <p:sldId id="286" r:id="rId14"/>
-    <p:sldId id="261" r:id="rId15"/>
-    <p:sldId id="278" r:id="rId16"/>
-    <p:sldId id="279" r:id="rId17"/>
-    <p:sldId id="282" r:id="rId18"/>
-    <p:sldId id="262" r:id="rId19"/>
-    <p:sldId id="280" r:id="rId20"/>
-    <p:sldId id="281" r:id="rId21"/>
-    <p:sldId id="295" r:id="rId22"/>
-    <p:sldId id="296" r:id="rId23"/>
+    <p:sldId id="297" r:id="rId11"/>
+    <p:sldId id="290" r:id="rId12"/>
+    <p:sldId id="289" r:id="rId13"/>
+    <p:sldId id="294" r:id="rId14"/>
+    <p:sldId id="286" r:id="rId15"/>
+    <p:sldId id="261" r:id="rId16"/>
+    <p:sldId id="278" r:id="rId17"/>
+    <p:sldId id="279" r:id="rId18"/>
+    <p:sldId id="282" r:id="rId19"/>
+    <p:sldId id="262" r:id="rId20"/>
+    <p:sldId id="280" r:id="rId21"/>
+    <p:sldId id="281" r:id="rId22"/>
+    <p:sldId id="295" r:id="rId23"/>
+    <p:sldId id="296" r:id="rId24"/>
   </p:sldIdLst>
   <p:sldSz cx="12192000" cy="6858000"/>
   <p:notesSz cx="6858000" cy="9144000"/>
@@ -236,7 +237,7 @@
           <a:p>
             <a:fld id="{E923E828-953C-4D4A-9B10-11E7329F433D}" type="datetimeFigureOut">
               <a:rPr lang="zh-CN" altLang="en-US" smtClean="0"/>
-              <a:t>2018/3/1</a:t>
+              <a:t>2018/4/3</a:t>
             </a:fld>
             <a:endParaRPr lang="zh-CN" altLang="en-US"/>
           </a:p>
@@ -417,7 +418,7 @@
           <a:p>
             <a:fld id="{867C5346-22E5-4085-8130-851344A84DFF}" type="datetimeFigureOut">
               <a:rPr lang="zh-CN" altLang="en-US" smtClean="0"/>
-              <a:t>2018/3/1</a:t>
+              <a:t>2018/4/3</a:t>
             </a:fld>
             <a:endParaRPr lang="zh-CN" altLang="en-US"/>
           </a:p>
@@ -843,7 +844,7 @@
           <a:p>
             <a:fld id="{A5E21016-498F-4141-B0CA-D95A38CA7D62}" type="datetimeFigureOut">
               <a:rPr lang="zh-CN" altLang="en-US" smtClean="0"/>
-              <a:t>2018/3/1</a:t>
+              <a:t>2018/4/3</a:t>
             </a:fld>
             <a:endParaRPr lang="zh-CN" altLang="en-US"/>
           </a:p>
@@ -1073,7 +1074,7 @@
           <a:p>
             <a:fld id="{A5E21016-498F-4141-B0CA-D95A38CA7D62}" type="datetimeFigureOut">
               <a:rPr lang="zh-CN" altLang="en-US" smtClean="0"/>
-              <a:t>2018/3/1</a:t>
+              <a:t>2018/4/3</a:t>
             </a:fld>
             <a:endParaRPr lang="zh-CN" altLang="en-US"/>
           </a:p>
@@ -1308,7 +1309,7 @@
           <a:p>
             <a:fld id="{A5E21016-498F-4141-B0CA-D95A38CA7D62}" type="datetimeFigureOut">
               <a:rPr lang="zh-CN" altLang="en-US" smtClean="0"/>
-              <a:t>2018/3/1</a:t>
+              <a:t>2018/4/3</a:t>
             </a:fld>
             <a:endParaRPr lang="zh-CN" altLang="en-US"/>
           </a:p>
@@ -1870,7 +1871,7 @@
           <a:p>
             <a:fld id="{A5E21016-498F-4141-B0CA-D95A38CA7D62}" type="datetimeFigureOut">
               <a:rPr lang="zh-CN" altLang="en-US" smtClean="0"/>
-              <a:t>2018/3/1</a:t>
+              <a:t>2018/4/3</a:t>
             </a:fld>
             <a:endParaRPr lang="zh-CN" altLang="en-US"/>
           </a:p>
@@ -2167,7 +2168,7 @@
           <a:p>
             <a:fld id="{A5E21016-498F-4141-B0CA-D95A38CA7D62}" type="datetimeFigureOut">
               <a:rPr lang="zh-CN" altLang="en-US" smtClean="0"/>
-              <a:t>2018/3/1</a:t>
+              <a:t>2018/4/3</a:t>
             </a:fld>
             <a:endParaRPr lang="zh-CN" altLang="en-US"/>
           </a:p>
@@ -2606,7 +2607,7 @@
           <a:p>
             <a:fld id="{A5E21016-498F-4141-B0CA-D95A38CA7D62}" type="datetimeFigureOut">
               <a:rPr lang="zh-CN" altLang="en-US" smtClean="0"/>
-              <a:t>2018/3/1</a:t>
+              <a:t>2018/4/3</a:t>
             </a:fld>
             <a:endParaRPr lang="zh-CN" altLang="en-US"/>
           </a:p>
@@ -2779,7 +2780,7 @@
           <a:p>
             <a:fld id="{A5E21016-498F-4141-B0CA-D95A38CA7D62}" type="datetimeFigureOut">
               <a:rPr lang="zh-CN" altLang="en-US" smtClean="0"/>
-              <a:t>2018/3/1</a:t>
+              <a:t>2018/4/3</a:t>
             </a:fld>
             <a:endParaRPr lang="zh-CN" altLang="en-US"/>
           </a:p>
@@ -2916,7 +2917,7 @@
           <a:p>
             <a:fld id="{A5E21016-498F-4141-B0CA-D95A38CA7D62}" type="datetimeFigureOut">
               <a:rPr lang="zh-CN" altLang="en-US" smtClean="0"/>
-              <a:t>2018/3/1</a:t>
+              <a:t>2018/4/3</a:t>
             </a:fld>
             <a:endParaRPr lang="zh-CN" altLang="en-US"/>
           </a:p>
@@ -3254,7 +3255,7 @@
           <a:p>
             <a:fld id="{A5E21016-498F-4141-B0CA-D95A38CA7D62}" type="datetimeFigureOut">
               <a:rPr lang="zh-CN" altLang="en-US" smtClean="0"/>
-              <a:t>2018/3/1</a:t>
+              <a:t>2018/4/3</a:t>
             </a:fld>
             <a:endParaRPr lang="zh-CN" altLang="en-US"/>
           </a:p>
@@ -3569,7 +3570,7 @@
           <a:p>
             <a:fld id="{A5E21016-498F-4141-B0CA-D95A38CA7D62}" type="datetimeFigureOut">
               <a:rPr lang="zh-CN" altLang="en-US" smtClean="0"/>
-              <a:t>2018/3/1</a:t>
+              <a:t>2018/4/3</a:t>
             </a:fld>
             <a:endParaRPr lang="zh-CN" altLang="en-US"/>
           </a:p>
@@ -4348,13 +4349,10 @@
           <a:lstStyle/>
           <a:p>
             <a:r>
-              <a:rPr lang="en-US" altLang="zh-CN" dirty="0"/>
-              <a:t>Semaphore</a:t>
-            </a:r>
-            <a:r>
-              <a:rPr lang="zh-CN" altLang="en-US" dirty="0"/>
-              <a:t>消息队列示例</a:t>
-            </a:r>
+              <a:rPr lang="zh-CN" altLang="en-US"/>
+              <a:t>接收消息的函数</a:t>
+            </a:r>
+            <a:endParaRPr lang="zh-CN" altLang="en-US" dirty="0"/>
           </a:p>
         </p:txBody>
       </p:sp>
@@ -4381,127 +4379,161 @@
           </a:xfrm>
         </p:spPr>
         <p:txBody>
-          <a:bodyPr>
-            <a:normAutofit/>
-          </a:bodyPr>
+          <a:bodyPr/>
           <a:lstStyle/>
           <a:p>
-            <a:r>
-              <a:rPr lang="zh-CN" altLang="en-US" sz="2000" dirty="0"/>
-              <a:t>发送方代码：</a:t>
+            <a:pPr marL="0" indent="0">
+              <a:buNone/>
+            </a:pPr>
+            <a:r>
+              <a:rPr lang="zh-CN" altLang="en-US" sz="2000"/>
+              <a:t>第二个参数可以为</a:t>
+            </a:r>
+            <a:r>
+              <a:rPr lang="en-US" altLang="zh-CN" sz="2000"/>
+              <a:t>0</a:t>
+            </a:r>
+            <a:r>
+              <a:rPr lang="zh-CN" altLang="en-US" sz="2000"/>
+              <a:t>，大于</a:t>
+            </a:r>
+            <a:r>
+              <a:rPr lang="en-US" altLang="zh-CN" sz="2000"/>
+              <a:t>0</a:t>
+            </a:r>
+            <a:r>
+              <a:rPr lang="zh-CN" altLang="en-US" sz="2000"/>
+              <a:t>，小于</a:t>
+            </a:r>
+            <a:r>
+              <a:rPr lang="en-US" altLang="zh-CN" sz="2000"/>
+              <a:t>0</a:t>
+            </a:r>
+            <a:r>
+              <a:rPr lang="zh-CN" altLang="en-US" sz="2000"/>
+              <a:t>的数，</a:t>
+            </a:r>
+            <a:r>
+              <a:rPr lang="en-US" altLang="zh-CN" sz="2000"/>
+              <a:t>0</a:t>
+            </a:r>
+            <a:r>
+              <a:rPr lang="zh-CN" altLang="en-US" sz="2000"/>
+              <a:t>可以接收任何消息，大于</a:t>
+            </a:r>
+            <a:r>
+              <a:rPr lang="en-US" altLang="zh-CN" sz="2000"/>
+              <a:t>0</a:t>
+            </a:r>
+            <a:r>
+              <a:rPr lang="zh-CN" altLang="en-US" sz="2000"/>
+              <a:t>则接收消息类型为</a:t>
+            </a:r>
+            <a:r>
+              <a:rPr lang="en-US" altLang="zh-CN" sz="2000"/>
+              <a:t>$desiredmsgtype</a:t>
+            </a:r>
+            <a:r>
+              <a:rPr lang="zh-CN" altLang="en-US" sz="2000"/>
+              <a:t>的类型，小于</a:t>
+            </a:r>
+            <a:r>
+              <a:rPr lang="en-US" altLang="zh-CN" sz="2000"/>
+              <a:t>0</a:t>
+            </a:r>
+            <a:r>
+              <a:rPr lang="zh-CN" altLang="en-US" sz="2000"/>
+              <a:t>则接收消息类型小于或等于</a:t>
+            </a:r>
+            <a:r>
+              <a:rPr lang="en-US" altLang="zh-CN" sz="2000"/>
+              <a:t>$desiredmsgtype</a:t>
+            </a:r>
+            <a:r>
+              <a:rPr lang="zh-CN" altLang="en-US" sz="2000"/>
+              <a:t>绝对值的类型。</a:t>
             </a:r>
             <a:endParaRPr lang="en-US" altLang="zh-CN" sz="2000" dirty="0"/>
           </a:p>
           <a:p>
-            <a:r>
-              <a:rPr lang="en-US" altLang="zh-CN" sz="2000" dirty="0"/>
-              <a:t>$</a:t>
-            </a:r>
-            <a:r>
-              <a:rPr lang="en-US" altLang="zh-CN" sz="2000" dirty="0" err="1"/>
-              <a:t>mq</a:t>
-            </a:r>
-            <a:r>
-              <a:rPr lang="en-US" altLang="zh-CN" sz="2000" dirty="0"/>
-              <a:t> = </a:t>
-            </a:r>
-            <a:r>
-              <a:rPr lang="en-US" altLang="zh-CN" sz="2000" dirty="0" err="1"/>
-              <a:t>msg_get_queue</a:t>
-            </a:r>
-            <a:r>
-              <a:rPr lang="en-US" altLang="zh-CN" sz="2000" dirty="0"/>
-              <a:t>(1234);</a:t>
-            </a:r>
-            <a:br>
-              <a:rPr lang="en-US" altLang="zh-CN" sz="2000" dirty="0"/>
-            </a:br>
-            <a:br>
-              <a:rPr lang="en-US" altLang="zh-CN" sz="2000" dirty="0"/>
-            </a:br>
-            <a:r>
-              <a:rPr lang="en-US" altLang="zh-CN" sz="2000" dirty="0"/>
-              <a:t>$</a:t>
-            </a:r>
-            <a:r>
-              <a:rPr lang="en-US" altLang="zh-CN" sz="2000" dirty="0" err="1"/>
-              <a:t>msg_err</a:t>
-            </a:r>
-            <a:r>
-              <a:rPr lang="en-US" altLang="zh-CN" sz="2000" dirty="0"/>
-              <a:t>=0;</a:t>
-            </a:r>
-            <a:br>
-              <a:rPr lang="en-US" altLang="zh-CN" sz="2000" dirty="0"/>
-            </a:br>
-            <a:br>
-              <a:rPr lang="en-US" altLang="zh-CN" sz="2000" dirty="0"/>
-            </a:br>
-            <a:r>
-              <a:rPr lang="en-US" altLang="zh-CN" sz="2000" dirty="0"/>
-              <a:t>for ($</a:t>
-            </a:r>
-            <a:r>
-              <a:rPr lang="en-US" altLang="zh-CN" sz="2000" dirty="0" err="1"/>
-              <a:t>i</a:t>
-            </a:r>
-            <a:r>
-              <a:rPr lang="en-US" altLang="zh-CN" sz="2000" dirty="0"/>
-              <a:t>=0;$</a:t>
-            </a:r>
-            <a:r>
-              <a:rPr lang="en-US" altLang="zh-CN" sz="2000" dirty="0" err="1"/>
-              <a:t>i</a:t>
-            </a:r>
-            <a:r>
-              <a:rPr lang="en-US" altLang="zh-CN" sz="2000" dirty="0"/>
-              <a:t>&lt;100;$</a:t>
-            </a:r>
-            <a:r>
-              <a:rPr lang="en-US" altLang="zh-CN" sz="2000" dirty="0" err="1"/>
-              <a:t>i</a:t>
-            </a:r>
-            <a:r>
-              <a:rPr lang="en-US" altLang="zh-CN" sz="2000" dirty="0"/>
-              <a:t>++) {</a:t>
-            </a:r>
-            <a:br>
-              <a:rPr lang="en-US" altLang="zh-CN" sz="2000" dirty="0"/>
-            </a:br>
-            <a:r>
-              <a:rPr lang="en-US" altLang="zh-CN" sz="2000" dirty="0"/>
-              <a:t>    </a:t>
-            </a:r>
-            <a:r>
-              <a:rPr lang="en-US" altLang="zh-CN" sz="2000" dirty="0" err="1"/>
-              <a:t>msg_send</a:t>
-            </a:r>
-            <a:r>
-              <a:rPr lang="en-US" altLang="zh-CN" sz="2000" dirty="0"/>
-              <a:t>($mq,1,mt_rand(100,1000),true,true,$</a:t>
-            </a:r>
-            <a:r>
-              <a:rPr lang="en-US" altLang="zh-CN" sz="2000" dirty="0" err="1"/>
-              <a:t>msg_err</a:t>
-            </a:r>
-            <a:r>
-              <a:rPr lang="en-US" altLang="zh-CN" sz="2000" dirty="0"/>
-              <a:t>);</a:t>
-            </a:r>
-            <a:br>
-              <a:rPr lang="en-US" altLang="zh-CN" sz="2000" dirty="0"/>
-            </a:br>
-            <a:r>
-              <a:rPr lang="en-US" altLang="zh-CN" sz="2000" dirty="0"/>
-              <a:t>}</a:t>
-            </a:r>
-          </a:p>
-        </p:txBody>
-      </p:sp>
+            <a:endParaRPr lang="en-US" altLang="zh-CN" sz="2000" dirty="0"/>
+          </a:p>
+          <a:p>
+            <a:endParaRPr lang="en-US" altLang="zh-CN" sz="2000" dirty="0"/>
+          </a:p>
+          <a:p>
+            <a:endParaRPr lang="en-US" altLang="zh-CN" sz="2000" dirty="0"/>
+          </a:p>
+          <a:p>
+            <a:endParaRPr lang="en-US" altLang="zh-CN" sz="2000" dirty="0"/>
+          </a:p>
+          <a:p>
+            <a:endParaRPr lang="en-US" altLang="zh-CN" sz="2000" dirty="0"/>
+          </a:p>
+          <a:p>
+            <a:endParaRPr lang="en-US" altLang="zh-CN" sz="2000" dirty="0"/>
+          </a:p>
+          <a:p>
+            <a:endParaRPr lang="en-US" altLang="zh-CN" sz="2000" dirty="0"/>
+          </a:p>
+          <a:p>
+            <a:pPr marL="0" indent="0">
+              <a:buNone/>
+            </a:pPr>
+            <a:endParaRPr lang="en-US" altLang="zh-CN" sz="1800" dirty="0"/>
+          </a:p>
+          <a:p>
+            <a:endParaRPr lang="en-US" altLang="zh-CN" sz="1800" u="sng" dirty="0"/>
+          </a:p>
+          <a:p>
+            <a:endParaRPr lang="en-US" altLang="zh-CN" sz="1800" dirty="0"/>
+          </a:p>
+          <a:p>
+            <a:pPr lvl="1"/>
+            <a:endParaRPr lang="en-US" altLang="zh-CN" sz="1600" dirty="0"/>
+          </a:p>
+        </p:txBody>
+      </p:sp>
+      <p:pic>
+        <p:nvPicPr>
+          <p:cNvPr id="5" name="图片 4">
+            <a:extLst>
+              <a:ext uri="{FF2B5EF4-FFF2-40B4-BE49-F238E27FC236}">
+                <a16:creationId xmlns:a16="http://schemas.microsoft.com/office/drawing/2014/main" id="{31A96161-D4BD-4CD1-9E96-218CBFC9396F}"/>
+              </a:ext>
+            </a:extLst>
+          </p:cNvPr>
+          <p:cNvPicPr>
+            <a:picLocks noChangeAspect="1"/>
+          </p:cNvPicPr>
+          <p:nvPr/>
+        </p:nvPicPr>
+        <p:blipFill>
+          <a:blip r:embed="rId2">
+            <a:extLst>
+              <a:ext uri="{28A0092B-C50C-407E-A947-70E740481C1C}">
+                <a14:useLocalDpi xmlns:a14="http://schemas.microsoft.com/office/drawing/2010/main" val="0"/>
+              </a:ext>
+            </a:extLst>
+          </a:blip>
+          <a:stretch>
+            <a:fillRect/>
+          </a:stretch>
+        </p:blipFill>
+        <p:spPr>
+          <a:xfrm>
+            <a:off x="320919" y="3688080"/>
+            <a:ext cx="11163300" cy="1310640"/>
+          </a:xfrm>
+          <a:prstGeom prst="rect">
+            <a:avLst/>
+          </a:prstGeom>
+        </p:spPr>
+      </p:pic>
     </p:spTree>
     <p:extLst>
       <p:ext uri="{BB962C8B-B14F-4D97-AF65-F5344CB8AC3E}">
-        <p14:creationId xmlns:p14="http://schemas.microsoft.com/office/powerpoint/2010/main" val="2339236629"/>
+        <p14:creationId xmlns:p14="http://schemas.microsoft.com/office/powerpoint/2010/main" val="1646129501"/>
       </p:ext>
     </p:extLst>
   </p:cSld>
@@ -4594,238 +4626,121 @@
           <a:lstStyle/>
           <a:p>
             <a:r>
-              <a:rPr lang="zh-CN" altLang="en-US" sz="2000" dirty="0"/>
-              <a:t>接收消息代码：</a:t>
+              <a:rPr lang="zh-CN" altLang="en-US" sz="2400" dirty="0"/>
+              <a:t>发送方代码：</a:t>
+            </a:r>
+            <a:endParaRPr lang="en-US" altLang="zh-CN" sz="2400" dirty="0"/>
+          </a:p>
+          <a:p>
+            <a:r>
+              <a:rPr lang="en-US" altLang="zh-CN" sz="2400" dirty="0"/>
+              <a:t>$</a:t>
+            </a:r>
+            <a:r>
+              <a:rPr lang="en-US" altLang="zh-CN" sz="2400" dirty="0" err="1"/>
+              <a:t>mq</a:t>
+            </a:r>
+            <a:r>
+              <a:rPr lang="en-US" altLang="zh-CN" sz="2400" dirty="0"/>
+              <a:t> = </a:t>
+            </a:r>
+            <a:r>
+              <a:rPr lang="en-US" altLang="zh-CN" sz="2400" dirty="0" err="1"/>
+              <a:t>msg_get_queue</a:t>
+            </a:r>
+            <a:r>
+              <a:rPr lang="en-US" altLang="zh-CN" sz="2400" dirty="0"/>
+              <a:t>(1234);</a:t>
             </a:r>
             <a:br>
-              <a:rPr lang="en-US" altLang="zh-CN" sz="1800" dirty="0"/>
-            </a:br>
-            <a:r>
-              <a:rPr lang="en-US" altLang="zh-CN" sz="1800" dirty="0"/>
-              <a:t>$</a:t>
-            </a:r>
-            <a:r>
-              <a:rPr lang="en-US" altLang="zh-CN" sz="1800" dirty="0" err="1"/>
-              <a:t>mq</a:t>
-            </a:r>
-            <a:r>
-              <a:rPr lang="en-US" altLang="zh-CN" sz="1800" dirty="0"/>
-              <a:t> = </a:t>
-            </a:r>
-            <a:r>
-              <a:rPr lang="en-US" altLang="zh-CN" sz="1800" dirty="0" err="1"/>
-              <a:t>msg_get_queue</a:t>
-            </a:r>
-            <a:r>
-              <a:rPr lang="en-US" altLang="zh-CN" sz="1800" dirty="0"/>
-              <a:t>(1234);</a:t>
-            </a:r>
-            <a:br>
-              <a:rPr lang="en-US" altLang="zh-CN" sz="1800" dirty="0"/>
+              <a:rPr lang="en-US" altLang="zh-CN" sz="2400" dirty="0"/>
             </a:br>
             <a:br>
-              <a:rPr lang="en-US" altLang="zh-CN" sz="1800" dirty="0"/>
+              <a:rPr lang="en-US" altLang="zh-CN" sz="2400" dirty="0"/>
             </a:br>
             <a:r>
-              <a:rPr lang="en-US" altLang="zh-CN" sz="1800" dirty="0"/>
+              <a:rPr lang="en-US" altLang="zh-CN" sz="2400" dirty="0"/>
               <a:t>$</a:t>
             </a:r>
             <a:r>
-              <a:rPr lang="en-US" altLang="zh-CN" sz="1800" dirty="0" err="1"/>
-              <a:t>msg</a:t>
-            </a:r>
-            <a:r>
-              <a:rPr lang="en-US" altLang="zh-CN" sz="1800" dirty="0"/>
-              <a:t> = ‘’;</a:t>
+              <a:rPr lang="en-US" altLang="zh-CN" sz="2400" dirty="0" err="1"/>
+              <a:t>msg_err</a:t>
+            </a:r>
+            <a:r>
+              <a:rPr lang="en-US" altLang="zh-CN" sz="2400" dirty="0"/>
+              <a:t>=0;</a:t>
             </a:r>
             <a:br>
-              <a:rPr lang="en-US" altLang="zh-CN" sz="1800" dirty="0"/>
-            </a:br>
-            <a:r>
-              <a:rPr lang="en-US" altLang="zh-CN" sz="1800" dirty="0"/>
-              <a:t>$</a:t>
-            </a:r>
-            <a:r>
-              <a:rPr lang="en-US" altLang="zh-CN" sz="1800" dirty="0" err="1"/>
-              <a:t>msgtype</a:t>
-            </a:r>
-            <a:r>
-              <a:rPr lang="en-US" altLang="zh-CN" sz="1800" dirty="0"/>
-              <a:t>=0;</a:t>
-            </a:r>
-            <a:br>
-              <a:rPr lang="en-US" altLang="zh-CN" sz="1800" dirty="0"/>
-            </a:br>
-            <a:r>
-              <a:rPr lang="en-US" altLang="zh-CN" sz="1800" dirty="0"/>
-              <a:t>$</a:t>
-            </a:r>
-            <a:r>
-              <a:rPr lang="en-US" altLang="zh-CN" sz="1800" dirty="0" err="1"/>
-              <a:t>errcode</a:t>
-            </a:r>
-            <a:r>
-              <a:rPr lang="en-US" altLang="zh-CN" sz="1800" dirty="0"/>
-              <a:t> = 0;</a:t>
-            </a:r>
-            <a:br>
-              <a:rPr lang="en-US" altLang="zh-CN" sz="1800" dirty="0"/>
-            </a:br>
-            <a:r>
-              <a:rPr lang="en-US" altLang="zh-CN" sz="1800" dirty="0"/>
-              <a:t>$count = 1;</a:t>
-            </a:r>
-            <a:br>
-              <a:rPr lang="en-US" altLang="zh-CN" sz="1800" dirty="0"/>
+              <a:rPr lang="en-US" altLang="zh-CN" sz="2400" dirty="0"/>
             </a:br>
             <a:br>
-              <a:rPr lang="en-US" altLang="zh-CN" sz="1800" dirty="0"/>
+              <a:rPr lang="en-US" altLang="zh-CN" sz="2400" dirty="0"/>
             </a:br>
             <a:r>
-              <a:rPr lang="en-US" altLang="zh-CN" sz="1800" dirty="0"/>
-              <a:t>while (true) {</a:t>
+              <a:rPr lang="en-US" altLang="zh-CN" sz="2400" dirty="0"/>
+              <a:t>for ($</a:t>
+            </a:r>
+            <a:r>
+              <a:rPr lang="en-US" altLang="zh-CN" sz="2400" dirty="0" err="1"/>
+              <a:t>i</a:t>
+            </a:r>
+            <a:r>
+              <a:rPr lang="en-US" altLang="zh-CN" sz="2400" dirty="0"/>
+              <a:t>=0;$</a:t>
+            </a:r>
+            <a:r>
+              <a:rPr lang="en-US" altLang="zh-CN" sz="2400" dirty="0" err="1"/>
+              <a:t>i</a:t>
+            </a:r>
+            <a:r>
+              <a:rPr lang="en-US" altLang="zh-CN" sz="2400" dirty="0"/>
+              <a:t>&lt;100;$</a:t>
+            </a:r>
+            <a:r>
+              <a:rPr lang="en-US" altLang="zh-CN" sz="2400" dirty="0" err="1"/>
+              <a:t>i</a:t>
+            </a:r>
+            <a:r>
+              <a:rPr lang="en-US" altLang="zh-CN" sz="2400" dirty="0"/>
+              <a:t>++) {</a:t>
             </a:r>
             <a:br>
-              <a:rPr lang="en-US" altLang="zh-CN" sz="1800" dirty="0"/>
+              <a:rPr lang="en-US" altLang="zh-CN" sz="2400" dirty="0"/>
             </a:br>
             <a:r>
-              <a:rPr lang="en-US" altLang="zh-CN" sz="1800" dirty="0"/>
+              <a:rPr lang="en-US" altLang="zh-CN" sz="2400" dirty="0"/>
               <a:t>    </a:t>
             </a:r>
             <a:r>
-              <a:rPr lang="en-US" altLang="zh-CN" sz="1800" dirty="0" err="1"/>
-              <a:t>usleep</a:t>
-            </a:r>
-            <a:r>
-              <a:rPr lang="en-US" altLang="zh-CN" sz="1800" dirty="0"/>
-              <a:t>(10000); //</a:t>
-            </a:r>
-            <a:r>
-              <a:rPr lang="zh-CN" altLang="en-US" sz="1800" dirty="0"/>
-              <a:t>延迟</a:t>
-            </a:r>
-            <a:r>
-              <a:rPr lang="en-US" altLang="zh-CN" sz="1800" dirty="0"/>
-              <a:t>10ms</a:t>
-            </a:r>
-            <a:r>
-              <a:rPr lang="zh-CN" altLang="en-US" sz="1800" dirty="0"/>
-              <a:t>，实际并不需要，接收数据未到会阻塞。</a:t>
+              <a:rPr lang="en-US" altLang="zh-CN" sz="2400" dirty="0" err="1"/>
+              <a:t>msg_send</a:t>
+            </a:r>
+            <a:r>
+              <a:rPr lang="en-US" altLang="zh-CN" sz="2400" dirty="0"/>
+              <a:t>($mq,1,mt_rand(100,1000),true,true,$</a:t>
+            </a:r>
+            <a:r>
+              <a:rPr lang="en-US" altLang="zh-CN" sz="2400" dirty="0" err="1"/>
+              <a:t>msg_err</a:t>
+            </a:r>
+            <a:r>
+              <a:rPr lang="en-US" altLang="zh-CN" sz="2400" dirty="0"/>
+              <a:t>);</a:t>
             </a:r>
             <a:br>
-              <a:rPr lang="en-US" altLang="zh-CN" sz="1800" dirty="0"/>
+              <a:rPr lang="en-US" altLang="zh-CN" sz="2400" dirty="0"/>
             </a:br>
             <a:r>
-              <a:rPr lang="en-US" altLang="zh-CN" sz="1800" dirty="0"/>
-              <a:t>    </a:t>
-            </a:r>
-            <a:r>
-              <a:rPr lang="en-US" altLang="zh-CN" sz="1800" dirty="0" err="1"/>
-              <a:t>msg_receive</a:t>
-            </a:r>
-            <a:r>
-              <a:rPr lang="en-US" altLang="zh-CN" sz="1800" dirty="0"/>
-              <a:t>($mq,0,$msgtype,100,$msg,true,0,$errcode);</a:t>
-            </a:r>
-            <a:br>
-              <a:rPr lang="en-US" altLang="zh-CN" sz="1800" dirty="0"/>
-            </a:br>
-            <a:r>
-              <a:rPr lang="en-US" altLang="zh-CN" sz="1800" dirty="0"/>
-              <a:t>    if (!$</a:t>
-            </a:r>
-            <a:r>
-              <a:rPr lang="en-US" altLang="zh-CN" sz="1800" dirty="0" err="1"/>
-              <a:t>errcode</a:t>
-            </a:r>
-            <a:r>
-              <a:rPr lang="en-US" altLang="zh-CN" sz="1800" dirty="0"/>
-              <a:t>) {</a:t>
-            </a:r>
-            <a:br>
-              <a:rPr lang="en-US" altLang="zh-CN" sz="1800" dirty="0"/>
-            </a:br>
-            <a:r>
-              <a:rPr lang="en-US" altLang="zh-CN" sz="1800" dirty="0"/>
-              <a:t>        echo "Received message($count): ",$</a:t>
-            </a:r>
-            <a:r>
-              <a:rPr lang="en-US" altLang="zh-CN" sz="1800" dirty="0" err="1"/>
-              <a:t>msg</a:t>
-            </a:r>
-            <a:r>
-              <a:rPr lang="en-US" altLang="zh-CN" sz="1800" dirty="0"/>
-              <a:t>,"\n";</a:t>
-            </a:r>
-            <a:br>
-              <a:rPr lang="en-US" altLang="zh-CN" sz="1800" dirty="0"/>
-            </a:br>
-            <a:r>
-              <a:rPr lang="en-US" altLang="zh-CN" sz="1800" dirty="0"/>
-              <a:t>    }</a:t>
-            </a:r>
-            <a:br>
-              <a:rPr lang="en-US" altLang="zh-CN" sz="1800" dirty="0"/>
-            </a:br>
-            <a:r>
-              <a:rPr lang="en-US" altLang="zh-CN" sz="1800" dirty="0"/>
-              <a:t>    else {</a:t>
-            </a:r>
-            <a:br>
-              <a:rPr lang="en-US" altLang="zh-CN" sz="1800" dirty="0"/>
-            </a:br>
-            <a:r>
-              <a:rPr lang="en-US" altLang="zh-CN" sz="1800" dirty="0"/>
-              <a:t>        echo "</a:t>
-            </a:r>
-            <a:r>
-              <a:rPr lang="en-US" altLang="zh-CN" sz="1800" dirty="0" err="1"/>
-              <a:t>Errcode</a:t>
-            </a:r>
-            <a:r>
-              <a:rPr lang="en-US" altLang="zh-CN" sz="1800" dirty="0"/>
-              <a:t>:",$</a:t>
-            </a:r>
-            <a:r>
-              <a:rPr lang="en-US" altLang="zh-CN" sz="1800" dirty="0" err="1"/>
-              <a:t>errcode</a:t>
-            </a:r>
-            <a:r>
-              <a:rPr lang="en-US" altLang="zh-CN" sz="1800" dirty="0"/>
-              <a:t>,"\n";</a:t>
-            </a:r>
-            <a:br>
-              <a:rPr lang="en-US" altLang="zh-CN" sz="1800" dirty="0"/>
-            </a:br>
-            <a:r>
-              <a:rPr lang="en-US" altLang="zh-CN" sz="1800" dirty="0"/>
-              <a:t>    }</a:t>
-            </a:r>
-            <a:br>
-              <a:rPr lang="en-US" altLang="zh-CN" sz="1800" dirty="0"/>
-            </a:br>
-            <a:r>
-              <a:rPr lang="en-US" altLang="zh-CN" sz="1800" dirty="0"/>
-              <a:t>    $count += 1;</a:t>
-            </a:r>
-            <a:br>
-              <a:rPr lang="en-US" altLang="zh-CN" sz="1800" dirty="0"/>
-            </a:br>
-            <a:r>
-              <a:rPr lang="en-US" altLang="zh-CN" sz="1800" dirty="0"/>
+              <a:rPr lang="en-US" altLang="zh-CN" sz="2400" dirty="0"/>
               <a:t>}</a:t>
             </a:r>
-          </a:p>
-          <a:p>
-            <a:pPr lvl="1"/>
-            <a:endParaRPr lang="en-US" altLang="zh-CN" sz="1600" dirty="0"/>
           </a:p>
         </p:txBody>
       </p:sp>
     </p:spTree>
     <p:extLst>
       <p:ext uri="{BB962C8B-B14F-4D97-AF65-F5344CB8AC3E}">
-        <p14:creationId xmlns:p14="http://schemas.microsoft.com/office/powerpoint/2010/main" val="1376360066"/>
+        <p14:creationId xmlns:p14="http://schemas.microsoft.com/office/powerpoint/2010/main" val="2339236629"/>
       </p:ext>
     </p:extLst>
   </p:cSld>
@@ -4879,8 +4794,12 @@
           <a:lstStyle/>
           <a:p>
             <a:r>
+              <a:rPr lang="en-US" altLang="zh-CN" dirty="0"/>
+              <a:t>Semaphore</a:t>
+            </a:r>
+            <a:r>
               <a:rPr lang="zh-CN" altLang="en-US" dirty="0"/>
-              <a:t>多个接收者</a:t>
+              <a:t>消息队列示例</a:t>
             </a:r>
           </a:p>
         </p:txBody>
@@ -4915,45 +4834,239 @@
           <a:p>
             <a:r>
               <a:rPr lang="zh-CN" altLang="en-US" sz="2000" dirty="0"/>
-              <a:t>多个进程监听同一个消息队列，发布者发布消息时，消息会被多个接收者读取。</a:t>
-            </a:r>
-            <a:endParaRPr lang="en-US" altLang="zh-CN" sz="2000" dirty="0"/>
-          </a:p>
-          <a:p>
-            <a:endParaRPr lang="en-US" altLang="zh-CN" sz="2000" dirty="0"/>
-          </a:p>
-          <a:p>
+              <a:t>接收消息代码：</a:t>
+            </a:r>
+            <a:br>
+              <a:rPr lang="en-US" altLang="zh-CN" sz="1800" dirty="0"/>
+            </a:br>
+            <a:r>
+              <a:rPr lang="en-US" altLang="zh-CN" sz="2000" dirty="0"/>
+              <a:t>$</a:t>
+            </a:r>
+            <a:r>
+              <a:rPr lang="en-US" altLang="zh-CN" sz="2000" dirty="0" err="1"/>
+              <a:t>mq</a:t>
+            </a:r>
+            <a:r>
+              <a:rPr lang="en-US" altLang="zh-CN" sz="2000" dirty="0"/>
+              <a:t> = </a:t>
+            </a:r>
+            <a:r>
+              <a:rPr lang="en-US" altLang="zh-CN" sz="2000" dirty="0" err="1"/>
+              <a:t>msg_get_queue</a:t>
+            </a:r>
+            <a:r>
+              <a:rPr lang="en-US" altLang="zh-CN" sz="2000" dirty="0"/>
+              <a:t>(</a:t>
+            </a:r>
+            <a:r>
+              <a:rPr lang="en-US" altLang="zh-CN" sz="2000"/>
+              <a:t>1234);</a:t>
+            </a:r>
+            <a:br>
+              <a:rPr lang="en-US" altLang="zh-CN" sz="2000" dirty="0"/>
+            </a:br>
+            <a:r>
+              <a:rPr lang="en-US" altLang="zh-CN" sz="2000" dirty="0"/>
+              <a:t>$</a:t>
+            </a:r>
+            <a:r>
+              <a:rPr lang="en-US" altLang="zh-CN" sz="2000" dirty="0" err="1"/>
+              <a:t>msg</a:t>
+            </a:r>
+            <a:r>
+              <a:rPr lang="en-US" altLang="zh-CN" sz="2000" dirty="0"/>
+              <a:t> = ‘’;</a:t>
+            </a:r>
+            <a:br>
+              <a:rPr lang="en-US" altLang="zh-CN" sz="2000" dirty="0"/>
+            </a:br>
+            <a:r>
+              <a:rPr lang="en-US" altLang="zh-CN" sz="2000" dirty="0"/>
+              <a:t>$</a:t>
+            </a:r>
+            <a:r>
+              <a:rPr lang="en-US" altLang="zh-CN" sz="2000" dirty="0" err="1"/>
+              <a:t>msgtype</a:t>
+            </a:r>
+            <a:r>
+              <a:rPr lang="en-US" altLang="zh-CN" sz="2000" dirty="0"/>
+              <a:t>=0;</a:t>
+            </a:r>
+            <a:br>
+              <a:rPr lang="en-US" altLang="zh-CN" sz="2000" dirty="0"/>
+            </a:br>
+            <a:r>
+              <a:rPr lang="en-US" altLang="zh-CN" sz="2000" dirty="0"/>
+              <a:t>$</a:t>
+            </a:r>
+            <a:r>
+              <a:rPr lang="en-US" altLang="zh-CN" sz="2000" dirty="0" err="1"/>
+              <a:t>errcode</a:t>
+            </a:r>
+            <a:r>
+              <a:rPr lang="en-US" altLang="zh-CN" sz="2000" dirty="0"/>
+              <a:t> = 0;</a:t>
+            </a:r>
+            <a:br>
+              <a:rPr lang="en-US" altLang="zh-CN" sz="2000" dirty="0"/>
+            </a:br>
+            <a:r>
+              <a:rPr lang="en-US" altLang="zh-CN" sz="2000" dirty="0"/>
+              <a:t>$count = </a:t>
+            </a:r>
+            <a:r>
+              <a:rPr lang="en-US" altLang="zh-CN" sz="2000"/>
+              <a:t>1;</a:t>
+            </a:r>
+            <a:br>
+              <a:rPr lang="en-US" altLang="zh-CN" sz="2000" dirty="0"/>
+            </a:br>
+            <a:r>
+              <a:rPr lang="en-US" altLang="zh-CN" sz="2000" dirty="0"/>
+              <a:t>while (true) {</a:t>
+            </a:r>
+            <a:br>
+              <a:rPr lang="en-US" altLang="zh-CN" sz="2000" dirty="0"/>
+            </a:br>
+            <a:r>
+              <a:rPr lang="en-US" altLang="zh-CN" sz="2000" dirty="0"/>
+              <a:t>    </a:t>
+            </a:r>
+            <a:r>
+              <a:rPr lang="en-US" altLang="zh-CN" sz="2000" dirty="0" err="1"/>
+              <a:t>usleep</a:t>
+            </a:r>
+            <a:r>
+              <a:rPr lang="en-US" altLang="zh-CN" sz="2000" dirty="0"/>
+              <a:t>(10000); //</a:t>
+            </a:r>
             <a:r>
               <a:rPr lang="zh-CN" altLang="en-US" sz="2000" dirty="0"/>
-              <a:t>一个接收者获取消息后，此消息便不存在，其他接收者获取的是后续的消息。</a:t>
-            </a:r>
-            <a:endParaRPr lang="en-US" altLang="zh-CN" sz="2000" dirty="0"/>
-          </a:p>
-          <a:p>
-            <a:endParaRPr lang="en-US" altLang="zh-CN" sz="2000" dirty="0"/>
-          </a:p>
-          <a:p>
+              <a:t>延迟</a:t>
+            </a:r>
+            <a:r>
+              <a:rPr lang="en-US" altLang="zh-CN" sz="2000" dirty="0"/>
+              <a:t>10ms</a:t>
+            </a:r>
             <a:r>
               <a:rPr lang="zh-CN" altLang="en-US" sz="2000" dirty="0"/>
-              <a:t>实际场景中根据需要来确定需要多少个进程监听，不同的业务使用不同的队列。</a:t>
-            </a:r>
-            <a:endParaRPr lang="en-US" altLang="zh-CN" sz="2000" dirty="0"/>
-          </a:p>
-          <a:p>
-            <a:endParaRPr lang="en-US" altLang="zh-CN" sz="2000" dirty="0"/>
-          </a:p>
-          <a:p>
-            <a:pPr marL="0" indent="0">
-              <a:buNone/>
-            </a:pPr>
-            <a:endParaRPr lang="en-US" altLang="zh-CN" sz="2000" dirty="0"/>
+              <a:t>，实际并不需要，接收数据未到会阻塞。</a:t>
+            </a:r>
+            <a:br>
+              <a:rPr lang="en-US" altLang="zh-CN" sz="2000" dirty="0"/>
+            </a:br>
+            <a:r>
+              <a:rPr lang="en-US" altLang="zh-CN" sz="2000" dirty="0"/>
+              <a:t>    </a:t>
+            </a:r>
+            <a:r>
+              <a:rPr lang="en-US" altLang="zh-CN" sz="2000" dirty="0" err="1"/>
+              <a:t>msg_receive</a:t>
+            </a:r>
+            <a:r>
+              <a:rPr lang="en-US" altLang="zh-CN" sz="2000" dirty="0"/>
+              <a:t>($mq,0,$msgtype,100,$msg,true,0,$errcode);</a:t>
+            </a:r>
+            <a:br>
+              <a:rPr lang="en-US" altLang="zh-CN" sz="2000" dirty="0"/>
+            </a:br>
+            <a:r>
+              <a:rPr lang="en-US" altLang="zh-CN" sz="2000" dirty="0"/>
+              <a:t>    if (!$</a:t>
+            </a:r>
+            <a:r>
+              <a:rPr lang="en-US" altLang="zh-CN" sz="2000" dirty="0" err="1"/>
+              <a:t>errcode</a:t>
+            </a:r>
+            <a:r>
+              <a:rPr lang="en-US" altLang="zh-CN" sz="2000" dirty="0"/>
+              <a:t>) {</a:t>
+            </a:r>
+            <a:br>
+              <a:rPr lang="en-US" altLang="zh-CN" sz="2000" dirty="0"/>
+            </a:br>
+            <a:r>
+              <a:rPr lang="en-US" altLang="zh-CN" sz="2000" dirty="0"/>
+              <a:t>        echo "Received message($count): ",$</a:t>
+            </a:r>
+            <a:r>
+              <a:rPr lang="en-US" altLang="zh-CN" sz="2000" dirty="0" err="1"/>
+              <a:t>msg</a:t>
+            </a:r>
+            <a:r>
+              <a:rPr lang="en-US" altLang="zh-CN" sz="2000" dirty="0"/>
+              <a:t>,"\n";</a:t>
+            </a:r>
+            <a:br>
+              <a:rPr lang="en-US" altLang="zh-CN" sz="2000" dirty="0"/>
+            </a:br>
+            <a:r>
+              <a:rPr lang="en-US" altLang="zh-CN" sz="2000" dirty="0"/>
+              <a:t>    }</a:t>
+            </a:r>
+            <a:br>
+              <a:rPr lang="en-US" altLang="zh-CN" sz="2000" dirty="0"/>
+            </a:br>
+            <a:r>
+              <a:rPr lang="en-US" altLang="zh-CN" sz="2000" dirty="0"/>
+              <a:t>    else {</a:t>
+            </a:r>
+            <a:br>
+              <a:rPr lang="en-US" altLang="zh-CN" sz="2000" dirty="0"/>
+            </a:br>
+            <a:r>
+              <a:rPr lang="en-US" altLang="zh-CN" sz="2000" dirty="0"/>
+              <a:t>        echo "</a:t>
+            </a:r>
+            <a:r>
+              <a:rPr lang="en-US" altLang="zh-CN" sz="2000" dirty="0" err="1"/>
+              <a:t>Errcode</a:t>
+            </a:r>
+            <a:r>
+              <a:rPr lang="en-US" altLang="zh-CN" sz="2000" dirty="0"/>
+              <a:t>:",$</a:t>
+            </a:r>
+            <a:r>
+              <a:rPr lang="en-US" altLang="zh-CN" sz="2000" dirty="0" err="1"/>
+              <a:t>errcode</a:t>
+            </a:r>
+            <a:r>
+              <a:rPr lang="en-US" altLang="zh-CN" sz="2000" dirty="0"/>
+              <a:t>,"\n";</a:t>
+            </a:r>
+            <a:br>
+              <a:rPr lang="en-US" altLang="zh-CN" sz="2000" dirty="0"/>
+            </a:br>
+            <a:r>
+              <a:rPr lang="en-US" altLang="zh-CN" sz="2000" dirty="0"/>
+              <a:t>    }</a:t>
+            </a:r>
+            <a:br>
+              <a:rPr lang="en-US" altLang="zh-CN" sz="2000" dirty="0"/>
+            </a:br>
+            <a:r>
+              <a:rPr lang="en-US" altLang="zh-CN" sz="2000" dirty="0"/>
+              <a:t>    $count += 1;</a:t>
+            </a:r>
+            <a:br>
+              <a:rPr lang="en-US" altLang="zh-CN" sz="2000" dirty="0"/>
+            </a:br>
+            <a:r>
+              <a:rPr lang="en-US" altLang="zh-CN" sz="2000" dirty="0"/>
+              <a:t>}</a:t>
+            </a:r>
+          </a:p>
+          <a:p>
+            <a:pPr lvl="1"/>
+            <a:endParaRPr lang="en-US" altLang="zh-CN" sz="1600" dirty="0"/>
           </a:p>
         </p:txBody>
       </p:sp>
     </p:spTree>
     <p:extLst>
       <p:ext uri="{BB962C8B-B14F-4D97-AF65-F5344CB8AC3E}">
-        <p14:creationId xmlns:p14="http://schemas.microsoft.com/office/powerpoint/2010/main" val="3912726599"/>
+        <p14:creationId xmlns:p14="http://schemas.microsoft.com/office/powerpoint/2010/main" val="1376360066"/>
       </p:ext>
     </p:extLst>
   </p:cSld>
@@ -5007,10 +5120,9 @@
           <a:lstStyle/>
           <a:p>
             <a:r>
-              <a:rPr lang="en-US" altLang="zh-CN" dirty="0"/>
-              <a:t>3</a:t>
-            </a:r>
-            <a:endParaRPr lang="zh-CN" altLang="en-US" dirty="0"/>
+              <a:rPr lang="zh-CN" altLang="en-US" dirty="0"/>
+              <a:t>多个接收者</a:t>
+            </a:r>
           </a:p>
         </p:txBody>
       </p:sp>
@@ -5019,7 +5131,7 @@
           <p:cNvPr id="3" name="内容占位符 2">
             <a:extLst>
               <a:ext uri="{FF2B5EF4-FFF2-40B4-BE49-F238E27FC236}">
-                <a16:creationId xmlns:a16="http://schemas.microsoft.com/office/drawing/2014/main" id="{ED7249CC-3D11-4FF8-8CF2-30C36502BA8B}"/>
+                <a16:creationId xmlns:a16="http://schemas.microsoft.com/office/drawing/2014/main" id="{96EE1DBA-F015-4E13-B948-F2CA77768E06}"/>
               </a:ext>
             </a:extLst>
           </p:cNvPr>
@@ -5030,86 +5142,59 @@
             <p:ph idx="1"/>
           </p:nvPr>
         </p:nvSpPr>
-        <p:spPr/>
-        <p:txBody>
-          <a:bodyPr/>
+        <p:spPr>
+          <a:xfrm>
+            <a:off x="838200" y="1656500"/>
+            <a:ext cx="10515600" cy="5037263"/>
+          </a:xfrm>
+        </p:spPr>
+        <p:txBody>
+          <a:bodyPr>
+            <a:normAutofit/>
+          </a:bodyPr>
           <a:lstStyle/>
           <a:p>
-            <a:pPr marL="0" indent="0" algn="ctr">
+            <a:r>
+              <a:rPr lang="zh-CN" altLang="en-US" sz="2400" dirty="0"/>
+              <a:t>多个进程监听同一个消息队列，发布者发布消息时，消息会被多个接收者读取。</a:t>
+            </a:r>
+            <a:endParaRPr lang="en-US" altLang="zh-CN" sz="2400" dirty="0"/>
+          </a:p>
+          <a:p>
+            <a:endParaRPr lang="en-US" altLang="zh-CN" sz="2400" dirty="0"/>
+          </a:p>
+          <a:p>
+            <a:r>
+              <a:rPr lang="zh-CN" altLang="en-US" sz="2400" dirty="0"/>
+              <a:t>一个接收者获取消息后，此消息便不存在，其他接收者获取的是后续的消息。</a:t>
+            </a:r>
+            <a:endParaRPr lang="en-US" altLang="zh-CN" sz="2400" dirty="0"/>
+          </a:p>
+          <a:p>
+            <a:endParaRPr lang="en-US" altLang="zh-CN" sz="2400" dirty="0"/>
+          </a:p>
+          <a:p>
+            <a:r>
+              <a:rPr lang="zh-CN" altLang="en-US" sz="2400" dirty="0"/>
+              <a:t>实际场景中根据需要来确定需要多少个进程监听，不同的业务使用不同的队列。</a:t>
+            </a:r>
+            <a:endParaRPr lang="en-US" altLang="zh-CN" sz="2400" dirty="0"/>
+          </a:p>
+          <a:p>
+            <a:endParaRPr lang="en-US" altLang="zh-CN" sz="2400" dirty="0"/>
+          </a:p>
+          <a:p>
+            <a:pPr marL="0" indent="0">
               <a:buNone/>
             </a:pPr>
-            <a:endParaRPr lang="en-US" altLang="zh-CN" dirty="0">
-              <a:solidFill>
-                <a:schemeClr val="accent1">
-                  <a:lumMod val="75000"/>
-                </a:schemeClr>
-              </a:solidFill>
-            </a:endParaRPr>
-          </a:p>
-          <a:p>
-            <a:pPr marL="0" indent="0" algn="ctr">
-              <a:buNone/>
-            </a:pPr>
-            <a:endParaRPr lang="en-US" altLang="zh-CN" dirty="0">
-              <a:solidFill>
-                <a:schemeClr val="accent1">
-                  <a:lumMod val="75000"/>
-                </a:schemeClr>
-              </a:solidFill>
-            </a:endParaRPr>
-          </a:p>
-          <a:p>
-            <a:pPr marL="0" indent="0" algn="ctr">
-              <a:buNone/>
-            </a:pPr>
-            <a:endParaRPr lang="en-US" altLang="zh-CN" dirty="0">
-              <a:solidFill>
-                <a:schemeClr val="accent1">
-                  <a:lumMod val="75000"/>
-                </a:schemeClr>
-              </a:solidFill>
-            </a:endParaRPr>
-          </a:p>
-          <a:p>
-            <a:pPr marL="0" indent="0" algn="ctr">
-              <a:buNone/>
-            </a:pPr>
-            <a:endParaRPr lang="en-US" altLang="zh-CN" dirty="0">
-              <a:solidFill>
-                <a:schemeClr val="accent1">
-                  <a:lumMod val="75000"/>
-                </a:schemeClr>
-              </a:solidFill>
-            </a:endParaRPr>
-          </a:p>
-          <a:p>
-            <a:pPr marL="0" indent="0" algn="ctr">
-              <a:buNone/>
-            </a:pPr>
-            <a:r>
-              <a:rPr lang="en-US" altLang="zh-CN" sz="3200" dirty="0" err="1">
-                <a:solidFill>
-                  <a:schemeClr val="accent1">
-                    <a:lumMod val="75000"/>
-                  </a:schemeClr>
-                </a:solidFill>
-              </a:rPr>
-              <a:t>Redis</a:t>
-            </a:r>
-            <a:endParaRPr lang="zh-CN" altLang="en-US" sz="3200" dirty="0">
-              <a:solidFill>
-                <a:schemeClr val="accent1">
-                  <a:lumMod val="75000"/>
-                </a:schemeClr>
-              </a:solidFill>
-            </a:endParaRPr>
+            <a:endParaRPr lang="en-US" altLang="zh-CN" sz="2400" dirty="0"/>
           </a:p>
         </p:txBody>
       </p:sp>
     </p:spTree>
     <p:extLst>
       <p:ext uri="{BB962C8B-B14F-4D97-AF65-F5344CB8AC3E}">
-        <p14:creationId xmlns:p14="http://schemas.microsoft.com/office/powerpoint/2010/main" val="925777341"/>
+        <p14:creationId xmlns:p14="http://schemas.microsoft.com/office/powerpoint/2010/main" val="3912726599"/>
       </p:ext>
     </p:extLst>
   </p:cSld>
@@ -5163,13 +5248,10 @@
           <a:lstStyle/>
           <a:p>
             <a:r>
-              <a:rPr lang="en-US" altLang="zh-CN" dirty="0" err="1"/>
-              <a:t>Redis</a:t>
-            </a:r>
-            <a:r>
-              <a:rPr lang="zh-CN" altLang="en-US" dirty="0"/>
-              <a:t>基本介绍</a:t>
-            </a:r>
+              <a:rPr lang="en-US" altLang="zh-CN" dirty="0"/>
+              <a:t>3</a:t>
+            </a:r>
+            <a:endParaRPr lang="zh-CN" altLang="en-US" dirty="0"/>
           </a:p>
         </p:txBody>
       </p:sp>
@@ -5178,7 +5260,7 @@
           <p:cNvPr id="3" name="内容占位符 2">
             <a:extLst>
               <a:ext uri="{FF2B5EF4-FFF2-40B4-BE49-F238E27FC236}">
-                <a16:creationId xmlns:a16="http://schemas.microsoft.com/office/drawing/2014/main" id="{96EE1DBA-F015-4E13-B948-F2CA77768E06}"/>
+                <a16:creationId xmlns:a16="http://schemas.microsoft.com/office/drawing/2014/main" id="{ED7249CC-3D11-4FF8-8CF2-30C36502BA8B}"/>
               </a:ext>
             </a:extLst>
           </p:cNvPr>
@@ -5189,179 +5271,86 @@
             <p:ph idx="1"/>
           </p:nvPr>
         </p:nvSpPr>
-        <p:spPr>
-          <a:xfrm>
-            <a:off x="838200" y="1656500"/>
-            <a:ext cx="10515600" cy="5037263"/>
-          </a:xfrm>
-        </p:spPr>
+        <p:spPr/>
         <p:txBody>
           <a:bodyPr/>
           <a:lstStyle/>
           <a:p>
-            <a:r>
-              <a:rPr lang="en-US" altLang="zh-CN" sz="2000" dirty="0" err="1"/>
+            <a:pPr marL="0" indent="0" algn="ctr">
+              <a:buNone/>
+            </a:pPr>
+            <a:endParaRPr lang="en-US" altLang="zh-CN" dirty="0">
+              <a:solidFill>
+                <a:schemeClr val="accent1">
+                  <a:lumMod val="75000"/>
+                </a:schemeClr>
+              </a:solidFill>
+            </a:endParaRPr>
+          </a:p>
+          <a:p>
+            <a:pPr marL="0" indent="0" algn="ctr">
+              <a:buNone/>
+            </a:pPr>
+            <a:endParaRPr lang="en-US" altLang="zh-CN" dirty="0">
+              <a:solidFill>
+                <a:schemeClr val="accent1">
+                  <a:lumMod val="75000"/>
+                </a:schemeClr>
+              </a:solidFill>
+            </a:endParaRPr>
+          </a:p>
+          <a:p>
+            <a:pPr marL="0" indent="0" algn="ctr">
+              <a:buNone/>
+            </a:pPr>
+            <a:endParaRPr lang="en-US" altLang="zh-CN" dirty="0">
+              <a:solidFill>
+                <a:schemeClr val="accent1">
+                  <a:lumMod val="75000"/>
+                </a:schemeClr>
+              </a:solidFill>
+            </a:endParaRPr>
+          </a:p>
+          <a:p>
+            <a:pPr marL="0" indent="0" algn="ctr">
+              <a:buNone/>
+            </a:pPr>
+            <a:endParaRPr lang="en-US" altLang="zh-CN" dirty="0">
+              <a:solidFill>
+                <a:schemeClr val="accent1">
+                  <a:lumMod val="75000"/>
+                </a:schemeClr>
+              </a:solidFill>
+            </a:endParaRPr>
+          </a:p>
+          <a:p>
+            <a:pPr marL="0" indent="0" algn="ctr">
+              <a:buNone/>
+            </a:pPr>
+            <a:r>
+              <a:rPr lang="en-US" altLang="zh-CN" sz="3200" dirty="0" err="1">
+                <a:solidFill>
+                  <a:schemeClr val="accent1">
+                    <a:lumMod val="75000"/>
+                  </a:schemeClr>
+                </a:solidFill>
+              </a:rPr>
               <a:t>Redis</a:t>
             </a:r>
-            <a:r>
-              <a:rPr lang="en-US" altLang="zh-CN" sz="2000" dirty="0"/>
-              <a:t> </a:t>
-            </a:r>
-            <a:r>
-              <a:rPr lang="zh-CN" altLang="en-US" sz="2000" dirty="0"/>
-              <a:t>是一个开源（</a:t>
-            </a:r>
-            <a:r>
-              <a:rPr lang="en-US" altLang="zh-CN" sz="2000" dirty="0"/>
-              <a:t>BSD</a:t>
-            </a:r>
-            <a:r>
-              <a:rPr lang="zh-CN" altLang="en-US" sz="2000" dirty="0"/>
-              <a:t>许可）的，内存中的数据结构存储系统，它可以用作数据库、缓存和消息中间件。使用</a:t>
-            </a:r>
-            <a:r>
-              <a:rPr lang="en-US" altLang="zh-CN" sz="2000" dirty="0"/>
-              <a:t>ANSI C</a:t>
-            </a:r>
-            <a:r>
-              <a:rPr lang="zh-CN" altLang="en-US" sz="2000" dirty="0"/>
-              <a:t>语言编写。</a:t>
-            </a:r>
-            <a:endParaRPr lang="en-US" altLang="zh-CN" sz="2000" dirty="0"/>
-          </a:p>
-          <a:p>
-            <a:endParaRPr lang="en-US" altLang="zh-CN" sz="2000" dirty="0"/>
-          </a:p>
-          <a:p>
-            <a:r>
-              <a:rPr lang="zh-CN" altLang="en-US" sz="2000" dirty="0"/>
-              <a:t>它支持多种类型的数据结构，如 字符串（</a:t>
-            </a:r>
-            <a:r>
-              <a:rPr lang="en-US" altLang="zh-CN" sz="2000" dirty="0"/>
-              <a:t>strings</a:t>
-            </a:r>
-            <a:r>
-              <a:rPr lang="zh-CN" altLang="en-US" sz="2000" dirty="0"/>
-              <a:t>）， 散列（</a:t>
-            </a:r>
-            <a:r>
-              <a:rPr lang="en-US" altLang="zh-CN" sz="2000" dirty="0"/>
-              <a:t>hashes</a:t>
-            </a:r>
-            <a:r>
-              <a:rPr lang="zh-CN" altLang="en-US" sz="2000" dirty="0"/>
-              <a:t>）， 列表（</a:t>
-            </a:r>
-            <a:r>
-              <a:rPr lang="en-US" altLang="zh-CN" sz="2000" dirty="0"/>
-              <a:t>lists</a:t>
-            </a:r>
-            <a:r>
-              <a:rPr lang="zh-CN" altLang="en-US" sz="2000" dirty="0"/>
-              <a:t>）等。</a:t>
-            </a:r>
-            <a:endParaRPr lang="en-US" altLang="zh-CN" sz="2000" dirty="0"/>
-          </a:p>
-          <a:p>
-            <a:endParaRPr lang="en-US" altLang="zh-CN" sz="2000" dirty="0"/>
-          </a:p>
-          <a:p>
-            <a:r>
-              <a:rPr lang="zh-CN" altLang="en-US" sz="2000" dirty="0"/>
-              <a:t>官方不支持</a:t>
-            </a:r>
-            <a:r>
-              <a:rPr lang="en-US" altLang="zh-CN" sz="2000" dirty="0"/>
-              <a:t>Windows</a:t>
-            </a:r>
-            <a:r>
-              <a:rPr lang="zh-CN" altLang="en-US" sz="2000" dirty="0"/>
-              <a:t>版本的</a:t>
-            </a:r>
-            <a:r>
-              <a:rPr lang="en-US" altLang="zh-CN" sz="2000" dirty="0" err="1"/>
-              <a:t>Redis</a:t>
-            </a:r>
-            <a:r>
-              <a:rPr lang="en-US" altLang="zh-CN" sz="2000" dirty="0"/>
-              <a:t>,</a:t>
-            </a:r>
-            <a:r>
-              <a:rPr lang="zh-CN" altLang="en-US" sz="2000" dirty="0"/>
-              <a:t>但微软开发和维护着支持</a:t>
-            </a:r>
-            <a:r>
-              <a:rPr lang="en-US" altLang="zh-CN" sz="2000" dirty="0"/>
-              <a:t>win-64 </a:t>
-            </a:r>
-            <a:r>
-              <a:rPr lang="zh-CN" altLang="en-US" sz="2000" dirty="0"/>
-              <a:t>的</a:t>
-            </a:r>
-            <a:r>
-              <a:rPr lang="en-US" altLang="zh-CN" sz="2000" dirty="0" err="1"/>
-              <a:t>Redis</a:t>
-            </a:r>
-            <a:r>
-              <a:rPr lang="zh-CN" altLang="en-US" sz="2000" dirty="0"/>
-              <a:t>版本。</a:t>
-            </a:r>
-            <a:endParaRPr lang="en-US" altLang="zh-CN" sz="2000" dirty="0"/>
-          </a:p>
-          <a:p>
-            <a:r>
-              <a:rPr lang="zh-CN" altLang="en-US" sz="2000" dirty="0"/>
-              <a:t>应用场景：</a:t>
-            </a:r>
-            <a:endParaRPr lang="en-US" altLang="zh-CN" sz="2000" dirty="0"/>
-          </a:p>
-          <a:p>
-            <a:pPr lvl="1"/>
-            <a:r>
-              <a:rPr lang="zh-CN" altLang="en-US" sz="1800" dirty="0"/>
-              <a:t>将</a:t>
-            </a:r>
-            <a:r>
-              <a:rPr lang="en-US" altLang="zh-CN" sz="1800" dirty="0" err="1"/>
-              <a:t>Redis</a:t>
-            </a:r>
-            <a:r>
-              <a:rPr lang="zh-CN" altLang="en-US" sz="1800" dirty="0"/>
-              <a:t>作为一个高效的网络的缓存数据功能使用。</a:t>
-            </a:r>
-            <a:endParaRPr lang="en-US" altLang="zh-CN" sz="1800" dirty="0"/>
-          </a:p>
-          <a:p>
-            <a:pPr lvl="1"/>
-            <a:endParaRPr lang="en-US" altLang="zh-CN" sz="1800" dirty="0"/>
-          </a:p>
-          <a:p>
-            <a:pPr lvl="1"/>
-            <a:r>
-              <a:rPr lang="zh-CN" altLang="en-US" sz="1800" dirty="0"/>
-              <a:t>使用发布</a:t>
-            </a:r>
-            <a:r>
-              <a:rPr lang="en-US" altLang="zh-CN" sz="1800" dirty="0"/>
-              <a:t>/</a:t>
-            </a:r>
-            <a:r>
-              <a:rPr lang="zh-CN" altLang="en-US" sz="1800" dirty="0"/>
-              <a:t>订阅功能用作消息队列。</a:t>
-            </a:r>
-            <a:endParaRPr lang="en-US" altLang="zh-CN" sz="1800" dirty="0"/>
-          </a:p>
-          <a:p>
-            <a:pPr lvl="1"/>
-            <a:endParaRPr lang="en-US" altLang="zh-CN" sz="1600" dirty="0"/>
+            <a:endParaRPr lang="zh-CN" altLang="en-US" sz="3200" dirty="0">
+              <a:solidFill>
+                <a:schemeClr val="accent1">
+                  <a:lumMod val="75000"/>
+                </a:schemeClr>
+              </a:solidFill>
+            </a:endParaRPr>
           </a:p>
         </p:txBody>
       </p:sp>
     </p:spTree>
     <p:extLst>
       <p:ext uri="{BB962C8B-B14F-4D97-AF65-F5344CB8AC3E}">
-        <p14:creationId xmlns:p14="http://schemas.microsoft.com/office/powerpoint/2010/main" val="2317717954"/>
+        <p14:creationId xmlns:p14="http://schemas.microsoft.com/office/powerpoint/2010/main" val="925777341"/>
       </p:ext>
     </p:extLst>
   </p:cSld>
@@ -5415,28 +5404,12 @@
           <a:lstStyle/>
           <a:p>
             <a:r>
-              <a:rPr lang="en-US" altLang="zh-CN" dirty="0"/>
-              <a:t>PHP</a:t>
-            </a:r>
-            <a:r>
-              <a:rPr lang="zh-CN" altLang="en-US" dirty="0"/>
-              <a:t>的</a:t>
-            </a:r>
-            <a:r>
               <a:rPr lang="en-US" altLang="zh-CN" dirty="0" err="1"/>
               <a:t>Redis</a:t>
             </a:r>
             <a:r>
               <a:rPr lang="zh-CN" altLang="en-US" dirty="0"/>
-              <a:t>扩展与</a:t>
-            </a:r>
-            <a:r>
-              <a:rPr lang="en-US" altLang="zh-CN" dirty="0" err="1"/>
-              <a:t>Redis</a:t>
-            </a:r>
-            <a:r>
-              <a:rPr lang="zh-CN" altLang="en-US" dirty="0"/>
-              <a:t>服务程序</a:t>
+              <a:t>基本介绍</a:t>
             </a:r>
           </a:p>
         </p:txBody>
@@ -5464,16 +5437,133 @@
           </a:xfrm>
         </p:spPr>
         <p:txBody>
-          <a:bodyPr/>
+          <a:bodyPr>
+            <a:normAutofit/>
+          </a:bodyPr>
           <a:lstStyle/>
           <a:p>
             <a:r>
-              <a:rPr lang="en-US" altLang="zh-CN" sz="2000" dirty="0"/>
-              <a:t>PHP</a:t>
-            </a:r>
+              <a:rPr lang="en-US" altLang="zh-CN" sz="2400" dirty="0" err="1"/>
+              <a:t>Redis</a:t>
+            </a:r>
+            <a:r>
+              <a:rPr lang="en-US" altLang="zh-CN" sz="2400" dirty="0"/>
+              <a:t> </a:t>
+            </a:r>
+            <a:r>
+              <a:rPr lang="zh-CN" altLang="en-US" sz="2400" dirty="0"/>
+              <a:t>是一个开源（</a:t>
+            </a:r>
+            <a:r>
+              <a:rPr lang="en-US" altLang="zh-CN" sz="2400" dirty="0"/>
+              <a:t>BSD</a:t>
+            </a:r>
+            <a:r>
+              <a:rPr lang="zh-CN" altLang="en-US" sz="2400" dirty="0"/>
+              <a:t>许可）的，内存中的数据结构存储系统，它可以用作数据库、缓存和消息中间件。使用</a:t>
+            </a:r>
+            <a:r>
+              <a:rPr lang="en-US" altLang="zh-CN" sz="2400" dirty="0"/>
+              <a:t>ANSI C</a:t>
+            </a:r>
+            <a:r>
+              <a:rPr lang="zh-CN" altLang="en-US" sz="2400" dirty="0"/>
+              <a:t>语言编写。</a:t>
+            </a:r>
+            <a:endParaRPr lang="en-US" altLang="zh-CN" sz="2400" dirty="0"/>
+          </a:p>
+          <a:p>
+            <a:endParaRPr lang="en-US" altLang="zh-CN" sz="2400" dirty="0"/>
+          </a:p>
+          <a:p>
+            <a:r>
+              <a:rPr lang="zh-CN" altLang="en-US" sz="2400" dirty="0"/>
+              <a:t>它支持多种类型的数据结构，如 字符串（</a:t>
+            </a:r>
+            <a:r>
+              <a:rPr lang="en-US" altLang="zh-CN" sz="2400" dirty="0"/>
+              <a:t>strings</a:t>
+            </a:r>
+            <a:r>
+              <a:rPr lang="zh-CN" altLang="en-US" sz="2400" dirty="0"/>
+              <a:t>）， 散列（</a:t>
+            </a:r>
+            <a:r>
+              <a:rPr lang="en-US" altLang="zh-CN" sz="2400" dirty="0"/>
+              <a:t>hashes</a:t>
+            </a:r>
+            <a:r>
+              <a:rPr lang="zh-CN" altLang="en-US" sz="2400" dirty="0"/>
+              <a:t>）， 列表（</a:t>
+            </a:r>
+            <a:r>
+              <a:rPr lang="en-US" altLang="zh-CN" sz="2400" dirty="0"/>
+              <a:t>lists</a:t>
+            </a:r>
+            <a:r>
+              <a:rPr lang="zh-CN" altLang="en-US" sz="2400" dirty="0"/>
+              <a:t>）等。</a:t>
+            </a:r>
+            <a:endParaRPr lang="en-US" altLang="zh-CN" sz="2400" dirty="0"/>
+          </a:p>
+          <a:p>
+            <a:endParaRPr lang="en-US" altLang="zh-CN" sz="2400" dirty="0"/>
+          </a:p>
+          <a:p>
+            <a:r>
+              <a:rPr lang="zh-CN" altLang="en-US" sz="2400" dirty="0"/>
+              <a:t>官方不支持</a:t>
+            </a:r>
+            <a:r>
+              <a:rPr lang="en-US" altLang="zh-CN" sz="2400" dirty="0"/>
+              <a:t>Windows</a:t>
+            </a:r>
+            <a:r>
+              <a:rPr lang="zh-CN" altLang="en-US" sz="2400" dirty="0"/>
+              <a:t>版本的</a:t>
+            </a:r>
+            <a:r>
+              <a:rPr lang="en-US" altLang="zh-CN" sz="2400" dirty="0" err="1"/>
+              <a:t>Redis</a:t>
+            </a:r>
+            <a:r>
+              <a:rPr lang="en-US" altLang="zh-CN" sz="2400" dirty="0"/>
+              <a:t>,</a:t>
+            </a:r>
+            <a:r>
+              <a:rPr lang="zh-CN" altLang="en-US" sz="2400" dirty="0"/>
+              <a:t>但微软开发和维护着支持</a:t>
+            </a:r>
+            <a:r>
+              <a:rPr lang="en-US" altLang="zh-CN" sz="2400" dirty="0"/>
+              <a:t>win-64 </a:t>
+            </a:r>
+            <a:r>
+              <a:rPr lang="zh-CN" altLang="en-US" sz="2400" dirty="0"/>
+              <a:t>的</a:t>
+            </a:r>
+            <a:r>
+              <a:rPr lang="en-US" altLang="zh-CN" sz="2400" dirty="0" err="1"/>
+              <a:t>Redis</a:t>
+            </a:r>
+            <a:r>
+              <a:rPr lang="zh-CN" altLang="en-US" sz="2400" dirty="0"/>
+              <a:t>版本。</a:t>
+            </a:r>
+            <a:endParaRPr lang="en-US" altLang="zh-CN" sz="2400" dirty="0"/>
+          </a:p>
+          <a:p>
+            <a:r>
+              <a:rPr lang="zh-CN" altLang="en-US" sz="2400" dirty="0"/>
+              <a:t>应用场景：</a:t>
+            </a:r>
+            <a:endParaRPr lang="en-US" altLang="zh-CN" sz="2400" dirty="0"/>
+          </a:p>
+          <a:p>
+            <a:pPr lvl="1"/>
             <a:r>
               <a:rPr lang="zh-CN" altLang="en-US" sz="2000" dirty="0"/>
-              <a:t>提供了</a:t>
+              <a:t>将</a:t>
             </a:r>
             <a:r>
               <a:rPr lang="en-US" altLang="zh-CN" sz="2000" dirty="0" err="1"/>
@@ -5481,260 +5571,40 @@
             </a:r>
             <a:r>
               <a:rPr lang="zh-CN" altLang="en-US" sz="2000" dirty="0"/>
-              <a:t>扩展用于连接</a:t>
-            </a:r>
-            <a:r>
-              <a:rPr lang="en-US" altLang="zh-CN" sz="2000" dirty="0" err="1"/>
-              <a:t>Redis</a:t>
-            </a:r>
+              <a:t>作为一个高效的网络的缓存数据功能</a:t>
+            </a:r>
+            <a:r>
+              <a:rPr lang="zh-CN" altLang="en-US" sz="2000"/>
+              <a:t>使用。</a:t>
+            </a:r>
+            <a:endParaRPr lang="en-US" altLang="zh-CN" sz="2000" dirty="0"/>
+          </a:p>
+          <a:p>
+            <a:pPr lvl="1"/>
             <a:r>
               <a:rPr lang="zh-CN" altLang="en-US" sz="2000" dirty="0"/>
-              <a:t>服务进行操作。从</a:t>
-            </a:r>
-            <a:r>
-              <a:rPr lang="en-US" altLang="zh-CN" sz="2000" dirty="0">
-                <a:hlinkClick r:id="rId2"/>
-              </a:rPr>
-              <a:t>http://pecl.php.net/package/redis</a:t>
+              <a:t>使用发布</a:t>
+            </a:r>
+            <a:r>
+              <a:rPr lang="en-US" altLang="zh-CN" sz="2000" dirty="0"/>
+              <a:t>/</a:t>
             </a:r>
             <a:r>
               <a:rPr lang="zh-CN" altLang="en-US" sz="2000" dirty="0"/>
-              <a:t>可以下载最新版的</a:t>
-            </a:r>
-            <a:r>
-              <a:rPr lang="en-US" altLang="zh-CN" sz="2000" dirty="0" err="1"/>
-              <a:t>Redis</a:t>
-            </a:r>
-            <a:r>
-              <a:rPr lang="zh-CN" altLang="en-US" sz="2000" dirty="0"/>
-              <a:t>扩展。</a:t>
+              <a:t>订阅功能用作消息队列。</a:t>
             </a:r>
             <a:endParaRPr lang="en-US" altLang="zh-CN" sz="2000" dirty="0"/>
           </a:p>
           <a:p>
-            <a:endParaRPr lang="en-US" altLang="zh-CN" sz="2000" dirty="0"/>
-          </a:p>
-          <a:p>
-            <a:r>
-              <a:rPr lang="zh-CN" altLang="en-US" sz="2000" dirty="0"/>
-              <a:t>安装过程使用之前讲到的编译安装：</a:t>
-            </a:r>
-            <a:endParaRPr lang="en-US" altLang="zh-CN" sz="2000" dirty="0"/>
-          </a:p>
-          <a:p>
-            <a:pPr marL="457200" lvl="1" indent="0">
-              <a:buNone/>
-            </a:pPr>
-            <a:r>
-              <a:rPr lang="en-US" altLang="zh-CN" sz="1800" dirty="0"/>
-              <a:t>./configure  --with-</a:t>
-            </a:r>
-            <a:r>
-              <a:rPr lang="en-US" altLang="zh-CN" sz="1800" dirty="0" err="1"/>
-              <a:t>php</a:t>
-            </a:r>
-            <a:r>
-              <a:rPr lang="en-US" altLang="zh-CN" sz="1800" dirty="0"/>
-              <a:t>-config=PHP_INSTALL_DIR/bin/</a:t>
-            </a:r>
-            <a:r>
-              <a:rPr lang="en-US" altLang="zh-CN" sz="1800" dirty="0" err="1"/>
-              <a:t>php</a:t>
-            </a:r>
-            <a:r>
-              <a:rPr lang="en-US" altLang="zh-CN" sz="1800" dirty="0"/>
-              <a:t>-config</a:t>
-            </a:r>
-          </a:p>
-          <a:p>
-            <a:pPr marL="457200" lvl="1" indent="0">
-              <a:buNone/>
-            </a:pPr>
-            <a:r>
-              <a:rPr lang="en-US" altLang="zh-CN" sz="1800" dirty="0" err="1"/>
-              <a:t>sudo</a:t>
-            </a:r>
-            <a:r>
-              <a:rPr lang="en-US" altLang="zh-CN" sz="1800" dirty="0"/>
-              <a:t>  make  install</a:t>
-            </a:r>
-          </a:p>
-          <a:p>
-            <a:r>
-              <a:rPr lang="zh-CN" altLang="en-US" sz="2000" dirty="0"/>
-              <a:t>也可以使用</a:t>
-            </a:r>
-            <a:r>
-              <a:rPr lang="en-US" altLang="zh-CN" sz="2000" dirty="0" err="1"/>
-              <a:t>pecl</a:t>
-            </a:r>
-            <a:r>
-              <a:rPr lang="en-US" altLang="zh-CN" sz="2000" dirty="0"/>
-              <a:t> install </a:t>
-            </a:r>
-            <a:r>
-              <a:rPr lang="en-US" altLang="zh-CN" sz="2000" dirty="0" err="1"/>
-              <a:t>redis</a:t>
-            </a:r>
-            <a:endParaRPr lang="en-US" altLang="zh-CN" sz="2000" dirty="0"/>
-          </a:p>
-          <a:p>
-            <a:endParaRPr lang="en-US" altLang="zh-CN" sz="2000" dirty="0"/>
-          </a:p>
-          <a:p>
-            <a:r>
-              <a:rPr lang="zh-CN" altLang="en-US" sz="2000" dirty="0"/>
-              <a:t>安装完成后要配置</a:t>
-            </a:r>
-            <a:r>
-              <a:rPr lang="en-US" altLang="zh-CN" sz="2000" dirty="0"/>
-              <a:t>php.ini</a:t>
-            </a:r>
-            <a:r>
-              <a:rPr lang="zh-CN" altLang="en-US" sz="2000" dirty="0"/>
-              <a:t>启用</a:t>
-            </a:r>
-            <a:r>
-              <a:rPr lang="en-US" altLang="zh-CN" sz="2000" dirty="0" err="1"/>
-              <a:t>redis</a:t>
-            </a:r>
-            <a:r>
-              <a:rPr lang="zh-CN" altLang="en-US" sz="2000" dirty="0"/>
-              <a:t>扩展，并重启</a:t>
-            </a:r>
-            <a:r>
-              <a:rPr lang="en-US" altLang="zh-CN" sz="2000" dirty="0"/>
-              <a:t>web</a:t>
-            </a:r>
-            <a:r>
-              <a:rPr lang="zh-CN" altLang="en-US" sz="2000" dirty="0"/>
-              <a:t>服务。</a:t>
-            </a:r>
-            <a:endParaRPr lang="en-US" altLang="zh-CN" sz="2000" dirty="0"/>
-          </a:p>
-          <a:p>
-            <a:r>
-              <a:rPr lang="zh-CN" altLang="en-US" sz="2000" dirty="0"/>
-              <a:t>安装</a:t>
-            </a:r>
-            <a:r>
-              <a:rPr lang="en-US" altLang="zh-CN" sz="2000" dirty="0" err="1"/>
-              <a:t>redis</a:t>
-            </a:r>
-            <a:r>
-              <a:rPr lang="zh-CN" altLang="en-US" sz="2000" dirty="0"/>
-              <a:t>服务：</a:t>
-            </a:r>
-            <a:r>
-              <a:rPr lang="en-US" altLang="zh-CN" sz="2000" dirty="0" err="1"/>
-              <a:t>sudo</a:t>
-            </a:r>
-            <a:r>
-              <a:rPr lang="en-US" altLang="zh-CN" sz="2000" dirty="0"/>
-              <a:t>  apt  install </a:t>
-            </a:r>
-            <a:r>
-              <a:rPr lang="en-US" altLang="zh-CN" sz="2000" dirty="0" err="1"/>
-              <a:t>redis</a:t>
-            </a:r>
-            <a:r>
-              <a:rPr lang="en-US" altLang="zh-CN" sz="2000" dirty="0"/>
-              <a:t>-server</a:t>
-            </a:r>
-          </a:p>
-          <a:p>
-            <a:r>
-              <a:rPr lang="zh-CN" altLang="en-US" sz="2000" dirty="0"/>
-              <a:t>安装</a:t>
-            </a:r>
-            <a:r>
-              <a:rPr lang="en-US" altLang="zh-CN" sz="2000" dirty="0" err="1"/>
-              <a:t>redis</a:t>
-            </a:r>
-            <a:r>
-              <a:rPr lang="en-US" altLang="zh-CN" sz="2000" dirty="0"/>
-              <a:t>-server</a:t>
-            </a:r>
-            <a:r>
-              <a:rPr lang="zh-CN" altLang="en-US" sz="2000" dirty="0"/>
-              <a:t>会自动安装</a:t>
-            </a:r>
-            <a:r>
-              <a:rPr lang="en-US" altLang="zh-CN" sz="2000" dirty="0" err="1"/>
-              <a:t>redis</a:t>
-            </a:r>
-            <a:r>
-              <a:rPr lang="en-US" altLang="zh-CN" sz="2000" dirty="0"/>
-              <a:t>-tools</a:t>
-            </a:r>
-            <a:r>
-              <a:rPr lang="zh-CN" altLang="en-US" sz="2000" dirty="0"/>
-              <a:t>，安装后有</a:t>
-            </a:r>
-            <a:r>
-              <a:rPr lang="en-US" altLang="zh-CN" sz="2000" dirty="0" err="1"/>
-              <a:t>redis</a:t>
-            </a:r>
-            <a:r>
-              <a:rPr lang="en-US" altLang="zh-CN" sz="2000" dirty="0"/>
-              <a:t>-cli</a:t>
-            </a:r>
-            <a:r>
-              <a:rPr lang="zh-CN" altLang="en-US" sz="2000" dirty="0"/>
-              <a:t>用于连接</a:t>
-            </a:r>
-            <a:r>
-              <a:rPr lang="en-US" altLang="zh-CN" sz="2000" dirty="0" err="1"/>
-              <a:t>redis</a:t>
-            </a:r>
-            <a:r>
-              <a:rPr lang="en-US" altLang="zh-CN" sz="2000" dirty="0"/>
-              <a:t>-server</a:t>
-            </a:r>
-            <a:r>
-              <a:rPr lang="zh-CN" altLang="en-US" sz="2000" dirty="0"/>
-              <a:t>。</a:t>
-            </a:r>
-            <a:endParaRPr lang="en-US" altLang="zh-CN" sz="2000" dirty="0"/>
-          </a:p>
-          <a:p>
-            <a:r>
-              <a:rPr lang="en-US" altLang="zh-CN" sz="2000" dirty="0" err="1"/>
-              <a:t>redis</a:t>
-            </a:r>
-            <a:r>
-              <a:rPr lang="en-US" altLang="zh-CN" sz="2000" dirty="0"/>
-              <a:t>-server</a:t>
-            </a:r>
-            <a:r>
-              <a:rPr lang="zh-CN" altLang="en-US" sz="2000" dirty="0"/>
-              <a:t>默认运行在</a:t>
-            </a:r>
-            <a:r>
-              <a:rPr lang="en-US" altLang="zh-CN" sz="2000" dirty="0"/>
-              <a:t>6379</a:t>
-            </a:r>
-            <a:r>
-              <a:rPr lang="zh-CN" altLang="en-US" sz="2000" dirty="0"/>
-              <a:t>端口。</a:t>
-            </a:r>
-            <a:endParaRPr lang="en-US" altLang="zh-CN" sz="2000" dirty="0"/>
-          </a:p>
-          <a:p>
-            <a:endParaRPr lang="en-US" altLang="zh-CN" sz="2000" dirty="0"/>
-          </a:p>
-          <a:p>
-            <a:endParaRPr lang="en-US" altLang="zh-CN" sz="2000" dirty="0"/>
-          </a:p>
-          <a:p>
-            <a:endParaRPr lang="en-US" altLang="zh-CN" sz="2000" dirty="0"/>
+            <a:pPr lvl="1"/>
+            <a:endParaRPr lang="en-US" altLang="zh-CN" dirty="0"/>
           </a:p>
         </p:txBody>
       </p:sp>
     </p:spTree>
     <p:extLst>
       <p:ext uri="{BB962C8B-B14F-4D97-AF65-F5344CB8AC3E}">
-        <p14:creationId xmlns:p14="http://schemas.microsoft.com/office/powerpoint/2010/main" val="1118539503"/>
+        <p14:creationId xmlns:p14="http://schemas.microsoft.com/office/powerpoint/2010/main" val="2317717954"/>
       </p:ext>
     </p:extLst>
   </p:cSld>
@@ -5788,12 +5658,28 @@
           <a:lstStyle/>
           <a:p>
             <a:r>
+              <a:rPr lang="en-US" altLang="zh-CN" dirty="0"/>
+              <a:t>PHP</a:t>
+            </a:r>
+            <a:r>
+              <a:rPr lang="zh-CN" altLang="en-US" dirty="0"/>
+              <a:t>的</a:t>
+            </a:r>
+            <a:r>
               <a:rPr lang="en-US" altLang="zh-CN" dirty="0" err="1"/>
               <a:t>Redis</a:t>
             </a:r>
             <a:r>
               <a:rPr lang="zh-CN" altLang="en-US" dirty="0"/>
-              <a:t>客户端工具</a:t>
+              <a:t>扩展与</a:t>
+            </a:r>
+            <a:r>
+              <a:rPr lang="en-US" altLang="zh-CN" dirty="0" err="1"/>
+              <a:t>Redis</a:t>
+            </a:r>
+            <a:r>
+              <a:rPr lang="zh-CN" altLang="en-US" dirty="0"/>
+              <a:t>服务程序</a:t>
             </a:r>
           </a:p>
         </p:txBody>
@@ -5827,235 +5713,261 @@
           <a:lstStyle/>
           <a:p>
             <a:r>
-              <a:rPr lang="zh-CN" altLang="en-US" sz="2000" dirty="0"/>
-              <a:t>运行</a:t>
-            </a:r>
-            <a:r>
-              <a:rPr lang="en-US" altLang="zh-CN" sz="2000" dirty="0" err="1"/>
-              <a:t>redis</a:t>
-            </a:r>
-            <a:r>
-              <a:rPr lang="en-US" altLang="zh-CN" sz="2000" dirty="0"/>
-              <a:t>-cli</a:t>
-            </a:r>
-            <a:r>
-              <a:rPr lang="zh-CN" altLang="en-US" sz="2000" dirty="0"/>
-              <a:t>直接就会连接</a:t>
-            </a:r>
-            <a:r>
-              <a:rPr lang="en-US" altLang="zh-CN" sz="2000" dirty="0" err="1"/>
-              <a:t>redis</a:t>
-            </a:r>
-            <a:r>
-              <a:rPr lang="en-US" altLang="zh-CN" sz="2000" dirty="0"/>
-              <a:t>-server</a:t>
-            </a:r>
-            <a:r>
-              <a:rPr lang="zh-CN" altLang="en-US" sz="2000" dirty="0"/>
-              <a:t>，不需要参数。</a:t>
-            </a:r>
-            <a:endParaRPr lang="en-US" altLang="zh-CN" sz="2000" dirty="0"/>
-          </a:p>
-          <a:p>
-            <a:endParaRPr lang="en-US" altLang="zh-CN" sz="2000" dirty="0"/>
-          </a:p>
-          <a:p>
-            <a:endParaRPr lang="en-US" altLang="zh-CN" sz="2000" dirty="0"/>
-          </a:p>
-          <a:p>
-            <a:endParaRPr lang="en-US" altLang="zh-CN" sz="2000" dirty="0"/>
-          </a:p>
-          <a:p>
-            <a:endParaRPr lang="en-US" altLang="zh-CN" sz="2000" dirty="0"/>
-          </a:p>
-          <a:p>
-            <a:pPr marL="0" indent="0">
+              <a:rPr lang="en-US" altLang="zh-CN" sz="2400" dirty="0"/>
+              <a:t>PHP</a:t>
+            </a:r>
+            <a:r>
+              <a:rPr lang="zh-CN" altLang="en-US" sz="2400" dirty="0"/>
+              <a:t>提供了</a:t>
+            </a:r>
+            <a:r>
+              <a:rPr lang="en-US" altLang="zh-CN" sz="2400" dirty="0" err="1"/>
+              <a:t>Redis</a:t>
+            </a:r>
+            <a:r>
+              <a:rPr lang="zh-CN" altLang="en-US" sz="2400" dirty="0"/>
+              <a:t>扩展用于连接</a:t>
+            </a:r>
+            <a:r>
+              <a:rPr lang="en-US" altLang="zh-CN" sz="2400" dirty="0" err="1"/>
+              <a:t>Redis</a:t>
+            </a:r>
+            <a:r>
+              <a:rPr lang="zh-CN" altLang="en-US" sz="2400" dirty="0"/>
+              <a:t>服务进行操作。从</a:t>
+            </a:r>
+            <a:r>
+              <a:rPr lang="en-US" altLang="zh-CN" sz="2400" dirty="0">
+                <a:hlinkClick r:id="rId2"/>
+              </a:rPr>
+              <a:t>http://pecl.php.net/package/redis</a:t>
+            </a:r>
+            <a:r>
+              <a:rPr lang="zh-CN" altLang="en-US" sz="2400" dirty="0"/>
+              <a:t>可以下载最新版的</a:t>
+            </a:r>
+            <a:r>
+              <a:rPr lang="en-US" altLang="zh-CN" sz="2400" dirty="0" err="1"/>
+              <a:t>Redis</a:t>
+            </a:r>
+            <a:r>
+              <a:rPr lang="zh-CN" altLang="en-US" sz="2400"/>
+              <a:t>扩展。</a:t>
+            </a:r>
+            <a:endParaRPr lang="en-US" altLang="zh-CN" sz="2400" dirty="0"/>
+          </a:p>
+          <a:p>
+            <a:r>
+              <a:rPr lang="zh-CN" altLang="en-US" sz="2400" dirty="0"/>
+              <a:t>安装过程使用之前讲到的编译安装：</a:t>
+            </a:r>
+            <a:endParaRPr lang="en-US" altLang="zh-CN" sz="2400" dirty="0"/>
+          </a:p>
+          <a:p>
+            <a:pPr marL="457200" lvl="1" indent="0">
               <a:buNone/>
             </a:pPr>
-            <a:endParaRPr lang="en-US" altLang="zh-CN" sz="2000" dirty="0"/>
-          </a:p>
-          <a:p>
-            <a:r>
-              <a:rPr lang="zh-CN" altLang="en-US" sz="2000" dirty="0"/>
-              <a:t>命令示例：</a:t>
-            </a:r>
-            <a:endParaRPr lang="en-US" altLang="zh-CN" sz="2000" dirty="0"/>
-          </a:p>
-          <a:p>
-            <a:pPr lvl="1"/>
-            <a:r>
-              <a:rPr lang="zh-CN" altLang="en-US" sz="1800" dirty="0"/>
-              <a:t>添加： </a:t>
-            </a:r>
-            <a:r>
-              <a:rPr lang="en-US" altLang="zh-CN" sz="1800" dirty="0"/>
-              <a:t>append  brave  master  //</a:t>
-            </a:r>
-            <a:r>
-              <a:rPr lang="zh-CN" altLang="en-US" sz="1800" dirty="0"/>
-              <a:t>如果重复此操作，则会在</a:t>
-            </a:r>
-            <a:r>
-              <a:rPr lang="en-US" altLang="zh-CN" sz="1800" dirty="0"/>
-              <a:t>key</a:t>
-            </a:r>
-            <a:r>
-              <a:rPr lang="zh-CN" altLang="en-US" sz="1800" dirty="0"/>
-              <a:t>索引的值后面添加数据</a:t>
-            </a:r>
-            <a:endParaRPr lang="en-US" altLang="zh-CN" sz="1800" dirty="0"/>
-          </a:p>
-          <a:p>
-            <a:pPr lvl="1"/>
-            <a:r>
-              <a:rPr lang="zh-CN" altLang="en-US" sz="1800" dirty="0"/>
-              <a:t>获取： </a:t>
-            </a:r>
-            <a:r>
-              <a:rPr lang="en-US" altLang="zh-CN" sz="1800" dirty="0"/>
-              <a:t>get  brave</a:t>
-            </a:r>
-          </a:p>
-          <a:p>
-            <a:pPr lvl="1"/>
-            <a:r>
-              <a:rPr lang="zh-CN" altLang="en-US" sz="1800" dirty="0"/>
-              <a:t>重置： </a:t>
-            </a:r>
-            <a:r>
-              <a:rPr lang="en-US" altLang="zh-CN" sz="1800" dirty="0"/>
-              <a:t>set  brave  programmer  //</a:t>
-            </a:r>
-            <a:r>
-              <a:rPr lang="zh-CN" altLang="en-US" sz="1800" dirty="0"/>
-              <a:t>如果没有此索引，则会创建</a:t>
-            </a:r>
-            <a:endParaRPr lang="en-US" altLang="zh-CN" sz="1800" dirty="0"/>
-          </a:p>
-          <a:p>
-            <a:pPr lvl="1"/>
-            <a:r>
-              <a:rPr lang="zh-CN" altLang="en-US" sz="1800" dirty="0"/>
-              <a:t>删除： </a:t>
-            </a:r>
-            <a:r>
-              <a:rPr lang="en-US" altLang="zh-CN" sz="1800" dirty="0"/>
-              <a:t>del  brave</a:t>
-            </a:r>
-          </a:p>
-          <a:p>
-            <a:pPr lvl="1"/>
-            <a:r>
-              <a:rPr lang="zh-CN" altLang="en-US" sz="1800" dirty="0"/>
-              <a:t>列表： </a:t>
-            </a:r>
-            <a:r>
-              <a:rPr lang="en-US" altLang="zh-CN" sz="1800" dirty="0" err="1"/>
-              <a:t>lpush</a:t>
-            </a:r>
-            <a:r>
-              <a:rPr lang="en-US" altLang="zh-CN" sz="1800" dirty="0"/>
-              <a:t> [ LIST KEY ] [ VALUE ]</a:t>
-            </a:r>
-            <a:r>
-              <a:rPr lang="zh-CN" altLang="en-US" sz="1800" dirty="0"/>
-              <a:t>把</a:t>
-            </a:r>
-            <a:r>
-              <a:rPr lang="en-US" altLang="zh-CN" sz="1800" dirty="0"/>
-              <a:t>VALUE</a:t>
-            </a:r>
-            <a:r>
-              <a:rPr lang="zh-CN" altLang="en-US" sz="1800" dirty="0"/>
-              <a:t>值压入</a:t>
-            </a:r>
-            <a:r>
-              <a:rPr lang="en-US" altLang="zh-CN" sz="1800" dirty="0"/>
-              <a:t>LIST KEY</a:t>
-            </a:r>
-            <a:r>
-              <a:rPr lang="zh-CN" altLang="en-US" sz="1800" dirty="0"/>
-              <a:t>，重复操作元素会不断加入</a:t>
-            </a:r>
-            <a:r>
-              <a:rPr lang="en-US" altLang="zh-CN" sz="1800" dirty="0"/>
-              <a:t>LIST KEY</a:t>
-            </a:r>
-          </a:p>
-          <a:p>
-            <a:pPr lvl="1"/>
-            <a:r>
-              <a:rPr lang="zh-CN" altLang="en-US" sz="1800" dirty="0"/>
-              <a:t>列表： </a:t>
-            </a:r>
-            <a:r>
-              <a:rPr lang="en-US" altLang="zh-CN" sz="1800" dirty="0" err="1"/>
-              <a:t>lpop</a:t>
-            </a:r>
-            <a:r>
-              <a:rPr lang="en-US" altLang="zh-CN" sz="1800" dirty="0"/>
-              <a:t>  [ LIST KEY ] </a:t>
-            </a:r>
-            <a:r>
-              <a:rPr lang="zh-CN" altLang="en-US" sz="1800" dirty="0"/>
-              <a:t>弹出最近压入的元素</a:t>
-            </a:r>
-            <a:endParaRPr lang="en-US" altLang="zh-CN" sz="1800" dirty="0"/>
-          </a:p>
-          <a:p>
-            <a:endParaRPr lang="en-US" altLang="zh-CN" sz="2000" dirty="0"/>
-          </a:p>
-          <a:p>
-            <a:endParaRPr lang="en-US" altLang="zh-CN" sz="2000" dirty="0"/>
-          </a:p>
-          <a:p>
-            <a:pPr marL="0" indent="0">
+            <a:r>
+              <a:rPr lang="en-US" altLang="zh-CN" sz="2000" dirty="0"/>
+              <a:t>./configure  --with-</a:t>
+            </a:r>
+            <a:r>
+              <a:rPr lang="en-US" altLang="zh-CN" sz="2000" dirty="0" err="1"/>
+              <a:t>php</a:t>
+            </a:r>
+            <a:r>
+              <a:rPr lang="en-US" altLang="zh-CN" sz="2000" dirty="0"/>
+              <a:t>-config=PHP_INSTALL_DIR/bin/</a:t>
+            </a:r>
+            <a:r>
+              <a:rPr lang="en-US" altLang="zh-CN" sz="2000" dirty="0" err="1"/>
+              <a:t>php</a:t>
+            </a:r>
+            <a:r>
+              <a:rPr lang="en-US" altLang="zh-CN" sz="2000" dirty="0"/>
+              <a:t>-config</a:t>
+            </a:r>
+          </a:p>
+          <a:p>
+            <a:pPr marL="457200" lvl="1" indent="0">
               <a:buNone/>
             </a:pPr>
+            <a:r>
+              <a:rPr lang="en-US" altLang="zh-CN" sz="2000" dirty="0" err="1"/>
+              <a:t>sudo</a:t>
+            </a:r>
+            <a:r>
+              <a:rPr lang="en-US" altLang="zh-CN" sz="2000" dirty="0"/>
+              <a:t>  make  install</a:t>
+            </a:r>
+          </a:p>
+          <a:p>
+            <a:r>
+              <a:rPr lang="zh-CN" altLang="en-US" sz="2400" dirty="0"/>
+              <a:t>也可以使用</a:t>
+            </a:r>
+            <a:r>
+              <a:rPr lang="en-US" altLang="zh-CN" sz="2400" dirty="0" err="1"/>
+              <a:t>pecl</a:t>
+            </a:r>
+            <a:r>
+              <a:rPr lang="en-US" altLang="zh-CN" sz="2400" dirty="0"/>
+              <a:t> </a:t>
+            </a:r>
+            <a:r>
+              <a:rPr lang="en-US" altLang="zh-CN" sz="2400"/>
+              <a:t>install redis</a:t>
+            </a:r>
+            <a:endParaRPr lang="en-US" altLang="zh-CN" sz="2400" dirty="0"/>
+          </a:p>
+          <a:p>
+            <a:r>
+              <a:rPr lang="zh-CN" altLang="en-US" sz="2400" dirty="0"/>
+              <a:t>安装完成后要配置</a:t>
+            </a:r>
+            <a:r>
+              <a:rPr lang="en-US" altLang="zh-CN" sz="2400" dirty="0"/>
+              <a:t>php.ini</a:t>
+            </a:r>
+            <a:r>
+              <a:rPr lang="zh-CN" altLang="en-US" sz="2400" dirty="0"/>
+              <a:t>启用</a:t>
+            </a:r>
+            <a:r>
+              <a:rPr lang="en-US" altLang="zh-CN" sz="2400" dirty="0" err="1"/>
+              <a:t>redis</a:t>
+            </a:r>
+            <a:r>
+              <a:rPr lang="zh-CN" altLang="en-US" sz="2400" dirty="0"/>
+              <a:t>扩展，并重启</a:t>
+            </a:r>
+            <a:r>
+              <a:rPr lang="en-US" altLang="zh-CN" sz="2400" dirty="0"/>
+              <a:t>web</a:t>
+            </a:r>
+            <a:r>
+              <a:rPr lang="zh-CN" altLang="en-US" sz="2400" dirty="0"/>
+              <a:t>服务。</a:t>
+            </a:r>
+            <a:endParaRPr lang="en-US" altLang="zh-CN" sz="2400" dirty="0"/>
+          </a:p>
+          <a:p>
+            <a:r>
+              <a:rPr lang="zh-CN" altLang="en-US" sz="2400" dirty="0"/>
+              <a:t>安装</a:t>
+            </a:r>
+            <a:r>
+              <a:rPr lang="en-US" altLang="zh-CN" sz="2400" dirty="0" err="1"/>
+              <a:t>redis</a:t>
+            </a:r>
+            <a:r>
+              <a:rPr lang="zh-CN" altLang="en-US" sz="2400" dirty="0"/>
+              <a:t>服务：</a:t>
+            </a:r>
+            <a:r>
+              <a:rPr lang="en-US" altLang="zh-CN" sz="2400" dirty="0" err="1"/>
+              <a:t>sudo</a:t>
+            </a:r>
+            <a:r>
+              <a:rPr lang="en-US" altLang="zh-CN" sz="2400" dirty="0"/>
+              <a:t>  apt  install </a:t>
+            </a:r>
+            <a:r>
+              <a:rPr lang="en-US" altLang="zh-CN" sz="2400" dirty="0" err="1"/>
+              <a:t>redis</a:t>
+            </a:r>
+            <a:r>
+              <a:rPr lang="en-US" altLang="zh-CN" sz="2400" dirty="0"/>
+              <a:t>-server</a:t>
+            </a:r>
+          </a:p>
+          <a:p>
+            <a:r>
+              <a:rPr lang="zh-CN" altLang="en-US" sz="2400" dirty="0"/>
+              <a:t>安装</a:t>
+            </a:r>
+            <a:r>
+              <a:rPr lang="en-US" altLang="zh-CN" sz="2400" dirty="0" err="1"/>
+              <a:t>redis</a:t>
+            </a:r>
+            <a:r>
+              <a:rPr lang="en-US" altLang="zh-CN" sz="2400" dirty="0"/>
+              <a:t>-server</a:t>
+            </a:r>
+            <a:r>
+              <a:rPr lang="zh-CN" altLang="en-US" sz="2400" dirty="0"/>
+              <a:t>会自动安装</a:t>
+            </a:r>
+            <a:r>
+              <a:rPr lang="en-US" altLang="zh-CN" sz="2400" dirty="0" err="1"/>
+              <a:t>redis</a:t>
+            </a:r>
+            <a:r>
+              <a:rPr lang="en-US" altLang="zh-CN" sz="2400" dirty="0"/>
+              <a:t>-tools</a:t>
+            </a:r>
+            <a:r>
+              <a:rPr lang="zh-CN" altLang="en-US" sz="2400" dirty="0"/>
+              <a:t>，安装后有</a:t>
+            </a:r>
+            <a:r>
+              <a:rPr lang="en-US" altLang="zh-CN" sz="2400" dirty="0" err="1"/>
+              <a:t>redis</a:t>
+            </a:r>
+            <a:r>
+              <a:rPr lang="en-US" altLang="zh-CN" sz="2400" dirty="0"/>
+              <a:t>-cli</a:t>
+            </a:r>
+            <a:r>
+              <a:rPr lang="zh-CN" altLang="en-US" sz="2400" dirty="0"/>
+              <a:t>用于连接</a:t>
+            </a:r>
+            <a:r>
+              <a:rPr lang="en-US" altLang="zh-CN" sz="2400" dirty="0" err="1"/>
+              <a:t>redis</a:t>
+            </a:r>
+            <a:r>
+              <a:rPr lang="en-US" altLang="zh-CN" sz="2400" dirty="0"/>
+              <a:t>-server</a:t>
+            </a:r>
+            <a:r>
+              <a:rPr lang="zh-CN" altLang="en-US" sz="2400" dirty="0"/>
+              <a:t>。</a:t>
+            </a:r>
+            <a:endParaRPr lang="en-US" altLang="zh-CN" sz="2400" dirty="0"/>
+          </a:p>
+          <a:p>
+            <a:r>
+              <a:rPr lang="en-US" altLang="zh-CN" sz="2400" dirty="0" err="1"/>
+              <a:t>redis</a:t>
+            </a:r>
+            <a:r>
+              <a:rPr lang="en-US" altLang="zh-CN" sz="2400" dirty="0"/>
+              <a:t>-server</a:t>
+            </a:r>
+            <a:r>
+              <a:rPr lang="zh-CN" altLang="en-US" sz="2400" dirty="0"/>
+              <a:t>默认运行在</a:t>
+            </a:r>
+            <a:r>
+              <a:rPr lang="en-US" altLang="zh-CN" sz="2400" dirty="0"/>
+              <a:t>6379</a:t>
+            </a:r>
+            <a:r>
+              <a:rPr lang="zh-CN" altLang="en-US" sz="2400"/>
+              <a:t>端口。</a:t>
+            </a:r>
+            <a:endParaRPr lang="en-US" altLang="zh-CN" sz="2400" dirty="0"/>
+          </a:p>
+          <a:p>
             <a:endParaRPr lang="en-US" altLang="zh-CN" sz="2000" dirty="0"/>
           </a:p>
         </p:txBody>
       </p:sp>
-      <p:pic>
-        <p:nvPicPr>
-          <p:cNvPr id="5" name="图片 4">
-            <a:extLst>
-              <a:ext uri="{FF2B5EF4-FFF2-40B4-BE49-F238E27FC236}">
-                <a16:creationId xmlns:a16="http://schemas.microsoft.com/office/drawing/2014/main" id="{A0A0F74E-27D2-4926-ABFD-79F2371130D8}"/>
-              </a:ext>
-            </a:extLst>
-          </p:cNvPr>
-          <p:cNvPicPr>
-            <a:picLocks noChangeAspect="1"/>
-          </p:cNvPicPr>
-          <p:nvPr/>
-        </p:nvPicPr>
-        <p:blipFill>
-          <a:blip r:embed="rId2">
-            <a:extLst>
-              <a:ext uri="{28A0092B-C50C-407E-A947-70E740481C1C}">
-                <a14:useLocalDpi xmlns:a14="http://schemas.microsoft.com/office/drawing/2010/main" val="0"/>
-              </a:ext>
-            </a:extLst>
-          </a:blip>
-          <a:stretch>
-            <a:fillRect/>
-          </a:stretch>
-        </p:blipFill>
-        <p:spPr>
-          <a:xfrm>
-            <a:off x="936077" y="2448054"/>
-            <a:ext cx="6121672" cy="1119335"/>
-          </a:xfrm>
-          <a:prstGeom prst="rect">
-            <a:avLst/>
-          </a:prstGeom>
-        </p:spPr>
-      </p:pic>
     </p:spTree>
     <p:extLst>
       <p:ext uri="{BB962C8B-B14F-4D97-AF65-F5344CB8AC3E}">
-        <p14:creationId xmlns:p14="http://schemas.microsoft.com/office/powerpoint/2010/main" val="2670213598"/>
+        <p14:creationId xmlns:p14="http://schemas.microsoft.com/office/powerpoint/2010/main" val="1118539503"/>
       </p:ext>
     </p:extLst>
   </p:cSld>
@@ -6109,30 +6021,22 @@
           <a:lstStyle/>
           <a:p>
             <a:r>
-              <a:rPr lang="en-US" altLang="zh-CN" dirty="0"/>
-              <a:t>PHP</a:t>
-            </a:r>
-            <a:r>
-              <a:rPr lang="zh-CN" altLang="en-US" dirty="0"/>
-              <a:t>获取</a:t>
-            </a:r>
-            <a:r>
               <a:rPr lang="en-US" altLang="zh-CN" dirty="0" err="1"/>
               <a:t>Redis</a:t>
             </a:r>
             <a:r>
               <a:rPr lang="zh-CN" altLang="en-US" dirty="0"/>
-              <a:t>扩展调用方法</a:t>
-            </a:r>
-          </a:p>
-        </p:txBody>
-      </p:sp>
-      <p:sp>
-        <p:nvSpPr>
-          <p:cNvPr id="6" name="内容占位符 5">
-            <a:extLst>
-              <a:ext uri="{FF2B5EF4-FFF2-40B4-BE49-F238E27FC236}">
-                <a16:creationId xmlns:a16="http://schemas.microsoft.com/office/drawing/2014/main" id="{B83E9AD4-C606-4679-B884-01F71CC97E44}"/>
+              <a:t>客户端工具</a:t>
+            </a:r>
+          </a:p>
+        </p:txBody>
+      </p:sp>
+      <p:sp>
+        <p:nvSpPr>
+          <p:cNvPr id="3" name="内容占位符 2">
+            <a:extLst>
+              <a:ext uri="{FF2B5EF4-FFF2-40B4-BE49-F238E27FC236}">
+                <a16:creationId xmlns:a16="http://schemas.microsoft.com/office/drawing/2014/main" id="{96EE1DBA-F015-4E13-B948-F2CA77768E06}"/>
               </a:ext>
             </a:extLst>
           </p:cNvPr>
@@ -6146,140 +6050,53 @@
         <p:spPr>
           <a:xfrm>
             <a:off x="838200" y="1656500"/>
-            <a:ext cx="10515600" cy="4850832"/>
+            <a:ext cx="10515600" cy="5037263"/>
           </a:xfrm>
         </p:spPr>
         <p:txBody>
           <a:bodyPr>
-            <a:normAutofit/>
+            <a:noAutofit/>
           </a:bodyPr>
           <a:lstStyle/>
           <a:p>
             <a:r>
-              <a:rPr lang="en-US" altLang="zh-CN" sz="2000" dirty="0"/>
-              <a:t>PHP</a:t>
-            </a:r>
-            <a:r>
-              <a:rPr lang="zh-CN" altLang="en-US" sz="2000" dirty="0"/>
-              <a:t>获取</a:t>
-            </a:r>
-            <a:r>
-              <a:rPr lang="en-US" altLang="zh-CN" sz="2000" dirty="0" err="1"/>
-              <a:t>Redis</a:t>
-            </a:r>
-            <a:r>
-              <a:rPr lang="zh-CN" altLang="en-US" sz="2000" dirty="0"/>
-              <a:t>扩展支持的调用方法：</a:t>
-            </a:r>
+              <a:rPr lang="zh-CN" altLang="en-US" sz="2400" dirty="0"/>
+              <a:t>运行</a:t>
+            </a:r>
+            <a:r>
+              <a:rPr lang="en-US" altLang="zh-CN" sz="2400" dirty="0" err="1"/>
+              <a:t>redis</a:t>
+            </a:r>
+            <a:r>
+              <a:rPr lang="en-US" altLang="zh-CN" sz="2400" dirty="0"/>
+              <a:t>-cli</a:t>
+            </a:r>
+            <a:r>
+              <a:rPr lang="zh-CN" altLang="en-US" sz="2400" dirty="0"/>
+              <a:t>直接就会连接</a:t>
+            </a:r>
+            <a:r>
+              <a:rPr lang="en-US" altLang="zh-CN" sz="2400" dirty="0" err="1"/>
+              <a:t>redis</a:t>
+            </a:r>
+            <a:r>
+              <a:rPr lang="en-US" altLang="zh-CN" sz="2400" dirty="0"/>
+              <a:t>-server</a:t>
+            </a:r>
+            <a:r>
+              <a:rPr lang="zh-CN" altLang="en-US" sz="2400" dirty="0"/>
+              <a:t>，不需要参数。</a:t>
+            </a:r>
+            <a:endParaRPr lang="en-US" altLang="zh-CN" sz="2400" dirty="0"/>
+          </a:p>
+          <a:p>
             <a:endParaRPr lang="en-US" altLang="zh-CN" sz="2000" dirty="0"/>
           </a:p>
           <a:p>
-            <a:pPr marL="457200" lvl="1" indent="0">
-              <a:buNone/>
-            </a:pPr>
             <a:endParaRPr lang="en-US" altLang="zh-CN" sz="2000" dirty="0"/>
           </a:p>
           <a:p>
-            <a:pPr marL="457200" lvl="1" indent="0">
-              <a:buNone/>
-            </a:pPr>
-            <a:r>
-              <a:rPr lang="en-US" altLang="zh-CN" sz="1800" dirty="0"/>
-              <a:t>&lt;?</a:t>
-            </a:r>
-            <a:r>
-              <a:rPr lang="en-US" altLang="zh-CN" sz="1800" dirty="0" err="1"/>
-              <a:t>php</a:t>
-            </a:r>
-            <a:endParaRPr lang="en-US" altLang="zh-CN" sz="1800" dirty="0"/>
-          </a:p>
-          <a:p>
-            <a:pPr marL="457200" lvl="1" indent="0">
-              <a:buNone/>
-            </a:pPr>
-            <a:r>
-              <a:rPr lang="en-US" altLang="zh-CN" sz="1800" dirty="0"/>
-              <a:t>$</a:t>
-            </a:r>
-            <a:r>
-              <a:rPr lang="en-US" altLang="zh-CN" sz="1800" dirty="0" err="1"/>
-              <a:t>rd</a:t>
-            </a:r>
-            <a:r>
-              <a:rPr lang="en-US" altLang="zh-CN" sz="1800" dirty="0"/>
-              <a:t> = new </a:t>
-            </a:r>
-            <a:r>
-              <a:rPr lang="en-US" altLang="zh-CN" sz="1800" dirty="0" err="1"/>
-              <a:t>Redis</a:t>
-            </a:r>
-            <a:r>
-              <a:rPr lang="en-US" altLang="zh-CN" sz="1800" dirty="0"/>
-              <a:t>();</a:t>
-            </a:r>
-            <a:br>
-              <a:rPr lang="en-US" altLang="zh-CN" sz="1800" dirty="0"/>
-            </a:br>
-            <a:r>
-              <a:rPr lang="en-US" altLang="zh-CN" sz="1800" dirty="0"/>
-              <a:t>$</a:t>
-            </a:r>
-            <a:r>
-              <a:rPr lang="en-US" altLang="zh-CN" sz="1800" dirty="0" err="1"/>
-              <a:t>rd_calls</a:t>
-            </a:r>
-            <a:r>
-              <a:rPr lang="en-US" altLang="zh-CN" sz="1800" dirty="0"/>
-              <a:t> = </a:t>
-            </a:r>
-            <a:r>
-              <a:rPr lang="en-US" altLang="zh-CN" sz="1800" dirty="0" err="1"/>
-              <a:t>get_class_methods</a:t>
-            </a:r>
-            <a:r>
-              <a:rPr lang="en-US" altLang="zh-CN" sz="1800" dirty="0"/>
-              <a:t>($</a:t>
-            </a:r>
-            <a:r>
-              <a:rPr lang="en-US" altLang="zh-CN" sz="1800" dirty="0" err="1"/>
-              <a:t>rd</a:t>
-            </a:r>
-            <a:r>
-              <a:rPr lang="en-US" altLang="zh-CN" sz="1800" dirty="0"/>
-              <a:t>);</a:t>
-            </a:r>
-            <a:br>
-              <a:rPr lang="en-US" altLang="zh-CN" sz="1800" dirty="0"/>
-            </a:br>
-            <a:br>
-              <a:rPr lang="en-US" altLang="zh-CN" sz="1800" dirty="0"/>
-            </a:br>
-            <a:r>
-              <a:rPr lang="en-US" altLang="zh-CN" sz="1800" dirty="0"/>
-              <a:t>foreach ($</a:t>
-            </a:r>
-            <a:r>
-              <a:rPr lang="en-US" altLang="zh-CN" sz="1800" dirty="0" err="1"/>
-              <a:t>rd_calls</a:t>
-            </a:r>
-            <a:r>
-              <a:rPr lang="en-US" altLang="zh-CN" sz="1800" dirty="0"/>
-              <a:t> as $call) {</a:t>
-            </a:r>
-            <a:br>
-              <a:rPr lang="en-US" altLang="zh-CN" sz="1800" dirty="0"/>
-            </a:br>
-            <a:r>
-              <a:rPr lang="en-US" altLang="zh-CN" sz="1800" dirty="0"/>
-              <a:t>    echo $call . "\n";</a:t>
-            </a:r>
-            <a:br>
-              <a:rPr lang="en-US" altLang="zh-CN" sz="1800" dirty="0"/>
-            </a:br>
-            <a:r>
-              <a:rPr lang="en-US" altLang="zh-CN" sz="1800" dirty="0"/>
-              <a:t>}</a:t>
-            </a:r>
+            <a:endParaRPr lang="en-US" altLang="zh-CN" sz="2000" dirty="0"/>
           </a:p>
           <a:p>
             <a:pPr marL="0" indent="0">
@@ -6290,43 +6107,190 @@
           <a:p>
             <a:r>
               <a:rPr lang="zh-CN" altLang="en-US" sz="2000" dirty="0"/>
-              <a:t>方法名称都是和</a:t>
-            </a:r>
-            <a:r>
-              <a:rPr lang="en-US" altLang="zh-CN" sz="2000" dirty="0" err="1"/>
-              <a:t>Redis</a:t>
-            </a:r>
-            <a:r>
-              <a:rPr lang="zh-CN" altLang="en-US" sz="2000" dirty="0"/>
-              <a:t>对应的命令，参数顺序一般都符合</a:t>
-            </a:r>
-            <a:r>
-              <a:rPr lang="en-US" altLang="zh-CN" sz="2000" dirty="0" err="1"/>
-              <a:t>Redis</a:t>
-            </a:r>
-            <a:r>
-              <a:rPr lang="zh-CN" altLang="en-US" sz="2000" dirty="0"/>
-              <a:t>命令的逻辑，个别命令在使用</a:t>
-            </a:r>
-            <a:r>
-              <a:rPr lang="en-US" altLang="zh-CN" sz="2000" dirty="0"/>
-              <a:t>PHP</a:t>
-            </a:r>
-            <a:r>
-              <a:rPr lang="zh-CN" altLang="en-US" sz="2000" dirty="0"/>
-              <a:t>扩展的时候有所不同。</a:t>
+              <a:t>命令示例：</a:t>
             </a:r>
             <a:endParaRPr lang="en-US" altLang="zh-CN" sz="2000" dirty="0"/>
           </a:p>
           <a:p>
+            <a:pPr lvl="1"/>
+            <a:r>
+              <a:rPr lang="zh-CN" altLang="en-US" sz="1800" dirty="0"/>
+              <a:t>添加： </a:t>
+            </a:r>
+            <a:r>
+              <a:rPr lang="en-US" altLang="zh-CN" sz="1800" dirty="0"/>
+              <a:t>append  brave  master  //</a:t>
+            </a:r>
+            <a:r>
+              <a:rPr lang="zh-CN" altLang="en-US" sz="1800" dirty="0"/>
+              <a:t>如果重复此操作，则会在</a:t>
+            </a:r>
+            <a:r>
+              <a:rPr lang="en-US" altLang="zh-CN" sz="1800" dirty="0"/>
+              <a:t>key</a:t>
+            </a:r>
+            <a:r>
+              <a:rPr lang="zh-CN" altLang="en-US" sz="1800" dirty="0"/>
+              <a:t>索引的值后面添加数据</a:t>
+            </a:r>
             <a:endParaRPr lang="en-US" altLang="zh-CN" sz="1800" dirty="0"/>
           </a:p>
-        </p:txBody>
-      </p:sp>
+          <a:p>
+            <a:pPr lvl="1"/>
+            <a:r>
+              <a:rPr lang="zh-CN" altLang="en-US" sz="1800" dirty="0"/>
+              <a:t>获取： </a:t>
+            </a:r>
+            <a:r>
+              <a:rPr lang="en-US" altLang="zh-CN" sz="1800" dirty="0"/>
+              <a:t>get  brave</a:t>
+            </a:r>
+          </a:p>
+          <a:p>
+            <a:pPr lvl="1"/>
+            <a:r>
+              <a:rPr lang="zh-CN" altLang="en-US" sz="1800" dirty="0"/>
+              <a:t>重置： </a:t>
+            </a:r>
+            <a:r>
+              <a:rPr lang="en-US" altLang="zh-CN" sz="1800" dirty="0"/>
+              <a:t>set  brave  programmer  //</a:t>
+            </a:r>
+            <a:r>
+              <a:rPr lang="zh-CN" altLang="en-US" sz="1800" dirty="0"/>
+              <a:t>如果没有此索引，则会创建</a:t>
+            </a:r>
+            <a:endParaRPr lang="en-US" altLang="zh-CN" sz="1800" dirty="0"/>
+          </a:p>
+          <a:p>
+            <a:pPr lvl="1"/>
+            <a:r>
+              <a:rPr lang="zh-CN" altLang="en-US" sz="1800" dirty="0"/>
+              <a:t>删除： </a:t>
+            </a:r>
+            <a:r>
+              <a:rPr lang="en-US" altLang="zh-CN" sz="1800" dirty="0"/>
+              <a:t>del  brave</a:t>
+            </a:r>
+          </a:p>
+          <a:p>
+            <a:pPr lvl="1"/>
+            <a:r>
+              <a:rPr lang="zh-CN" altLang="en-US" sz="1800" dirty="0"/>
+              <a:t>列表： </a:t>
+            </a:r>
+            <a:r>
+              <a:rPr lang="en-US" altLang="zh-CN" sz="1800" dirty="0" err="1"/>
+              <a:t>lpush</a:t>
+            </a:r>
+            <a:r>
+              <a:rPr lang="en-US" altLang="zh-CN" sz="1800" dirty="0"/>
+              <a:t> [ LIST KEY ] [ </a:t>
+            </a:r>
+            <a:r>
+              <a:rPr lang="en-US" altLang="zh-CN" sz="1800"/>
+              <a:t>VALUE ] //</a:t>
+            </a:r>
+            <a:r>
+              <a:rPr lang="zh-CN" altLang="en-US" sz="1800"/>
+              <a:t>把</a:t>
+            </a:r>
+            <a:r>
+              <a:rPr lang="en-US" altLang="zh-CN" sz="1800" dirty="0"/>
+              <a:t>VALUE</a:t>
+            </a:r>
+            <a:r>
+              <a:rPr lang="zh-CN" altLang="en-US" sz="1800" dirty="0"/>
+              <a:t>值压入</a:t>
+            </a:r>
+            <a:r>
+              <a:rPr lang="en-US" altLang="zh-CN" sz="1800" dirty="0"/>
+              <a:t>LIST KEY</a:t>
+            </a:r>
+            <a:r>
+              <a:rPr lang="zh-CN" altLang="en-US" sz="1800" dirty="0"/>
+              <a:t>，重复操作元素会不断加入</a:t>
+            </a:r>
+            <a:r>
+              <a:rPr lang="en-US" altLang="zh-CN" sz="1800" dirty="0"/>
+              <a:t>LIST KEY</a:t>
+            </a:r>
+          </a:p>
+          <a:p>
+            <a:pPr lvl="1"/>
+            <a:r>
+              <a:rPr lang="zh-CN" altLang="en-US" sz="1800" dirty="0"/>
+              <a:t>列表： </a:t>
+            </a:r>
+            <a:r>
+              <a:rPr lang="en-US" altLang="zh-CN" sz="1800" dirty="0" err="1"/>
+              <a:t>lpop</a:t>
+            </a:r>
+            <a:r>
+              <a:rPr lang="en-US" altLang="zh-CN" sz="1800" dirty="0"/>
+              <a:t>  [ LIST KEY ] </a:t>
+            </a:r>
+            <a:r>
+              <a:rPr lang="zh-CN" altLang="en-US" sz="1800" dirty="0"/>
+              <a:t>弹出最近压入</a:t>
+            </a:r>
+            <a:r>
+              <a:rPr lang="zh-CN" altLang="en-US" sz="1800"/>
+              <a:t>的元素</a:t>
+            </a:r>
+            <a:endParaRPr lang="en-US" altLang="zh-CN" sz="1800" dirty="0"/>
+          </a:p>
+          <a:p>
+            <a:endParaRPr lang="en-US" altLang="zh-CN" sz="2000" dirty="0"/>
+          </a:p>
+          <a:p>
+            <a:pPr marL="0" indent="0">
+              <a:buNone/>
+            </a:pPr>
+            <a:endParaRPr lang="en-US" altLang="zh-CN" sz="2000" dirty="0"/>
+          </a:p>
+        </p:txBody>
+      </p:sp>
+      <p:pic>
+        <p:nvPicPr>
+          <p:cNvPr id="5" name="图片 4">
+            <a:extLst>
+              <a:ext uri="{FF2B5EF4-FFF2-40B4-BE49-F238E27FC236}">
+                <a16:creationId xmlns:a16="http://schemas.microsoft.com/office/drawing/2014/main" id="{A0A0F74E-27D2-4926-ABFD-79F2371130D8}"/>
+              </a:ext>
+            </a:extLst>
+          </p:cNvPr>
+          <p:cNvPicPr>
+            <a:picLocks noChangeAspect="1"/>
+          </p:cNvPicPr>
+          <p:nvPr/>
+        </p:nvPicPr>
+        <p:blipFill>
+          <a:blip r:embed="rId2">
+            <a:extLst>
+              <a:ext uri="{28A0092B-C50C-407E-A947-70E740481C1C}">
+                <a14:useLocalDpi xmlns:a14="http://schemas.microsoft.com/office/drawing/2010/main" val="0"/>
+              </a:ext>
+            </a:extLst>
+          </a:blip>
+          <a:stretch>
+            <a:fillRect/>
+          </a:stretch>
+        </p:blipFill>
+        <p:spPr>
+          <a:xfrm>
+            <a:off x="936077" y="2448054"/>
+            <a:ext cx="6121672" cy="1119335"/>
+          </a:xfrm>
+          <a:prstGeom prst="rect">
+            <a:avLst/>
+          </a:prstGeom>
+        </p:spPr>
+      </p:pic>
     </p:spTree>
     <p:extLst>
       <p:ext uri="{BB962C8B-B14F-4D97-AF65-F5344CB8AC3E}">
-        <p14:creationId xmlns:p14="http://schemas.microsoft.com/office/powerpoint/2010/main" val="224763711"/>
+        <p14:creationId xmlns:p14="http://schemas.microsoft.com/office/powerpoint/2010/main" val="2670213598"/>
       </p:ext>
     </p:extLst>
   </p:cSld>
@@ -6385,7 +6349,7 @@
             </a:r>
             <a:r>
               <a:rPr lang="zh-CN" altLang="en-US" dirty="0"/>
-              <a:t>连接</a:t>
+              <a:t>获取</a:t>
             </a:r>
             <a:r>
               <a:rPr lang="en-US" altLang="zh-CN" dirty="0" err="1"/>
@@ -6393,7 +6357,7 @@
             </a:r>
             <a:r>
               <a:rPr lang="zh-CN" altLang="en-US" dirty="0"/>
-              <a:t>添加数据</a:t>
+              <a:t>扩展调用方法</a:t>
             </a:r>
           </a:p>
         </p:txBody>
@@ -6427,125 +6391,177 @@
           <a:lstStyle/>
           <a:p>
             <a:r>
-              <a:rPr lang="en-US" altLang="zh-CN" sz="1800" dirty="0"/>
+              <a:rPr lang="en-US" altLang="zh-CN" sz="2400" dirty="0"/>
               <a:t>PHP</a:t>
             </a:r>
             <a:r>
-              <a:rPr lang="zh-CN" altLang="en-US" sz="1800" dirty="0"/>
-              <a:t>连接</a:t>
-            </a:r>
-            <a:r>
-              <a:rPr lang="en-US" altLang="zh-CN" sz="1800" dirty="0" err="1"/>
+              <a:rPr lang="zh-CN" altLang="en-US" sz="2400" dirty="0"/>
+              <a:t>获取</a:t>
+            </a:r>
+            <a:r>
+              <a:rPr lang="en-US" altLang="zh-CN" sz="2400" dirty="0" err="1"/>
               <a:t>Redis</a:t>
             </a:r>
             <a:r>
-              <a:rPr lang="zh-CN" altLang="en-US" sz="1800" dirty="0"/>
-              <a:t>并添加一条数据：</a:t>
-            </a:r>
-            <a:endParaRPr lang="en-US" altLang="zh-CN" sz="1800" dirty="0"/>
+              <a:rPr lang="zh-CN" altLang="en-US" sz="2400" dirty="0"/>
+              <a:t>扩展支持的调用方法：</a:t>
+            </a:r>
+            <a:endParaRPr lang="en-US" altLang="zh-CN" sz="2400" dirty="0"/>
           </a:p>
           <a:p>
             <a:pPr marL="457200" lvl="1" indent="0">
               <a:buNone/>
             </a:pPr>
-            <a:endParaRPr lang="en-US" altLang="zh-CN" sz="1800" dirty="0"/>
+            <a:endParaRPr lang="en-US" altLang="zh-CN" dirty="0"/>
           </a:p>
           <a:p>
             <a:pPr marL="457200" lvl="1" indent="0">
               <a:buNone/>
             </a:pPr>
             <a:r>
-              <a:rPr lang="en-US" altLang="zh-CN" sz="1800" dirty="0"/>
+              <a:rPr lang="en-US" altLang="zh-CN" sz="2000" dirty="0"/>
               <a:t>&lt;?</a:t>
             </a:r>
             <a:r>
-              <a:rPr lang="en-US" altLang="zh-CN" sz="1800" dirty="0" err="1"/>
+              <a:rPr lang="en-US" altLang="zh-CN" sz="2000" dirty="0" err="1"/>
               <a:t>php</a:t>
             </a:r>
-            <a:endParaRPr lang="en-US" altLang="zh-CN" sz="1800" dirty="0"/>
+            <a:endParaRPr lang="en-US" altLang="zh-CN" sz="2000" dirty="0"/>
           </a:p>
           <a:p>
             <a:pPr marL="457200" lvl="1" indent="0">
               <a:buNone/>
             </a:pPr>
             <a:r>
-              <a:rPr lang="en-US" altLang="zh-CN" sz="1800" dirty="0"/>
+              <a:rPr lang="en-US" altLang="zh-CN" sz="2000" dirty="0"/>
               <a:t>$</a:t>
             </a:r>
             <a:r>
-              <a:rPr lang="en-US" altLang="zh-CN" sz="1800" dirty="0" err="1"/>
+              <a:rPr lang="en-US" altLang="zh-CN" sz="2000" dirty="0" err="1"/>
               <a:t>rd</a:t>
             </a:r>
             <a:r>
-              <a:rPr lang="en-US" altLang="zh-CN" sz="1800" dirty="0"/>
+              <a:rPr lang="en-US" altLang="zh-CN" sz="2000" dirty="0"/>
               <a:t> = new </a:t>
             </a:r>
             <a:r>
-              <a:rPr lang="en-US" altLang="zh-CN" sz="1800" dirty="0" err="1"/>
+              <a:rPr lang="en-US" altLang="zh-CN" sz="2000" dirty="0" err="1"/>
               <a:t>Redis</a:t>
             </a:r>
             <a:r>
-              <a:rPr lang="en-US" altLang="zh-CN" sz="1800" dirty="0"/>
+              <a:rPr lang="en-US" altLang="zh-CN" sz="2000" dirty="0"/>
               <a:t>();</a:t>
             </a:r>
             <a:br>
-              <a:rPr lang="en-US" altLang="zh-CN" sz="1800" dirty="0"/>
+              <a:rPr lang="en-US" altLang="zh-CN" sz="2000" dirty="0"/>
+            </a:br>
+            <a:r>
+              <a:rPr lang="en-US" altLang="zh-CN" sz="2000" dirty="0"/>
+              <a:t>$</a:t>
+            </a:r>
+            <a:r>
+              <a:rPr lang="en-US" altLang="zh-CN" sz="2000" dirty="0" err="1"/>
+              <a:t>rd_calls</a:t>
+            </a:r>
+            <a:r>
+              <a:rPr lang="en-US" altLang="zh-CN" sz="2000" dirty="0"/>
+              <a:t> = </a:t>
+            </a:r>
+            <a:r>
+              <a:rPr lang="en-US" altLang="zh-CN" sz="2000" dirty="0" err="1"/>
+              <a:t>get_class_methods</a:t>
+            </a:r>
+            <a:r>
+              <a:rPr lang="en-US" altLang="zh-CN" sz="2000" dirty="0"/>
+              <a:t>($</a:t>
+            </a:r>
+            <a:r>
+              <a:rPr lang="en-US" altLang="zh-CN" sz="2000" dirty="0" err="1"/>
+              <a:t>rd</a:t>
+            </a:r>
+            <a:r>
+              <a:rPr lang="en-US" altLang="zh-CN" sz="2000" dirty="0"/>
+              <a:t>);</a:t>
+            </a:r>
+            <a:br>
+              <a:rPr lang="en-US" altLang="zh-CN" sz="2000" dirty="0"/>
             </a:br>
             <a:br>
-              <a:rPr lang="en-US" altLang="zh-CN" sz="1800" dirty="0"/>
+              <a:rPr lang="en-US" altLang="zh-CN" sz="2000" dirty="0"/>
             </a:br>
             <a:r>
-              <a:rPr lang="en-US" altLang="zh-CN" sz="1800" dirty="0"/>
-              <a:t>$</a:t>
-            </a:r>
-            <a:r>
-              <a:rPr lang="en-US" altLang="zh-CN" sz="1800" dirty="0" err="1"/>
-              <a:t>rd</a:t>
-            </a:r>
-            <a:r>
-              <a:rPr lang="en-US" altLang="zh-CN" sz="1800" dirty="0"/>
-              <a:t>-&gt;connect('127.0.0.1',6379);</a:t>
+              <a:rPr lang="en-US" altLang="zh-CN" sz="2000" dirty="0"/>
+              <a:t>foreach ($</a:t>
+            </a:r>
+            <a:r>
+              <a:rPr lang="en-US" altLang="zh-CN" sz="2000" dirty="0" err="1"/>
+              <a:t>rd_calls</a:t>
+            </a:r>
+            <a:r>
+              <a:rPr lang="en-US" altLang="zh-CN" sz="2000" dirty="0"/>
+              <a:t> as $call) {</a:t>
             </a:r>
             <a:br>
-              <a:rPr lang="en-US" altLang="zh-CN" sz="1800" dirty="0"/>
+              <a:rPr lang="en-US" altLang="zh-CN" sz="2000" dirty="0"/>
             </a:br>
+            <a:r>
+              <a:rPr lang="en-US" altLang="zh-CN" sz="2000" dirty="0"/>
+              <a:t>    echo $call . "\n";</a:t>
+            </a:r>
             <a:br>
-              <a:rPr lang="en-US" altLang="zh-CN" sz="1800" dirty="0"/>
+              <a:rPr lang="en-US" altLang="zh-CN" sz="2000" dirty="0"/>
             </a:br>
             <a:r>
-              <a:rPr lang="en-US" altLang="zh-CN" sz="1800" dirty="0"/>
-              <a:t>$</a:t>
-            </a:r>
-            <a:r>
-              <a:rPr lang="en-US" altLang="zh-CN" sz="1800" dirty="0" err="1"/>
-              <a:t>rd</a:t>
-            </a:r>
-            <a:r>
-              <a:rPr lang="en-US" altLang="zh-CN" sz="1800" dirty="0"/>
-              <a:t>-&gt;append('test','</a:t>
-            </a:r>
-            <a:r>
-              <a:rPr lang="en-US" altLang="zh-CN" sz="1800" dirty="0" err="1"/>
-              <a:t>php</a:t>
-            </a:r>
-            <a:r>
-              <a:rPr lang="en-US" altLang="zh-CN" sz="1800" dirty="0"/>
-              <a:t>’);</a:t>
-            </a:r>
-            <a:br>
-              <a:rPr lang="en-US" altLang="zh-CN" sz="1800" dirty="0"/>
-            </a:br>
+              <a:rPr lang="en-US" altLang="zh-CN" sz="2000" dirty="0"/>
+              <a:t>}</a:t>
+            </a:r>
+          </a:p>
+          <a:p>
+            <a:pPr marL="0" indent="0">
+              <a:buNone/>
+            </a:pPr>
+            <a:endParaRPr lang="en-US" altLang="zh-CN" sz="2400" dirty="0"/>
+          </a:p>
+          <a:p>
+            <a:r>
+              <a:rPr lang="zh-CN" altLang="en-US" sz="2400" dirty="0"/>
+              <a:t>方法名称都是和</a:t>
+            </a:r>
+            <a:r>
+              <a:rPr lang="en-US" altLang="zh-CN" sz="2400" dirty="0" err="1"/>
+              <a:t>Redis</a:t>
+            </a:r>
+            <a:r>
+              <a:rPr lang="zh-CN" altLang="en-US" sz="2400" dirty="0"/>
+              <a:t>对应的命令，参数顺序一般都符合</a:t>
+            </a:r>
+            <a:r>
+              <a:rPr lang="en-US" altLang="zh-CN" sz="2400" dirty="0" err="1"/>
+              <a:t>Redis</a:t>
+            </a:r>
+            <a:r>
+              <a:rPr lang="zh-CN" altLang="en-US" sz="2400" dirty="0"/>
+              <a:t>命令的逻辑，个别命令在使用</a:t>
+            </a:r>
+            <a:r>
+              <a:rPr lang="en-US" altLang="zh-CN" sz="2400" dirty="0"/>
+              <a:t>PHP</a:t>
+            </a:r>
+            <a:r>
+              <a:rPr lang="zh-CN" altLang="en-US" sz="2400" dirty="0"/>
+              <a:t>扩展的时候有所不同。</a:t>
+            </a:r>
+            <a:endParaRPr lang="en-US" altLang="zh-CN" sz="2400" dirty="0"/>
+          </a:p>
+          <a:p>
             <a:endParaRPr lang="en-US" altLang="zh-CN" sz="1800" dirty="0"/>
-          </a:p>
-          <a:p>
-            <a:endParaRPr lang="en-US" altLang="zh-CN" sz="2000" dirty="0"/>
           </a:p>
         </p:txBody>
       </p:sp>
     </p:spTree>
     <p:extLst>
       <p:ext uri="{BB962C8B-B14F-4D97-AF65-F5344CB8AC3E}">
-        <p14:creationId xmlns:p14="http://schemas.microsoft.com/office/powerpoint/2010/main" val="2833520640"/>
+        <p14:creationId xmlns:p14="http://schemas.microsoft.com/office/powerpoint/2010/main" val="224763711"/>
       </p:ext>
     </p:extLst>
   </p:cSld>
@@ -6599,16 +6615,20 @@
           <a:lstStyle/>
           <a:p>
             <a:r>
+              <a:rPr lang="en-US" altLang="zh-CN" dirty="0"/>
+              <a:t>PHP</a:t>
+            </a:r>
+            <a:r>
               <a:rPr lang="zh-CN" altLang="en-US" dirty="0"/>
-              <a:t>发布</a:t>
-            </a:r>
-            <a:r>
-              <a:rPr lang="en-US" altLang="zh-CN" dirty="0"/>
-              <a:t>/</a:t>
+              <a:t>连接</a:t>
+            </a:r>
+            <a:r>
+              <a:rPr lang="en-US" altLang="zh-CN" dirty="0" err="1"/>
+              <a:t>Redis</a:t>
             </a:r>
             <a:r>
               <a:rPr lang="zh-CN" altLang="en-US" dirty="0"/>
-              <a:t>订阅</a:t>
+              <a:t>添加数据</a:t>
             </a:r>
           </a:p>
         </p:txBody>
@@ -6642,144 +6662,125 @@
           <a:lstStyle/>
           <a:p>
             <a:r>
-              <a:rPr lang="en-US" altLang="zh-CN" sz="1800" dirty="0" err="1"/>
+              <a:rPr lang="en-US" altLang="zh-CN" sz="2400" dirty="0"/>
+              <a:t>PHP</a:t>
+            </a:r>
+            <a:r>
+              <a:rPr lang="zh-CN" altLang="en-US" sz="2400" dirty="0"/>
+              <a:t>连接</a:t>
+            </a:r>
+            <a:r>
+              <a:rPr lang="en-US" altLang="zh-CN" sz="2400" dirty="0" err="1"/>
               <a:t>Redis</a:t>
             </a:r>
             <a:r>
-              <a:rPr lang="zh-CN" altLang="en-US" sz="1800" dirty="0"/>
-              <a:t>支持发布订阅模式。</a:t>
-            </a:r>
-            <a:endParaRPr lang="en-US" altLang="zh-CN" sz="1800" dirty="0"/>
-          </a:p>
-          <a:p>
-            <a:endParaRPr lang="en-US" altLang="zh-CN" sz="1800" dirty="0"/>
-          </a:p>
-          <a:p>
-            <a:r>
-              <a:rPr lang="zh-CN" altLang="en-US" sz="1800" dirty="0"/>
-              <a:t>客户端运行</a:t>
-            </a:r>
-            <a:r>
-              <a:rPr lang="en-US" altLang="zh-CN" sz="1800" dirty="0" err="1"/>
-              <a:t>subcribe</a:t>
-            </a:r>
-            <a:r>
-              <a:rPr lang="en-US" altLang="zh-CN" sz="1800" dirty="0"/>
-              <a:t> [ CHANNEL1 ] [ CHANNEL2 ]···</a:t>
-            </a:r>
-            <a:r>
-              <a:rPr lang="zh-CN" altLang="en-US" sz="1800" dirty="0"/>
-              <a:t>订阅给指定频道的信息。</a:t>
-            </a:r>
-            <a:endParaRPr lang="en-US" altLang="zh-CN" sz="1800" dirty="0"/>
-          </a:p>
-          <a:p>
-            <a:endParaRPr lang="en-US" altLang="zh-CN" sz="1800" dirty="0"/>
-          </a:p>
-          <a:p>
-            <a:r>
-              <a:rPr lang="zh-CN" altLang="en-US" sz="1800" dirty="0"/>
-              <a:t>一旦客户端进入订阅状态，客户端就只可接受订阅相关的命令</a:t>
-            </a:r>
-          </a:p>
-          <a:p>
-            <a:endParaRPr lang="en-US" altLang="zh-CN" sz="1800" dirty="0"/>
-          </a:p>
-          <a:p>
-            <a:r>
-              <a:rPr lang="zh-CN" altLang="en-US" sz="1800" dirty="0"/>
-              <a:t>使用</a:t>
-            </a:r>
-            <a:r>
-              <a:rPr lang="en-US" altLang="zh-CN" sz="1800" dirty="0"/>
-              <a:t>publish [ CHANNEL ] [ DATA ] </a:t>
-            </a:r>
-            <a:r>
-              <a:rPr lang="zh-CN" altLang="en-US" sz="1800" dirty="0"/>
-              <a:t>向指定频道发布数据。</a:t>
-            </a:r>
-            <a:endParaRPr lang="en-US" altLang="zh-CN" sz="1800" dirty="0"/>
-          </a:p>
-          <a:p>
-            <a:r>
-              <a:rPr lang="zh-CN" altLang="en-US" sz="1800" dirty="0"/>
-              <a:t>示例：</a:t>
-            </a:r>
-            <a:endParaRPr lang="en-US" altLang="zh-CN" sz="1800" dirty="0"/>
+              <a:rPr lang="zh-CN" altLang="en-US" sz="2400" dirty="0"/>
+              <a:t>并添加一条数据：</a:t>
+            </a:r>
+            <a:endParaRPr lang="en-US" altLang="zh-CN" sz="2400" dirty="0"/>
           </a:p>
           <a:p>
             <a:pPr marL="457200" lvl="1" indent="0">
               <a:buNone/>
             </a:pPr>
-            <a:r>
-              <a:rPr lang="zh-CN" altLang="en-US" sz="1800" dirty="0"/>
-              <a:t>客户端</a:t>
-            </a:r>
-            <a:r>
-              <a:rPr lang="en-US" altLang="zh-CN" sz="1800" dirty="0"/>
-              <a:t>1</a:t>
-            </a:r>
-            <a:r>
-              <a:rPr lang="zh-CN" altLang="en-US" sz="1800" dirty="0"/>
-              <a:t>运行：</a:t>
-            </a:r>
-            <a:r>
-              <a:rPr lang="en-US" altLang="zh-CN" sz="1800" dirty="0"/>
-              <a:t>subscribe  chan1  chan2</a:t>
-            </a:r>
+            <a:endParaRPr lang="en-US" altLang="zh-CN" dirty="0"/>
           </a:p>
           <a:p>
             <a:pPr marL="457200" lvl="1" indent="0">
               <a:buNone/>
             </a:pPr>
             <a:r>
-              <a:rPr lang="zh-CN" altLang="en-US" sz="1800" dirty="0"/>
-              <a:t>客户端</a:t>
-            </a:r>
-            <a:r>
-              <a:rPr lang="en-US" altLang="zh-CN" sz="1800" dirty="0"/>
-              <a:t>2</a:t>
-            </a:r>
-            <a:r>
-              <a:rPr lang="zh-CN" altLang="en-US" sz="1800" dirty="0"/>
-              <a:t>运行：</a:t>
-            </a:r>
-            <a:r>
-              <a:rPr lang="en-US" altLang="zh-CN" sz="1800" dirty="0"/>
-              <a:t>publish  chan1  ‘hello </a:t>
-            </a:r>
-            <a:r>
-              <a:rPr lang="en-US" altLang="zh-CN" sz="1800" dirty="0" err="1"/>
+              <a:rPr lang="en-US" altLang="zh-CN" sz="2000" dirty="0"/>
+              <a:t>&lt;?</a:t>
+            </a:r>
+            <a:r>
+              <a:rPr lang="en-US" altLang="zh-CN" sz="2000" dirty="0" err="1"/>
               <a:t>php</a:t>
             </a:r>
-            <a:r>
-              <a:rPr lang="en-US" altLang="zh-CN" sz="1800" dirty="0"/>
-              <a:t>’    ;   publish  chan2  ‘hello </a:t>
-            </a:r>
-            <a:r>
-              <a:rPr lang="en-US" altLang="zh-CN" sz="1800" dirty="0" err="1"/>
-              <a:t>redis</a:t>
-            </a:r>
-            <a:r>
-              <a:rPr lang="en-US" altLang="zh-CN" sz="1800" dirty="0"/>
-              <a:t>’</a:t>
-            </a:r>
+            <a:endParaRPr lang="en-US" altLang="zh-CN" sz="2000" dirty="0"/>
           </a:p>
           <a:p>
             <a:pPr marL="457200" lvl="1" indent="0">
               <a:buNone/>
             </a:pPr>
-            <a:endParaRPr lang="zh-CN" altLang="en-US" sz="1800" dirty="0"/>
-          </a:p>
-          <a:p>
-            <a:endParaRPr lang="en-US" altLang="zh-CN" sz="1800" dirty="0"/>
+            <a:r>
+              <a:rPr lang="en-US" altLang="zh-CN" sz="2000" dirty="0"/>
+              <a:t>$</a:t>
+            </a:r>
+            <a:r>
+              <a:rPr lang="en-US" altLang="zh-CN" sz="2000" dirty="0" err="1"/>
+              <a:t>rd</a:t>
+            </a:r>
+            <a:r>
+              <a:rPr lang="en-US" altLang="zh-CN" sz="2000" dirty="0"/>
+              <a:t> = new </a:t>
+            </a:r>
+            <a:r>
+              <a:rPr lang="en-US" altLang="zh-CN" sz="2000" dirty="0" err="1"/>
+              <a:t>Redis</a:t>
+            </a:r>
+            <a:r>
+              <a:rPr lang="en-US" altLang="zh-CN" sz="2000" dirty="0"/>
+              <a:t>();</a:t>
+            </a:r>
+            <a:br>
+              <a:rPr lang="en-US" altLang="zh-CN" sz="2000" dirty="0"/>
+            </a:br>
+            <a:br>
+              <a:rPr lang="en-US" altLang="zh-CN" sz="2000" dirty="0"/>
+            </a:br>
+            <a:r>
+              <a:rPr lang="en-US" altLang="zh-CN" sz="2000" dirty="0"/>
+              <a:t>$</a:t>
+            </a:r>
+            <a:r>
+              <a:rPr lang="en-US" altLang="zh-CN" sz="2000" dirty="0" err="1"/>
+              <a:t>rd</a:t>
+            </a:r>
+            <a:r>
+              <a:rPr lang="en-US" altLang="zh-CN" sz="2000" dirty="0"/>
+              <a:t>-&gt;connect('127.0.0.1',6379);</a:t>
+            </a:r>
+            <a:br>
+              <a:rPr lang="en-US" altLang="zh-CN" sz="2000" dirty="0"/>
+            </a:br>
+            <a:br>
+              <a:rPr lang="en-US" altLang="zh-CN" sz="2000" dirty="0"/>
+            </a:br>
+            <a:r>
+              <a:rPr lang="en-US" altLang="zh-CN" sz="2000" dirty="0"/>
+              <a:t>$</a:t>
+            </a:r>
+            <a:r>
+              <a:rPr lang="en-US" altLang="zh-CN" sz="2000" dirty="0" err="1"/>
+              <a:t>rd</a:t>
+            </a:r>
+            <a:r>
+              <a:rPr lang="en-US" altLang="zh-CN" sz="2000" dirty="0"/>
+              <a:t>-&gt;append('test','</a:t>
+            </a:r>
+            <a:r>
+              <a:rPr lang="en-US" altLang="zh-CN" sz="2000" dirty="0" err="1"/>
+              <a:t>php</a:t>
+            </a:r>
+            <a:r>
+              <a:rPr lang="en-US" altLang="zh-CN" sz="2000" dirty="0"/>
+              <a:t>’);</a:t>
+            </a:r>
+            <a:br>
+              <a:rPr lang="en-US" altLang="zh-CN" sz="2000" dirty="0"/>
+            </a:br>
+            <a:endParaRPr lang="en-US" altLang="zh-CN" sz="2000" dirty="0"/>
+          </a:p>
+          <a:p>
+            <a:endParaRPr lang="en-US" altLang="zh-CN" sz="2000" dirty="0"/>
           </a:p>
         </p:txBody>
       </p:sp>
     </p:spTree>
     <p:extLst>
       <p:ext uri="{BB962C8B-B14F-4D97-AF65-F5344CB8AC3E}">
-        <p14:creationId xmlns:p14="http://schemas.microsoft.com/office/powerpoint/2010/main" val="36759182"/>
+        <p14:creationId xmlns:p14="http://schemas.microsoft.com/office/powerpoint/2010/main" val="2833520640"/>
       </p:ext>
     </p:extLst>
   </p:cSld>
@@ -6855,7 +6856,7 @@
             <p:ph idx="1"/>
             <p:extLst>
               <p:ext uri="{D42A27DB-BD31-4B8C-83A1-F6EECF244321}">
-                <p14:modId xmlns:p14="http://schemas.microsoft.com/office/powerpoint/2010/main" val="2668476362"/>
+                <p14:modId xmlns:p14="http://schemas.microsoft.com/office/powerpoint/2010/main" val="1897505241"/>
               </p:ext>
             </p:extLst>
           </p:nvPr>
@@ -6887,7 +6888,7 @@
                     <a:p>
                       <a:pPr lvl="4" algn="l"/>
                       <a:r>
-                        <a:rPr lang="zh-CN" altLang="en-US" sz="2000" b="0" dirty="0">
+                        <a:rPr lang="zh-CN" altLang="en-US" sz="2400" b="0" dirty="0">
                           <a:latin typeface="汉仪家书简" panose="02010609000101010101" pitchFamily="49" charset="-122"/>
                           <a:ea typeface="汉仪家书简" panose="02010609000101010101" pitchFamily="49" charset="-122"/>
                         </a:rPr>
@@ -6938,14 +6939,14 @@
                     <a:p>
                       <a:pPr lvl="4" algn="l"/>
                       <a:r>
-                        <a:rPr lang="en-US" altLang="zh-CN" sz="2000" dirty="0">
+                        <a:rPr lang="en-US" altLang="zh-CN" sz="2400" dirty="0">
                           <a:latin typeface="汉仪家书简" panose="02010609000101010101" pitchFamily="49" charset="-122"/>
                           <a:ea typeface="汉仪家书简" panose="02010609000101010101" pitchFamily="49" charset="-122"/>
                         </a:rPr>
                         <a:t>PHP</a:t>
                       </a:r>
                       <a:r>
-                        <a:rPr lang="zh-CN" altLang="en-US" sz="2000" dirty="0">
+                        <a:rPr lang="zh-CN" altLang="en-US" sz="2400" dirty="0">
                           <a:latin typeface="汉仪家书简" panose="02010609000101010101" pitchFamily="49" charset="-122"/>
                           <a:ea typeface="汉仪家书简" panose="02010609000101010101" pitchFamily="49" charset="-122"/>
                         </a:rPr>
@@ -6996,13 +6997,13 @@
                     <a:p>
                       <a:pPr lvl="4" algn="l"/>
                       <a:r>
-                        <a:rPr lang="en-US" altLang="zh-CN" sz="2000" dirty="0" err="1">
+                        <a:rPr lang="en-US" altLang="zh-CN" sz="2400" dirty="0" err="1">
                           <a:latin typeface="汉仪家书简" panose="02010609000101010101" pitchFamily="49" charset="-122"/>
                           <a:ea typeface="汉仪家书简" panose="02010609000101010101" pitchFamily="49" charset="-122"/>
                         </a:rPr>
                         <a:t>Redis</a:t>
                       </a:r>
-                      <a:endParaRPr lang="zh-CN" altLang="en-US" sz="2000" dirty="0">
+                      <a:endParaRPr lang="zh-CN" altLang="en-US" sz="2400" dirty="0">
                         <a:latin typeface="汉仪家书简" panose="02010609000101010101" pitchFamily="49" charset="-122"/>
                         <a:ea typeface="汉仪家书简" panose="02010609000101010101" pitchFamily="49" charset="-122"/>
                       </a:endParaRPr>
@@ -7104,27 +7105,26 @@
           <a:lstStyle/>
           <a:p>
             <a:r>
+              <a:rPr lang="zh-CN" altLang="en-US" dirty="0"/>
+              <a:t>发布</a:t>
+            </a:r>
+            <a:r>
               <a:rPr lang="en-US" altLang="zh-CN" dirty="0"/>
-              <a:t>PHP</a:t>
+              <a:t>/</a:t>
             </a:r>
             <a:r>
               <a:rPr lang="zh-CN" altLang="en-US" dirty="0"/>
-              <a:t>实现</a:t>
-            </a:r>
-            <a:r>
-              <a:rPr lang="en-US" altLang="zh-CN" dirty="0"/>
-              <a:t>PUBLISH</a:t>
-            </a:r>
-            <a:endParaRPr lang="zh-CN" altLang="en-US" dirty="0"/>
-          </a:p>
-        </p:txBody>
-      </p:sp>
-      <p:sp>
-        <p:nvSpPr>
-          <p:cNvPr id="3" name="内容占位符 2">
-            <a:extLst>
-              <a:ext uri="{FF2B5EF4-FFF2-40B4-BE49-F238E27FC236}">
-                <a16:creationId xmlns:a16="http://schemas.microsoft.com/office/drawing/2014/main" id="{96EE1DBA-F015-4E13-B948-F2CA77768E06}"/>
+              <a:t>订阅</a:t>
+            </a:r>
+          </a:p>
+        </p:txBody>
+      </p:sp>
+      <p:sp>
+        <p:nvSpPr>
+          <p:cNvPr id="6" name="内容占位符 5">
+            <a:extLst>
+              <a:ext uri="{FF2B5EF4-FFF2-40B4-BE49-F238E27FC236}">
+                <a16:creationId xmlns:a16="http://schemas.microsoft.com/office/drawing/2014/main" id="{B83E9AD4-C606-4679-B884-01F71CC97E44}"/>
               </a:ext>
             </a:extLst>
           </p:cNvPr>
@@ -7138,12 +7138,59 @@
         <p:spPr>
           <a:xfrm>
             <a:off x="838200" y="1656500"/>
-            <a:ext cx="10515600" cy="5037263"/>
-          </a:xfrm>
-        </p:spPr>
-        <p:txBody>
-          <a:bodyPr/>
+            <a:ext cx="10515600" cy="4850832"/>
+          </a:xfrm>
+        </p:spPr>
+        <p:txBody>
+          <a:bodyPr>
+            <a:normAutofit/>
+          </a:bodyPr>
           <a:lstStyle/>
+          <a:p>
+            <a:r>
+              <a:rPr lang="en-US" altLang="zh-CN" sz="2000" dirty="0" err="1"/>
+              <a:t>Redis</a:t>
+            </a:r>
+            <a:r>
+              <a:rPr lang="zh-CN" altLang="en-US" sz="2000" dirty="0"/>
+              <a:t>支持发布订阅模式。</a:t>
+            </a:r>
+            <a:endParaRPr lang="en-US" altLang="zh-CN" sz="2000" dirty="0"/>
+          </a:p>
+          <a:p>
+            <a:endParaRPr lang="en-US" altLang="zh-CN" sz="2000" dirty="0"/>
+          </a:p>
+          <a:p>
+            <a:r>
+              <a:rPr lang="zh-CN" altLang="en-US" sz="2000" dirty="0"/>
+              <a:t>客户端运行</a:t>
+            </a:r>
+            <a:r>
+              <a:rPr lang="en-US" altLang="zh-CN" sz="2000" dirty="0" err="1"/>
+              <a:t>subcribe</a:t>
+            </a:r>
+            <a:r>
+              <a:rPr lang="en-US" altLang="zh-CN" sz="2000" dirty="0"/>
+              <a:t> [ CHANNEL1 ] [ CHANNEL2 ]···</a:t>
+            </a:r>
+            <a:r>
+              <a:rPr lang="zh-CN" altLang="en-US" sz="2000" dirty="0"/>
+              <a:t>订阅给指定频道的信息。</a:t>
+            </a:r>
+            <a:endParaRPr lang="en-US" altLang="zh-CN" sz="2000" dirty="0"/>
+          </a:p>
+          <a:p>
+            <a:endParaRPr lang="en-US" altLang="zh-CN" sz="2000" dirty="0"/>
+          </a:p>
+          <a:p>
+            <a:r>
+              <a:rPr lang="zh-CN" altLang="en-US" sz="2000" dirty="0"/>
+              <a:t>一旦客户端进入订阅状态，客户端就只可接受订阅相关的命令</a:t>
+            </a:r>
+          </a:p>
+          <a:p>
+            <a:endParaRPr lang="en-US" altLang="zh-CN" sz="2000" dirty="0"/>
+          </a:p>
           <a:p>
             <a:r>
               <a:rPr lang="zh-CN" altLang="en-US" sz="2000" dirty="0"/>
@@ -7151,31 +7198,18 @@
             </a:r>
             <a:r>
               <a:rPr lang="en-US" altLang="zh-CN" sz="2000" dirty="0"/>
-              <a:t>$</a:t>
-            </a:r>
-            <a:r>
-              <a:rPr lang="en-US" altLang="zh-CN" sz="2000" dirty="0" err="1"/>
-              <a:t>redis</a:t>
-            </a:r>
-            <a:r>
-              <a:rPr lang="en-US" altLang="zh-CN" sz="2000" dirty="0"/>
-              <a:t>-&gt;publish</a:t>
+              <a:t>publish [ CHANNEL ] [ DATA ] </a:t>
             </a:r>
             <a:r>
               <a:rPr lang="zh-CN" altLang="en-US" sz="2000" dirty="0"/>
-              <a:t>方法，并使用</a:t>
-            </a:r>
-            <a:r>
-              <a:rPr lang="en-US" altLang="zh-CN" sz="2000" dirty="0" err="1"/>
-              <a:t>redis</a:t>
-            </a:r>
-            <a:r>
-              <a:rPr lang="en-US" altLang="zh-CN" sz="2000" dirty="0"/>
-              <a:t>-cli</a:t>
-            </a:r>
+              <a:t>向指定频道发布数据。</a:t>
+            </a:r>
+            <a:endParaRPr lang="en-US" altLang="zh-CN" sz="2000" dirty="0"/>
+          </a:p>
+          <a:p>
             <a:r>
               <a:rPr lang="zh-CN" altLang="en-US" sz="2000" dirty="0"/>
-              <a:t>订阅频道获取数据</a:t>
+              <a:t>示例：</a:t>
             </a:r>
             <a:endParaRPr lang="en-US" altLang="zh-CN" sz="2000" dirty="0"/>
           </a:p>
@@ -7183,128 +7217,65 @@
             <a:pPr marL="457200" lvl="1" indent="0">
               <a:buNone/>
             </a:pPr>
-            <a:endParaRPr lang="en-US" altLang="zh-CN" sz="1800" dirty="0"/>
+            <a:r>
+              <a:rPr lang="zh-CN" altLang="en-US" sz="2000" dirty="0"/>
+              <a:t>客户端</a:t>
+            </a:r>
+            <a:r>
+              <a:rPr lang="en-US" altLang="zh-CN" sz="2000" dirty="0"/>
+              <a:t>1</a:t>
+            </a:r>
+            <a:r>
+              <a:rPr lang="zh-CN" altLang="en-US" sz="2000" dirty="0"/>
+              <a:t>运行：</a:t>
+            </a:r>
+            <a:r>
+              <a:rPr lang="en-US" altLang="zh-CN" sz="2000" dirty="0"/>
+              <a:t>subscribe  chan1  chan2</a:t>
+            </a:r>
           </a:p>
           <a:p>
             <a:pPr marL="457200" lvl="1" indent="0">
               <a:buNone/>
             </a:pPr>
             <a:r>
-              <a:rPr lang="en-US" altLang="zh-CN" sz="1800" dirty="0"/>
-              <a:t>&lt;?</a:t>
-            </a:r>
-            <a:r>
-              <a:rPr lang="en-US" altLang="zh-CN" sz="1800" dirty="0" err="1"/>
+              <a:rPr lang="zh-CN" altLang="en-US" sz="2000" dirty="0"/>
+              <a:t>客户端</a:t>
+            </a:r>
+            <a:r>
+              <a:rPr lang="en-US" altLang="zh-CN" sz="2000" dirty="0"/>
+              <a:t>2</a:t>
+            </a:r>
+            <a:r>
+              <a:rPr lang="zh-CN" altLang="en-US" sz="2000" dirty="0"/>
+              <a:t>运行：</a:t>
+            </a:r>
+            <a:r>
+              <a:rPr lang="en-US" altLang="zh-CN" sz="2000" dirty="0"/>
+              <a:t>publish  chan1  ‘hello </a:t>
+            </a:r>
+            <a:r>
+              <a:rPr lang="en-US" altLang="zh-CN" sz="2000" dirty="0" err="1"/>
               <a:t>php</a:t>
             </a:r>
-            <a:endParaRPr lang="en-US" altLang="zh-CN" sz="1800" dirty="0"/>
+            <a:r>
+              <a:rPr lang="en-US" altLang="zh-CN" sz="2000" dirty="0"/>
+              <a:t>’    ;   publish  chan2  ‘hello </a:t>
+            </a:r>
+            <a:r>
+              <a:rPr lang="en-US" altLang="zh-CN" sz="2000" dirty="0" err="1"/>
+              <a:t>redis</a:t>
+            </a:r>
+            <a:r>
+              <a:rPr lang="en-US" altLang="zh-CN" sz="2000" dirty="0"/>
+              <a:t>’</a:t>
+            </a:r>
           </a:p>
           <a:p>
             <a:pPr marL="457200" lvl="1" indent="0">
               <a:buNone/>
             </a:pPr>
-            <a:r>
-              <a:rPr lang="en-US" altLang="zh-CN" sz="1800" dirty="0"/>
-              <a:t>$</a:t>
-            </a:r>
-            <a:r>
-              <a:rPr lang="en-US" altLang="zh-CN" sz="1800" dirty="0" err="1"/>
-              <a:t>rd</a:t>
-            </a:r>
-            <a:r>
-              <a:rPr lang="en-US" altLang="zh-CN" sz="1800" dirty="0"/>
-              <a:t> = new </a:t>
-            </a:r>
-            <a:r>
-              <a:rPr lang="en-US" altLang="zh-CN" sz="1800" dirty="0" err="1"/>
-              <a:t>Redis</a:t>
-            </a:r>
-            <a:r>
-              <a:rPr lang="en-US" altLang="zh-CN" sz="1800" dirty="0"/>
-              <a:t>();</a:t>
-            </a:r>
-            <a:br>
-              <a:rPr lang="en-US" altLang="zh-CN" sz="1800" dirty="0"/>
-            </a:br>
-            <a:br>
-              <a:rPr lang="en-US" altLang="zh-CN" sz="1800" dirty="0"/>
-            </a:br>
-            <a:r>
-              <a:rPr lang="en-US" altLang="zh-CN" sz="1800" dirty="0"/>
-              <a:t>$</a:t>
-            </a:r>
-            <a:r>
-              <a:rPr lang="en-US" altLang="zh-CN" sz="1800" dirty="0" err="1"/>
-              <a:t>rd</a:t>
-            </a:r>
-            <a:r>
-              <a:rPr lang="en-US" altLang="zh-CN" sz="1800" dirty="0"/>
-              <a:t>-&gt;connect('127.0.0.1',6379);</a:t>
-            </a:r>
-            <a:br>
-              <a:rPr lang="en-US" altLang="zh-CN" sz="1800" dirty="0"/>
-            </a:br>
-            <a:br>
-              <a:rPr lang="en-US" altLang="zh-CN" sz="1800" dirty="0"/>
-            </a:br>
-            <a:r>
-              <a:rPr lang="en-US" altLang="zh-CN" sz="1800" dirty="0"/>
-              <a:t>for ($</a:t>
-            </a:r>
-            <a:r>
-              <a:rPr lang="en-US" altLang="zh-CN" sz="1800" dirty="0" err="1"/>
-              <a:t>i</a:t>
-            </a:r>
-            <a:r>
-              <a:rPr lang="en-US" altLang="zh-CN" sz="1800" dirty="0"/>
-              <a:t>=0;$</a:t>
-            </a:r>
-            <a:r>
-              <a:rPr lang="en-US" altLang="zh-CN" sz="1800" dirty="0" err="1"/>
-              <a:t>i</a:t>
-            </a:r>
-            <a:r>
-              <a:rPr lang="en-US" altLang="zh-CN" sz="1800" dirty="0"/>
-              <a:t>&lt;10;$</a:t>
-            </a:r>
-            <a:r>
-              <a:rPr lang="en-US" altLang="zh-CN" sz="1800" dirty="0" err="1"/>
-              <a:t>i</a:t>
-            </a:r>
-            <a:r>
-              <a:rPr lang="en-US" altLang="zh-CN" sz="1800" dirty="0"/>
-              <a:t>++) {</a:t>
-            </a:r>
-            <a:br>
-              <a:rPr lang="en-US" altLang="zh-CN" sz="1800" dirty="0"/>
-            </a:br>
-            <a:r>
-              <a:rPr lang="en-US" altLang="zh-CN" sz="1800" dirty="0"/>
-              <a:t>    $</a:t>
-            </a:r>
-            <a:r>
-              <a:rPr lang="en-US" altLang="zh-CN" sz="1800" dirty="0" err="1"/>
-              <a:t>rd</a:t>
-            </a:r>
-            <a:r>
-              <a:rPr lang="en-US" altLang="zh-CN" sz="1800" dirty="0"/>
-              <a:t>-&gt;publish('redis_test',</a:t>
-            </a:r>
-            <a:r>
-              <a:rPr lang="en-US" altLang="zh-CN" sz="1800" dirty="0" err="1"/>
-              <a:t>mt_rand</a:t>
-            </a:r>
-            <a:r>
-              <a:rPr lang="en-US" altLang="zh-CN" sz="1800" dirty="0"/>
-              <a:t>(1000,10000));</a:t>
-            </a:r>
-            <a:br>
-              <a:rPr lang="en-US" altLang="zh-CN" sz="1800" dirty="0"/>
-            </a:br>
-            <a:r>
-              <a:rPr lang="en-US" altLang="zh-CN" sz="1800" dirty="0"/>
-              <a:t>}</a:t>
-            </a:r>
+            <a:endParaRPr lang="zh-CN" altLang="en-US" sz="2000" dirty="0"/>
           </a:p>
           <a:p>
             <a:endParaRPr lang="en-US" altLang="zh-CN" sz="2000" dirty="0"/>
@@ -7314,7 +7285,7 @@
     </p:spTree>
     <p:extLst>
       <p:ext uri="{BB962C8B-B14F-4D97-AF65-F5344CB8AC3E}">
-        <p14:creationId xmlns:p14="http://schemas.microsoft.com/office/powerpoint/2010/main" val="1482262640"/>
+        <p14:creationId xmlns:p14="http://schemas.microsoft.com/office/powerpoint/2010/main" val="36759182"/>
       </p:ext>
     </p:extLst>
   </p:cSld>
@@ -7377,7 +7348,7 @@
             </a:r>
             <a:r>
               <a:rPr lang="en-US" altLang="zh-CN" dirty="0"/>
-              <a:t>SUBSCRIBE</a:t>
+              <a:t>PUBLISH</a:t>
             </a:r>
             <a:endParaRPr lang="zh-CN" altLang="en-US" dirty="0"/>
           </a:p>
@@ -7407,284 +7378,180 @@
         </p:spPr>
         <p:txBody>
           <a:bodyPr>
-            <a:normAutofit fontScale="92500" lnSpcReduction="20000"/>
+            <a:normAutofit/>
           </a:bodyPr>
           <a:lstStyle/>
           <a:p>
             <a:r>
-              <a:rPr lang="zh-CN" altLang="en-US" sz="2000" dirty="0"/>
+              <a:rPr lang="zh-CN" altLang="en-US" sz="2400" dirty="0"/>
               <a:t>使用</a:t>
             </a:r>
             <a:r>
-              <a:rPr lang="en-US" altLang="zh-CN" sz="2000" dirty="0"/>
+              <a:rPr lang="en-US" altLang="zh-CN" sz="2400" dirty="0"/>
               <a:t>$</a:t>
             </a:r>
             <a:r>
-              <a:rPr lang="en-US" altLang="zh-CN" sz="2000" dirty="0" err="1"/>
+              <a:rPr lang="en-US" altLang="zh-CN" sz="2400" dirty="0" err="1"/>
               <a:t>redis</a:t>
             </a:r>
             <a:r>
-              <a:rPr lang="en-US" altLang="zh-CN" sz="2000" dirty="0"/>
-              <a:t>-&gt;subscribe</a:t>
-            </a:r>
-            <a:r>
-              <a:rPr lang="zh-CN" altLang="en-US" sz="2000" dirty="0"/>
-              <a:t>方法，并编写客户端发布消息，查看运行结果。</a:t>
-            </a:r>
-            <a:endParaRPr lang="en-US" altLang="zh-CN" sz="2000" dirty="0"/>
-          </a:p>
-          <a:p>
-            <a:r>
-              <a:rPr lang="zh-CN" altLang="en-US" sz="2000" dirty="0"/>
-              <a:t>订阅代码示例：</a:t>
-            </a:r>
-            <a:endParaRPr lang="en-US" altLang="zh-CN" sz="2000" dirty="0"/>
+              <a:rPr lang="en-US" altLang="zh-CN" sz="2400" dirty="0"/>
+              <a:t>-&gt;publish</a:t>
+            </a:r>
+            <a:r>
+              <a:rPr lang="zh-CN" altLang="en-US" sz="2400" dirty="0"/>
+              <a:t>方法，并使用</a:t>
+            </a:r>
+            <a:r>
+              <a:rPr lang="en-US" altLang="zh-CN" sz="2400" dirty="0" err="1"/>
+              <a:t>redis</a:t>
+            </a:r>
+            <a:r>
+              <a:rPr lang="en-US" altLang="zh-CN" sz="2400" dirty="0"/>
+              <a:t>-cli</a:t>
+            </a:r>
+            <a:r>
+              <a:rPr lang="zh-CN" altLang="en-US" sz="2400" dirty="0"/>
+              <a:t>订阅频道获取数据</a:t>
+            </a:r>
+            <a:endParaRPr lang="en-US" altLang="zh-CN" sz="2400" dirty="0"/>
           </a:p>
           <a:p>
             <a:pPr marL="457200" lvl="1" indent="0">
               <a:buNone/>
             </a:pPr>
-            <a:r>
-              <a:rPr lang="en-US" altLang="zh-CN" sz="1900" dirty="0"/>
-              <a:t>function </a:t>
-            </a:r>
-            <a:r>
-              <a:rPr lang="en-US" altLang="zh-CN" sz="1900" dirty="0" err="1"/>
-              <a:t>sub_handle</a:t>
-            </a:r>
-            <a:r>
-              <a:rPr lang="en-US" altLang="zh-CN" sz="1900" dirty="0"/>
-              <a:t>($</a:t>
-            </a:r>
-            <a:r>
-              <a:rPr lang="en-US" altLang="zh-CN" sz="1900" dirty="0" err="1"/>
+            <a:endParaRPr lang="en-US" altLang="zh-CN" sz="2000" dirty="0"/>
+          </a:p>
+          <a:p>
+            <a:pPr marL="457200" lvl="1" indent="0">
+              <a:buNone/>
+            </a:pPr>
+            <a:r>
+              <a:rPr lang="en-US" altLang="zh-CN" sz="2000" dirty="0"/>
+              <a:t>&lt;?</a:t>
+            </a:r>
+            <a:r>
+              <a:rPr lang="en-US" altLang="zh-CN" sz="2000" dirty="0" err="1"/>
+              <a:t>php</a:t>
+            </a:r>
+            <a:endParaRPr lang="en-US" altLang="zh-CN" sz="2000" dirty="0"/>
+          </a:p>
+          <a:p>
+            <a:pPr marL="457200" lvl="1" indent="0">
+              <a:buNone/>
+            </a:pPr>
+            <a:r>
+              <a:rPr lang="en-US" altLang="zh-CN" sz="2000" dirty="0"/>
+              <a:t>$</a:t>
+            </a:r>
+            <a:r>
+              <a:rPr lang="en-US" altLang="zh-CN" sz="2000" dirty="0" err="1"/>
               <a:t>rd</a:t>
             </a:r>
             <a:r>
-              <a:rPr lang="en-US" altLang="zh-CN" sz="1900" dirty="0"/>
-              <a:t>, $</a:t>
-            </a:r>
-            <a:r>
-              <a:rPr lang="en-US" altLang="zh-CN" sz="1900" dirty="0" err="1"/>
-              <a:t>chan</a:t>
-            </a:r>
-            <a:r>
-              <a:rPr lang="en-US" altLang="zh-CN" sz="1900" dirty="0"/>
-              <a:t>, $</a:t>
-            </a:r>
-            <a:r>
-              <a:rPr lang="en-US" altLang="zh-CN" sz="1900" dirty="0" err="1"/>
-              <a:t>msg</a:t>
-            </a:r>
-            <a:r>
-              <a:rPr lang="en-US" altLang="zh-CN" sz="1900" dirty="0"/>
-              <a:t>)</a:t>
+              <a:rPr lang="en-US" altLang="zh-CN" sz="2000" dirty="0"/>
+              <a:t> = new </a:t>
+            </a:r>
+            <a:r>
+              <a:rPr lang="en-US" altLang="zh-CN" sz="2000" dirty="0" err="1"/>
+              <a:t>Redis</a:t>
+            </a:r>
+            <a:r>
+              <a:rPr lang="en-US" altLang="zh-CN" sz="2000" dirty="0"/>
+              <a:t>();</a:t>
             </a:r>
             <a:br>
-              <a:rPr lang="en-US" altLang="zh-CN" sz="1900" dirty="0"/>
-            </a:br>
-            <a:r>
-              <a:rPr lang="en-US" altLang="zh-CN" sz="1900" dirty="0"/>
-              <a:t>{</a:t>
-            </a:r>
-            <a:br>
-              <a:rPr lang="en-US" altLang="zh-CN" sz="1900" dirty="0"/>
-            </a:br>
-            <a:r>
-              <a:rPr lang="en-US" altLang="zh-CN" sz="1900" dirty="0"/>
-              <a:t>    switch ($</a:t>
-            </a:r>
-            <a:r>
-              <a:rPr lang="en-US" altLang="zh-CN" sz="1900" dirty="0" err="1"/>
-              <a:t>chan</a:t>
-            </a:r>
-            <a:r>
-              <a:rPr lang="en-US" altLang="zh-CN" sz="1900" dirty="0"/>
-              <a:t>)  {</a:t>
-            </a:r>
-            <a:br>
-              <a:rPr lang="en-US" altLang="zh-CN" sz="1900" dirty="0"/>
-            </a:br>
-            <a:r>
-              <a:rPr lang="en-US" altLang="zh-CN" sz="1900" dirty="0"/>
-              <a:t>        case 'chan1':</a:t>
-            </a:r>
-            <a:br>
-              <a:rPr lang="en-US" altLang="zh-CN" sz="1900" dirty="0"/>
-            </a:br>
-            <a:r>
-              <a:rPr lang="en-US" altLang="zh-CN" sz="1900" dirty="0"/>
-              <a:t>            echo "chan1: $</a:t>
-            </a:r>
-            <a:r>
-              <a:rPr lang="en-US" altLang="zh-CN" sz="1900" dirty="0" err="1"/>
-              <a:t>msg</a:t>
-            </a:r>
-            <a:r>
-              <a:rPr lang="en-US" altLang="zh-CN" sz="1900" dirty="0"/>
-              <a:t>\n";</a:t>
-            </a:r>
-            <a:br>
-              <a:rPr lang="en-US" altLang="zh-CN" sz="1900" dirty="0"/>
-            </a:br>
-            <a:r>
-              <a:rPr lang="en-US" altLang="zh-CN" sz="1900" dirty="0"/>
-              <a:t>            break;</a:t>
-            </a:r>
-            <a:br>
-              <a:rPr lang="en-US" altLang="zh-CN" sz="1900" dirty="0"/>
-            </a:br>
-            <a:r>
-              <a:rPr lang="en-US" altLang="zh-CN" sz="1900" dirty="0"/>
-              <a:t>        case 'chan2':</a:t>
-            </a:r>
-            <a:br>
-              <a:rPr lang="en-US" altLang="zh-CN" sz="1900" dirty="0"/>
-            </a:br>
-            <a:r>
-              <a:rPr lang="en-US" altLang="zh-CN" sz="1900" dirty="0"/>
-              <a:t>            echo "chan2: $</a:t>
-            </a:r>
-            <a:r>
-              <a:rPr lang="en-US" altLang="zh-CN" sz="1900" dirty="0" err="1"/>
-              <a:t>msg</a:t>
-            </a:r>
-            <a:r>
-              <a:rPr lang="en-US" altLang="zh-CN" sz="1900" dirty="0"/>
-              <a:t>\n";</a:t>
-            </a:r>
-            <a:br>
-              <a:rPr lang="en-US" altLang="zh-CN" sz="1900" dirty="0"/>
-            </a:br>
-            <a:r>
-              <a:rPr lang="en-US" altLang="zh-CN" sz="1900" dirty="0"/>
-              <a:t>            break;</a:t>
-            </a:r>
-            <a:br>
-              <a:rPr lang="en-US" altLang="zh-CN" sz="1900" dirty="0"/>
-            </a:br>
-            <a:r>
-              <a:rPr lang="en-US" altLang="zh-CN" sz="1900" dirty="0"/>
-              <a:t>        case 'chan3':</a:t>
-            </a:r>
-            <a:br>
-              <a:rPr lang="en-US" altLang="zh-CN" sz="1900" dirty="0"/>
-            </a:br>
-            <a:r>
-              <a:rPr lang="en-US" altLang="zh-CN" sz="1900" dirty="0"/>
-              <a:t>            echo "chan3: $</a:t>
-            </a:r>
-            <a:r>
-              <a:rPr lang="en-US" altLang="zh-CN" sz="1900" dirty="0" err="1"/>
-              <a:t>msg</a:t>
-            </a:r>
-            <a:r>
-              <a:rPr lang="en-US" altLang="zh-CN" sz="1900" dirty="0"/>
-              <a:t>\n";</a:t>
-            </a:r>
-            <a:br>
-              <a:rPr lang="en-US" altLang="zh-CN" sz="1900" dirty="0"/>
-            </a:br>
-            <a:r>
-              <a:rPr lang="en-US" altLang="zh-CN" sz="1900" dirty="0"/>
-              <a:t>            break;</a:t>
-            </a:r>
-            <a:br>
-              <a:rPr lang="en-US" altLang="zh-CN" sz="1900" dirty="0"/>
-            </a:br>
-            <a:r>
-              <a:rPr lang="en-US" altLang="zh-CN" sz="1900" dirty="0"/>
-              <a:t>        default:;</a:t>
-            </a:r>
-            <a:br>
-              <a:rPr lang="en-US" altLang="zh-CN" sz="1900" dirty="0"/>
-            </a:br>
-            <a:r>
-              <a:rPr lang="en-US" altLang="zh-CN" sz="1900" dirty="0"/>
-              <a:t>    }</a:t>
-            </a:r>
-            <a:br>
-              <a:rPr lang="en-US" altLang="zh-CN" sz="1900" dirty="0"/>
-            </a:br>
-            <a:r>
-              <a:rPr lang="en-US" altLang="zh-CN" sz="1900" dirty="0"/>
-              <a:t>}</a:t>
-            </a:r>
-            <a:br>
-              <a:rPr lang="en-US" altLang="zh-CN" sz="1900" dirty="0"/>
+              <a:rPr lang="en-US" altLang="zh-CN" sz="2000" dirty="0"/>
             </a:br>
             <a:br>
-              <a:rPr lang="en-US" altLang="zh-CN" sz="1900" dirty="0"/>
+              <a:rPr lang="en-US" altLang="zh-CN" sz="2000" dirty="0"/>
             </a:br>
             <a:r>
-              <a:rPr lang="en-US" altLang="zh-CN" sz="1900" dirty="0"/>
+              <a:rPr lang="en-US" altLang="zh-CN" sz="2000" dirty="0"/>
               <a:t>$</a:t>
             </a:r>
             <a:r>
-              <a:rPr lang="en-US" altLang="zh-CN" sz="1900" dirty="0" err="1"/>
+              <a:rPr lang="en-US" altLang="zh-CN" sz="2000" dirty="0" err="1"/>
               <a:t>rd</a:t>
             </a:r>
             <a:r>
-              <a:rPr lang="en-US" altLang="zh-CN" sz="1900" dirty="0"/>
-              <a:t> = new </a:t>
-            </a:r>
-            <a:r>
-              <a:rPr lang="en-US" altLang="zh-CN" sz="1900" dirty="0" err="1"/>
-              <a:t>Redis</a:t>
-            </a:r>
-            <a:r>
-              <a:rPr lang="en-US" altLang="zh-CN" sz="1900" dirty="0"/>
-              <a:t>();</a:t>
+              <a:rPr lang="en-US" altLang="zh-CN" sz="2000" dirty="0"/>
+              <a:t>-&gt;connect('127.0.0.1',6379);</a:t>
             </a:r>
             <a:br>
-              <a:rPr lang="en-US" altLang="zh-CN" sz="1900" dirty="0"/>
+              <a:rPr lang="en-US" altLang="zh-CN" sz="2000" dirty="0"/>
             </a:br>
-            <a:r>
-              <a:rPr lang="en-US" altLang="zh-CN" sz="1900" dirty="0"/>
-              <a:t>$</a:t>
-            </a:r>
-            <a:r>
-              <a:rPr lang="en-US" altLang="zh-CN" sz="1900" dirty="0" err="1"/>
+            <a:br>
+              <a:rPr lang="en-US" altLang="zh-CN" sz="2000" dirty="0"/>
+            </a:br>
+            <a:r>
+              <a:rPr lang="en-US" altLang="zh-CN" sz="2000" dirty="0"/>
+              <a:t>for ($</a:t>
+            </a:r>
+            <a:r>
+              <a:rPr lang="en-US" altLang="zh-CN" sz="2000" dirty="0" err="1"/>
+              <a:t>i</a:t>
+            </a:r>
+            <a:r>
+              <a:rPr lang="en-US" altLang="zh-CN" sz="2000" dirty="0"/>
+              <a:t>=0;$</a:t>
+            </a:r>
+            <a:r>
+              <a:rPr lang="en-US" altLang="zh-CN" sz="2000" dirty="0" err="1"/>
+              <a:t>i</a:t>
+            </a:r>
+            <a:r>
+              <a:rPr lang="en-US" altLang="zh-CN" sz="2000" dirty="0"/>
+              <a:t>&lt;10;$</a:t>
+            </a:r>
+            <a:r>
+              <a:rPr lang="en-US" altLang="zh-CN" sz="2000" dirty="0" err="1"/>
+              <a:t>i</a:t>
+            </a:r>
+            <a:r>
+              <a:rPr lang="en-US" altLang="zh-CN" sz="2000" dirty="0"/>
+              <a:t>++) {</a:t>
+            </a:r>
+            <a:br>
+              <a:rPr lang="en-US" altLang="zh-CN" sz="2000" dirty="0"/>
+            </a:br>
+            <a:r>
+              <a:rPr lang="en-US" altLang="zh-CN" sz="2000" dirty="0"/>
+              <a:t>    $</a:t>
+            </a:r>
+            <a:r>
+              <a:rPr lang="en-US" altLang="zh-CN" sz="2000" dirty="0" err="1"/>
               <a:t>rd</a:t>
             </a:r>
             <a:r>
-              <a:rPr lang="en-US" altLang="zh-CN" sz="1900" dirty="0"/>
-              <a:t>-&gt;connect('127.0.0.1',6379);</a:t>
+              <a:rPr lang="en-US" altLang="zh-CN" sz="2000" dirty="0"/>
+              <a:t>-&gt;publish('redis_test',</a:t>
+            </a:r>
+            <a:r>
+              <a:rPr lang="en-US" altLang="zh-CN" sz="2000" dirty="0" err="1"/>
+              <a:t>mt_rand</a:t>
+            </a:r>
+            <a:r>
+              <a:rPr lang="en-US" altLang="zh-CN" sz="2000" dirty="0"/>
+              <a:t>(1000,10000));</a:t>
             </a:r>
             <a:br>
-              <a:rPr lang="en-US" altLang="zh-CN" sz="1900" dirty="0"/>
+              <a:rPr lang="en-US" altLang="zh-CN" sz="2000" dirty="0"/>
             </a:br>
             <a:r>
-              <a:rPr lang="en-US" altLang="zh-CN" sz="1900" dirty="0"/>
-              <a:t>$</a:t>
-            </a:r>
-            <a:r>
-              <a:rPr lang="en-US" altLang="zh-CN" sz="1900" dirty="0" err="1"/>
-              <a:t>rd</a:t>
-            </a:r>
-            <a:r>
-              <a:rPr lang="en-US" altLang="zh-CN" sz="1900" dirty="0"/>
-              <a:t>-&gt;subscribe(['chan1','chan2','chan3'], '</a:t>
-            </a:r>
-            <a:r>
-              <a:rPr lang="en-US" altLang="zh-CN" sz="1900" dirty="0" err="1"/>
-              <a:t>sub_handle</a:t>
-            </a:r>
-            <a:r>
-              <a:rPr lang="en-US" altLang="zh-CN" sz="1900" dirty="0"/>
-              <a:t>');</a:t>
-            </a:r>
-            <a:br>
-              <a:rPr lang="en-US" altLang="zh-CN" sz="1800" dirty="0"/>
-            </a:br>
-            <a:endParaRPr lang="en-US" altLang="zh-CN" sz="1800" dirty="0"/>
+              <a:rPr lang="en-US" altLang="zh-CN" sz="2000" dirty="0"/>
+              <a:t>}</a:t>
+            </a:r>
+          </a:p>
+          <a:p>
+            <a:endParaRPr lang="en-US" altLang="zh-CN" sz="2400" dirty="0"/>
           </a:p>
         </p:txBody>
       </p:sp>
     </p:spTree>
     <p:extLst>
       <p:ext uri="{BB962C8B-B14F-4D97-AF65-F5344CB8AC3E}">
-        <p14:creationId xmlns:p14="http://schemas.microsoft.com/office/powerpoint/2010/main" val="576774575"/>
+        <p14:creationId xmlns:p14="http://schemas.microsoft.com/office/powerpoint/2010/main" val="1482262640"/>
       </p:ext>
     </p:extLst>
   </p:cSld>
@@ -7739,6 +7606,378 @@
           <a:p>
             <a:r>
               <a:rPr lang="en-US" altLang="zh-CN" dirty="0"/>
+              <a:t>PHP</a:t>
+            </a:r>
+            <a:r>
+              <a:rPr lang="zh-CN" altLang="en-US" dirty="0"/>
+              <a:t>实现</a:t>
+            </a:r>
+            <a:r>
+              <a:rPr lang="en-US" altLang="zh-CN" dirty="0"/>
+              <a:t>SUBSCRIBE</a:t>
+            </a:r>
+            <a:endParaRPr lang="zh-CN" altLang="en-US" dirty="0"/>
+          </a:p>
+        </p:txBody>
+      </p:sp>
+      <p:sp>
+        <p:nvSpPr>
+          <p:cNvPr id="3" name="内容占位符 2">
+            <a:extLst>
+              <a:ext uri="{FF2B5EF4-FFF2-40B4-BE49-F238E27FC236}">
+                <a16:creationId xmlns:a16="http://schemas.microsoft.com/office/drawing/2014/main" id="{96EE1DBA-F015-4E13-B948-F2CA77768E06}"/>
+              </a:ext>
+            </a:extLst>
+          </p:cNvPr>
+          <p:cNvSpPr>
+            <a:spLocks noGrp="1"/>
+          </p:cNvSpPr>
+          <p:nvPr>
+            <p:ph idx="1"/>
+          </p:nvPr>
+        </p:nvSpPr>
+        <p:spPr>
+          <a:xfrm>
+            <a:off x="838200" y="1656500"/>
+            <a:ext cx="10515600" cy="5037263"/>
+          </a:xfrm>
+        </p:spPr>
+        <p:txBody>
+          <a:bodyPr>
+            <a:normAutofit fontScale="92500" lnSpcReduction="10000"/>
+          </a:bodyPr>
+          <a:lstStyle/>
+          <a:p>
+            <a:r>
+              <a:rPr lang="zh-CN" altLang="en-US" sz="2000" dirty="0"/>
+              <a:t>使用</a:t>
+            </a:r>
+            <a:r>
+              <a:rPr lang="en-US" altLang="zh-CN" sz="2000" dirty="0"/>
+              <a:t>$</a:t>
+            </a:r>
+            <a:r>
+              <a:rPr lang="en-US" altLang="zh-CN" sz="2000" dirty="0" err="1"/>
+              <a:t>redis</a:t>
+            </a:r>
+            <a:r>
+              <a:rPr lang="en-US" altLang="zh-CN" sz="2000" dirty="0"/>
+              <a:t>-&gt;subscribe</a:t>
+            </a:r>
+            <a:r>
+              <a:rPr lang="zh-CN" altLang="en-US" sz="2000" dirty="0"/>
+              <a:t>方法，并编写客户端发布</a:t>
+            </a:r>
+            <a:r>
+              <a:rPr lang="zh-CN" altLang="en-US" sz="2000"/>
+              <a:t>消息，订阅</a:t>
+            </a:r>
+            <a:r>
+              <a:rPr lang="zh-CN" altLang="en-US" sz="2000" dirty="0"/>
+              <a:t>代码示例：</a:t>
+            </a:r>
+            <a:endParaRPr lang="en-US" altLang="zh-CN" sz="2000" dirty="0"/>
+          </a:p>
+          <a:p>
+            <a:pPr marL="457200" lvl="1" indent="0">
+              <a:buNone/>
+            </a:pPr>
+            <a:r>
+              <a:rPr lang="en-US" altLang="zh-CN" sz="2000" dirty="0"/>
+              <a:t>function </a:t>
+            </a:r>
+            <a:r>
+              <a:rPr lang="en-US" altLang="zh-CN" sz="2000" dirty="0" err="1"/>
+              <a:t>sub_handle</a:t>
+            </a:r>
+            <a:r>
+              <a:rPr lang="en-US" altLang="zh-CN" sz="2000" dirty="0"/>
+              <a:t>($</a:t>
+            </a:r>
+            <a:r>
+              <a:rPr lang="en-US" altLang="zh-CN" sz="2000" dirty="0" err="1"/>
+              <a:t>rd</a:t>
+            </a:r>
+            <a:r>
+              <a:rPr lang="en-US" altLang="zh-CN" sz="2000" dirty="0"/>
+              <a:t>, $</a:t>
+            </a:r>
+            <a:r>
+              <a:rPr lang="en-US" altLang="zh-CN" sz="2000" dirty="0" err="1"/>
+              <a:t>chan</a:t>
+            </a:r>
+            <a:r>
+              <a:rPr lang="en-US" altLang="zh-CN" sz="2000" dirty="0"/>
+              <a:t>, $</a:t>
+            </a:r>
+            <a:r>
+              <a:rPr lang="en-US" altLang="zh-CN" sz="2000" dirty="0" err="1"/>
+              <a:t>msg</a:t>
+            </a:r>
+            <a:r>
+              <a:rPr lang="en-US" altLang="zh-CN" sz="2000" dirty="0"/>
+              <a:t>)</a:t>
+            </a:r>
+            <a:br>
+              <a:rPr lang="en-US" altLang="zh-CN" sz="2000" dirty="0"/>
+            </a:br>
+            <a:r>
+              <a:rPr lang="en-US" altLang="zh-CN" sz="2000" dirty="0"/>
+              <a:t>{</a:t>
+            </a:r>
+            <a:br>
+              <a:rPr lang="en-US" altLang="zh-CN" sz="2000" dirty="0"/>
+            </a:br>
+            <a:r>
+              <a:rPr lang="en-US" altLang="zh-CN" sz="2000" dirty="0"/>
+              <a:t>    switch ($</a:t>
+            </a:r>
+            <a:r>
+              <a:rPr lang="en-US" altLang="zh-CN" sz="2000" dirty="0" err="1"/>
+              <a:t>chan</a:t>
+            </a:r>
+            <a:r>
+              <a:rPr lang="en-US" altLang="zh-CN" sz="2000" dirty="0"/>
+              <a:t>)  {</a:t>
+            </a:r>
+            <a:br>
+              <a:rPr lang="en-US" altLang="zh-CN" sz="2000" dirty="0"/>
+            </a:br>
+            <a:r>
+              <a:rPr lang="en-US" altLang="zh-CN" sz="2000" dirty="0"/>
+              <a:t>        case 'chan1':</a:t>
+            </a:r>
+            <a:br>
+              <a:rPr lang="en-US" altLang="zh-CN" sz="2000" dirty="0"/>
+            </a:br>
+            <a:r>
+              <a:rPr lang="en-US" altLang="zh-CN" sz="2000" dirty="0"/>
+              <a:t>            echo "chan1: $</a:t>
+            </a:r>
+            <a:r>
+              <a:rPr lang="en-US" altLang="zh-CN" sz="2000" dirty="0" err="1"/>
+              <a:t>msg</a:t>
+            </a:r>
+            <a:r>
+              <a:rPr lang="en-US" altLang="zh-CN" sz="2000" dirty="0"/>
+              <a:t>\n";</a:t>
+            </a:r>
+            <a:br>
+              <a:rPr lang="en-US" altLang="zh-CN" sz="2000" dirty="0"/>
+            </a:br>
+            <a:r>
+              <a:rPr lang="en-US" altLang="zh-CN" sz="2000" dirty="0"/>
+              <a:t>            break;</a:t>
+            </a:r>
+            <a:br>
+              <a:rPr lang="en-US" altLang="zh-CN" sz="2000" dirty="0"/>
+            </a:br>
+            <a:r>
+              <a:rPr lang="en-US" altLang="zh-CN" sz="2000" dirty="0"/>
+              <a:t>        case 'chan2':</a:t>
+            </a:r>
+            <a:br>
+              <a:rPr lang="en-US" altLang="zh-CN" sz="2000" dirty="0"/>
+            </a:br>
+            <a:r>
+              <a:rPr lang="en-US" altLang="zh-CN" sz="2000" dirty="0"/>
+              <a:t>            echo "chan2: $</a:t>
+            </a:r>
+            <a:r>
+              <a:rPr lang="en-US" altLang="zh-CN" sz="2000" dirty="0" err="1"/>
+              <a:t>msg</a:t>
+            </a:r>
+            <a:r>
+              <a:rPr lang="en-US" altLang="zh-CN" sz="2000" dirty="0"/>
+              <a:t>\n";</a:t>
+            </a:r>
+            <a:br>
+              <a:rPr lang="en-US" altLang="zh-CN" sz="2000" dirty="0"/>
+            </a:br>
+            <a:r>
+              <a:rPr lang="en-US" altLang="zh-CN" sz="2000" dirty="0"/>
+              <a:t>            break;</a:t>
+            </a:r>
+            <a:br>
+              <a:rPr lang="en-US" altLang="zh-CN" sz="2000" dirty="0"/>
+            </a:br>
+            <a:r>
+              <a:rPr lang="en-US" altLang="zh-CN" sz="2000" dirty="0"/>
+              <a:t>        case 'chan3':</a:t>
+            </a:r>
+            <a:br>
+              <a:rPr lang="en-US" altLang="zh-CN" sz="2000" dirty="0"/>
+            </a:br>
+            <a:r>
+              <a:rPr lang="en-US" altLang="zh-CN" sz="2000" dirty="0"/>
+              <a:t>            echo "chan3: $</a:t>
+            </a:r>
+            <a:r>
+              <a:rPr lang="en-US" altLang="zh-CN" sz="2000" dirty="0" err="1"/>
+              <a:t>msg</a:t>
+            </a:r>
+            <a:r>
+              <a:rPr lang="en-US" altLang="zh-CN" sz="2000" dirty="0"/>
+              <a:t>\n";</a:t>
+            </a:r>
+            <a:br>
+              <a:rPr lang="en-US" altLang="zh-CN" sz="2000" dirty="0"/>
+            </a:br>
+            <a:r>
+              <a:rPr lang="en-US" altLang="zh-CN" sz="2000" dirty="0"/>
+              <a:t>            break;</a:t>
+            </a:r>
+            <a:br>
+              <a:rPr lang="en-US" altLang="zh-CN" sz="2000" dirty="0"/>
+            </a:br>
+            <a:r>
+              <a:rPr lang="en-US" altLang="zh-CN" sz="2000" dirty="0"/>
+              <a:t>        default:;</a:t>
+            </a:r>
+            <a:br>
+              <a:rPr lang="en-US" altLang="zh-CN" sz="2000" dirty="0"/>
+            </a:br>
+            <a:r>
+              <a:rPr lang="en-US" altLang="zh-CN" sz="2000" dirty="0"/>
+              <a:t>    }</a:t>
+            </a:r>
+            <a:br>
+              <a:rPr lang="en-US" altLang="zh-CN" sz="2000" dirty="0"/>
+            </a:br>
+            <a:r>
+              <a:rPr lang="en-US" altLang="zh-CN" sz="2000" dirty="0"/>
+              <a:t>}</a:t>
+            </a:r>
+            <a:br>
+              <a:rPr lang="en-US" altLang="zh-CN" sz="2000" dirty="0"/>
+            </a:br>
+            <a:br>
+              <a:rPr lang="en-US" altLang="zh-CN" sz="2000" dirty="0"/>
+            </a:br>
+            <a:r>
+              <a:rPr lang="en-US" altLang="zh-CN" sz="2000" dirty="0"/>
+              <a:t>$</a:t>
+            </a:r>
+            <a:r>
+              <a:rPr lang="en-US" altLang="zh-CN" sz="2000" dirty="0" err="1"/>
+              <a:t>rd</a:t>
+            </a:r>
+            <a:r>
+              <a:rPr lang="en-US" altLang="zh-CN" sz="2000" dirty="0"/>
+              <a:t> = new </a:t>
+            </a:r>
+            <a:r>
+              <a:rPr lang="en-US" altLang="zh-CN" sz="2000" dirty="0" err="1"/>
+              <a:t>Redis</a:t>
+            </a:r>
+            <a:r>
+              <a:rPr lang="en-US" altLang="zh-CN" sz="2000" dirty="0"/>
+              <a:t>();</a:t>
+            </a:r>
+            <a:br>
+              <a:rPr lang="en-US" altLang="zh-CN" sz="2000" dirty="0"/>
+            </a:br>
+            <a:r>
+              <a:rPr lang="en-US" altLang="zh-CN" sz="2000" dirty="0"/>
+              <a:t>$</a:t>
+            </a:r>
+            <a:r>
+              <a:rPr lang="en-US" altLang="zh-CN" sz="2000" dirty="0" err="1"/>
+              <a:t>rd</a:t>
+            </a:r>
+            <a:r>
+              <a:rPr lang="en-US" altLang="zh-CN" sz="2000" dirty="0"/>
+              <a:t>-&gt;connect('127.0.0.1',6379);</a:t>
+            </a:r>
+            <a:br>
+              <a:rPr lang="en-US" altLang="zh-CN" sz="2000" dirty="0"/>
+            </a:br>
+            <a:r>
+              <a:rPr lang="en-US" altLang="zh-CN" sz="2000" dirty="0"/>
+              <a:t>$</a:t>
+            </a:r>
+            <a:r>
+              <a:rPr lang="en-US" altLang="zh-CN" sz="2000" dirty="0" err="1"/>
+              <a:t>rd</a:t>
+            </a:r>
+            <a:r>
+              <a:rPr lang="en-US" altLang="zh-CN" sz="2000" dirty="0"/>
+              <a:t>-&gt;subscribe(['chan1','chan2','chan3'], '</a:t>
+            </a:r>
+            <a:r>
+              <a:rPr lang="en-US" altLang="zh-CN" sz="2000" dirty="0" err="1"/>
+              <a:t>sub_</a:t>
+            </a:r>
+            <a:r>
+              <a:rPr lang="en-US" altLang="zh-CN" sz="2000" err="1"/>
+              <a:t>handle</a:t>
+            </a:r>
+            <a:r>
+              <a:rPr lang="en-US" altLang="zh-CN" sz="2000"/>
+              <a:t>');</a:t>
+            </a:r>
+            <a:endParaRPr lang="en-US" altLang="zh-CN" sz="1800" dirty="0"/>
+          </a:p>
+        </p:txBody>
+      </p:sp>
+    </p:spTree>
+    <p:extLst>
+      <p:ext uri="{BB962C8B-B14F-4D97-AF65-F5344CB8AC3E}">
+        <p14:creationId xmlns:p14="http://schemas.microsoft.com/office/powerpoint/2010/main" val="576774575"/>
+      </p:ext>
+    </p:extLst>
+  </p:cSld>
+  <p:clrMapOvr>
+    <a:masterClrMapping/>
+  </p:clrMapOvr>
+</p:sld>
+</file>
+
+<file path=ppt/slides/slide23.xml><?xml version="1.0" encoding="utf-8"?>
+<p:sld xmlns:a="http://schemas.openxmlformats.org/drawingml/2006/main" xmlns:r="http://schemas.openxmlformats.org/officeDocument/2006/relationships" xmlns:p="http://schemas.openxmlformats.org/presentationml/2006/main">
+  <p:cSld>
+    <p:spTree>
+      <p:nvGrpSpPr>
+        <p:cNvPr id="1" name=""/>
+        <p:cNvGrpSpPr/>
+        <p:nvPr/>
+      </p:nvGrpSpPr>
+      <p:grpSpPr>
+        <a:xfrm>
+          <a:off x="0" y="0"/>
+          <a:ext cx="0" cy="0"/>
+          <a:chOff x="0" y="0"/>
+          <a:chExt cx="0" cy="0"/>
+        </a:xfrm>
+      </p:grpSpPr>
+      <p:sp>
+        <p:nvSpPr>
+          <p:cNvPr id="4" name="标题 3">
+            <a:extLst>
+              <a:ext uri="{FF2B5EF4-FFF2-40B4-BE49-F238E27FC236}">
+                <a16:creationId xmlns:a16="http://schemas.microsoft.com/office/drawing/2014/main" id="{2729939D-814A-4BD2-9922-3F8EA865938B}"/>
+              </a:ext>
+            </a:extLst>
+          </p:cNvPr>
+          <p:cNvSpPr>
+            <a:spLocks noGrp="1"/>
+          </p:cNvSpPr>
+          <p:nvPr>
+            <p:ph type="title"/>
+          </p:nvPr>
+        </p:nvSpPr>
+        <p:spPr>
+          <a:xfrm>
+            <a:off x="838200" y="683581"/>
+            <a:ext cx="10515600" cy="736846"/>
+          </a:xfrm>
+        </p:spPr>
+        <p:txBody>
+          <a:bodyPr/>
+          <a:lstStyle/>
+          <a:p>
+            <a:r>
+              <a:rPr lang="en-US" altLang="zh-CN" dirty="0"/>
               <a:t>SUBSCRIBE</a:t>
             </a:r>
             <a:r>
@@ -7777,93 +8016,93 @@
           <a:lstStyle/>
           <a:p>
             <a:r>
-              <a:rPr lang="zh-CN" altLang="en-US" sz="2000" dirty="0"/>
+              <a:rPr lang="zh-CN" altLang="en-US" sz="2400" dirty="0"/>
               <a:t>使用</a:t>
             </a:r>
             <a:r>
-              <a:rPr lang="en-US" altLang="zh-CN" sz="2000" dirty="0"/>
+              <a:rPr lang="en-US" altLang="zh-CN" sz="2400" dirty="0"/>
               <a:t>$</a:t>
             </a:r>
             <a:r>
-              <a:rPr lang="en-US" altLang="zh-CN" sz="2000" dirty="0" err="1"/>
+              <a:rPr lang="en-US" altLang="zh-CN" sz="2400" dirty="0" err="1"/>
               <a:t>redis</a:t>
             </a:r>
             <a:r>
-              <a:rPr lang="en-US" altLang="zh-CN" sz="2000" dirty="0"/>
+              <a:rPr lang="en-US" altLang="zh-CN" sz="2400" dirty="0"/>
               <a:t>-&gt;subscribe</a:t>
             </a:r>
             <a:r>
-              <a:rPr lang="zh-CN" altLang="en-US" sz="2000" dirty="0"/>
+              <a:rPr lang="zh-CN" altLang="en-US" sz="2400" dirty="0"/>
               <a:t>方法，如果没有数据到达，默认会</a:t>
             </a:r>
             <a:r>
-              <a:rPr lang="en-US" altLang="zh-CN" sz="2000" dirty="0"/>
+              <a:rPr lang="en-US" altLang="zh-CN" sz="2400" dirty="0"/>
               <a:t>60s</a:t>
             </a:r>
             <a:r>
-              <a:rPr lang="zh-CN" altLang="en-US" sz="2000" dirty="0"/>
+              <a:rPr lang="zh-CN" altLang="en-US" sz="2400" dirty="0"/>
               <a:t>超时。如果需要长期运行则需要进行超时设置。</a:t>
             </a:r>
-            <a:endParaRPr lang="en-US" altLang="zh-CN" sz="2000" dirty="0"/>
-          </a:p>
-          <a:p>
-            <a:endParaRPr lang="en-US" altLang="zh-CN" sz="2000" dirty="0"/>
-          </a:p>
-          <a:p>
-            <a:r>
-              <a:rPr lang="zh-CN" altLang="en-US" sz="2000" dirty="0"/>
+            <a:endParaRPr lang="en-US" altLang="zh-CN" sz="2400" dirty="0"/>
+          </a:p>
+          <a:p>
+            <a:endParaRPr lang="en-US" altLang="zh-CN" sz="2400" dirty="0"/>
+          </a:p>
+          <a:p>
+            <a:r>
+              <a:rPr lang="zh-CN" altLang="en-US" sz="2400" dirty="0"/>
               <a:t>代码示例：</a:t>
             </a:r>
-            <a:endParaRPr lang="en-US" altLang="zh-CN" sz="2000" dirty="0"/>
+            <a:endParaRPr lang="en-US" altLang="zh-CN" sz="2400" dirty="0"/>
           </a:p>
           <a:p>
             <a:pPr marL="457200" lvl="1" indent="0">
               <a:buNone/>
             </a:pPr>
             <a:br>
-              <a:rPr lang="en-US" altLang="zh-CN" sz="1900" dirty="0"/>
+              <a:rPr lang="en-US" altLang="zh-CN" sz="2000" dirty="0"/>
             </a:br>
             <a:r>
-              <a:rPr lang="en-US" altLang="zh-CN" sz="1900" dirty="0"/>
+              <a:rPr lang="en-US" altLang="zh-CN" sz="2000" dirty="0"/>
               <a:t>$</a:t>
             </a:r>
             <a:r>
-              <a:rPr lang="en-US" altLang="zh-CN" sz="1900" dirty="0" err="1"/>
+              <a:rPr lang="en-US" altLang="zh-CN" sz="2000" dirty="0" err="1"/>
               <a:t>rd</a:t>
             </a:r>
             <a:r>
-              <a:rPr lang="en-US" altLang="zh-CN" sz="1900" dirty="0"/>
+              <a:rPr lang="en-US" altLang="zh-CN" sz="2000" dirty="0"/>
               <a:t> = new </a:t>
             </a:r>
             <a:r>
-              <a:rPr lang="en-US" altLang="zh-CN" sz="1900" dirty="0" err="1"/>
+              <a:rPr lang="en-US" altLang="zh-CN" sz="2000" dirty="0" err="1"/>
               <a:t>Redis</a:t>
             </a:r>
             <a:r>
-              <a:rPr lang="en-US" altLang="zh-CN" sz="1900" dirty="0"/>
+              <a:rPr lang="en-US" altLang="zh-CN" sz="2000" dirty="0"/>
               <a:t>();</a:t>
             </a:r>
             <a:br>
-              <a:rPr lang="en-US" altLang="zh-CN" sz="1900" dirty="0"/>
+              <a:rPr lang="en-US" altLang="zh-CN" sz="2000" dirty="0"/>
             </a:br>
             <a:r>
-              <a:rPr lang="en-US" altLang="zh-CN" sz="1900" dirty="0"/>
+              <a:rPr lang="en-US" altLang="zh-CN" sz="2000" dirty="0"/>
               <a:t>$</a:t>
             </a:r>
             <a:r>
-              <a:rPr lang="en-US" altLang="zh-CN" sz="1900" dirty="0" err="1"/>
+              <a:rPr lang="en-US" altLang="zh-CN" sz="2000" dirty="0" err="1"/>
               <a:t>rd</a:t>
             </a:r>
             <a:r>
-              <a:rPr lang="en-US" altLang="zh-CN" sz="1900" dirty="0"/>
+              <a:rPr lang="en-US" altLang="zh-CN" sz="2000" dirty="0"/>
               <a:t>-&gt;</a:t>
             </a:r>
             <a:r>
-              <a:rPr lang="en-US" altLang="zh-CN" sz="1900" dirty="0" err="1"/>
+              <a:rPr lang="en-US" altLang="zh-CN" sz="2000" dirty="0" err="1"/>
               <a:t>pconnect</a:t>
             </a:r>
             <a:r>
-              <a:rPr lang="en-US" altLang="zh-CN" sz="1900" dirty="0"/>
+              <a:rPr lang="en-US" altLang="zh-CN" sz="2000" dirty="0"/>
               <a:t>(‘127.0.0.1’,6379);  </a:t>
             </a:r>
           </a:p>
@@ -7871,77 +8110,77 @@
             <a:pPr marL="457200" lvl="1" indent="0">
               <a:buNone/>
             </a:pPr>
-            <a:endParaRPr lang="en-US" altLang="zh-CN" sz="1900" dirty="0"/>
+            <a:endParaRPr lang="en-US" altLang="zh-CN" sz="2000" dirty="0"/>
           </a:p>
           <a:p>
             <a:pPr marL="457200" lvl="1" indent="0">
               <a:buNone/>
             </a:pPr>
             <a:r>
-              <a:rPr lang="en-US" altLang="zh-CN" sz="1900" dirty="0"/>
+              <a:rPr lang="en-US" altLang="zh-CN" sz="2000" dirty="0"/>
               <a:t>$</a:t>
             </a:r>
             <a:r>
-              <a:rPr lang="en-US" altLang="zh-CN" sz="1900" dirty="0" err="1"/>
+              <a:rPr lang="en-US" altLang="zh-CN" sz="2000" dirty="0" err="1"/>
               <a:t>rd</a:t>
             </a:r>
             <a:r>
-              <a:rPr lang="en-US" altLang="zh-CN" sz="1900" dirty="0"/>
+              <a:rPr lang="en-US" altLang="zh-CN" sz="2000" dirty="0"/>
               <a:t>-&gt;</a:t>
             </a:r>
             <a:r>
-              <a:rPr lang="en-US" altLang="zh-CN" sz="1900" dirty="0" err="1"/>
+              <a:rPr lang="en-US" altLang="zh-CN" sz="2000" dirty="0" err="1"/>
               <a:t>setOption</a:t>
             </a:r>
             <a:r>
-              <a:rPr lang="en-US" altLang="zh-CN" sz="1900" dirty="0"/>
+              <a:rPr lang="en-US" altLang="zh-CN" sz="2000" dirty="0"/>
               <a:t>(</a:t>
             </a:r>
             <a:r>
-              <a:rPr lang="en-US" altLang="zh-CN" sz="1900" dirty="0" err="1"/>
+              <a:rPr lang="en-US" altLang="zh-CN" sz="2000" dirty="0" err="1"/>
               <a:t>Redis</a:t>
             </a:r>
             <a:r>
-              <a:rPr lang="en-US" altLang="zh-CN" sz="1900" dirty="0"/>
+              <a:rPr lang="en-US" altLang="zh-CN" sz="2000" dirty="0"/>
               <a:t>::OPT_READ_TIMEOUT, -1); //</a:t>
             </a:r>
             <a:r>
-              <a:rPr lang="zh-CN" altLang="en-US" sz="1900"/>
+              <a:rPr lang="zh-CN" altLang="en-US" sz="2000"/>
               <a:t>超时设置</a:t>
             </a:r>
-            <a:endParaRPr lang="en-US" altLang="zh-CN" sz="1900" dirty="0"/>
+            <a:endParaRPr lang="en-US" altLang="zh-CN" sz="2000" dirty="0"/>
           </a:p>
           <a:p>
             <a:pPr marL="457200" lvl="1" indent="0">
               <a:buNone/>
             </a:pPr>
             <a:br>
-              <a:rPr lang="en-US" altLang="zh-CN" sz="1900" dirty="0"/>
+              <a:rPr lang="en-US" altLang="zh-CN" sz="2000" dirty="0"/>
             </a:br>
             <a:r>
-              <a:rPr lang="en-US" altLang="zh-CN" sz="1900" dirty="0"/>
+              <a:rPr lang="en-US" altLang="zh-CN" sz="2000" dirty="0"/>
               <a:t>$</a:t>
             </a:r>
             <a:r>
-              <a:rPr lang="en-US" altLang="zh-CN" sz="1900" dirty="0" err="1"/>
+              <a:rPr lang="en-US" altLang="zh-CN" sz="2000" dirty="0" err="1"/>
               <a:t>rd</a:t>
             </a:r>
             <a:r>
-              <a:rPr lang="en-US" altLang="zh-CN" sz="1900" dirty="0"/>
+              <a:rPr lang="en-US" altLang="zh-CN" sz="2000" dirty="0"/>
               <a:t>-&gt;subscribe(['chan1','chan2','chan3'], '</a:t>
             </a:r>
             <a:r>
-              <a:rPr lang="en-US" altLang="zh-CN" sz="1900" dirty="0" err="1"/>
+              <a:rPr lang="en-US" altLang="zh-CN" sz="2000" dirty="0" err="1"/>
               <a:t>sub_handle</a:t>
             </a:r>
             <a:r>
-              <a:rPr lang="en-US" altLang="zh-CN" sz="1900" dirty="0"/>
+              <a:rPr lang="en-US" altLang="zh-CN" sz="2000" dirty="0"/>
               <a:t>');</a:t>
             </a:r>
             <a:br>
-              <a:rPr lang="en-US" altLang="zh-CN" sz="1800" dirty="0"/>
+              <a:rPr lang="en-US" altLang="zh-CN" sz="2000" dirty="0"/>
             </a:br>
-            <a:endParaRPr lang="en-US" altLang="zh-CN" sz="1800" dirty="0"/>
+            <a:endParaRPr lang="en-US" altLang="zh-CN" sz="2000" dirty="0"/>
           </a:p>
         </p:txBody>
       </p:sp>
@@ -8180,83 +8419,85 @@
           </a:xfrm>
         </p:spPr>
         <p:txBody>
-          <a:bodyPr/>
+          <a:bodyPr>
+            <a:normAutofit/>
+          </a:bodyPr>
           <a:lstStyle/>
           <a:p>
             <a:r>
-              <a:rPr lang="zh-CN" altLang="en-US" sz="2000" dirty="0"/>
+              <a:rPr lang="zh-CN" altLang="en-US" sz="2400" dirty="0"/>
               <a:t>消息队列在计算机系统上是进程间通信的方式。</a:t>
             </a:r>
-            <a:endParaRPr lang="en-US" altLang="zh-CN" sz="2000" dirty="0"/>
-          </a:p>
-          <a:p>
-            <a:endParaRPr lang="en-US" altLang="zh-CN" sz="2000" dirty="0"/>
-          </a:p>
-          <a:p>
-            <a:r>
-              <a:rPr lang="zh-CN" altLang="en-US" sz="2000" dirty="0"/>
+            <a:endParaRPr lang="en-US" altLang="zh-CN" sz="2400" dirty="0"/>
+          </a:p>
+          <a:p>
+            <a:endParaRPr lang="en-US" altLang="zh-CN" sz="2400" dirty="0"/>
+          </a:p>
+          <a:p>
+            <a:r>
+              <a:rPr lang="zh-CN" altLang="en-US" sz="2400" dirty="0"/>
               <a:t>消息队列提供了异步处理的方式。消息队列的发布者和接受者不需要知道对方，只需要采用一个协议进行通信即可。</a:t>
             </a:r>
-            <a:endParaRPr lang="en-US" altLang="zh-CN" sz="2000" dirty="0"/>
-          </a:p>
-          <a:p>
-            <a:endParaRPr lang="en-US" altLang="zh-CN" sz="2000" dirty="0"/>
-          </a:p>
-          <a:p>
-            <a:r>
-              <a:rPr lang="zh-CN" altLang="en-US" sz="2000" dirty="0"/>
+            <a:endParaRPr lang="en-US" altLang="zh-CN" sz="2400" dirty="0"/>
+          </a:p>
+          <a:p>
+            <a:endParaRPr lang="en-US" altLang="zh-CN" sz="2400" dirty="0"/>
+          </a:p>
+          <a:p>
+            <a:r>
+              <a:rPr lang="zh-CN" altLang="en-US" sz="2400" dirty="0"/>
               <a:t>消息队列的实现方式有多种，</a:t>
             </a:r>
             <a:r>
-              <a:rPr lang="en-US" altLang="zh-CN" sz="2000" dirty="0"/>
+              <a:rPr lang="en-US" altLang="zh-CN" sz="2400" dirty="0"/>
               <a:t>Linux</a:t>
             </a:r>
             <a:r>
-              <a:rPr lang="zh-CN" altLang="en-US" sz="2000" dirty="0"/>
+              <a:rPr lang="zh-CN" altLang="en-US" sz="2400" dirty="0"/>
               <a:t>系统本身就提供了消息队列的系统调用，这里关注的是</a:t>
             </a:r>
             <a:r>
-              <a:rPr lang="en-US" altLang="zh-CN" sz="2000" dirty="0"/>
+              <a:rPr lang="en-US" altLang="zh-CN" sz="2400" dirty="0"/>
               <a:t>PHP</a:t>
             </a:r>
             <a:r>
-              <a:rPr lang="zh-CN" altLang="en-US" sz="2000" dirty="0"/>
+              <a:rPr lang="zh-CN" altLang="en-US" sz="2400" dirty="0"/>
               <a:t>的扩展</a:t>
             </a:r>
             <a:r>
-              <a:rPr lang="en-US" altLang="zh-CN" sz="2000" dirty="0"/>
+              <a:rPr lang="en-US" altLang="zh-CN" sz="2400" dirty="0"/>
               <a:t>Semaphore</a:t>
             </a:r>
             <a:r>
-              <a:rPr lang="zh-CN" altLang="en-US" sz="2000" dirty="0"/>
+              <a:rPr lang="zh-CN" altLang="en-US" sz="2400" dirty="0"/>
               <a:t>和</a:t>
             </a:r>
             <a:r>
-              <a:rPr lang="en-US" altLang="zh-CN" sz="2000" dirty="0" err="1"/>
+              <a:rPr lang="en-US" altLang="zh-CN" sz="2400" dirty="0" err="1"/>
               <a:t>Redis</a:t>
             </a:r>
             <a:r>
-              <a:rPr lang="zh-CN" altLang="en-US" sz="2000" dirty="0"/>
+              <a:rPr lang="zh-CN" altLang="en-US" sz="2400" dirty="0"/>
               <a:t>。</a:t>
             </a:r>
-            <a:endParaRPr lang="en-US" altLang="zh-CN" sz="1800" dirty="0"/>
-          </a:p>
-          <a:p>
-            <a:endParaRPr lang="en-US" altLang="zh-CN" sz="1800" dirty="0"/>
-          </a:p>
-          <a:p>
-            <a:r>
-              <a:rPr lang="zh-CN" altLang="en-US" sz="1800" dirty="0"/>
+            <a:endParaRPr lang="en-US" altLang="zh-CN" sz="2400" dirty="0"/>
+          </a:p>
+          <a:p>
+            <a:endParaRPr lang="en-US" altLang="zh-CN" sz="2400" dirty="0"/>
+          </a:p>
+          <a:p>
+            <a:r>
+              <a:rPr lang="zh-CN" altLang="en-US" sz="2400" dirty="0"/>
               <a:t>消息队列先进先出，数据被读取后，便不再保存。继续读取是下一条信息。</a:t>
             </a:r>
-            <a:endParaRPr lang="en-US" altLang="zh-CN" sz="1800" dirty="0"/>
-          </a:p>
-          <a:p>
-            <a:endParaRPr lang="en-US" altLang="zh-CN" sz="1800" dirty="0"/>
+            <a:endParaRPr lang="en-US" altLang="zh-CN" sz="2400" dirty="0"/>
+          </a:p>
+          <a:p>
+            <a:endParaRPr lang="en-US" altLang="zh-CN" sz="2400" dirty="0"/>
           </a:p>
           <a:p>
             <a:pPr lvl="1"/>
-            <a:endParaRPr lang="en-US" altLang="zh-CN" sz="1600" dirty="0"/>
+            <a:endParaRPr lang="en-US" altLang="zh-CN" dirty="0"/>
           </a:p>
         </p:txBody>
       </p:sp>
@@ -8346,109 +8587,107 @@
           </a:xfrm>
         </p:spPr>
         <p:txBody>
-          <a:bodyPr/>
+          <a:bodyPr>
+            <a:normAutofit/>
+          </a:bodyPr>
           <a:lstStyle/>
           <a:p>
             <a:r>
-              <a:rPr lang="zh-CN" altLang="en-US" sz="2000" dirty="0"/>
+              <a:rPr lang="zh-CN" altLang="en-US" sz="2400" dirty="0"/>
               <a:t>用户论坛</a:t>
             </a:r>
             <a:r>
-              <a:rPr lang="en-US" altLang="zh-CN" sz="2000" dirty="0"/>
+              <a:rPr lang="en-US" altLang="zh-CN" sz="2400" dirty="0"/>
               <a:t>/</a:t>
             </a:r>
             <a:r>
-              <a:rPr lang="zh-CN" altLang="en-US" sz="2000" dirty="0"/>
+              <a:rPr lang="zh-CN" altLang="en-US" sz="2400" dirty="0"/>
               <a:t>微博发帖，同步操作的方式就是获取数据，进行合法</a:t>
             </a:r>
             <a:r>
-              <a:rPr lang="zh-CN" altLang="en-US" sz="2000"/>
+              <a:rPr lang="zh-CN" altLang="en-US" sz="2400"/>
               <a:t>检测，还要涉及到数据库写入操作，然后推</a:t>
             </a:r>
             <a:r>
-              <a:rPr lang="zh-CN" altLang="en-US" sz="2000" dirty="0"/>
+              <a:rPr lang="zh-CN" altLang="en-US" sz="2400" dirty="0"/>
               <a:t>送到客户端显示。存在的问题是：同步的方式整个过程完成后才返回结果，这个过程要和数据库通信，在高并发情况下直接导致服务系统崩溃。</a:t>
             </a:r>
-            <a:endParaRPr lang="en-US" altLang="zh-CN" sz="2000" dirty="0"/>
-          </a:p>
-          <a:p>
-            <a:r>
-              <a:rPr lang="zh-CN" altLang="en-US" sz="2000" dirty="0"/>
+            <a:endParaRPr lang="en-US" altLang="zh-CN" sz="2400" dirty="0"/>
+          </a:p>
+          <a:p>
+            <a:r>
+              <a:rPr lang="zh-CN" altLang="en-US" sz="2400" dirty="0"/>
               <a:t>解决方式是使用消息队列，用户提交数据后，后台程序仅仅是把这个请求放到消息队列中，有一个或多个监听消息队列的进程去处理。</a:t>
             </a:r>
-            <a:endParaRPr lang="en-US" altLang="zh-CN" sz="2000" dirty="0"/>
-          </a:p>
-          <a:p>
-            <a:endParaRPr lang="en-US" altLang="zh-CN" sz="2000" dirty="0"/>
-          </a:p>
-          <a:p>
-            <a:r>
-              <a:rPr lang="zh-CN" altLang="en-US" sz="2000" dirty="0"/>
-              <a:t>另一个场景：分布式系统多个服务器之间进行通信。</a:t>
-            </a:r>
-            <a:endParaRPr lang="en-US" altLang="zh-CN" sz="2000" dirty="0"/>
-          </a:p>
-          <a:p>
-            <a:endParaRPr lang="en-US" altLang="zh-CN" sz="2000" dirty="0"/>
-          </a:p>
-          <a:p>
-            <a:r>
-              <a:rPr lang="zh-CN" altLang="en-US" sz="2000" dirty="0"/>
-              <a:t>消息队列提供了异步处理的方式。消息队列的发布者和接受者不需要知道对方，只需要采用一个协议进行通信即可。</a:t>
-            </a:r>
-            <a:endParaRPr lang="en-US" altLang="zh-CN" sz="2000" dirty="0"/>
-          </a:p>
-          <a:p>
-            <a:endParaRPr lang="en-US" altLang="zh-CN" sz="2000" dirty="0"/>
-          </a:p>
-          <a:p>
-            <a:r>
-              <a:rPr lang="zh-CN" altLang="en-US" sz="2000" dirty="0"/>
-              <a:t>消息队列的实现方式有多种，</a:t>
-            </a:r>
-            <a:r>
-              <a:rPr lang="en-US" altLang="zh-CN" sz="2000" dirty="0"/>
+            <a:endParaRPr lang="en-US" altLang="zh-CN" sz="2400" dirty="0"/>
+          </a:p>
+          <a:p>
+            <a:endParaRPr lang="en-US" altLang="zh-CN" sz="2400" dirty="0"/>
+          </a:p>
+          <a:p>
+            <a:r>
+              <a:rPr lang="zh-CN" altLang="en-US" sz="2400" dirty="0"/>
+              <a:t>另一个场景：分布式系统多个服务器之间进行</a:t>
+            </a:r>
+            <a:r>
+              <a:rPr lang="zh-CN" altLang="en-US" sz="2400"/>
+              <a:t>通信。</a:t>
+            </a:r>
+            <a:endParaRPr lang="en-US" altLang="zh-CN" sz="2400" dirty="0"/>
+          </a:p>
+          <a:p>
+            <a:r>
+              <a:rPr lang="zh-CN" altLang="en-US" sz="2400" dirty="0"/>
+              <a:t>消息队列提供了异步处理的方式。消息队列的发布者和接受者不需要知道对方，只需要采用一个协议进行通信</a:t>
+            </a:r>
+            <a:r>
+              <a:rPr lang="zh-CN" altLang="en-US" sz="2400"/>
+              <a:t>即可。消息</a:t>
+            </a:r>
+            <a:r>
+              <a:rPr lang="zh-CN" altLang="en-US" sz="2400" dirty="0"/>
+              <a:t>队列的实现方式有多种，</a:t>
+            </a:r>
+            <a:r>
+              <a:rPr lang="en-US" altLang="zh-CN" sz="2400" dirty="0"/>
               <a:t>Linux</a:t>
             </a:r>
             <a:r>
-              <a:rPr lang="zh-CN" altLang="en-US" sz="2000" dirty="0"/>
+              <a:rPr lang="zh-CN" altLang="en-US" sz="2400" dirty="0"/>
               <a:t>系统本身就提供了消息队列的系统调用，这里关注的是</a:t>
             </a:r>
             <a:r>
-              <a:rPr lang="en-US" altLang="zh-CN" sz="2000" dirty="0"/>
+              <a:rPr lang="en-US" altLang="zh-CN" sz="2400" dirty="0"/>
               <a:t>PHP</a:t>
             </a:r>
             <a:r>
-              <a:rPr lang="zh-CN" altLang="en-US" sz="2000" dirty="0"/>
+              <a:rPr lang="zh-CN" altLang="en-US" sz="2400" dirty="0"/>
               <a:t>的扩展</a:t>
             </a:r>
             <a:r>
-              <a:rPr lang="en-US" altLang="zh-CN" sz="2000" dirty="0"/>
+              <a:rPr lang="en-US" altLang="zh-CN" sz="2400" dirty="0"/>
               <a:t>Semaphore</a:t>
             </a:r>
             <a:r>
-              <a:rPr lang="zh-CN" altLang="en-US" sz="2000" dirty="0"/>
+              <a:rPr lang="zh-CN" altLang="en-US" sz="2400" dirty="0"/>
               <a:t>和</a:t>
             </a:r>
             <a:r>
-              <a:rPr lang="en-US" altLang="zh-CN" sz="2000" dirty="0" err="1"/>
+              <a:rPr lang="en-US" altLang="zh-CN" sz="2400" err="1"/>
               <a:t>Redis</a:t>
             </a:r>
             <a:r>
-              <a:rPr lang="zh-CN" altLang="en-US" sz="2000" dirty="0"/>
+              <a:rPr lang="zh-CN" altLang="en-US" sz="2400"/>
               <a:t>。</a:t>
             </a:r>
-            <a:endParaRPr lang="en-US" altLang="zh-CN" sz="1800" dirty="0"/>
-          </a:p>
-          <a:p>
-            <a:endParaRPr lang="en-US" altLang="zh-CN" sz="1800" dirty="0"/>
-          </a:p>
-          <a:p>
-            <a:endParaRPr lang="en-US" altLang="zh-CN" sz="1800" dirty="0"/>
+            <a:endParaRPr lang="en-US" altLang="zh-CN" sz="2400" dirty="0"/>
+          </a:p>
+          <a:p>
+            <a:endParaRPr lang="en-US" altLang="zh-CN" sz="2400" dirty="0"/>
           </a:p>
           <a:p>
             <a:pPr lvl="1"/>
-            <a:endParaRPr lang="en-US" altLang="zh-CN" sz="1600" dirty="0"/>
+            <a:endParaRPr lang="en-US" altLang="zh-CN" dirty="0"/>
           </a:p>
         </p:txBody>
       </p:sp>
@@ -8538,58 +8777,70 @@
           </a:xfrm>
         </p:spPr>
         <p:txBody>
-          <a:bodyPr/>
+          <a:bodyPr>
+            <a:noAutofit/>
+          </a:bodyPr>
           <a:lstStyle/>
           <a:p>
             <a:r>
-              <a:rPr lang="zh-CN" altLang="en-US" sz="2000" dirty="0"/>
+              <a:rPr lang="zh-CN" altLang="en-US" sz="2400" dirty="0"/>
               <a:t>消息队列最主要优点是异步和解耦，异步处理可以减少请求响应时间。解耦能够降低程序复杂度，提高可扩展性与可维护性。</a:t>
             </a:r>
-            <a:endParaRPr lang="en-US" altLang="zh-CN" sz="2000" dirty="0"/>
-          </a:p>
-          <a:p>
-            <a:endParaRPr lang="en-US" altLang="zh-CN" sz="2000" dirty="0"/>
-          </a:p>
-          <a:p>
-            <a:r>
-              <a:rPr lang="zh-CN" altLang="en-US" sz="2000"/>
-              <a:t>缺点：编程相对麻烦，逻辑上不如同步的方式易于理解，</a:t>
-            </a:r>
-            <a:r>
-              <a:rPr lang="zh-CN" altLang="en-US" sz="2000" dirty="0"/>
-              <a:t>并且数据会暂时不一致，要等到消息队列的数据处理完。</a:t>
-            </a:r>
-            <a:endParaRPr lang="en-US" altLang="zh-CN" sz="2000" dirty="0"/>
-          </a:p>
-          <a:p>
-            <a:endParaRPr lang="en-US" altLang="zh-CN" sz="2000" dirty="0"/>
-          </a:p>
-          <a:p>
-            <a:r>
-              <a:rPr lang="zh-CN" altLang="en-US" sz="2000" dirty="0"/>
+            <a:endParaRPr lang="en-US" altLang="zh-CN" sz="2400" dirty="0"/>
+          </a:p>
+          <a:p>
+            <a:endParaRPr lang="en-US" altLang="zh-CN" sz="2400" dirty="0"/>
+          </a:p>
+          <a:p>
+            <a:r>
+              <a:rPr lang="zh-CN" altLang="en-US" sz="2400"/>
+              <a:t>缺点：编程相对麻烦，逻辑上不如同步的方式易于理解，并且数据会</a:t>
+            </a:r>
+            <a:r>
+              <a:rPr lang="zh-CN" altLang="en-US" sz="2400" dirty="0"/>
+              <a:t>暂时不一致，要等到消息</a:t>
+            </a:r>
+            <a:r>
+              <a:rPr lang="zh-CN" altLang="en-US" sz="2400"/>
+              <a:t>队列的监听进程处理完，数据库才会更新操作的数据。</a:t>
+            </a:r>
+            <a:endParaRPr lang="en-US" altLang="zh-CN" sz="2400" dirty="0"/>
+          </a:p>
+          <a:p>
+            <a:r>
+              <a:rPr lang="zh-CN" altLang="en-US" sz="2400" dirty="0"/>
               <a:t>使用消息队列的优势是明显的，缺点相对不足为虑。</a:t>
             </a:r>
-            <a:endParaRPr lang="en-US" altLang="zh-CN" sz="1800" dirty="0"/>
-          </a:p>
-          <a:p>
-            <a:endParaRPr lang="en-US" altLang="zh-CN" sz="2000" dirty="0"/>
-          </a:p>
-          <a:p>
-            <a:r>
-              <a:rPr lang="zh-CN" altLang="en-US" sz="2000" dirty="0"/>
-              <a:t>消息队列适合对实时同步要求不太高的场景，对于需要即时返回结果的场景不适用。</a:t>
-            </a:r>
-            <a:endParaRPr lang="en-US" altLang="zh-CN" sz="2000" dirty="0"/>
-          </a:p>
-          <a:p>
-            <a:endParaRPr lang="en-US" altLang="zh-CN" sz="2000" dirty="0"/>
-          </a:p>
-          <a:p>
-            <a:r>
-              <a:rPr lang="zh-CN" altLang="en-US" sz="2000" dirty="0"/>
+            <a:endParaRPr lang="en-US" altLang="zh-CN" sz="2400" dirty="0"/>
+          </a:p>
+          <a:p>
+            <a:endParaRPr lang="en-US" altLang="zh-CN" sz="2400" dirty="0"/>
+          </a:p>
+          <a:p>
+            <a:r>
+              <a:rPr lang="zh-CN" altLang="en-US" sz="2400" dirty="0"/>
+              <a:t>消息队列适合对实时同步要求不太高的场景，对于需要即时返回结果的场景</a:t>
+            </a:r>
+            <a:r>
+              <a:rPr lang="zh-CN" altLang="en-US" sz="2400"/>
+              <a:t>不适用。</a:t>
+            </a:r>
+            <a:endParaRPr lang="en-US" altLang="zh-CN" sz="2400" dirty="0"/>
+          </a:p>
+          <a:p>
+            <a:r>
+              <a:rPr lang="zh-CN" altLang="en-US" sz="2400" dirty="0">
+                <a:solidFill>
+                  <a:srgbClr val="C00000"/>
+                </a:solidFill>
+              </a:rPr>
               <a:t>！消息队列的使用不是必须的，盲目的在系统中引入消息队列并不会带来明显的效果，反而增加结构复杂度。对于小规模，并发量不高的网站来说是不必要的。</a:t>
             </a:r>
-            <a:endParaRPr lang="en-US" altLang="zh-CN" sz="2000" dirty="0"/>
+            <a:endParaRPr lang="en-US" altLang="zh-CN" sz="2400" dirty="0">
+              <a:solidFill>
+                <a:srgbClr val="C00000"/>
+              </a:solidFill>
+            </a:endParaRPr>
           </a:p>
         </p:txBody>
       </p:sp>
@@ -8839,104 +9090,106 @@
           </a:xfrm>
         </p:spPr>
         <p:txBody>
-          <a:bodyPr/>
+          <a:bodyPr>
+            <a:normAutofit/>
+          </a:bodyPr>
           <a:lstStyle/>
           <a:p>
             <a:r>
-              <a:rPr lang="zh-CN" altLang="en-US" sz="2000" dirty="0"/>
+              <a:rPr lang="zh-CN" altLang="en-US" sz="2400" dirty="0"/>
               <a:t>基于</a:t>
             </a:r>
             <a:r>
-              <a:rPr lang="en-US" altLang="zh-CN" sz="2000" dirty="0"/>
+              <a:rPr lang="en-US" altLang="zh-CN" sz="2400" dirty="0"/>
               <a:t>System V IPC </a:t>
             </a:r>
             <a:r>
-              <a:rPr lang="zh-CN" altLang="en-US" sz="2000" dirty="0"/>
+              <a:rPr lang="zh-CN" altLang="en-US" sz="2400" dirty="0"/>
               <a:t>函数族实现，包括信号量、共享内存，进程间通信。</a:t>
             </a:r>
-            <a:endParaRPr lang="en-US" altLang="zh-CN" sz="2000" dirty="0"/>
-          </a:p>
-          <a:p>
-            <a:endParaRPr lang="en-US" altLang="zh-CN" sz="2000" dirty="0"/>
-          </a:p>
-          <a:p>
-            <a:r>
-              <a:rPr lang="zh-CN" altLang="en-US" sz="2000" dirty="0"/>
+            <a:endParaRPr lang="en-US" altLang="zh-CN" sz="2400" dirty="0"/>
+          </a:p>
+          <a:p>
+            <a:endParaRPr lang="en-US" altLang="zh-CN" sz="2400" dirty="0"/>
+          </a:p>
+          <a:p>
+            <a:r>
+              <a:rPr lang="zh-CN" altLang="en-US" sz="2400" dirty="0"/>
               <a:t>此扩展在</a:t>
             </a:r>
             <a:r>
-              <a:rPr lang="en-US" altLang="zh-CN" sz="2000" dirty="0"/>
+              <a:rPr lang="en-US" altLang="zh-CN" sz="2400" dirty="0"/>
               <a:t>Windows</a:t>
             </a:r>
             <a:r>
-              <a:rPr lang="zh-CN" altLang="en-US" sz="2000" dirty="0"/>
+              <a:rPr lang="zh-CN" altLang="en-US" sz="2400" dirty="0"/>
               <a:t>上不可用。</a:t>
             </a:r>
-            <a:endParaRPr lang="en-US" altLang="zh-CN" sz="2000" dirty="0"/>
-          </a:p>
-          <a:p>
-            <a:endParaRPr lang="en-US" altLang="zh-CN" sz="2000" dirty="0"/>
-          </a:p>
-          <a:p>
-            <a:r>
-              <a:rPr lang="zh-CN" altLang="en-US" sz="2000" dirty="0"/>
+            <a:endParaRPr lang="en-US" altLang="zh-CN" sz="2400" dirty="0"/>
+          </a:p>
+          <a:p>
+            <a:endParaRPr lang="en-US" altLang="zh-CN" sz="2400" dirty="0"/>
+          </a:p>
+          <a:p>
+            <a:r>
+              <a:rPr lang="zh-CN" altLang="en-US" sz="2400" dirty="0"/>
               <a:t>如何安装：编译时加入</a:t>
             </a:r>
             <a:r>
-              <a:rPr lang="en-US" altLang="zh-CN" sz="2000" dirty="0"/>
+              <a:rPr lang="en-US" altLang="zh-CN" sz="2400" dirty="0"/>
               <a:t>--enable-</a:t>
             </a:r>
             <a:r>
-              <a:rPr lang="en-US" altLang="zh-CN" sz="2000" dirty="0" err="1"/>
+              <a:rPr lang="en-US" altLang="zh-CN" sz="2400" dirty="0" err="1"/>
               <a:t>sysvsem</a:t>
             </a:r>
             <a:r>
-              <a:rPr lang="zh-CN" altLang="en-US" sz="2000" dirty="0"/>
+              <a:rPr lang="zh-CN" altLang="en-US" sz="2400" dirty="0"/>
               <a:t> </a:t>
             </a:r>
             <a:r>
-              <a:rPr lang="en-US" altLang="zh-CN" sz="2000" dirty="0"/>
+              <a:rPr lang="en-US" altLang="zh-CN" sz="2400" dirty="0"/>
               <a:t>,</a:t>
             </a:r>
             <a:r>
-              <a:rPr lang="zh-CN" altLang="en-US" sz="2000" dirty="0"/>
+              <a:rPr lang="zh-CN" altLang="en-US" sz="2400" dirty="0"/>
               <a:t> </a:t>
             </a:r>
             <a:r>
-              <a:rPr lang="en-US" altLang="zh-CN" sz="2000" dirty="0"/>
+              <a:rPr lang="en-US" altLang="zh-CN" sz="2400" dirty="0"/>
               <a:t>--enable-</a:t>
             </a:r>
             <a:r>
-              <a:rPr lang="en-US" altLang="zh-CN" sz="2000" dirty="0" err="1"/>
+              <a:rPr lang="en-US" altLang="zh-CN" sz="2400" dirty="0" err="1"/>
               <a:t>sysvshm</a:t>
             </a:r>
             <a:r>
-              <a:rPr lang="en-US" altLang="zh-CN" sz="2000" dirty="0"/>
+              <a:rPr lang="en-US" altLang="zh-CN" sz="2400" dirty="0"/>
               <a:t> , --enable-</a:t>
             </a:r>
             <a:r>
-              <a:rPr lang="en-US" altLang="zh-CN" sz="2000" dirty="0" err="1"/>
+              <a:rPr lang="en-US" altLang="zh-CN" sz="2400" dirty="0" err="1"/>
               <a:t>sysvmsg</a:t>
             </a:r>
             <a:r>
-              <a:rPr lang="zh-CN" altLang="en-US" sz="2000" dirty="0"/>
+              <a:rPr lang="zh-CN" altLang="en-US" sz="2400" dirty="0"/>
               <a:t>。</a:t>
             </a:r>
-            <a:endParaRPr lang="en-US" altLang="zh-CN" sz="2000" dirty="0"/>
-          </a:p>
-          <a:p>
-            <a:endParaRPr lang="en-US" altLang="zh-CN" sz="2000" dirty="0"/>
-          </a:p>
-          <a:p>
-            <a:r>
-              <a:rPr lang="zh-CN" altLang="en-US" sz="2000" dirty="0"/>
+            <a:endParaRPr lang="en-US" altLang="zh-CN" sz="2400" dirty="0"/>
+          </a:p>
+          <a:p>
+            <a:endParaRPr lang="en-US" altLang="zh-CN" sz="2400" dirty="0"/>
+          </a:p>
+          <a:p>
+            <a:r>
+              <a:rPr lang="zh-CN" altLang="en-US" sz="2400" dirty="0"/>
               <a:t>依赖：不依赖其他扩展。</a:t>
             </a:r>
-            <a:endParaRPr lang="en-US" altLang="zh-CN" sz="1800" dirty="0"/>
+            <a:endParaRPr lang="en-US" altLang="zh-CN" sz="2400" dirty="0"/>
           </a:p>
           <a:p>
             <a:pPr lvl="1"/>
-            <a:endParaRPr lang="en-US" altLang="zh-CN" sz="1600" dirty="0"/>
+            <a:endParaRPr lang="en-US" altLang="zh-CN" dirty="0"/>
           </a:p>
         </p:txBody>
       </p:sp>
@@ -9034,9 +9287,12 @@
           <a:lstStyle/>
           <a:p>
             <a:r>
-              <a:rPr lang="zh-CN" altLang="en-US" sz="2000" dirty="0"/>
+              <a:rPr lang="zh-CN" altLang="en-US" sz="2400" dirty="0"/>
               <a:t>消息队列函数：</a:t>
             </a:r>
+            <a:endParaRPr lang="en-US" altLang="zh-CN" sz="2400" dirty="0"/>
+          </a:p>
+          <a:p>
             <a:endParaRPr lang="en-US" altLang="zh-CN" sz="2000" dirty="0"/>
           </a:p>
           <a:p>
@@ -9061,23 +9317,9 @@
             <a:endParaRPr lang="en-US" altLang="zh-CN" sz="2000" dirty="0"/>
           </a:p>
           <a:p>
-            <a:endParaRPr lang="en-US" altLang="zh-CN" sz="2000" dirty="0"/>
-          </a:p>
-          <a:p>
-            <a:endParaRPr lang="en-US" altLang="zh-CN" sz="2000" dirty="0"/>
-          </a:p>
-          <a:p>
-            <a:r>
-              <a:rPr lang="en-US" altLang="zh-CN" sz="2000" dirty="0"/>
-              <a:t>PHP</a:t>
-            </a:r>
-            <a:r>
-              <a:rPr lang="zh-CN" altLang="en-US" sz="2000" dirty="0"/>
-              <a:t>官方手册有此扩展详细说明。</a:t>
-            </a:r>
-            <a:endParaRPr lang="en-US" altLang="zh-CN" sz="2000" dirty="0"/>
-          </a:p>
-          <a:p>
+            <a:pPr marL="0" indent="0">
+              <a:buNone/>
+            </a:pPr>
             <a:endParaRPr lang="en-US" altLang="zh-CN" sz="1800" dirty="0"/>
           </a:p>
           <a:p>
@@ -9107,13 +9349,13 @@
           <p:nvPr>
             <p:extLst>
               <p:ext uri="{D42A27DB-BD31-4B8C-83A1-F6EECF244321}">
-                <p14:modId xmlns:p14="http://schemas.microsoft.com/office/powerpoint/2010/main" val="2445511957"/>
+                <p14:modId xmlns:p14="http://schemas.microsoft.com/office/powerpoint/2010/main" val="888814233"/>
               </p:ext>
             </p:extLst>
           </p:nvPr>
         </p:nvGraphicFramePr>
         <p:xfrm>
-          <a:off x="976544" y="2068496"/>
+          <a:off x="1064467" y="2270719"/>
           <a:ext cx="9241654" cy="3515556"/>
         </p:xfrm>
         <a:graphic>
@@ -9146,10 +9388,10 @@
                     <a:p>
                       <a:pPr algn="r"/>
                       <a:r>
-                        <a:rPr lang="en-US" altLang="zh-CN" dirty="0" err="1"/>
+                        <a:rPr lang="en-US" altLang="zh-CN" sz="2000" dirty="0" err="1"/>
                         <a:t>msg_get_queue</a:t>
                       </a:r>
-                      <a:endParaRPr lang="zh-CN" altLang="en-US" dirty="0"/>
+                      <a:endParaRPr lang="zh-CN" altLang="en-US" sz="2000" dirty="0"/>
                     </a:p>
                   </a:txBody>
                   <a:tcPr anchor="ctr"/>
@@ -9160,7 +9402,7 @@
                     <a:lstStyle/>
                     <a:p>
                       <a:r>
-                        <a:rPr lang="zh-CN" altLang="en-US" dirty="0"/>
+                        <a:rPr lang="zh-CN" altLang="en-US" sz="2000" dirty="0"/>
                         <a:t>创建或重用队列</a:t>
                       </a:r>
                     </a:p>
@@ -9181,10 +9423,10 @@
                     <a:p>
                       <a:pPr algn="r"/>
                       <a:r>
-                        <a:rPr lang="en-US" altLang="zh-CN" dirty="0" err="1"/>
+                        <a:rPr lang="en-US" altLang="zh-CN" sz="2000" dirty="0" err="1"/>
                         <a:t>msg_receive</a:t>
                       </a:r>
-                      <a:endParaRPr lang="zh-CN" altLang="en-US" dirty="0"/>
+                      <a:endParaRPr lang="zh-CN" altLang="en-US" sz="2000" dirty="0"/>
                     </a:p>
                   </a:txBody>
                   <a:tcPr anchor="ctr"/>
@@ -9195,7 +9437,7 @@
                     <a:lstStyle/>
                     <a:p>
                       <a:r>
-                        <a:rPr lang="zh-CN" altLang="en-US" dirty="0"/>
+                        <a:rPr lang="zh-CN" altLang="en-US" sz="2000" dirty="0"/>
                         <a:t>接收消息</a:t>
                       </a:r>
                     </a:p>
@@ -9216,10 +9458,10 @@
                     <a:p>
                       <a:pPr algn="r"/>
                       <a:r>
-                        <a:rPr lang="en-US" altLang="zh-CN" dirty="0" err="1"/>
+                        <a:rPr lang="en-US" altLang="zh-CN" sz="2000" dirty="0" err="1"/>
                         <a:t>msg_send</a:t>
                       </a:r>
-                      <a:endParaRPr lang="zh-CN" altLang="en-US" dirty="0"/>
+                      <a:endParaRPr lang="zh-CN" altLang="en-US" sz="2000" dirty="0"/>
                     </a:p>
                   </a:txBody>
                   <a:tcPr anchor="ctr"/>
@@ -9230,7 +9472,7 @@
                     <a:lstStyle/>
                     <a:p>
                       <a:r>
-                        <a:rPr lang="zh-CN" altLang="en-US" dirty="0"/>
+                        <a:rPr lang="zh-CN" altLang="en-US" sz="2000" dirty="0"/>
                         <a:t>发送消息</a:t>
                       </a:r>
                     </a:p>
@@ -9251,10 +9493,10 @@
                     <a:p>
                       <a:pPr algn="r"/>
                       <a:r>
-                        <a:rPr lang="en-US" altLang="zh-CN" dirty="0" err="1"/>
+                        <a:rPr lang="en-US" altLang="zh-CN" sz="2000" dirty="0" err="1"/>
                         <a:t>msg_remove_queue</a:t>
                       </a:r>
-                      <a:endParaRPr lang="zh-CN" altLang="en-US" dirty="0"/>
+                      <a:endParaRPr lang="zh-CN" altLang="en-US" sz="2000" dirty="0"/>
                     </a:p>
                   </a:txBody>
                   <a:tcPr anchor="ctr"/>
@@ -9265,7 +9507,7 @@
                     <a:lstStyle/>
                     <a:p>
                       <a:r>
-                        <a:rPr lang="zh-CN" altLang="en-US" dirty="0"/>
+                        <a:rPr lang="zh-CN" altLang="en-US" sz="2000" dirty="0"/>
                         <a:t>删除队列</a:t>
                       </a:r>
                     </a:p>
@@ -9286,10 +9528,10 @@
                     <a:p>
                       <a:pPr algn="r"/>
                       <a:r>
-                        <a:rPr lang="en-US" altLang="zh-CN" dirty="0" err="1"/>
+                        <a:rPr lang="en-US" altLang="zh-CN" sz="2000" dirty="0" err="1"/>
                         <a:t>msg_set_queue</a:t>
                       </a:r>
-                      <a:endParaRPr lang="zh-CN" altLang="en-US" dirty="0"/>
+                      <a:endParaRPr lang="zh-CN" altLang="en-US" sz="2000" dirty="0"/>
                     </a:p>
                   </a:txBody>
                   <a:tcPr anchor="ctr"/>
@@ -9300,7 +9542,7 @@
                     <a:lstStyle/>
                     <a:p>
                       <a:r>
-                        <a:rPr lang="zh-CN" altLang="en-US" dirty="0"/>
+                        <a:rPr lang="zh-CN" altLang="en-US" sz="2000" dirty="0"/>
                         <a:t>设置队列数据</a:t>
                       </a:r>
                     </a:p>
@@ -9321,10 +9563,10 @@
                     <a:p>
                       <a:pPr algn="r"/>
                       <a:r>
-                        <a:rPr lang="en-US" altLang="zh-CN" dirty="0" err="1"/>
+                        <a:rPr lang="en-US" altLang="zh-CN" sz="2000" dirty="0" err="1"/>
                         <a:t>msg_queue_exists</a:t>
                       </a:r>
-                      <a:endParaRPr lang="zh-CN" altLang="en-US" dirty="0"/>
+                      <a:endParaRPr lang="zh-CN" altLang="en-US" sz="2000" dirty="0"/>
                     </a:p>
                   </a:txBody>
                   <a:tcPr anchor="ctr"/>
@@ -9335,7 +9577,7 @@
                     <a:lstStyle/>
                     <a:p>
                       <a:r>
-                        <a:rPr lang="zh-CN" altLang="en-US" dirty="0"/>
+                        <a:rPr lang="zh-CN" altLang="en-US" sz="2000" dirty="0"/>
                         <a:t>检测队列是否存在</a:t>
                       </a:r>
                     </a:p>

--- a/materials/slides/ch07-message-queue.pptx
+++ b/materials/slides/ch07-message-queue.pptx
@@ -237,7 +237,7 @@
           <a:p>
             <a:fld id="{E923E828-953C-4D4A-9B10-11E7329F433D}" type="datetimeFigureOut">
               <a:rPr lang="zh-CN" altLang="en-US" smtClean="0"/>
-              <a:t>2018/4/3</a:t>
+              <a:t>2018/4/4</a:t>
             </a:fld>
             <a:endParaRPr lang="zh-CN" altLang="en-US"/>
           </a:p>
@@ -418,7 +418,7 @@
           <a:p>
             <a:fld id="{867C5346-22E5-4085-8130-851344A84DFF}" type="datetimeFigureOut">
               <a:rPr lang="zh-CN" altLang="en-US" smtClean="0"/>
-              <a:t>2018/4/3</a:t>
+              <a:t>2018/4/4</a:t>
             </a:fld>
             <a:endParaRPr lang="zh-CN" altLang="en-US"/>
           </a:p>
@@ -844,7 +844,7 @@
           <a:p>
             <a:fld id="{A5E21016-498F-4141-B0CA-D95A38CA7D62}" type="datetimeFigureOut">
               <a:rPr lang="zh-CN" altLang="en-US" smtClean="0"/>
-              <a:t>2018/4/3</a:t>
+              <a:t>2018/4/4</a:t>
             </a:fld>
             <a:endParaRPr lang="zh-CN" altLang="en-US"/>
           </a:p>
@@ -1074,7 +1074,7 @@
           <a:p>
             <a:fld id="{A5E21016-498F-4141-B0CA-D95A38CA7D62}" type="datetimeFigureOut">
               <a:rPr lang="zh-CN" altLang="en-US" smtClean="0"/>
-              <a:t>2018/4/3</a:t>
+              <a:t>2018/4/4</a:t>
             </a:fld>
             <a:endParaRPr lang="zh-CN" altLang="en-US"/>
           </a:p>
@@ -1309,7 +1309,7 @@
           <a:p>
             <a:fld id="{A5E21016-498F-4141-B0CA-D95A38CA7D62}" type="datetimeFigureOut">
               <a:rPr lang="zh-CN" altLang="en-US" smtClean="0"/>
-              <a:t>2018/4/3</a:t>
+              <a:t>2018/4/4</a:t>
             </a:fld>
             <a:endParaRPr lang="zh-CN" altLang="en-US"/>
           </a:p>
@@ -1871,7 +1871,7 @@
           <a:p>
             <a:fld id="{A5E21016-498F-4141-B0CA-D95A38CA7D62}" type="datetimeFigureOut">
               <a:rPr lang="zh-CN" altLang="en-US" smtClean="0"/>
-              <a:t>2018/4/3</a:t>
+              <a:t>2018/4/4</a:t>
             </a:fld>
             <a:endParaRPr lang="zh-CN" altLang="en-US"/>
           </a:p>
@@ -2168,7 +2168,7 @@
           <a:p>
             <a:fld id="{A5E21016-498F-4141-B0CA-D95A38CA7D62}" type="datetimeFigureOut">
               <a:rPr lang="zh-CN" altLang="en-US" smtClean="0"/>
-              <a:t>2018/4/3</a:t>
+              <a:t>2018/4/4</a:t>
             </a:fld>
             <a:endParaRPr lang="zh-CN" altLang="en-US"/>
           </a:p>
@@ -2607,7 +2607,7 @@
           <a:p>
             <a:fld id="{A5E21016-498F-4141-B0CA-D95A38CA7D62}" type="datetimeFigureOut">
               <a:rPr lang="zh-CN" altLang="en-US" smtClean="0"/>
-              <a:t>2018/4/3</a:t>
+              <a:t>2018/4/4</a:t>
             </a:fld>
             <a:endParaRPr lang="zh-CN" altLang="en-US"/>
           </a:p>
@@ -2780,7 +2780,7 @@
           <a:p>
             <a:fld id="{A5E21016-498F-4141-B0CA-D95A38CA7D62}" type="datetimeFigureOut">
               <a:rPr lang="zh-CN" altLang="en-US" smtClean="0"/>
-              <a:t>2018/4/3</a:t>
+              <a:t>2018/4/4</a:t>
             </a:fld>
             <a:endParaRPr lang="zh-CN" altLang="en-US"/>
           </a:p>
@@ -2917,7 +2917,7 @@
           <a:p>
             <a:fld id="{A5E21016-498F-4141-B0CA-D95A38CA7D62}" type="datetimeFigureOut">
               <a:rPr lang="zh-CN" altLang="en-US" smtClean="0"/>
-              <a:t>2018/4/3</a:t>
+              <a:t>2018/4/4</a:t>
             </a:fld>
             <a:endParaRPr lang="zh-CN" altLang="en-US"/>
           </a:p>
@@ -3255,7 +3255,7 @@
           <a:p>
             <a:fld id="{A5E21016-498F-4141-B0CA-D95A38CA7D62}" type="datetimeFigureOut">
               <a:rPr lang="zh-CN" altLang="en-US" smtClean="0"/>
-              <a:t>2018/4/3</a:t>
+              <a:t>2018/4/4</a:t>
             </a:fld>
             <a:endParaRPr lang="zh-CN" altLang="en-US"/>
           </a:p>
@@ -3570,7 +3570,7 @@
           <a:p>
             <a:fld id="{A5E21016-498F-4141-B0CA-D95A38CA7D62}" type="datetimeFigureOut">
               <a:rPr lang="zh-CN" altLang="en-US" smtClean="0"/>
-              <a:t>2018/4/3</a:t>
+              <a:t>2018/4/4</a:t>
             </a:fld>
             <a:endParaRPr lang="zh-CN" altLang="en-US"/>
           </a:p>
@@ -4728,12 +4728,27 @@
               <a:t>);</a:t>
             </a:r>
             <a:br>
-              <a:rPr lang="en-US" altLang="zh-CN" sz="2400" dirty="0"/>
+              <a:rPr lang="en-US" altLang="zh-CN" sz="2400"/>
             </a:br>
             <a:r>
-              <a:rPr lang="en-US" altLang="zh-CN" sz="2400" dirty="0"/>
+              <a:rPr lang="en-US" altLang="zh-CN" sz="2400"/>
               <a:t>}</a:t>
             </a:r>
+          </a:p>
+          <a:p>
+            <a:r>
+              <a:rPr lang="zh-CN" altLang="en-US" sz="2400"/>
+              <a:t>此操作是发送消息的类型为</a:t>
+            </a:r>
+            <a:r>
+              <a:rPr lang="en-US" altLang="zh-CN" sz="2400"/>
+              <a:t>1</a:t>
+            </a:r>
+            <a:r>
+              <a:rPr lang="zh-CN" altLang="en-US" sz="2400"/>
+              <a:t>。</a:t>
+            </a:r>
+            <a:endParaRPr lang="en-US" altLang="zh-CN" sz="2400"/>
           </a:p>
         </p:txBody>
       </p:sp>
@@ -4834,10 +4849,38 @@
           <a:p>
             <a:r>
               <a:rPr lang="zh-CN" altLang="en-US" sz="2000" dirty="0"/>
-              <a:t>接收消息代码：</a:t>
+              <a:t>接收</a:t>
+            </a:r>
+            <a:r>
+              <a:rPr lang="zh-CN" altLang="en-US" sz="2000"/>
+              <a:t>消息代码，接收类型为</a:t>
+            </a:r>
+            <a:r>
+              <a:rPr lang="en-US" altLang="zh-CN" sz="2000"/>
+              <a:t>0</a:t>
+            </a:r>
+            <a:r>
+              <a:rPr lang="zh-CN" altLang="en-US" sz="2000"/>
+              <a:t>（第二个参数），如果类型为</a:t>
+            </a:r>
+            <a:r>
+              <a:rPr lang="en-US" altLang="zh-CN" sz="2000"/>
+              <a:t>5</a:t>
+            </a:r>
+            <a:r>
+              <a:rPr lang="zh-CN" altLang="en-US" sz="2000"/>
+              <a:t>，则只有发送的消息类型为</a:t>
+            </a:r>
+            <a:r>
+              <a:rPr lang="en-US" altLang="zh-CN" sz="2000"/>
+              <a:t>5</a:t>
+            </a:r>
+            <a:r>
+              <a:rPr lang="zh-CN" altLang="en-US" sz="2000"/>
+              <a:t>的才能接收到：</a:t>
             </a:r>
             <a:br>
-              <a:rPr lang="en-US" altLang="zh-CN" sz="1800" dirty="0"/>
+              <a:rPr lang="en-US" altLang="zh-CN" sz="1400" dirty="0"/>
             </a:br>
             <a:r>
               <a:rPr lang="en-US" altLang="zh-CN" sz="2000" dirty="0"/>
@@ -4876,14 +4919,11 @@
             </a:r>
             <a:r>
               <a:rPr lang="en-US" altLang="zh-CN" sz="2000" dirty="0"/>
-              <a:t> = ‘’;</a:t>
-            </a:r>
-            <a:br>
-              <a:rPr lang="en-US" altLang="zh-CN" sz="2000" dirty="0"/>
-            </a:br>
-            <a:r>
-              <a:rPr lang="en-US" altLang="zh-CN" sz="2000" dirty="0"/>
-              <a:t>$</a:t>
+              <a:t> =</a:t>
+            </a:r>
+            <a:r>
+              <a:rPr lang="en-US" altLang="zh-CN" sz="2000"/>
+              <a:t> ‘’;  $</a:t>
             </a:r>
             <a:r>
               <a:rPr lang="en-US" altLang="zh-CN" sz="2000" dirty="0" err="1"/>
@@ -4891,14 +4931,11 @@
             </a:r>
             <a:r>
               <a:rPr lang="en-US" altLang="zh-CN" sz="2000" dirty="0"/>
-              <a:t>=0;</a:t>
-            </a:r>
-            <a:br>
-              <a:rPr lang="en-US" altLang="zh-CN" sz="2000" dirty="0"/>
-            </a:br>
-            <a:r>
-              <a:rPr lang="en-US" altLang="zh-CN" sz="2000" dirty="0"/>
-              <a:t>$</a:t>
+              <a:t>=</a:t>
+            </a:r>
+            <a:r>
+              <a:rPr lang="en-US" altLang="zh-CN" sz="2000"/>
+              <a:t>0;  $</a:t>
             </a:r>
             <a:r>
               <a:rPr lang="en-US" altLang="zh-CN" sz="2000" dirty="0" err="1"/>
@@ -4906,14 +4943,15 @@
             </a:r>
             <a:r>
               <a:rPr lang="en-US" altLang="zh-CN" sz="2000" dirty="0"/>
-              <a:t> = 0;</a:t>
-            </a:r>
-            <a:br>
-              <a:rPr lang="en-US" altLang="zh-CN" sz="2000" dirty="0"/>
-            </a:br>
-            <a:r>
-              <a:rPr lang="en-US" altLang="zh-CN" sz="2000" dirty="0"/>
-              <a:t>$count = </a:t>
+              <a:t> = </a:t>
+            </a:r>
+            <a:r>
+              <a:rPr lang="en-US" altLang="zh-CN" sz="2000"/>
+              <a:t>0;  $</a:t>
+            </a:r>
+            <a:r>
+              <a:rPr lang="en-US" altLang="zh-CN" sz="2000" dirty="0"/>
+              <a:t>count = </a:t>
             </a:r>
             <a:r>
               <a:rPr lang="en-US" altLang="zh-CN" sz="2000"/>
@@ -7148,89 +7186,90 @@
           <a:lstStyle/>
           <a:p>
             <a:r>
-              <a:rPr lang="en-US" altLang="zh-CN" sz="2000" dirty="0" err="1"/>
+              <a:rPr lang="en-US" altLang="zh-CN" sz="2400" dirty="0" err="1"/>
               <a:t>Redis</a:t>
             </a:r>
             <a:r>
-              <a:rPr lang="zh-CN" altLang="en-US" sz="2000" dirty="0"/>
-              <a:t>支持发布订阅模式。</a:t>
-            </a:r>
-            <a:endParaRPr lang="en-US" altLang="zh-CN" sz="2000" dirty="0"/>
-          </a:p>
-          <a:p>
-            <a:endParaRPr lang="en-US" altLang="zh-CN" sz="2000" dirty="0"/>
-          </a:p>
-          <a:p>
-            <a:r>
-              <a:rPr lang="zh-CN" altLang="en-US" sz="2000" dirty="0"/>
+              <a:rPr lang="zh-CN" altLang="en-US" sz="2400" dirty="0"/>
+              <a:t>支持发布订阅</a:t>
+            </a:r>
+            <a:r>
+              <a:rPr lang="zh-CN" altLang="en-US" sz="2400"/>
+              <a:t>模式。</a:t>
+            </a:r>
+            <a:endParaRPr lang="en-US" altLang="zh-CN" sz="2400" dirty="0"/>
+          </a:p>
+          <a:p>
+            <a:r>
+              <a:rPr lang="zh-CN" altLang="en-US" sz="2400" dirty="0"/>
               <a:t>客户端运行</a:t>
             </a:r>
             <a:r>
-              <a:rPr lang="en-US" altLang="zh-CN" sz="2000" dirty="0" err="1"/>
+              <a:rPr lang="en-US" altLang="zh-CN" sz="2400" dirty="0" err="1"/>
               <a:t>subcribe</a:t>
             </a:r>
             <a:r>
-              <a:rPr lang="en-US" altLang="zh-CN" sz="2000" dirty="0"/>
+              <a:rPr lang="en-US" altLang="zh-CN" sz="2400" dirty="0"/>
               <a:t> [ CHANNEL1 ] [ CHANNEL2 ]···</a:t>
             </a:r>
             <a:r>
-              <a:rPr lang="zh-CN" altLang="en-US" sz="2000" dirty="0"/>
+              <a:rPr lang="zh-CN" altLang="en-US" sz="2400" dirty="0"/>
               <a:t>订阅给指定频道的信息。</a:t>
             </a:r>
-            <a:endParaRPr lang="en-US" altLang="zh-CN" sz="2000" dirty="0"/>
-          </a:p>
-          <a:p>
-            <a:endParaRPr lang="en-US" altLang="zh-CN" sz="2000" dirty="0"/>
-          </a:p>
-          <a:p>
-            <a:r>
-              <a:rPr lang="zh-CN" altLang="en-US" sz="2000" dirty="0"/>
+            <a:endParaRPr lang="en-US" altLang="zh-CN" sz="2400" dirty="0"/>
+          </a:p>
+          <a:p>
+            <a:endParaRPr lang="en-US" altLang="zh-CN" sz="2400" dirty="0"/>
+          </a:p>
+          <a:p>
+            <a:r>
+              <a:rPr lang="zh-CN" altLang="en-US" sz="2400" dirty="0"/>
               <a:t>一旦客户端进入订阅状态，客户端就只可接受订阅相关的命令</a:t>
             </a:r>
           </a:p>
           <a:p>
-            <a:endParaRPr lang="en-US" altLang="zh-CN" sz="2000" dirty="0"/>
-          </a:p>
-          <a:p>
-            <a:r>
-              <a:rPr lang="zh-CN" altLang="en-US" sz="2000" dirty="0"/>
+            <a:endParaRPr lang="en-US" altLang="zh-CN" sz="2400" dirty="0"/>
+          </a:p>
+          <a:p>
+            <a:r>
+              <a:rPr lang="zh-CN" altLang="en-US" sz="2400" dirty="0"/>
               <a:t>使用</a:t>
             </a:r>
             <a:r>
-              <a:rPr lang="en-US" altLang="zh-CN" sz="2000" dirty="0"/>
+              <a:rPr lang="en-US" altLang="zh-CN" sz="2400" dirty="0"/>
               <a:t>publish [ CHANNEL ] [ DATA ] </a:t>
             </a:r>
             <a:r>
-              <a:rPr lang="zh-CN" altLang="en-US" sz="2000" dirty="0"/>
+              <a:rPr lang="zh-CN" altLang="en-US" sz="2400" dirty="0"/>
               <a:t>向指定频道发布数据。</a:t>
             </a:r>
-            <a:endParaRPr lang="en-US" altLang="zh-CN" sz="2000" dirty="0"/>
-          </a:p>
-          <a:p>
-            <a:r>
-              <a:rPr lang="zh-CN" altLang="en-US" sz="2000" dirty="0"/>
+            <a:endParaRPr lang="en-US" altLang="zh-CN" sz="2400" dirty="0"/>
+          </a:p>
+          <a:p>
+            <a:r>
+              <a:rPr lang="zh-CN" altLang="en-US" sz="2400" dirty="0"/>
               <a:t>示例：</a:t>
             </a:r>
-            <a:endParaRPr lang="en-US" altLang="zh-CN" sz="2000" dirty="0"/>
+            <a:endParaRPr lang="en-US" altLang="zh-CN" sz="2400" dirty="0"/>
           </a:p>
           <a:p>
             <a:pPr marL="457200" lvl="1" indent="0">
               <a:buNone/>
             </a:pPr>
             <a:r>
-              <a:rPr lang="zh-CN" altLang="en-US" sz="2000" dirty="0"/>
+              <a:rPr lang="zh-CN" altLang="en-US" dirty="0"/>
               <a:t>客户端</a:t>
             </a:r>
             <a:r>
-              <a:rPr lang="en-US" altLang="zh-CN" sz="2000" dirty="0"/>
+              <a:rPr lang="en-US" altLang="zh-CN" dirty="0"/>
               <a:t>1</a:t>
             </a:r>
             <a:r>
-              <a:rPr lang="zh-CN" altLang="en-US" sz="2000" dirty="0"/>
+              <a:rPr lang="zh-CN" altLang="en-US" dirty="0"/>
               <a:t>运行：</a:t>
             </a:r>
             <a:r>
-              <a:rPr lang="en-US" altLang="zh-CN" sz="2000" dirty="0"/>
+              <a:rPr lang="en-US" altLang="zh-CN" dirty="0"/>
               <a:t>subscribe  chan1  chan2</a:t>
             </a:r>
           </a:p>
@@ -7239,46 +7278,41 @@
               <a:buNone/>
             </a:pPr>
             <a:r>
-              <a:rPr lang="zh-CN" altLang="en-US" sz="2000" dirty="0"/>
+              <a:rPr lang="zh-CN" altLang="en-US" dirty="0"/>
               <a:t>客户端</a:t>
             </a:r>
             <a:r>
-              <a:rPr lang="en-US" altLang="zh-CN" sz="2000" dirty="0"/>
+              <a:rPr lang="en-US" altLang="zh-CN" dirty="0"/>
               <a:t>2</a:t>
             </a:r>
             <a:r>
-              <a:rPr lang="zh-CN" altLang="en-US" sz="2000" dirty="0"/>
+              <a:rPr lang="zh-CN" altLang="en-US" dirty="0"/>
               <a:t>运行：</a:t>
             </a:r>
             <a:r>
-              <a:rPr lang="en-US" altLang="zh-CN" sz="2000" dirty="0"/>
+              <a:rPr lang="en-US" altLang="zh-CN" dirty="0"/>
               <a:t>publish  chan1  ‘hello </a:t>
             </a:r>
             <a:r>
-              <a:rPr lang="en-US" altLang="zh-CN" sz="2000" dirty="0" err="1"/>
+              <a:rPr lang="en-US" altLang="zh-CN" dirty="0" err="1"/>
               <a:t>php</a:t>
             </a:r>
             <a:r>
-              <a:rPr lang="en-US" altLang="zh-CN" sz="2000" dirty="0"/>
+              <a:rPr lang="en-US" altLang="zh-CN" dirty="0"/>
               <a:t>’    ;   publish  chan2  ‘hello </a:t>
             </a:r>
             <a:r>
-              <a:rPr lang="en-US" altLang="zh-CN" sz="2000" dirty="0" err="1"/>
+              <a:rPr lang="en-US" altLang="zh-CN" err="1"/>
               <a:t>redis</a:t>
             </a:r>
             <a:r>
-              <a:rPr lang="en-US" altLang="zh-CN" sz="2000" dirty="0"/>
+              <a:rPr lang="en-US" altLang="zh-CN"/>
               <a:t>’</a:t>
             </a:r>
-          </a:p>
-          <a:p>
-            <a:pPr marL="457200" lvl="1" indent="0">
-              <a:buNone/>
-            </a:pPr>
-            <a:endParaRPr lang="zh-CN" altLang="en-US" sz="2000" dirty="0"/>
-          </a:p>
-          <a:p>
-            <a:endParaRPr lang="en-US" altLang="zh-CN" sz="2000" dirty="0"/>
+            <a:endParaRPr lang="zh-CN" altLang="en-US" dirty="0"/>
+          </a:p>
+          <a:p>
+            <a:endParaRPr lang="en-US" altLang="zh-CN" sz="2400" dirty="0"/>
           </a:p>
         </p:txBody>
       </p:sp>
@@ -8615,24 +8649,23 @@
             <a:endParaRPr lang="en-US" altLang="zh-CN" sz="2400" dirty="0"/>
           </a:p>
           <a:p>
+            <a:endParaRPr lang="en-US" altLang="zh-CN" sz="2400"/>
+          </a:p>
+          <a:p>
+            <a:r>
+              <a:rPr lang="zh-CN" altLang="en-US" sz="2400"/>
+              <a:t>解决</a:t>
+            </a:r>
             <a:r>
               <a:rPr lang="zh-CN" altLang="en-US" sz="2400" dirty="0"/>
-              <a:t>解决方式是使用消息队列，用户提交数据后，后台程序仅仅是把这个请求放到消息队列中，有一个或多个监听消息队列的进程去处理。</a:t>
+              <a:t>方式是使用消息队列，用户提交数据后，后台程序仅仅是把这个请求放到消息队列中，有一个或多个监听消息队列的进程去处理。</a:t>
             </a:r>
             <a:endParaRPr lang="en-US" altLang="zh-CN" sz="2400" dirty="0"/>
           </a:p>
           <a:p>
-            <a:endParaRPr lang="en-US" altLang="zh-CN" sz="2400" dirty="0"/>
-          </a:p>
-          <a:p>
-            <a:r>
-              <a:rPr lang="zh-CN" altLang="en-US" sz="2400" dirty="0"/>
-              <a:t>另一个场景：分布式系统多个服务器之间进行</a:t>
-            </a:r>
-            <a:r>
-              <a:rPr lang="zh-CN" altLang="en-US" sz="2400"/>
-              <a:t>通信。</a:t>
-            </a:r>
+            <a:pPr marL="0" indent="0">
+              <a:buNone/>
+            </a:pPr>
             <a:endParaRPr lang="en-US" altLang="zh-CN" sz="2400" dirty="0"/>
           </a:p>
           <a:p>
